--- a/tutorial/NeSC-2009/NeSC09-Practical-PPT.pptx
+++ b/tutorial/NeSC-2009/NeSC09-Practical-PPT.pptx
@@ -5,7 +5,7 @@
     <p:sldMasterId id="2147483689" r:id="rId1"/>
   </p:sldMasterIdLst>
   <p:notesMasterIdLst>
-    <p:notesMasterId r:id="rId35"/>
+    <p:notesMasterId r:id="rId40"/>
   </p:notesMasterIdLst>
   <p:sldIdLst>
     <p:sldId id="259" r:id="rId2"/>
@@ -25,22 +25,27 @@
     <p:sldId id="284" r:id="rId16"/>
     <p:sldId id="285" r:id="rId17"/>
     <p:sldId id="286" r:id="rId18"/>
-    <p:sldId id="287" r:id="rId19"/>
-    <p:sldId id="288" r:id="rId20"/>
-    <p:sldId id="289" r:id="rId21"/>
-    <p:sldId id="290" r:id="rId22"/>
-    <p:sldId id="291" r:id="rId23"/>
-    <p:sldId id="294" r:id="rId24"/>
-    <p:sldId id="272" r:id="rId25"/>
-    <p:sldId id="273" r:id="rId26"/>
-    <p:sldId id="292" r:id="rId27"/>
-    <p:sldId id="293" r:id="rId28"/>
-    <p:sldId id="275" r:id="rId29"/>
-    <p:sldId id="257" r:id="rId30"/>
-    <p:sldId id="262" r:id="rId31"/>
-    <p:sldId id="263" r:id="rId32"/>
-    <p:sldId id="261" r:id="rId33"/>
-    <p:sldId id="264" r:id="rId34"/>
+    <p:sldId id="296" r:id="rId19"/>
+    <p:sldId id="287" r:id="rId20"/>
+    <p:sldId id="288" r:id="rId21"/>
+    <p:sldId id="289" r:id="rId22"/>
+    <p:sldId id="290" r:id="rId23"/>
+    <p:sldId id="291" r:id="rId24"/>
+    <p:sldId id="294" r:id="rId25"/>
+    <p:sldId id="292" r:id="rId26"/>
+    <p:sldId id="293" r:id="rId27"/>
+    <p:sldId id="272" r:id="rId28"/>
+    <p:sldId id="273" r:id="rId29"/>
+    <p:sldId id="275" r:id="rId30"/>
+    <p:sldId id="295" r:id="rId31"/>
+    <p:sldId id="297" r:id="rId32"/>
+    <p:sldId id="257" r:id="rId33"/>
+    <p:sldId id="299" r:id="rId34"/>
+    <p:sldId id="300" r:id="rId35"/>
+    <p:sldId id="262" r:id="rId36"/>
+    <p:sldId id="263" r:id="rId37"/>
+    <p:sldId id="261" r:id="rId38"/>
+    <p:sldId id="264" r:id="rId39"/>
   </p:sldIdLst>
   <p:sldSz cx="13004800" cy="9753600"/>
   <p:notesSz cx="6858000" cy="9144000"/>
@@ -8153,7 +8158,7 @@
           <p:nvPr/>
         </p:nvGraphicFramePr>
         <p:xfrm>
-          <a:off x="1244600" y="2743200"/>
+          <a:off x="1244600" y="2590800"/>
           <a:ext cx="10972800" cy="3464560"/>
         </p:xfrm>
         <a:graphic>
@@ -8584,7 +8589,7 @@
           <a:p>
             <a:r>
               <a:rPr lang="en-US" dirty="0" smtClean="0"/>
-              <a:t>General Guidelines</a:t>
+              <a:t>Hands on</a:t>
             </a:r>
             <a:endParaRPr lang="en-US" dirty="0"/>
           </a:p>
@@ -8606,50 +8611,27 @@
           <a:lstStyle/>
           <a:p>
             <a:r>
-              <a:rPr lang="en-US" dirty="0" err="1" smtClean="0"/>
-              <a:t>Pimpl</a:t>
-            </a:r>
-            <a:r>
               <a:rPr lang="en-US" dirty="0" smtClean="0"/>
-              <a:t> paradigm, </a:t>
-            </a:r>
-            <a:r>
-              <a:rPr lang="en-US" dirty="0" err="1" smtClean="0"/>
-              <a:t>shared_ptr</a:t>
-            </a:r>
-            <a:endParaRPr lang="en-US" dirty="0" smtClean="0"/>
-          </a:p>
-          <a:p>
-            <a:pPr fontAlgn="ctr"/>
-            <a:r>
-              <a:rPr lang="en-US" sz="4000" dirty="0" smtClean="0"/>
-              <a:t>Sync/</a:t>
-            </a:r>
-            <a:r>
-              <a:rPr lang="en-US" sz="4000" dirty="0" err="1" smtClean="0"/>
-              <a:t>async</a:t>
-            </a:r>
-            <a:r>
-              <a:rPr lang="en-US" sz="4000" dirty="0" smtClean="0"/>
-              <a:t> API’s</a:t>
-            </a:r>
-            <a:endParaRPr lang="en-US" sz="9600" dirty="0" smtClean="0"/>
-          </a:p>
-          <a:p>
-            <a:pPr fontAlgn="ctr"/>
+              <a:t>Try and run command line tools</a:t>
+            </a:r>
+          </a:p>
+          <a:p>
             <a:r>
               <a:rPr lang="en-US" dirty="0" smtClean="0"/>
-              <a:t>Task container</a:t>
-            </a:r>
-          </a:p>
-          <a:p>
-            <a:pPr fontAlgn="ctr"/>
+              <a:t>Copy a file, move it, delete it</a:t>
+            </a:r>
+          </a:p>
+          <a:p>
             <a:r>
               <a:rPr lang="en-US" dirty="0" smtClean="0"/>
-              <a:t>Error handling</a:t>
-            </a:r>
-          </a:p>
-          <a:p>
+              <a:t>Run a job (/bin/sleep 10), monitor its status</a:t>
+            </a:r>
+          </a:p>
+          <a:p>
+            <a:r>
+              <a:rPr lang="en-US" dirty="0" smtClean="0"/>
+              <a:t>Play with advert service, create, directories, entries, store date, attributes</a:t>
+            </a:r>
             <a:endParaRPr lang="en-US" dirty="0"/>
           </a:p>
         </p:txBody>
@@ -8761,9 +8743,30 @@
         </p:nvSpPr>
         <p:spPr/>
         <p:txBody>
-          <a:bodyPr>
-            <a:normAutofit/>
-          </a:bodyPr>
+          <a:bodyPr/>
+          <a:lstStyle/>
+          <a:p>
+            <a:r>
+              <a:rPr lang="en-US" dirty="0" smtClean="0"/>
+              <a:t>General Guidelines</a:t>
+            </a:r>
+            <a:endParaRPr lang="en-US" dirty="0"/>
+          </a:p>
+        </p:txBody>
+      </p:sp>
+      <p:sp>
+        <p:nvSpPr>
+          <p:cNvPr id="3" name="Content Placeholder 2"/>
+          <p:cNvSpPr>
+            <a:spLocks noGrp="1"/>
+          </p:cNvSpPr>
+          <p:nvPr>
+            <p:ph sz="quarter" idx="1"/>
+          </p:nvPr>
+        </p:nvSpPr>
+        <p:spPr/>
+        <p:txBody>
+          <a:bodyPr/>
           <a:lstStyle/>
           <a:p>
             <a:r>
@@ -8779,6 +8782,39 @@
               <a:t>shared_ptr</a:t>
             </a:r>
             <a:endParaRPr lang="en-US" dirty="0" smtClean="0"/>
+          </a:p>
+          <a:p>
+            <a:pPr fontAlgn="ctr"/>
+            <a:r>
+              <a:rPr lang="en-US" sz="4000" dirty="0" smtClean="0"/>
+              <a:t>Sync/</a:t>
+            </a:r>
+            <a:r>
+              <a:rPr lang="en-US" sz="4000" dirty="0" err="1" smtClean="0"/>
+              <a:t>async</a:t>
+            </a:r>
+            <a:r>
+              <a:rPr lang="en-US" sz="4000" dirty="0" smtClean="0"/>
+              <a:t> API’s</a:t>
+            </a:r>
+            <a:endParaRPr lang="en-US" sz="9600" dirty="0" smtClean="0"/>
+          </a:p>
+          <a:p>
+            <a:pPr fontAlgn="ctr"/>
+            <a:r>
+              <a:rPr lang="en-US" dirty="0" smtClean="0"/>
+              <a:t>Task container</a:t>
+            </a:r>
+          </a:p>
+          <a:p>
+            <a:pPr fontAlgn="ctr"/>
+            <a:r>
+              <a:rPr lang="en-US" dirty="0" smtClean="0"/>
+              <a:t>Error handling</a:t>
+            </a:r>
+          </a:p>
+          <a:p>
+            <a:endParaRPr lang="en-US" dirty="0"/>
           </a:p>
         </p:txBody>
       </p:sp>
@@ -8852,59 +8888,11 @@
           </a:p>
         </p:txBody>
       </p:sp>
-      <p:pic>
-        <p:nvPicPr>
-          <p:cNvPr id="1027" name="Picture 3"/>
-          <p:cNvPicPr>
-            <a:picLocks noChangeAspect="1" noChangeArrowheads="1"/>
-          </p:cNvPicPr>
-          <p:nvPr/>
-        </p:nvPicPr>
-        <p:blipFill>
-          <a:blip r:embed="rId2" cstate="print"/>
-          <a:srcRect/>
-          <a:stretch>
-            <a:fillRect/>
-          </a:stretch>
-        </p:blipFill>
-        <p:spPr bwMode="auto">
-          <a:xfrm>
-            <a:off x="787400" y="2133600"/>
-            <a:ext cx="11435236" cy="6324600"/>
-          </a:xfrm>
-          <a:prstGeom prst="rect">
-            <a:avLst/>
-          </a:prstGeom>
-          <a:noFill/>
-          <a:ln w="9525">
-            <a:solidFill>
-              <a:schemeClr val="tx1"/>
-            </a:solidFill>
-            <a:miter lim="800000"/>
-            <a:headEnd/>
-            <a:tailEnd/>
-          </a:ln>
-          <a:effectLst>
-            <a:outerShdw blurRad="50800" dist="38100" dir="2700000" algn="tl" rotWithShape="0">
-              <a:prstClr val="black">
-                <a:alpha val="40000"/>
-              </a:prstClr>
-            </a:outerShdw>
-          </a:effectLst>
-        </p:spPr>
-      </p:pic>
     </p:spTree>
   </p:cSld>
   <p:clrMapOvr>
     <a:masterClrMapping/>
   </p:clrMapOvr>
-  <p:timing>
-    <p:tnLst>
-      <p:par>
-        <p:cTn id="1" dur="indefinite" restart="never" nodeType="tmRoot"/>
-      </p:par>
-    </p:tnLst>
-  </p:timing>
 </p:sld>
 </file>
 
@@ -9090,7 +9078,9 @@
         </p:nvSpPr>
         <p:spPr/>
         <p:txBody>
-          <a:bodyPr/>
+          <a:bodyPr>
+            <a:normAutofit/>
+          </a:bodyPr>
           <a:lstStyle/>
           <a:p>
             <a:r>
@@ -9105,6 +9095,180 @@
               <a:rPr lang="en-US" dirty="0" err="1" smtClean="0"/>
               <a:t>shared_ptr</a:t>
             </a:r>
+            <a:endParaRPr lang="en-US" dirty="0" smtClean="0"/>
+          </a:p>
+        </p:txBody>
+      </p:sp>
+      <p:sp>
+        <p:nvSpPr>
+          <p:cNvPr id="4" name="Date Placeholder 3"/>
+          <p:cNvSpPr>
+            <a:spLocks noGrp="1"/>
+          </p:cNvSpPr>
+          <p:nvPr>
+            <p:ph type="dt" sz="half" idx="2"/>
+          </p:nvPr>
+        </p:nvSpPr>
+        <p:spPr/>
+        <p:txBody>
+          <a:bodyPr/>
+          <a:lstStyle/>
+          <a:p>
+            <a:r>
+              <a:rPr lang="en-US" smtClean="0"/>
+              <a:t>September 3rd/4th, 2009</a:t>
+            </a:r>
+            <a:endParaRPr lang="en-US" dirty="0"/>
+          </a:p>
+        </p:txBody>
+      </p:sp>
+      <p:sp>
+        <p:nvSpPr>
+          <p:cNvPr id="5" name="Footer Placeholder 4"/>
+          <p:cNvSpPr>
+            <a:spLocks noGrp="1"/>
+          </p:cNvSpPr>
+          <p:nvPr>
+            <p:ph type="ftr" sz="quarter" idx="3"/>
+          </p:nvPr>
+        </p:nvSpPr>
+        <p:spPr/>
+        <p:txBody>
+          <a:bodyPr/>
+          <a:lstStyle/>
+          <a:p>
+            <a:r>
+              <a:rPr lang="en-US" smtClean="0"/>
+              <a:t>NeSC SAGA Tutorial</a:t>
+            </a:r>
+            <a:endParaRPr lang="en-US" dirty="0"/>
+          </a:p>
+        </p:txBody>
+      </p:sp>
+      <p:sp>
+        <p:nvSpPr>
+          <p:cNvPr id="6" name="Slide Number Placeholder 5"/>
+          <p:cNvSpPr>
+            <a:spLocks noGrp="1"/>
+          </p:cNvSpPr>
+          <p:nvPr>
+            <p:ph type="sldNum" sz="quarter" idx="4"/>
+          </p:nvPr>
+        </p:nvSpPr>
+        <p:spPr/>
+        <p:txBody>
+          <a:bodyPr/>
+          <a:lstStyle/>
+          <a:p>
+            <a:fld id="{7A426C1A-D210-4B4B-86AA-6AEDDDCCF5FF}" type="slidenum">
+              <a:rPr lang="en-US" smtClean="0"/>
+              <a:pPr/>
+              <a:t>20</a:t>
+            </a:fld>
+            <a:endParaRPr lang="en-US"/>
+          </a:p>
+        </p:txBody>
+      </p:sp>
+      <p:pic>
+        <p:nvPicPr>
+          <p:cNvPr id="1027" name="Picture 3"/>
+          <p:cNvPicPr>
+            <a:picLocks noChangeAspect="1" noChangeArrowheads="1"/>
+          </p:cNvPicPr>
+          <p:nvPr/>
+        </p:nvPicPr>
+        <p:blipFill>
+          <a:blip r:embed="rId2" cstate="print"/>
+          <a:srcRect/>
+          <a:stretch>
+            <a:fillRect/>
+          </a:stretch>
+        </p:blipFill>
+        <p:spPr bwMode="auto">
+          <a:xfrm>
+            <a:off x="787400" y="2133600"/>
+            <a:ext cx="11435236" cy="6324600"/>
+          </a:xfrm>
+          <a:prstGeom prst="rect">
+            <a:avLst/>
+          </a:prstGeom>
+          <a:noFill/>
+          <a:ln w="9525">
+            <a:solidFill>
+              <a:schemeClr val="tx1"/>
+            </a:solidFill>
+            <a:miter lim="800000"/>
+            <a:headEnd/>
+            <a:tailEnd/>
+          </a:ln>
+          <a:effectLst>
+            <a:outerShdw blurRad="50800" dist="38100" dir="2700000" algn="tl" rotWithShape="0">
+              <a:prstClr val="black">
+                <a:alpha val="40000"/>
+              </a:prstClr>
+            </a:outerShdw>
+          </a:effectLst>
+        </p:spPr>
+      </p:pic>
+    </p:spTree>
+  </p:cSld>
+  <p:clrMapOvr>
+    <a:masterClrMapping/>
+  </p:clrMapOvr>
+  <p:timing>
+    <p:tnLst>
+      <p:par>
+        <p:cTn id="1" dur="indefinite" restart="never" nodeType="tmRoot"/>
+      </p:par>
+    </p:tnLst>
+  </p:timing>
+</p:sld>
+</file>
+
+<file path=ppt/slides/slide21.xml><?xml version="1.0" encoding="utf-8"?>
+<p:sld xmlns:a="http://schemas.openxmlformats.org/drawingml/2006/main" xmlns:r="http://schemas.openxmlformats.org/officeDocument/2006/relationships" xmlns:p="http://schemas.openxmlformats.org/presentationml/2006/main">
+  <p:cSld>
+    <p:spTree>
+      <p:nvGrpSpPr>
+        <p:cNvPr id="1" name=""/>
+        <p:cNvGrpSpPr/>
+        <p:nvPr/>
+      </p:nvGrpSpPr>
+      <p:grpSpPr>
+        <a:xfrm>
+          <a:off x="0" y="0"/>
+          <a:ext cx="0" cy="0"/>
+          <a:chOff x="0" y="0"/>
+          <a:chExt cx="0" cy="0"/>
+        </a:xfrm>
+      </p:grpSpPr>
+      <p:sp>
+        <p:nvSpPr>
+          <p:cNvPr id="2" name="Title 1"/>
+          <p:cNvSpPr>
+            <a:spLocks noGrp="1"/>
+          </p:cNvSpPr>
+          <p:nvPr>
+            <p:ph type="title"/>
+          </p:nvPr>
+        </p:nvSpPr>
+        <p:spPr/>
+        <p:txBody>
+          <a:bodyPr/>
+          <a:lstStyle/>
+          <a:p>
+            <a:r>
+              <a:rPr lang="en-US" dirty="0" err="1" smtClean="0"/>
+              <a:t>Pimpl</a:t>
+            </a:r>
+            <a:r>
+              <a:rPr lang="en-US" dirty="0" smtClean="0"/>
+              <a:t> paradigm, </a:t>
+            </a:r>
+            <a:r>
+              <a:rPr lang="en-US" dirty="0" err="1" smtClean="0"/>
+              <a:t>shared_ptr</a:t>
+            </a:r>
             <a:endParaRPr lang="en-US" dirty="0"/>
           </a:p>
         </p:txBody>
@@ -9211,7 +9375,7 @@
             <a:fld id="{7A426C1A-D210-4B4B-86AA-6AEDDDCCF5FF}" type="slidenum">
               <a:rPr lang="en-US" smtClean="0"/>
               <a:pPr/>
-              <a:t>20</a:t>
+              <a:t>21</a:t>
             </a:fld>
             <a:endParaRPr lang="en-US"/>
           </a:p>
@@ -9523,311 +9687,6 @@
               </a:rPr>
               <a:t>}</a:t>
             </a:r>
-          </a:p>
-        </p:txBody>
-      </p:sp>
-    </p:spTree>
-  </p:cSld>
-  <p:clrMapOvr>
-    <a:masterClrMapping/>
-  </p:clrMapOvr>
-</p:sld>
-</file>
-
-<file path=ppt/slides/slide21.xml><?xml version="1.0" encoding="utf-8"?>
-<p:sld xmlns:a="http://schemas.openxmlformats.org/drawingml/2006/main" xmlns:r="http://schemas.openxmlformats.org/officeDocument/2006/relationships" xmlns:p="http://schemas.openxmlformats.org/presentationml/2006/main">
-  <p:cSld>
-    <p:spTree>
-      <p:nvGrpSpPr>
-        <p:cNvPr id="1" name=""/>
-        <p:cNvGrpSpPr/>
-        <p:nvPr/>
-      </p:nvGrpSpPr>
-      <p:grpSpPr>
-        <a:xfrm>
-          <a:off x="0" y="0"/>
-          <a:ext cx="0" cy="0"/>
-          <a:chOff x="0" y="0"/>
-          <a:chExt cx="0" cy="0"/>
-        </a:xfrm>
-      </p:grpSpPr>
-      <p:sp>
-        <p:nvSpPr>
-          <p:cNvPr id="2" name="Title 1"/>
-          <p:cNvSpPr>
-            <a:spLocks noGrp="1"/>
-          </p:cNvSpPr>
-          <p:nvPr>
-            <p:ph type="title"/>
-          </p:nvPr>
-        </p:nvSpPr>
-        <p:spPr/>
-        <p:txBody>
-          <a:bodyPr/>
-          <a:lstStyle/>
-          <a:p>
-            <a:r>
-              <a:rPr lang="en-US" dirty="0" smtClean="0"/>
-              <a:t>Sync/</a:t>
-            </a:r>
-            <a:r>
-              <a:rPr lang="en-US" dirty="0" err="1" smtClean="0"/>
-              <a:t>Async</a:t>
-            </a:r>
-            <a:r>
-              <a:rPr lang="en-US" dirty="0" smtClean="0"/>
-              <a:t> API’s</a:t>
-            </a:r>
-            <a:endParaRPr lang="en-US" dirty="0"/>
-          </a:p>
-        </p:txBody>
-      </p:sp>
-      <p:sp>
-        <p:nvSpPr>
-          <p:cNvPr id="3" name="Content Placeholder 2"/>
-          <p:cNvSpPr>
-            <a:spLocks noGrp="1"/>
-          </p:cNvSpPr>
-          <p:nvPr>
-            <p:ph sz="quarter" idx="1"/>
-          </p:nvPr>
-        </p:nvSpPr>
-        <p:spPr>
-          <a:xfrm>
-            <a:off x="650240" y="1600200"/>
-            <a:ext cx="11704320" cy="7391400"/>
-          </a:xfrm>
-        </p:spPr>
-        <p:txBody>
-          <a:bodyPr>
-            <a:normAutofit fontScale="92500"/>
-          </a:bodyPr>
-          <a:lstStyle/>
-          <a:p>
-            <a:r>
-              <a:rPr lang="en-US" dirty="0" smtClean="0"/>
-              <a:t>Almost all API objects expose 4 different sets of API functions:</a:t>
-            </a:r>
-          </a:p>
-          <a:p>
-            <a:pPr lvl="1"/>
-            <a:r>
-              <a:rPr lang="en-US" dirty="0" smtClean="0"/>
-              <a:t>Synchronous</a:t>
-            </a:r>
-          </a:p>
-          <a:p>
-            <a:pPr lvl="2"/>
-            <a:r>
-              <a:rPr lang="en-US" dirty="0" smtClean="0"/>
-              <a:t>Returns result synchronously</a:t>
-            </a:r>
-          </a:p>
-          <a:p>
-            <a:pPr lvl="2"/>
-            <a:r>
-              <a:rPr lang="en-US" dirty="0" smtClean="0"/>
-              <a:t>saga::</a:t>
-            </a:r>
-            <a:r>
-              <a:rPr lang="en-US" dirty="0" err="1" smtClean="0"/>
-              <a:t>off_t</a:t>
-            </a:r>
-            <a:r>
-              <a:rPr lang="en-US" dirty="0" smtClean="0"/>
-              <a:t> file::</a:t>
-            </a:r>
-            <a:r>
-              <a:rPr lang="en-US" dirty="0" err="1" smtClean="0"/>
-              <a:t>get_size</a:t>
-            </a:r>
-            <a:r>
-              <a:rPr lang="en-US" dirty="0" smtClean="0"/>
-              <a:t>();</a:t>
-            </a:r>
-          </a:p>
-          <a:p>
-            <a:pPr lvl="1"/>
-            <a:r>
-              <a:rPr lang="en-US" dirty="0" smtClean="0"/>
-              <a:t>Task based</a:t>
-            </a:r>
-          </a:p>
-          <a:p>
-            <a:pPr lvl="2"/>
-            <a:r>
-              <a:rPr lang="en-US" dirty="0" smtClean="0"/>
-              <a:t>Returns handle to deferred result (using a task object)</a:t>
-            </a:r>
-          </a:p>
-          <a:p>
-            <a:pPr lvl="2"/>
-            <a:r>
-              <a:rPr lang="en-US" dirty="0" smtClean="0"/>
-              <a:t>Asynchronous</a:t>
-            </a:r>
-          </a:p>
-          <a:p>
-            <a:pPr lvl="3"/>
-            <a:r>
-              <a:rPr lang="en-US" dirty="0" smtClean="0"/>
-              <a:t>saga::task not running yet</a:t>
-            </a:r>
-          </a:p>
-          <a:p>
-            <a:pPr lvl="3"/>
-            <a:r>
-              <a:rPr lang="en-US" dirty="0" smtClean="0"/>
-              <a:t>saga::task file::</a:t>
-            </a:r>
-            <a:r>
-              <a:rPr lang="en-US" dirty="0" err="1" smtClean="0"/>
-              <a:t>get_size</a:t>
-            </a:r>
-            <a:r>
-              <a:rPr lang="en-US" dirty="0" smtClean="0"/>
-              <a:t>&lt;saga::task::</a:t>
-            </a:r>
-            <a:r>
-              <a:rPr lang="en-US" dirty="0" err="1" smtClean="0"/>
-              <a:t>Async</a:t>
-            </a:r>
-            <a:r>
-              <a:rPr lang="en-US" dirty="0" smtClean="0"/>
-              <a:t>&gt;();</a:t>
-            </a:r>
-          </a:p>
-          <a:p>
-            <a:pPr lvl="2"/>
-            <a:r>
-              <a:rPr lang="en-US" dirty="0" smtClean="0"/>
-              <a:t>Task</a:t>
-            </a:r>
-          </a:p>
-          <a:p>
-            <a:pPr lvl="3"/>
-            <a:r>
-              <a:rPr lang="en-US" dirty="0" smtClean="0"/>
-              <a:t>saga::task already running </a:t>
-            </a:r>
-          </a:p>
-          <a:p>
-            <a:pPr lvl="3"/>
-            <a:r>
-              <a:rPr lang="en-US" dirty="0" smtClean="0"/>
-              <a:t>saga::task file::</a:t>
-            </a:r>
-            <a:r>
-              <a:rPr lang="en-US" dirty="0" err="1" smtClean="0"/>
-              <a:t>get_size</a:t>
-            </a:r>
-            <a:r>
-              <a:rPr lang="en-US" dirty="0" smtClean="0"/>
-              <a:t>&lt;saga::task::Task&gt;();</a:t>
-            </a:r>
-          </a:p>
-          <a:p>
-            <a:pPr lvl="2"/>
-            <a:r>
-              <a:rPr lang="en-US" dirty="0" smtClean="0"/>
-              <a:t>Synchronous</a:t>
-            </a:r>
-          </a:p>
-          <a:p>
-            <a:pPr lvl="3"/>
-            <a:r>
-              <a:rPr lang="en-US" dirty="0" smtClean="0"/>
-              <a:t>saga::task guaranteed to be finished</a:t>
-            </a:r>
-          </a:p>
-          <a:p>
-            <a:pPr lvl="3"/>
-            <a:r>
-              <a:rPr lang="en-US" dirty="0" smtClean="0"/>
-              <a:t>saga::task file::</a:t>
-            </a:r>
-            <a:r>
-              <a:rPr lang="en-US" dirty="0" err="1" smtClean="0"/>
-              <a:t>get_size</a:t>
-            </a:r>
-            <a:r>
-              <a:rPr lang="en-US" dirty="0" smtClean="0"/>
-              <a:t>&lt;saga::task::Sync&gt;();</a:t>
-            </a:r>
-          </a:p>
-          <a:p>
-            <a:pPr lvl="2"/>
-            <a:endParaRPr lang="en-US" dirty="0"/>
-          </a:p>
-        </p:txBody>
-      </p:sp>
-      <p:sp>
-        <p:nvSpPr>
-          <p:cNvPr id="4" name="Date Placeholder 3"/>
-          <p:cNvSpPr>
-            <a:spLocks noGrp="1"/>
-          </p:cNvSpPr>
-          <p:nvPr>
-            <p:ph type="dt" sz="half" idx="2"/>
-          </p:nvPr>
-        </p:nvSpPr>
-        <p:spPr/>
-        <p:txBody>
-          <a:bodyPr/>
-          <a:lstStyle/>
-          <a:p>
-            <a:r>
-              <a:rPr lang="en-US" smtClean="0"/>
-              <a:t>September 3rd/4th, 2009</a:t>
-            </a:r>
-            <a:endParaRPr lang="en-US" dirty="0"/>
-          </a:p>
-        </p:txBody>
-      </p:sp>
-      <p:sp>
-        <p:nvSpPr>
-          <p:cNvPr id="5" name="Footer Placeholder 4"/>
-          <p:cNvSpPr>
-            <a:spLocks noGrp="1"/>
-          </p:cNvSpPr>
-          <p:nvPr>
-            <p:ph type="ftr" sz="quarter" idx="3"/>
-          </p:nvPr>
-        </p:nvSpPr>
-        <p:spPr/>
-        <p:txBody>
-          <a:bodyPr/>
-          <a:lstStyle/>
-          <a:p>
-            <a:r>
-              <a:rPr lang="en-US" smtClean="0"/>
-              <a:t>NeSC SAGA Tutorial</a:t>
-            </a:r>
-            <a:endParaRPr lang="en-US" dirty="0"/>
-          </a:p>
-        </p:txBody>
-      </p:sp>
-      <p:sp>
-        <p:nvSpPr>
-          <p:cNvPr id="6" name="Slide Number Placeholder 5"/>
-          <p:cNvSpPr>
-            <a:spLocks noGrp="1"/>
-          </p:cNvSpPr>
-          <p:nvPr>
-            <p:ph type="sldNum" sz="quarter" idx="4"/>
-          </p:nvPr>
-        </p:nvSpPr>
-        <p:spPr/>
-        <p:txBody>
-          <a:bodyPr/>
-          <a:lstStyle/>
-          <a:p>
-            <a:fld id="{7A426C1A-D210-4B4B-86AA-6AEDDDCCF5FF}" type="slidenum">
-              <a:rPr lang="en-US" smtClean="0"/>
-              <a:pPr/>
-              <a:t>21</a:t>
-            </a:fld>
-            <a:endParaRPr lang="en-US"/>
           </a:p>
         </p:txBody>
       </p:sp>
@@ -9897,30 +9756,171 @@
             <p:ph sz="quarter" idx="1"/>
           </p:nvPr>
         </p:nvSpPr>
-        <p:spPr/>
-        <p:txBody>
-          <a:bodyPr/>
-          <a:lstStyle/>
-          <a:p>
+        <p:spPr>
+          <a:xfrm>
+            <a:off x="650240" y="1600200"/>
+            <a:ext cx="11704320" cy="7391400"/>
+          </a:xfrm>
+        </p:spPr>
+        <p:txBody>
+          <a:bodyPr>
+            <a:normAutofit fontScale="92500"/>
+          </a:bodyPr>
+          <a:lstStyle/>
+          <a:p>
+            <a:r>
+              <a:rPr lang="en-US" dirty="0" smtClean="0"/>
+              <a:t>Almost all API objects expose 4 different sets of API functions:</a:t>
+            </a:r>
+          </a:p>
+          <a:p>
+            <a:pPr lvl="1"/>
             <a:r>
               <a:rPr lang="en-US" dirty="0" smtClean="0"/>
               <a:t>Synchronous</a:t>
             </a:r>
           </a:p>
           <a:p>
-            <a:endParaRPr lang="en-US" dirty="0" smtClean="0"/>
-          </a:p>
-          <a:p>
-            <a:endParaRPr lang="en-US" dirty="0" smtClean="0"/>
-          </a:p>
-          <a:p>
-            <a:endParaRPr lang="en-US" dirty="0" smtClean="0"/>
-          </a:p>
-          <a:p>
+            <a:pPr lvl="2"/>
+            <a:r>
+              <a:rPr lang="en-US" dirty="0" smtClean="0"/>
+              <a:t>Returns result synchronously</a:t>
+            </a:r>
+          </a:p>
+          <a:p>
+            <a:pPr lvl="2"/>
+            <a:r>
+              <a:rPr lang="en-US" dirty="0" smtClean="0"/>
+              <a:t>saga::</a:t>
+            </a:r>
+            <a:r>
+              <a:rPr lang="en-US" dirty="0" err="1" smtClean="0"/>
+              <a:t>off_t</a:t>
+            </a:r>
+            <a:r>
+              <a:rPr lang="en-US" dirty="0" smtClean="0"/>
+              <a:t> file::</a:t>
+            </a:r>
+            <a:r>
+              <a:rPr lang="en-US" dirty="0" err="1" smtClean="0"/>
+              <a:t>get_size</a:t>
+            </a:r>
+            <a:r>
+              <a:rPr lang="en-US" dirty="0" smtClean="0"/>
+              <a:t>();</a:t>
+            </a:r>
+          </a:p>
+          <a:p>
+            <a:pPr lvl="1"/>
+            <a:r>
+              <a:rPr lang="en-US" dirty="0" smtClean="0"/>
+              <a:t>Task based</a:t>
+            </a:r>
+          </a:p>
+          <a:p>
+            <a:pPr lvl="2"/>
+            <a:r>
+              <a:rPr lang="en-US" dirty="0" smtClean="0"/>
+              <a:t>Returns handle to deferred result (using a task object)</a:t>
+            </a:r>
+          </a:p>
+          <a:p>
+            <a:pPr lvl="2"/>
             <a:r>
               <a:rPr lang="en-US" dirty="0" smtClean="0"/>
               <a:t>Asynchronous</a:t>
             </a:r>
+          </a:p>
+          <a:p>
+            <a:pPr lvl="3"/>
+            <a:r>
+              <a:rPr lang="en-US" dirty="0" smtClean="0"/>
+              <a:t>saga::task not running yet</a:t>
+            </a:r>
+          </a:p>
+          <a:p>
+            <a:pPr lvl="3"/>
+            <a:r>
+              <a:rPr lang="en-US" dirty="0" smtClean="0"/>
+              <a:t>saga::task file::</a:t>
+            </a:r>
+            <a:r>
+              <a:rPr lang="en-US" dirty="0" err="1" smtClean="0"/>
+              <a:t>get_size</a:t>
+            </a:r>
+            <a:r>
+              <a:rPr lang="en-US" dirty="0" smtClean="0"/>
+              <a:t>&lt;saga::task::</a:t>
+            </a:r>
+            <a:r>
+              <a:rPr lang="en-US" dirty="0" err="1" smtClean="0"/>
+              <a:t>Async</a:t>
+            </a:r>
+            <a:r>
+              <a:rPr lang="en-US" dirty="0" smtClean="0"/>
+              <a:t>&gt;();</a:t>
+            </a:r>
+          </a:p>
+          <a:p>
+            <a:pPr lvl="2"/>
+            <a:r>
+              <a:rPr lang="en-US" dirty="0" smtClean="0"/>
+              <a:t>Task</a:t>
+            </a:r>
+          </a:p>
+          <a:p>
+            <a:pPr lvl="3"/>
+            <a:r>
+              <a:rPr lang="en-US" dirty="0" smtClean="0"/>
+              <a:t>saga::task already running </a:t>
+            </a:r>
+          </a:p>
+          <a:p>
+            <a:pPr lvl="3"/>
+            <a:r>
+              <a:rPr lang="en-US" dirty="0" smtClean="0"/>
+              <a:t>saga::task file::</a:t>
+            </a:r>
+            <a:r>
+              <a:rPr lang="en-US" dirty="0" err="1" smtClean="0"/>
+              <a:t>get_size</a:t>
+            </a:r>
+            <a:r>
+              <a:rPr lang="en-US" dirty="0" smtClean="0"/>
+              <a:t>&lt;saga::task::Task&gt;();</a:t>
+            </a:r>
+          </a:p>
+          <a:p>
+            <a:pPr lvl="2"/>
+            <a:r>
+              <a:rPr lang="en-US" dirty="0" smtClean="0"/>
+              <a:t>Synchronous</a:t>
+            </a:r>
+          </a:p>
+          <a:p>
+            <a:pPr lvl="3"/>
+            <a:r>
+              <a:rPr lang="en-US" dirty="0" smtClean="0"/>
+              <a:t>saga::task guaranteed to be finished</a:t>
+            </a:r>
+          </a:p>
+          <a:p>
+            <a:pPr lvl="3"/>
+            <a:r>
+              <a:rPr lang="en-US" dirty="0" smtClean="0"/>
+              <a:t>saga::task file::</a:t>
+            </a:r>
+            <a:r>
+              <a:rPr lang="en-US" dirty="0" err="1" smtClean="0"/>
+              <a:t>get_size</a:t>
+            </a:r>
+            <a:r>
+              <a:rPr lang="en-US" dirty="0" smtClean="0"/>
+              <a:t>&lt;saga::task::Sync&gt;();</a:t>
+            </a:r>
+          </a:p>
+          <a:p>
+            <a:pPr lvl="2"/>
             <a:endParaRPr lang="en-US" dirty="0"/>
           </a:p>
         </p:txBody>
@@ -9992,213 +9992,6 @@
               <a:t>22</a:t>
             </a:fld>
             <a:endParaRPr lang="en-US"/>
-          </a:p>
-        </p:txBody>
-      </p:sp>
-      <p:sp>
-        <p:nvSpPr>
-          <p:cNvPr id="7" name="TextBox 6"/>
-          <p:cNvSpPr txBox="1"/>
-          <p:nvPr/>
-        </p:nvSpPr>
-        <p:spPr>
-          <a:xfrm>
-            <a:off x="863600" y="2438400"/>
-            <a:ext cx="11353800" cy="1569660"/>
-          </a:xfrm>
-          <a:prstGeom prst="rect">
-            <a:avLst/>
-          </a:prstGeom>
-          <a:solidFill>
-            <a:schemeClr val="accent1">
-              <a:lumMod val="40000"/>
-              <a:lumOff val="60000"/>
-            </a:schemeClr>
-          </a:solidFill>
-          <a:effectLst>
-            <a:outerShdw blurRad="50800" dist="38100" dir="2700000" algn="tl" rotWithShape="0">
-              <a:prstClr val="black">
-                <a:alpha val="40000"/>
-              </a:prstClr>
-            </a:outerShdw>
-          </a:effectLst>
-        </p:spPr>
-        <p:txBody>
-          <a:bodyPr wrap="square" rtlCol="0" anchor="t">
-            <a:spAutoFit/>
-          </a:bodyPr>
-          <a:lstStyle/>
-          <a:p>
-            <a:pPr marL="0" lvl="3" algn="l"/>
-            <a:r>
-              <a:rPr lang="en-US" sz="2400" dirty="0" smtClean="0">
-                <a:latin typeface="Consolas" pitchFamily="49" charset="0"/>
-                <a:cs typeface="Consolas" pitchFamily="49" charset="0"/>
-              </a:rPr>
-              <a:t>saga::</a:t>
-            </a:r>
-            <a:r>
-              <a:rPr lang="en-US" sz="2400" dirty="0" err="1" smtClean="0">
-                <a:latin typeface="Consolas" pitchFamily="49" charset="0"/>
-                <a:cs typeface="Consolas" pitchFamily="49" charset="0"/>
-              </a:rPr>
-              <a:t>url</a:t>
-            </a:r>
-            <a:r>
-              <a:rPr lang="en-US" sz="2400" dirty="0" smtClean="0">
-                <a:latin typeface="Consolas" pitchFamily="49" charset="0"/>
-                <a:cs typeface="Consolas" pitchFamily="49" charset="0"/>
-              </a:rPr>
-              <a:t> source("ssh://tc17/etc/passwd");</a:t>
-            </a:r>
-          </a:p>
-          <a:p>
-            <a:pPr marL="0" lvl="3" algn="l"/>
-            <a:r>
-              <a:rPr lang="de-DE" sz="2400" dirty="0" smtClean="0">
-                <a:latin typeface="Consolas" pitchFamily="49" charset="0"/>
-                <a:cs typeface="Consolas" pitchFamily="49" charset="0"/>
-              </a:rPr>
-              <a:t>saga::filesystem::file f(source, saga::filesystem::Read);</a:t>
-            </a:r>
-          </a:p>
-          <a:p>
-            <a:pPr marL="0" lvl="3" algn="l"/>
-            <a:endParaRPr lang="de-DE" sz="2400" dirty="0" smtClean="0">
-              <a:latin typeface="Consolas" pitchFamily="49" charset="0"/>
-              <a:cs typeface="Consolas" pitchFamily="49" charset="0"/>
-            </a:endParaRPr>
-          </a:p>
-          <a:p>
-            <a:pPr marL="0" lvl="3" algn="l"/>
-            <a:r>
-              <a:rPr lang="de-DE" sz="2400" dirty="0" smtClean="0">
-                <a:latin typeface="Consolas" pitchFamily="49" charset="0"/>
-                <a:cs typeface="Consolas" pitchFamily="49" charset="0"/>
-              </a:rPr>
-              <a:t>saga::off_t size = f.get_size();</a:t>
-            </a:r>
-            <a:endParaRPr lang="en-US" sz="2400" dirty="0" smtClean="0">
-              <a:latin typeface="Consolas" pitchFamily="49" charset="0"/>
-              <a:cs typeface="Consolas" pitchFamily="49" charset="0"/>
-            </a:endParaRPr>
-          </a:p>
-        </p:txBody>
-      </p:sp>
-      <p:sp>
-        <p:nvSpPr>
-          <p:cNvPr id="8" name="TextBox 7"/>
-          <p:cNvSpPr txBox="1"/>
-          <p:nvPr/>
-        </p:nvSpPr>
-        <p:spPr>
-          <a:xfrm>
-            <a:off x="863600" y="5181600"/>
-            <a:ext cx="11353800" cy="2677656"/>
-          </a:xfrm>
-          <a:prstGeom prst="rect">
-            <a:avLst/>
-          </a:prstGeom>
-          <a:solidFill>
-            <a:schemeClr val="accent1">
-              <a:lumMod val="40000"/>
-              <a:lumOff val="60000"/>
-            </a:schemeClr>
-          </a:solidFill>
-          <a:effectLst>
-            <a:outerShdw blurRad="50800" dist="38100" dir="2700000" algn="tl" rotWithShape="0">
-              <a:prstClr val="black">
-                <a:alpha val="40000"/>
-              </a:prstClr>
-            </a:outerShdw>
-          </a:effectLst>
-        </p:spPr>
-        <p:txBody>
-          <a:bodyPr wrap="square" rtlCol="0" anchor="t">
-            <a:spAutoFit/>
-          </a:bodyPr>
-          <a:lstStyle/>
-          <a:p>
-            <a:pPr marL="0" lvl="3" algn="l"/>
-            <a:r>
-              <a:rPr lang="en-US" sz="2400" dirty="0" smtClean="0">
-                <a:latin typeface="Consolas" pitchFamily="49" charset="0"/>
-                <a:cs typeface="Consolas" pitchFamily="49" charset="0"/>
-              </a:rPr>
-              <a:t>saga::</a:t>
-            </a:r>
-            <a:r>
-              <a:rPr lang="en-US" sz="2400" dirty="0" err="1" smtClean="0">
-                <a:latin typeface="Consolas" pitchFamily="49" charset="0"/>
-                <a:cs typeface="Consolas" pitchFamily="49" charset="0"/>
-              </a:rPr>
-              <a:t>url</a:t>
-            </a:r>
-            <a:r>
-              <a:rPr lang="en-US" sz="2400" dirty="0" smtClean="0">
-                <a:latin typeface="Consolas" pitchFamily="49" charset="0"/>
-                <a:cs typeface="Consolas" pitchFamily="49" charset="0"/>
-              </a:rPr>
-              <a:t> source("ssh://tc17/etc/passwd");</a:t>
-            </a:r>
-          </a:p>
-          <a:p>
-            <a:pPr marL="0" lvl="3" algn="l"/>
-            <a:r>
-              <a:rPr lang="de-DE" sz="2400" dirty="0" smtClean="0">
-                <a:latin typeface="Consolas" pitchFamily="49" charset="0"/>
-                <a:cs typeface="Consolas" pitchFamily="49" charset="0"/>
-              </a:rPr>
-              <a:t>saga::filesystem::file f(source, saga::filesystem::Read);</a:t>
-            </a:r>
-          </a:p>
-          <a:p>
-            <a:pPr marL="0" lvl="3" algn="l"/>
-            <a:endParaRPr lang="de-DE" sz="2400" dirty="0" smtClean="0">
-              <a:latin typeface="Consolas" pitchFamily="49" charset="0"/>
-              <a:cs typeface="Consolas" pitchFamily="49" charset="0"/>
-            </a:endParaRPr>
-          </a:p>
-          <a:p>
-            <a:pPr marL="0" lvl="3" algn="l"/>
-            <a:r>
-              <a:rPr lang="de-DE" sz="2400" dirty="0" smtClean="0">
-                <a:latin typeface="Consolas" pitchFamily="49" charset="0"/>
-                <a:cs typeface="Consolas" pitchFamily="49" charset="0"/>
-              </a:rPr>
-              <a:t>saga::task t = f.get_size&lt;saga::task::ASync&gt;();</a:t>
-            </a:r>
-          </a:p>
-          <a:p>
-            <a:pPr marL="0" lvl="3" algn="l"/>
-            <a:r>
-              <a:rPr lang="de-DE" sz="2400" dirty="0" smtClean="0">
-                <a:latin typeface="Consolas" pitchFamily="49" charset="0"/>
-                <a:cs typeface="Consolas" pitchFamily="49" charset="0"/>
-              </a:rPr>
-              <a:t>t.run();</a:t>
-            </a:r>
-          </a:p>
-          <a:p>
-            <a:pPr marL="0" lvl="3" algn="l"/>
-            <a:endParaRPr lang="de-DE" sz="2400" dirty="0" smtClean="0">
-              <a:latin typeface="Consolas" pitchFamily="49" charset="0"/>
-              <a:cs typeface="Consolas" pitchFamily="49" charset="0"/>
-            </a:endParaRPr>
-          </a:p>
-          <a:p>
-            <a:pPr marL="0" lvl="3" algn="l"/>
-            <a:r>
-              <a:rPr lang="de-DE" sz="2400" dirty="0" smtClean="0">
-                <a:latin typeface="Consolas" pitchFamily="49" charset="0"/>
-                <a:cs typeface="Consolas" pitchFamily="49" charset="0"/>
-              </a:rPr>
-              <a:t>saga::off_t size = t.get_result&lt;saga::off_t&gt;();</a:t>
-            </a:r>
-            <a:endParaRPr lang="en-US" sz="2400" dirty="0" smtClean="0">
-              <a:latin typeface="Consolas" pitchFamily="49" charset="0"/>
-              <a:cs typeface="Consolas" pitchFamily="49" charset="0"/>
-            </a:endParaRPr>
           </a:p>
         </p:txBody>
       </p:sp>
@@ -10275,13 +10068,22 @@
           <a:p>
             <a:r>
               <a:rPr lang="en-US" dirty="0" smtClean="0"/>
-              <a:t>Asynchronous creation of objects</a:t>
-            </a:r>
+              <a:t>Synchronous</a:t>
+            </a:r>
+          </a:p>
+          <a:p>
+            <a:endParaRPr lang="en-US" dirty="0" smtClean="0"/>
+          </a:p>
+          <a:p>
+            <a:endParaRPr lang="en-US" dirty="0" smtClean="0"/>
+          </a:p>
+          <a:p>
+            <a:endParaRPr lang="en-US" dirty="0" smtClean="0"/>
           </a:p>
           <a:p>
             <a:r>
               <a:rPr lang="en-US" dirty="0" smtClean="0"/>
-              <a:t>Factory functions</a:t>
+              <a:t>Asynchronous</a:t>
             </a:r>
             <a:endParaRPr lang="en-US" dirty="0"/>
           </a:p>
@@ -10365,7 +10167,97 @@
         </p:nvSpPr>
         <p:spPr>
           <a:xfrm>
-            <a:off x="863600" y="3154740"/>
+            <a:off x="863600" y="2438400"/>
+            <a:ext cx="11353800" cy="1569660"/>
+          </a:xfrm>
+          <a:prstGeom prst="rect">
+            <a:avLst/>
+          </a:prstGeom>
+          <a:solidFill>
+            <a:schemeClr val="accent1">
+              <a:lumMod val="40000"/>
+              <a:lumOff val="60000"/>
+            </a:schemeClr>
+          </a:solidFill>
+          <a:effectLst>
+            <a:outerShdw blurRad="50800" dist="38100" dir="2700000" algn="tl" rotWithShape="0">
+              <a:prstClr val="black">
+                <a:alpha val="40000"/>
+              </a:prstClr>
+            </a:outerShdw>
+          </a:effectLst>
+        </p:spPr>
+        <p:txBody>
+          <a:bodyPr wrap="square" rtlCol="0" anchor="t">
+            <a:spAutoFit/>
+          </a:bodyPr>
+          <a:lstStyle/>
+          <a:p>
+            <a:pPr marL="0" lvl="3" algn="l"/>
+            <a:r>
+              <a:rPr lang="en-US" sz="2400" dirty="0" smtClean="0">
+                <a:latin typeface="Consolas" pitchFamily="49" charset="0"/>
+                <a:cs typeface="Consolas" pitchFamily="49" charset="0"/>
+              </a:rPr>
+              <a:t>saga::</a:t>
+            </a:r>
+            <a:r>
+              <a:rPr lang="en-US" sz="2400" dirty="0" err="1" smtClean="0">
+                <a:latin typeface="Consolas" pitchFamily="49" charset="0"/>
+                <a:cs typeface="Consolas" pitchFamily="49" charset="0"/>
+              </a:rPr>
+              <a:t>url</a:t>
+            </a:r>
+            <a:r>
+              <a:rPr lang="en-US" sz="2400" dirty="0" smtClean="0">
+                <a:latin typeface="Consolas" pitchFamily="49" charset="0"/>
+                <a:cs typeface="Consolas" pitchFamily="49" charset="0"/>
+              </a:rPr>
+              <a:t> source("ssh://tc17/etc/passwd");</a:t>
+            </a:r>
+          </a:p>
+          <a:p>
+            <a:pPr marL="0" lvl="3" algn="l"/>
+            <a:r>
+              <a:rPr lang="de-DE" sz="2400" dirty="0" smtClean="0">
+                <a:latin typeface="Consolas" pitchFamily="49" charset="0"/>
+                <a:cs typeface="Consolas" pitchFamily="49" charset="0"/>
+              </a:rPr>
+              <a:t>saga::filesystem::file f(source, saga::filesystem::Read);</a:t>
+            </a:r>
+          </a:p>
+          <a:p>
+            <a:pPr marL="0" lvl="3" algn="l"/>
+            <a:endParaRPr lang="de-DE" sz="2400" dirty="0" smtClean="0">
+              <a:latin typeface="Consolas" pitchFamily="49" charset="0"/>
+              <a:cs typeface="Consolas" pitchFamily="49" charset="0"/>
+            </a:endParaRPr>
+          </a:p>
+          <a:p>
+            <a:pPr marL="0" lvl="3" algn="l"/>
+            <a:r>
+              <a:rPr lang="de-DE" sz="2400" dirty="0" smtClean="0">
+                <a:latin typeface="Consolas" pitchFamily="49" charset="0"/>
+                <a:cs typeface="Consolas" pitchFamily="49" charset="0"/>
+              </a:rPr>
+              <a:t>saga::off_t size = f.get_size();</a:t>
+            </a:r>
+            <a:endParaRPr lang="en-US" sz="2400" dirty="0" smtClean="0">
+              <a:latin typeface="Consolas" pitchFamily="49" charset="0"/>
+              <a:cs typeface="Consolas" pitchFamily="49" charset="0"/>
+            </a:endParaRPr>
+          </a:p>
+        </p:txBody>
+      </p:sp>
+      <p:sp>
+        <p:nvSpPr>
+          <p:cNvPr id="8" name="TextBox 7"/>
+          <p:cNvSpPr txBox="1"/>
+          <p:nvPr/>
+        </p:nvSpPr>
+        <p:spPr>
+          <a:xfrm>
+            <a:off x="863600" y="5181600"/>
             <a:ext cx="11353800" cy="2677656"/>
           </a:xfrm>
           <a:prstGeom prst="rect">
@@ -10397,149 +10289,80 @@
                 <a:latin typeface="Consolas" pitchFamily="49" charset="0"/>
                 <a:cs typeface="Consolas" pitchFamily="49" charset="0"/>
               </a:rPr>
-              <a:t>// create task </a:t>
+              <a:t>saga::</a:t>
+            </a:r>
+            <a:r>
+              <a:rPr lang="en-US" sz="2400" dirty="0" err="1" smtClean="0">
+                <a:latin typeface="Consolas" pitchFamily="49" charset="0"/>
+                <a:cs typeface="Consolas" pitchFamily="49" charset="0"/>
+              </a:rPr>
+              <a:t>url</a:t>
+            </a:r>
+            <a:r>
+              <a:rPr lang="en-US" sz="2400" dirty="0" smtClean="0">
+                <a:latin typeface="Consolas" pitchFamily="49" charset="0"/>
+                <a:cs typeface="Consolas" pitchFamily="49" charset="0"/>
+              </a:rPr>
+              <a:t> source("ssh://tc17/etc/passwd");</a:t>
             </a:r>
           </a:p>
           <a:p>
             <a:pPr marL="0" lvl="3" algn="l"/>
             <a:r>
-              <a:rPr lang="en-US" sz="2400" dirty="0" smtClean="0">
-                <a:latin typeface="Consolas" pitchFamily="49" charset="0"/>
-                <a:cs typeface="Consolas" pitchFamily="49" charset="0"/>
-              </a:rPr>
-              <a:t>saga::task t = </a:t>
+              <a:rPr lang="de-DE" sz="2400" dirty="0" smtClean="0">
+                <a:latin typeface="Consolas" pitchFamily="49" charset="0"/>
+                <a:cs typeface="Consolas" pitchFamily="49" charset="0"/>
+              </a:rPr>
+              <a:t>saga::filesystem::file f(source, saga::filesystem::Read);</a:t>
             </a:r>
           </a:p>
           <a:p>
             <a:pPr marL="0" lvl="3" algn="l"/>
-            <a:r>
-              <a:rPr lang="en-US" sz="2400" dirty="0" smtClean="0">
-                <a:latin typeface="Consolas" pitchFamily="49" charset="0"/>
-                <a:cs typeface="Consolas" pitchFamily="49" charset="0"/>
-              </a:rPr>
-              <a:t>    saga::</a:t>
-            </a:r>
-            <a:r>
-              <a:rPr lang="en-US" sz="2400" dirty="0" err="1" smtClean="0">
-                <a:latin typeface="Consolas" pitchFamily="49" charset="0"/>
-                <a:cs typeface="Consolas" pitchFamily="49" charset="0"/>
-              </a:rPr>
-              <a:t>filesystem</a:t>
-            </a:r>
-            <a:r>
-              <a:rPr lang="en-US" sz="2400" dirty="0" smtClean="0">
-                <a:latin typeface="Consolas" pitchFamily="49" charset="0"/>
-                <a:cs typeface="Consolas" pitchFamily="49" charset="0"/>
-              </a:rPr>
-              <a:t>::file::create&lt;saga::task::</a:t>
-            </a:r>
-            <a:r>
-              <a:rPr lang="en-US" sz="2400" dirty="0" err="1" smtClean="0">
-                <a:latin typeface="Consolas" pitchFamily="49" charset="0"/>
-                <a:cs typeface="Consolas" pitchFamily="49" charset="0"/>
-              </a:rPr>
-              <a:t>ASync</a:t>
-            </a:r>
-            <a:r>
-              <a:rPr lang="en-US" sz="2400" dirty="0" smtClean="0">
-                <a:latin typeface="Consolas" pitchFamily="49" charset="0"/>
-                <a:cs typeface="Consolas" pitchFamily="49" charset="0"/>
-              </a:rPr>
-              <a:t>&gt;("</a:t>
-            </a:r>
-            <a:r>
-              <a:rPr lang="en-US" sz="2400" dirty="0" err="1" smtClean="0">
-                <a:latin typeface="Consolas" pitchFamily="49" charset="0"/>
-                <a:cs typeface="Consolas" pitchFamily="49" charset="0"/>
-              </a:rPr>
-              <a:t>fileurl</a:t>
-            </a:r>
-            <a:r>
-              <a:rPr lang="en-US" sz="2400" dirty="0" smtClean="0">
-                <a:latin typeface="Consolas" pitchFamily="49" charset="0"/>
-                <a:cs typeface="Consolas" pitchFamily="49" charset="0"/>
-              </a:rPr>
-              <a:t>");</a:t>
-            </a:r>
+            <a:endParaRPr lang="de-DE" sz="2400" dirty="0" smtClean="0">
+              <a:latin typeface="Consolas" pitchFamily="49" charset="0"/>
+              <a:cs typeface="Consolas" pitchFamily="49" charset="0"/>
+            </a:endParaRPr>
           </a:p>
           <a:p>
             <a:pPr marL="0" lvl="3" algn="l"/>
+            <a:r>
+              <a:rPr lang="de-DE" sz="2400" dirty="0" smtClean="0">
+                <a:latin typeface="Consolas" pitchFamily="49" charset="0"/>
+                <a:cs typeface="Consolas" pitchFamily="49" charset="0"/>
+              </a:rPr>
+              <a:t>saga::task t = f.get_size&lt;saga::task::ASync&gt;();</a:t>
+            </a:r>
+          </a:p>
+          <a:p>
+            <a:pPr marL="0" lvl="3" algn="l"/>
+            <a:r>
+              <a:rPr lang="de-DE" sz="2400" dirty="0" smtClean="0">
+                <a:latin typeface="Consolas" pitchFamily="49" charset="0"/>
+                <a:cs typeface="Consolas" pitchFamily="49" charset="0"/>
+              </a:rPr>
+              <a:t>t.run();</a:t>
+            </a:r>
+          </a:p>
+          <a:p>
+            <a:pPr marL="0" lvl="3" algn="l"/>
+            <a:endParaRPr lang="de-DE" sz="2400" dirty="0" smtClean="0">
+              <a:latin typeface="Consolas" pitchFamily="49" charset="0"/>
+              <a:cs typeface="Consolas" pitchFamily="49" charset="0"/>
+            </a:endParaRPr>
+          </a:p>
+          <a:p>
+            <a:pPr marL="0" lvl="3" algn="l"/>
+            <a:r>
+              <a:rPr lang="de-DE" sz="2400" dirty="0" smtClean="0">
+                <a:latin typeface="Consolas" pitchFamily="49" charset="0"/>
+                <a:cs typeface="Consolas" pitchFamily="49" charset="0"/>
+              </a:rPr>
+              <a:t>saga::off_t size = t.get_result&lt;saga::off_t&gt;();</a:t>
+            </a:r>
             <a:endParaRPr lang="en-US" sz="2400" dirty="0" smtClean="0">
               <a:latin typeface="Consolas" pitchFamily="49" charset="0"/>
               <a:cs typeface="Consolas" pitchFamily="49" charset="0"/>
             </a:endParaRPr>
-          </a:p>
-          <a:p>
-            <a:pPr marL="0" lvl="3" algn="l"/>
-            <a:r>
-              <a:rPr lang="en-US" sz="2400" dirty="0" smtClean="0">
-                <a:latin typeface="Consolas" pitchFamily="49" charset="0"/>
-                <a:cs typeface="Consolas" pitchFamily="49" charset="0"/>
-              </a:rPr>
-              <a:t>// ...</a:t>
-            </a:r>
-          </a:p>
-          <a:p>
-            <a:pPr marL="0" lvl="3" algn="l"/>
-            <a:r>
-              <a:rPr lang="en-US" sz="2400" dirty="0" smtClean="0">
-                <a:latin typeface="Consolas" pitchFamily="49" charset="0"/>
-                <a:cs typeface="Consolas" pitchFamily="49" charset="0"/>
-              </a:rPr>
-              <a:t>saga::</a:t>
-            </a:r>
-            <a:r>
-              <a:rPr lang="en-US" sz="2400" dirty="0" err="1" smtClean="0">
-                <a:latin typeface="Consolas" pitchFamily="49" charset="0"/>
-                <a:cs typeface="Consolas" pitchFamily="49" charset="0"/>
-              </a:rPr>
-              <a:t>filesystem</a:t>
-            </a:r>
-            <a:r>
-              <a:rPr lang="en-US" sz="2400" dirty="0" smtClean="0">
-                <a:latin typeface="Consolas" pitchFamily="49" charset="0"/>
-                <a:cs typeface="Consolas" pitchFamily="49" charset="0"/>
-              </a:rPr>
-              <a:t>::file f = </a:t>
-            </a:r>
-          </a:p>
-          <a:p>
-            <a:pPr marL="0" lvl="3" algn="l"/>
-            <a:r>
-              <a:rPr lang="en-US" sz="2400" dirty="0" smtClean="0">
-                <a:latin typeface="Consolas" pitchFamily="49" charset="0"/>
-                <a:cs typeface="Consolas" pitchFamily="49" charset="0"/>
-              </a:rPr>
-              <a:t>    </a:t>
-            </a:r>
-            <a:r>
-              <a:rPr lang="en-US" sz="2400" dirty="0" err="1" smtClean="0">
-                <a:latin typeface="Consolas" pitchFamily="49" charset="0"/>
-                <a:cs typeface="Consolas" pitchFamily="49" charset="0"/>
-              </a:rPr>
-              <a:t>t.get_result</a:t>
-            </a:r>
-            <a:r>
-              <a:rPr lang="en-US" sz="2400" dirty="0" smtClean="0">
-                <a:latin typeface="Consolas" pitchFamily="49" charset="0"/>
-                <a:cs typeface="Consolas" pitchFamily="49" charset="0"/>
-              </a:rPr>
-              <a:t>&lt;saga::</a:t>
-            </a:r>
-            <a:r>
-              <a:rPr lang="en-US" sz="2400" dirty="0" err="1" smtClean="0">
-                <a:latin typeface="Consolas" pitchFamily="49" charset="0"/>
-                <a:cs typeface="Consolas" pitchFamily="49" charset="0"/>
-              </a:rPr>
-              <a:t>filesystem</a:t>
-            </a:r>
-            <a:r>
-              <a:rPr lang="en-US" sz="2400" dirty="0" smtClean="0">
-                <a:latin typeface="Consolas" pitchFamily="49" charset="0"/>
-                <a:cs typeface="Consolas" pitchFamily="49" charset="0"/>
-              </a:rPr>
-              <a:t>::file&gt;();</a:t>
-            </a:r>
           </a:p>
         </p:txBody>
       </p:sp>
@@ -10570,6 +10393,1329 @@
       </p:grpSpPr>
       <p:sp>
         <p:nvSpPr>
+          <p:cNvPr id="2" name="Title 1"/>
+          <p:cNvSpPr>
+            <a:spLocks noGrp="1"/>
+          </p:cNvSpPr>
+          <p:nvPr>
+            <p:ph type="title"/>
+          </p:nvPr>
+        </p:nvSpPr>
+        <p:spPr/>
+        <p:txBody>
+          <a:bodyPr/>
+          <a:lstStyle/>
+          <a:p>
+            <a:r>
+              <a:rPr lang="en-US" dirty="0" smtClean="0"/>
+              <a:t>Sync/</a:t>
+            </a:r>
+            <a:r>
+              <a:rPr lang="en-US" dirty="0" err="1" smtClean="0"/>
+              <a:t>Async</a:t>
+            </a:r>
+            <a:r>
+              <a:rPr lang="en-US" dirty="0" smtClean="0"/>
+              <a:t> API’s</a:t>
+            </a:r>
+            <a:endParaRPr lang="en-US" dirty="0"/>
+          </a:p>
+        </p:txBody>
+      </p:sp>
+      <p:sp>
+        <p:nvSpPr>
+          <p:cNvPr id="3" name="Content Placeholder 2"/>
+          <p:cNvSpPr>
+            <a:spLocks noGrp="1"/>
+          </p:cNvSpPr>
+          <p:nvPr>
+            <p:ph sz="quarter" idx="1"/>
+          </p:nvPr>
+        </p:nvSpPr>
+        <p:spPr/>
+        <p:txBody>
+          <a:bodyPr/>
+          <a:lstStyle/>
+          <a:p>
+            <a:r>
+              <a:rPr lang="en-US" dirty="0" smtClean="0"/>
+              <a:t>Asynchronous creation of objects</a:t>
+            </a:r>
+          </a:p>
+          <a:p>
+            <a:r>
+              <a:rPr lang="en-US" dirty="0" smtClean="0"/>
+              <a:t>Factory functions</a:t>
+            </a:r>
+            <a:endParaRPr lang="en-US" dirty="0"/>
+          </a:p>
+        </p:txBody>
+      </p:sp>
+      <p:sp>
+        <p:nvSpPr>
+          <p:cNvPr id="4" name="Date Placeholder 3"/>
+          <p:cNvSpPr>
+            <a:spLocks noGrp="1"/>
+          </p:cNvSpPr>
+          <p:nvPr>
+            <p:ph type="dt" sz="half" idx="2"/>
+          </p:nvPr>
+        </p:nvSpPr>
+        <p:spPr/>
+        <p:txBody>
+          <a:bodyPr/>
+          <a:lstStyle/>
+          <a:p>
+            <a:r>
+              <a:rPr lang="en-US" smtClean="0"/>
+              <a:t>September 3rd/4th, 2009</a:t>
+            </a:r>
+            <a:endParaRPr lang="en-US" dirty="0"/>
+          </a:p>
+        </p:txBody>
+      </p:sp>
+      <p:sp>
+        <p:nvSpPr>
+          <p:cNvPr id="5" name="Footer Placeholder 4"/>
+          <p:cNvSpPr>
+            <a:spLocks noGrp="1"/>
+          </p:cNvSpPr>
+          <p:nvPr>
+            <p:ph type="ftr" sz="quarter" idx="3"/>
+          </p:nvPr>
+        </p:nvSpPr>
+        <p:spPr/>
+        <p:txBody>
+          <a:bodyPr/>
+          <a:lstStyle/>
+          <a:p>
+            <a:r>
+              <a:rPr lang="en-US" smtClean="0"/>
+              <a:t>NeSC SAGA Tutorial</a:t>
+            </a:r>
+            <a:endParaRPr lang="en-US" dirty="0"/>
+          </a:p>
+        </p:txBody>
+      </p:sp>
+      <p:sp>
+        <p:nvSpPr>
+          <p:cNvPr id="6" name="Slide Number Placeholder 5"/>
+          <p:cNvSpPr>
+            <a:spLocks noGrp="1"/>
+          </p:cNvSpPr>
+          <p:nvPr>
+            <p:ph type="sldNum" sz="quarter" idx="4"/>
+          </p:nvPr>
+        </p:nvSpPr>
+        <p:spPr/>
+        <p:txBody>
+          <a:bodyPr/>
+          <a:lstStyle/>
+          <a:p>
+            <a:fld id="{7A426C1A-D210-4B4B-86AA-6AEDDDCCF5FF}" type="slidenum">
+              <a:rPr lang="en-US" smtClean="0"/>
+              <a:pPr/>
+              <a:t>24</a:t>
+            </a:fld>
+            <a:endParaRPr lang="en-US"/>
+          </a:p>
+        </p:txBody>
+      </p:sp>
+      <p:sp>
+        <p:nvSpPr>
+          <p:cNvPr id="7" name="TextBox 6"/>
+          <p:cNvSpPr txBox="1"/>
+          <p:nvPr/>
+        </p:nvSpPr>
+        <p:spPr>
+          <a:xfrm>
+            <a:off x="863600" y="3154740"/>
+            <a:ext cx="11353800" cy="2677656"/>
+          </a:xfrm>
+          <a:prstGeom prst="rect">
+            <a:avLst/>
+          </a:prstGeom>
+          <a:solidFill>
+            <a:schemeClr val="accent1">
+              <a:lumMod val="40000"/>
+              <a:lumOff val="60000"/>
+            </a:schemeClr>
+          </a:solidFill>
+          <a:effectLst>
+            <a:outerShdw blurRad="50800" dist="38100" dir="2700000" algn="tl" rotWithShape="0">
+              <a:prstClr val="black">
+                <a:alpha val="40000"/>
+              </a:prstClr>
+            </a:outerShdw>
+          </a:effectLst>
+        </p:spPr>
+        <p:txBody>
+          <a:bodyPr wrap="square" rtlCol="0" anchor="t">
+            <a:spAutoFit/>
+          </a:bodyPr>
+          <a:lstStyle/>
+          <a:p>
+            <a:pPr marL="0" lvl="3" algn="l"/>
+            <a:r>
+              <a:rPr lang="en-US" sz="2400" dirty="0" smtClean="0">
+                <a:latin typeface="Consolas" pitchFamily="49" charset="0"/>
+                <a:cs typeface="Consolas" pitchFamily="49" charset="0"/>
+              </a:rPr>
+              <a:t>// create task </a:t>
+            </a:r>
+          </a:p>
+          <a:p>
+            <a:pPr marL="0" lvl="3" algn="l"/>
+            <a:r>
+              <a:rPr lang="en-US" sz="2400" dirty="0" smtClean="0">
+                <a:latin typeface="Consolas" pitchFamily="49" charset="0"/>
+                <a:cs typeface="Consolas" pitchFamily="49" charset="0"/>
+              </a:rPr>
+              <a:t>saga::task t = </a:t>
+            </a:r>
+          </a:p>
+          <a:p>
+            <a:pPr marL="0" lvl="3" algn="l"/>
+            <a:r>
+              <a:rPr lang="en-US" sz="2400" dirty="0" smtClean="0">
+                <a:latin typeface="Consolas" pitchFamily="49" charset="0"/>
+                <a:cs typeface="Consolas" pitchFamily="49" charset="0"/>
+              </a:rPr>
+              <a:t>    saga::</a:t>
+            </a:r>
+            <a:r>
+              <a:rPr lang="en-US" sz="2400" dirty="0" err="1" smtClean="0">
+                <a:latin typeface="Consolas" pitchFamily="49" charset="0"/>
+                <a:cs typeface="Consolas" pitchFamily="49" charset="0"/>
+              </a:rPr>
+              <a:t>filesystem</a:t>
+            </a:r>
+            <a:r>
+              <a:rPr lang="en-US" sz="2400" dirty="0" smtClean="0">
+                <a:latin typeface="Consolas" pitchFamily="49" charset="0"/>
+                <a:cs typeface="Consolas" pitchFamily="49" charset="0"/>
+              </a:rPr>
+              <a:t>::file::create&lt;saga::task::</a:t>
+            </a:r>
+            <a:r>
+              <a:rPr lang="en-US" sz="2400" dirty="0" err="1" smtClean="0">
+                <a:latin typeface="Consolas" pitchFamily="49" charset="0"/>
+                <a:cs typeface="Consolas" pitchFamily="49" charset="0"/>
+              </a:rPr>
+              <a:t>ASync</a:t>
+            </a:r>
+            <a:r>
+              <a:rPr lang="en-US" sz="2400" dirty="0" smtClean="0">
+                <a:latin typeface="Consolas" pitchFamily="49" charset="0"/>
+                <a:cs typeface="Consolas" pitchFamily="49" charset="0"/>
+              </a:rPr>
+              <a:t>&gt;("</a:t>
+            </a:r>
+            <a:r>
+              <a:rPr lang="en-US" sz="2400" dirty="0" err="1" smtClean="0">
+                <a:latin typeface="Consolas" pitchFamily="49" charset="0"/>
+                <a:cs typeface="Consolas" pitchFamily="49" charset="0"/>
+              </a:rPr>
+              <a:t>fileurl</a:t>
+            </a:r>
+            <a:r>
+              <a:rPr lang="en-US" sz="2400" dirty="0" smtClean="0">
+                <a:latin typeface="Consolas" pitchFamily="49" charset="0"/>
+                <a:cs typeface="Consolas" pitchFamily="49" charset="0"/>
+              </a:rPr>
+              <a:t>");</a:t>
+            </a:r>
+          </a:p>
+          <a:p>
+            <a:pPr marL="0" lvl="3" algn="l"/>
+            <a:endParaRPr lang="en-US" sz="2400" dirty="0" smtClean="0">
+              <a:latin typeface="Consolas" pitchFamily="49" charset="0"/>
+              <a:cs typeface="Consolas" pitchFamily="49" charset="0"/>
+            </a:endParaRPr>
+          </a:p>
+          <a:p>
+            <a:pPr marL="0" lvl="3" algn="l"/>
+            <a:r>
+              <a:rPr lang="en-US" sz="2400" dirty="0" smtClean="0">
+                <a:latin typeface="Consolas" pitchFamily="49" charset="0"/>
+                <a:cs typeface="Consolas" pitchFamily="49" charset="0"/>
+              </a:rPr>
+              <a:t>// ...</a:t>
+            </a:r>
+          </a:p>
+          <a:p>
+            <a:pPr marL="0" lvl="3" algn="l"/>
+            <a:r>
+              <a:rPr lang="en-US" sz="2400" dirty="0" smtClean="0">
+                <a:latin typeface="Consolas" pitchFamily="49" charset="0"/>
+                <a:cs typeface="Consolas" pitchFamily="49" charset="0"/>
+              </a:rPr>
+              <a:t>saga::</a:t>
+            </a:r>
+            <a:r>
+              <a:rPr lang="en-US" sz="2400" dirty="0" err="1" smtClean="0">
+                <a:latin typeface="Consolas" pitchFamily="49" charset="0"/>
+                <a:cs typeface="Consolas" pitchFamily="49" charset="0"/>
+              </a:rPr>
+              <a:t>filesystem</a:t>
+            </a:r>
+            <a:r>
+              <a:rPr lang="en-US" sz="2400" dirty="0" smtClean="0">
+                <a:latin typeface="Consolas" pitchFamily="49" charset="0"/>
+                <a:cs typeface="Consolas" pitchFamily="49" charset="0"/>
+              </a:rPr>
+              <a:t>::file f = </a:t>
+            </a:r>
+          </a:p>
+          <a:p>
+            <a:pPr marL="0" lvl="3" algn="l"/>
+            <a:r>
+              <a:rPr lang="en-US" sz="2400" dirty="0" smtClean="0">
+                <a:latin typeface="Consolas" pitchFamily="49" charset="0"/>
+                <a:cs typeface="Consolas" pitchFamily="49" charset="0"/>
+              </a:rPr>
+              <a:t>    </a:t>
+            </a:r>
+            <a:r>
+              <a:rPr lang="en-US" sz="2400" dirty="0" err="1" smtClean="0">
+                <a:latin typeface="Consolas" pitchFamily="49" charset="0"/>
+                <a:cs typeface="Consolas" pitchFamily="49" charset="0"/>
+              </a:rPr>
+              <a:t>t.get_result</a:t>
+            </a:r>
+            <a:r>
+              <a:rPr lang="en-US" sz="2400" dirty="0" smtClean="0">
+                <a:latin typeface="Consolas" pitchFamily="49" charset="0"/>
+                <a:cs typeface="Consolas" pitchFamily="49" charset="0"/>
+              </a:rPr>
+              <a:t>&lt;saga::</a:t>
+            </a:r>
+            <a:r>
+              <a:rPr lang="en-US" sz="2400" dirty="0" err="1" smtClean="0">
+                <a:latin typeface="Consolas" pitchFamily="49" charset="0"/>
+                <a:cs typeface="Consolas" pitchFamily="49" charset="0"/>
+              </a:rPr>
+              <a:t>filesystem</a:t>
+            </a:r>
+            <a:r>
+              <a:rPr lang="en-US" sz="2400" dirty="0" smtClean="0">
+                <a:latin typeface="Consolas" pitchFamily="49" charset="0"/>
+                <a:cs typeface="Consolas" pitchFamily="49" charset="0"/>
+              </a:rPr>
+              <a:t>::file&gt;();</a:t>
+            </a:r>
+          </a:p>
+        </p:txBody>
+      </p:sp>
+    </p:spTree>
+  </p:cSld>
+  <p:clrMapOvr>
+    <a:masterClrMapping/>
+  </p:clrMapOvr>
+</p:sld>
+</file>
+
+<file path=ppt/slides/slide25.xml><?xml version="1.0" encoding="utf-8"?>
+<p:sld xmlns:a="http://schemas.openxmlformats.org/drawingml/2006/main" xmlns:r="http://schemas.openxmlformats.org/officeDocument/2006/relationships" xmlns:p="http://schemas.openxmlformats.org/presentationml/2006/main">
+  <p:cSld>
+    <p:spTree>
+      <p:nvGrpSpPr>
+        <p:cNvPr id="1" name=""/>
+        <p:cNvGrpSpPr/>
+        <p:nvPr/>
+      </p:nvGrpSpPr>
+      <p:grpSpPr>
+        <a:xfrm>
+          <a:off x="0" y="0"/>
+          <a:ext cx="0" cy="0"/>
+          <a:chOff x="0" y="0"/>
+          <a:chExt cx="0" cy="0"/>
+        </a:xfrm>
+      </p:grpSpPr>
+      <p:sp>
+        <p:nvSpPr>
+          <p:cNvPr id="2" name="Title 1"/>
+          <p:cNvSpPr>
+            <a:spLocks noGrp="1"/>
+          </p:cNvSpPr>
+          <p:nvPr>
+            <p:ph type="title"/>
+          </p:nvPr>
+        </p:nvSpPr>
+        <p:spPr/>
+        <p:txBody>
+          <a:bodyPr>
+            <a:normAutofit/>
+          </a:bodyPr>
+          <a:lstStyle/>
+          <a:p>
+            <a:r>
+              <a:rPr lang="en-US" dirty="0" smtClean="0"/>
+              <a:t>Task container</a:t>
+            </a:r>
+            <a:endParaRPr lang="en-US" dirty="0"/>
+          </a:p>
+        </p:txBody>
+      </p:sp>
+      <p:sp>
+        <p:nvSpPr>
+          <p:cNvPr id="3" name="Content Placeholder 2"/>
+          <p:cNvSpPr>
+            <a:spLocks noGrp="1"/>
+          </p:cNvSpPr>
+          <p:nvPr>
+            <p:ph sz="quarter" idx="1"/>
+          </p:nvPr>
+        </p:nvSpPr>
+        <p:spPr/>
+        <p:txBody>
+          <a:bodyPr/>
+          <a:lstStyle/>
+          <a:p>
+            <a:r>
+              <a:rPr lang="en-US" dirty="0" smtClean="0"/>
+              <a:t>Special container allowing to handle many tasks as one</a:t>
+            </a:r>
+          </a:p>
+          <a:p>
+            <a:endParaRPr lang="en-US" dirty="0"/>
+          </a:p>
+        </p:txBody>
+      </p:sp>
+      <p:sp>
+        <p:nvSpPr>
+          <p:cNvPr id="4" name="Date Placeholder 3"/>
+          <p:cNvSpPr>
+            <a:spLocks noGrp="1"/>
+          </p:cNvSpPr>
+          <p:nvPr>
+            <p:ph type="dt" sz="half" idx="2"/>
+          </p:nvPr>
+        </p:nvSpPr>
+        <p:spPr/>
+        <p:txBody>
+          <a:bodyPr/>
+          <a:lstStyle/>
+          <a:p>
+            <a:r>
+              <a:rPr lang="en-US" smtClean="0"/>
+              <a:t>September 3rd/4th, 2009</a:t>
+            </a:r>
+            <a:endParaRPr lang="en-US" dirty="0"/>
+          </a:p>
+        </p:txBody>
+      </p:sp>
+      <p:sp>
+        <p:nvSpPr>
+          <p:cNvPr id="5" name="Footer Placeholder 4"/>
+          <p:cNvSpPr>
+            <a:spLocks noGrp="1"/>
+          </p:cNvSpPr>
+          <p:nvPr>
+            <p:ph type="ftr" sz="quarter" idx="3"/>
+          </p:nvPr>
+        </p:nvSpPr>
+        <p:spPr/>
+        <p:txBody>
+          <a:bodyPr/>
+          <a:lstStyle/>
+          <a:p>
+            <a:r>
+              <a:rPr lang="en-US" smtClean="0"/>
+              <a:t>NeSC SAGA Tutorial</a:t>
+            </a:r>
+            <a:endParaRPr lang="en-US" dirty="0"/>
+          </a:p>
+        </p:txBody>
+      </p:sp>
+      <p:sp>
+        <p:nvSpPr>
+          <p:cNvPr id="6" name="Slide Number Placeholder 5"/>
+          <p:cNvSpPr>
+            <a:spLocks noGrp="1"/>
+          </p:cNvSpPr>
+          <p:nvPr>
+            <p:ph type="sldNum" sz="quarter" idx="4"/>
+          </p:nvPr>
+        </p:nvSpPr>
+        <p:spPr/>
+        <p:txBody>
+          <a:bodyPr/>
+          <a:lstStyle/>
+          <a:p>
+            <a:fld id="{7A426C1A-D210-4B4B-86AA-6AEDDDCCF5FF}" type="slidenum">
+              <a:rPr lang="en-US" smtClean="0"/>
+              <a:pPr/>
+              <a:t>25</a:t>
+            </a:fld>
+            <a:endParaRPr lang="en-US"/>
+          </a:p>
+        </p:txBody>
+      </p:sp>
+      <p:sp>
+        <p:nvSpPr>
+          <p:cNvPr id="7" name="TextBox 6"/>
+          <p:cNvSpPr txBox="1"/>
+          <p:nvPr/>
+        </p:nvSpPr>
+        <p:spPr>
+          <a:xfrm>
+            <a:off x="825500" y="2667000"/>
+            <a:ext cx="11353800" cy="5262979"/>
+          </a:xfrm>
+          <a:prstGeom prst="rect">
+            <a:avLst/>
+          </a:prstGeom>
+          <a:solidFill>
+            <a:schemeClr val="accent1">
+              <a:lumMod val="40000"/>
+              <a:lumOff val="60000"/>
+            </a:schemeClr>
+          </a:solidFill>
+          <a:effectLst>
+            <a:outerShdw blurRad="50800" dist="38100" dir="2700000" algn="tl" rotWithShape="0">
+              <a:prstClr val="black">
+                <a:alpha val="40000"/>
+              </a:prstClr>
+            </a:outerShdw>
+          </a:effectLst>
+        </p:spPr>
+        <p:txBody>
+          <a:bodyPr wrap="square" rtlCol="0" anchor="t">
+            <a:spAutoFit/>
+          </a:bodyPr>
+          <a:lstStyle/>
+          <a:p>
+            <a:pPr marL="0" lvl="3" algn="l"/>
+            <a:r>
+              <a:rPr lang="en-US" sz="2400" dirty="0" smtClean="0">
+                <a:latin typeface="Consolas" pitchFamily="49" charset="0"/>
+                <a:cs typeface="Consolas" pitchFamily="49" charset="0"/>
+              </a:rPr>
+              <a:t>// create a list of tasks to run jobs</a:t>
+            </a:r>
+          </a:p>
+          <a:p>
+            <a:pPr marL="0" lvl="3" algn="l"/>
+            <a:r>
+              <a:rPr lang="en-US" sz="2400" dirty="0" smtClean="0">
+                <a:latin typeface="Consolas" pitchFamily="49" charset="0"/>
+                <a:cs typeface="Consolas" pitchFamily="49" charset="0"/>
+              </a:rPr>
+              <a:t>saga::job::service </a:t>
+            </a:r>
+            <a:r>
+              <a:rPr lang="en-US" sz="2400" dirty="0" err="1" smtClean="0">
+                <a:latin typeface="Consolas" pitchFamily="49" charset="0"/>
+                <a:cs typeface="Consolas" pitchFamily="49" charset="0"/>
+              </a:rPr>
+              <a:t>js</a:t>
+            </a:r>
+            <a:r>
+              <a:rPr lang="en-US" sz="2400" dirty="0" smtClean="0">
+                <a:latin typeface="Consolas" pitchFamily="49" charset="0"/>
+                <a:cs typeface="Consolas" pitchFamily="49" charset="0"/>
+              </a:rPr>
+              <a:t>("</a:t>
+            </a:r>
+            <a:r>
+              <a:rPr lang="en-US" sz="2400" dirty="0" err="1" smtClean="0">
+                <a:latin typeface="Consolas" pitchFamily="49" charset="0"/>
+                <a:cs typeface="Consolas" pitchFamily="49" charset="0"/>
+              </a:rPr>
+              <a:t>somehost</a:t>
+            </a:r>
+            <a:r>
+              <a:rPr lang="en-US" sz="2400" dirty="0" smtClean="0">
+                <a:latin typeface="Consolas" pitchFamily="49" charset="0"/>
+                <a:cs typeface="Consolas" pitchFamily="49" charset="0"/>
+              </a:rPr>
+              <a:t>");</a:t>
+            </a:r>
+          </a:p>
+          <a:p>
+            <a:pPr marL="0" lvl="3" algn="l"/>
+            <a:r>
+              <a:rPr lang="en-US" sz="2400" dirty="0" smtClean="0">
+                <a:latin typeface="Consolas" pitchFamily="49" charset="0"/>
+                <a:cs typeface="Consolas" pitchFamily="49" charset="0"/>
+              </a:rPr>
+              <a:t>saga::</a:t>
+            </a:r>
+            <a:r>
+              <a:rPr lang="en-US" sz="2400" dirty="0" err="1" smtClean="0">
+                <a:latin typeface="Consolas" pitchFamily="49" charset="0"/>
+                <a:cs typeface="Consolas" pitchFamily="49" charset="0"/>
+              </a:rPr>
+              <a:t>task_container</a:t>
+            </a:r>
+            <a:r>
+              <a:rPr lang="en-US" sz="2400" dirty="0" smtClean="0">
+                <a:latin typeface="Consolas" pitchFamily="49" charset="0"/>
+                <a:cs typeface="Consolas" pitchFamily="49" charset="0"/>
+              </a:rPr>
+              <a:t> </a:t>
+            </a:r>
+            <a:r>
+              <a:rPr lang="en-US" sz="2400" dirty="0" err="1" smtClean="0">
+                <a:latin typeface="Consolas" pitchFamily="49" charset="0"/>
+                <a:cs typeface="Consolas" pitchFamily="49" charset="0"/>
+              </a:rPr>
+              <a:t>tc</a:t>
+            </a:r>
+            <a:r>
+              <a:rPr lang="en-US" sz="2400" dirty="0" smtClean="0">
+                <a:latin typeface="Consolas" pitchFamily="49" charset="0"/>
+                <a:cs typeface="Consolas" pitchFamily="49" charset="0"/>
+              </a:rPr>
+              <a:t>;</a:t>
+            </a:r>
+          </a:p>
+          <a:p>
+            <a:pPr marL="0" lvl="3" algn="l"/>
+            <a:r>
+              <a:rPr lang="en-US" sz="2400" dirty="0" smtClean="0">
+                <a:latin typeface="Consolas" pitchFamily="49" charset="0"/>
+                <a:cs typeface="Consolas" pitchFamily="49" charset="0"/>
+              </a:rPr>
+              <a:t>for (</a:t>
+            </a:r>
+            <a:r>
+              <a:rPr lang="en-US" sz="2400" dirty="0" err="1" smtClean="0">
+                <a:latin typeface="Consolas" pitchFamily="49" charset="0"/>
+                <a:cs typeface="Consolas" pitchFamily="49" charset="0"/>
+              </a:rPr>
+              <a:t>int</a:t>
+            </a:r>
+            <a:r>
+              <a:rPr lang="en-US" sz="2400" dirty="0" smtClean="0">
+                <a:latin typeface="Consolas" pitchFamily="49" charset="0"/>
+                <a:cs typeface="Consolas" pitchFamily="49" charset="0"/>
+              </a:rPr>
+              <a:t> </a:t>
+            </a:r>
+            <a:r>
+              <a:rPr lang="en-US" sz="2400" dirty="0" err="1" smtClean="0">
+                <a:latin typeface="Consolas" pitchFamily="49" charset="0"/>
+                <a:cs typeface="Consolas" pitchFamily="49" charset="0"/>
+              </a:rPr>
+              <a:t>i</a:t>
+            </a:r>
+            <a:r>
+              <a:rPr lang="en-US" sz="2400" dirty="0" smtClean="0">
+                <a:latin typeface="Consolas" pitchFamily="49" charset="0"/>
+                <a:cs typeface="Consolas" pitchFamily="49" charset="0"/>
+              </a:rPr>
+              <a:t> = 0; </a:t>
+            </a:r>
+            <a:r>
+              <a:rPr lang="en-US" sz="2400" dirty="0" err="1" smtClean="0">
+                <a:latin typeface="Consolas" pitchFamily="49" charset="0"/>
+                <a:cs typeface="Consolas" pitchFamily="49" charset="0"/>
+              </a:rPr>
+              <a:t>i</a:t>
+            </a:r>
+            <a:r>
+              <a:rPr lang="en-US" sz="2400" dirty="0" smtClean="0">
+                <a:latin typeface="Consolas" pitchFamily="49" charset="0"/>
+                <a:cs typeface="Consolas" pitchFamily="49" charset="0"/>
+              </a:rPr>
+              <a:t> &lt; num; ++</a:t>
+            </a:r>
+            <a:r>
+              <a:rPr lang="en-US" sz="2400" dirty="0" err="1" smtClean="0">
+                <a:latin typeface="Consolas" pitchFamily="49" charset="0"/>
+                <a:cs typeface="Consolas" pitchFamily="49" charset="0"/>
+              </a:rPr>
+              <a:t>i</a:t>
+            </a:r>
+            <a:r>
+              <a:rPr lang="en-US" sz="2400" dirty="0" smtClean="0">
+                <a:latin typeface="Consolas" pitchFamily="49" charset="0"/>
+                <a:cs typeface="Consolas" pitchFamily="49" charset="0"/>
+              </a:rPr>
+              <a:t>)</a:t>
+            </a:r>
+          </a:p>
+          <a:p>
+            <a:pPr marL="0" lvl="3" algn="l"/>
+            <a:r>
+              <a:rPr lang="en-US" sz="2400" dirty="0" smtClean="0">
+                <a:latin typeface="Consolas" pitchFamily="49" charset="0"/>
+                <a:cs typeface="Consolas" pitchFamily="49" charset="0"/>
+              </a:rPr>
+              <a:t>{</a:t>
+            </a:r>
+          </a:p>
+          <a:p>
+            <a:pPr marL="0" lvl="3" algn="l"/>
+            <a:r>
+              <a:rPr lang="en-US" sz="2400" dirty="0" smtClean="0">
+                <a:latin typeface="Consolas" pitchFamily="49" charset="0"/>
+                <a:cs typeface="Consolas" pitchFamily="49" charset="0"/>
+              </a:rPr>
+              <a:t>    </a:t>
+            </a:r>
+            <a:r>
+              <a:rPr lang="en-US" sz="2400" dirty="0" err="1" smtClean="0">
+                <a:latin typeface="Consolas" pitchFamily="49" charset="0"/>
+                <a:cs typeface="Consolas" pitchFamily="49" charset="0"/>
+              </a:rPr>
+              <a:t>tc.add_task</a:t>
+            </a:r>
+            <a:r>
+              <a:rPr lang="en-US" sz="2400" dirty="0" smtClean="0">
+                <a:latin typeface="Consolas" pitchFamily="49" charset="0"/>
+                <a:cs typeface="Consolas" pitchFamily="49" charset="0"/>
+              </a:rPr>
+              <a:t>(</a:t>
+            </a:r>
+            <a:r>
+              <a:rPr lang="en-US" sz="2400" dirty="0" err="1" smtClean="0">
+                <a:latin typeface="Consolas" pitchFamily="49" charset="0"/>
+                <a:cs typeface="Consolas" pitchFamily="49" charset="0"/>
+              </a:rPr>
+              <a:t>js.run_job</a:t>
+            </a:r>
+            <a:r>
+              <a:rPr lang="en-US" sz="2400" dirty="0" smtClean="0">
+                <a:latin typeface="Consolas" pitchFamily="49" charset="0"/>
+                <a:cs typeface="Consolas" pitchFamily="49" charset="0"/>
+              </a:rPr>
+              <a:t>&lt;Task&gt;(execs[</a:t>
+            </a:r>
+            <a:r>
+              <a:rPr lang="en-US" sz="2400" dirty="0" err="1" smtClean="0">
+                <a:latin typeface="Consolas" pitchFamily="49" charset="0"/>
+                <a:cs typeface="Consolas" pitchFamily="49" charset="0"/>
+              </a:rPr>
+              <a:t>i</a:t>
+            </a:r>
+            <a:r>
+              <a:rPr lang="en-US" sz="2400" dirty="0" smtClean="0">
+                <a:latin typeface="Consolas" pitchFamily="49" charset="0"/>
+                <a:cs typeface="Consolas" pitchFamily="49" charset="0"/>
+              </a:rPr>
+              <a:t>], hosts[</a:t>
+            </a:r>
+            <a:r>
+              <a:rPr lang="en-US" sz="2400" dirty="0" err="1" smtClean="0">
+                <a:latin typeface="Consolas" pitchFamily="49" charset="0"/>
+                <a:cs typeface="Consolas" pitchFamily="49" charset="0"/>
+              </a:rPr>
+              <a:t>i</a:t>
+            </a:r>
+            <a:r>
+              <a:rPr lang="en-US" sz="2400" dirty="0" smtClean="0">
+                <a:latin typeface="Consolas" pitchFamily="49" charset="0"/>
+                <a:cs typeface="Consolas" pitchFamily="49" charset="0"/>
+              </a:rPr>
+              <a:t>]));</a:t>
+            </a:r>
+          </a:p>
+          <a:p>
+            <a:pPr marL="0" lvl="3" algn="l"/>
+            <a:r>
+              <a:rPr lang="en-US" sz="2400" dirty="0" smtClean="0">
+                <a:latin typeface="Consolas" pitchFamily="49" charset="0"/>
+                <a:cs typeface="Consolas" pitchFamily="49" charset="0"/>
+              </a:rPr>
+              <a:t>}</a:t>
+            </a:r>
+          </a:p>
+          <a:p>
+            <a:pPr marL="0" lvl="3" algn="l"/>
+            <a:endParaRPr lang="en-US" sz="2400" dirty="0" smtClean="0">
+              <a:latin typeface="Consolas" pitchFamily="49" charset="0"/>
+              <a:cs typeface="Consolas" pitchFamily="49" charset="0"/>
+            </a:endParaRPr>
+          </a:p>
+          <a:p>
+            <a:pPr marL="0" lvl="3" algn="l"/>
+            <a:r>
+              <a:rPr lang="en-US" sz="2400" dirty="0" smtClean="0">
+                <a:latin typeface="Consolas" pitchFamily="49" charset="0"/>
+                <a:cs typeface="Consolas" pitchFamily="49" charset="0"/>
+              </a:rPr>
+              <a:t>// execute tasks</a:t>
+            </a:r>
+          </a:p>
+          <a:p>
+            <a:pPr marL="0" lvl="3" algn="l"/>
+            <a:r>
+              <a:rPr lang="en-US" sz="2400" dirty="0" err="1" smtClean="0">
+                <a:latin typeface="Consolas" pitchFamily="49" charset="0"/>
+                <a:cs typeface="Consolas" pitchFamily="49" charset="0"/>
+              </a:rPr>
+              <a:t>tc.run</a:t>
+            </a:r>
+            <a:r>
+              <a:rPr lang="en-US" sz="2400" dirty="0" smtClean="0">
+                <a:latin typeface="Consolas" pitchFamily="49" charset="0"/>
+                <a:cs typeface="Consolas" pitchFamily="49" charset="0"/>
+              </a:rPr>
+              <a:t>();</a:t>
+            </a:r>
+          </a:p>
+          <a:p>
+            <a:pPr marL="0" lvl="3" algn="l"/>
+            <a:endParaRPr lang="en-US" sz="2400" dirty="0" smtClean="0">
+              <a:latin typeface="Consolas" pitchFamily="49" charset="0"/>
+              <a:cs typeface="Consolas" pitchFamily="49" charset="0"/>
+            </a:endParaRPr>
+          </a:p>
+          <a:p>
+            <a:pPr marL="0" lvl="3" algn="l"/>
+            <a:r>
+              <a:rPr lang="en-US" sz="2400" dirty="0" smtClean="0">
+                <a:latin typeface="Consolas" pitchFamily="49" charset="0"/>
+                <a:cs typeface="Consolas" pitchFamily="49" charset="0"/>
+              </a:rPr>
+              <a:t>// wait for any of the tasks to finish</a:t>
+            </a:r>
+          </a:p>
+          <a:p>
+            <a:pPr marL="0" lvl="3" algn="l"/>
+            <a:r>
+              <a:rPr lang="en-US" sz="2400" dirty="0" smtClean="0">
+                <a:latin typeface="Consolas" pitchFamily="49" charset="0"/>
+                <a:cs typeface="Consolas" pitchFamily="49" charset="0"/>
+              </a:rPr>
+              <a:t>std::vector&lt;saga::task&gt; finished = </a:t>
+            </a:r>
+          </a:p>
+          <a:p>
+            <a:pPr marL="0" lvl="3" algn="l"/>
+            <a:r>
+              <a:rPr lang="en-US" sz="2400" dirty="0" smtClean="0">
+                <a:latin typeface="Consolas" pitchFamily="49" charset="0"/>
+                <a:cs typeface="Consolas" pitchFamily="49" charset="0"/>
+              </a:rPr>
+              <a:t>    </a:t>
+            </a:r>
+            <a:r>
+              <a:rPr lang="en-US" sz="2400" dirty="0" err="1" smtClean="0">
+                <a:latin typeface="Consolas" pitchFamily="49" charset="0"/>
+                <a:cs typeface="Consolas" pitchFamily="49" charset="0"/>
+              </a:rPr>
+              <a:t>tc.wait</a:t>
+            </a:r>
+            <a:r>
+              <a:rPr lang="en-US" sz="2400" dirty="0" smtClean="0">
+                <a:latin typeface="Consolas" pitchFamily="49" charset="0"/>
+                <a:cs typeface="Consolas" pitchFamily="49" charset="0"/>
+              </a:rPr>
+              <a:t>(saga::</a:t>
+            </a:r>
+            <a:r>
+              <a:rPr lang="en-US" sz="2400" dirty="0" err="1" smtClean="0">
+                <a:latin typeface="Consolas" pitchFamily="49" charset="0"/>
+                <a:cs typeface="Consolas" pitchFamily="49" charset="0"/>
+              </a:rPr>
+              <a:t>task_container</a:t>
+            </a:r>
+            <a:r>
+              <a:rPr lang="en-US" sz="2400" dirty="0" smtClean="0">
+                <a:latin typeface="Consolas" pitchFamily="49" charset="0"/>
+                <a:cs typeface="Consolas" pitchFamily="49" charset="0"/>
+              </a:rPr>
+              <a:t>::Any));</a:t>
+            </a:r>
+          </a:p>
+        </p:txBody>
+      </p:sp>
+    </p:spTree>
+  </p:cSld>
+  <p:clrMapOvr>
+    <a:masterClrMapping/>
+  </p:clrMapOvr>
+</p:sld>
+</file>
+
+<file path=ppt/slides/slide26.xml><?xml version="1.0" encoding="utf-8"?>
+<p:sld xmlns:a="http://schemas.openxmlformats.org/drawingml/2006/main" xmlns:r="http://schemas.openxmlformats.org/officeDocument/2006/relationships" xmlns:p="http://schemas.openxmlformats.org/presentationml/2006/main">
+  <p:cSld>
+    <p:spTree>
+      <p:nvGrpSpPr>
+        <p:cNvPr id="1" name=""/>
+        <p:cNvGrpSpPr/>
+        <p:nvPr/>
+      </p:nvGrpSpPr>
+      <p:grpSpPr>
+        <a:xfrm>
+          <a:off x="0" y="0"/>
+          <a:ext cx="0" cy="0"/>
+          <a:chOff x="0" y="0"/>
+          <a:chExt cx="0" cy="0"/>
+        </a:xfrm>
+      </p:grpSpPr>
+      <p:sp>
+        <p:nvSpPr>
+          <p:cNvPr id="2" name="Title 1"/>
+          <p:cNvSpPr>
+            <a:spLocks noGrp="1"/>
+          </p:cNvSpPr>
+          <p:nvPr>
+            <p:ph type="title"/>
+          </p:nvPr>
+        </p:nvSpPr>
+        <p:spPr/>
+        <p:txBody>
+          <a:bodyPr/>
+          <a:lstStyle/>
+          <a:p>
+            <a:r>
+              <a:rPr lang="en-US" dirty="0" smtClean="0"/>
+              <a:t>Error Handling</a:t>
+            </a:r>
+            <a:endParaRPr lang="en-US" dirty="0"/>
+          </a:p>
+        </p:txBody>
+      </p:sp>
+      <p:sp>
+        <p:nvSpPr>
+          <p:cNvPr id="3" name="Content Placeholder 2"/>
+          <p:cNvSpPr>
+            <a:spLocks noGrp="1"/>
+          </p:cNvSpPr>
+          <p:nvPr>
+            <p:ph sz="quarter" idx="1"/>
+          </p:nvPr>
+        </p:nvSpPr>
+        <p:spPr/>
+        <p:txBody>
+          <a:bodyPr/>
+          <a:lstStyle/>
+          <a:p>
+            <a:r>
+              <a:rPr lang="en-US" dirty="0" smtClean="0"/>
+              <a:t>Error handling is currently purely exception based</a:t>
+            </a:r>
+          </a:p>
+          <a:p>
+            <a:endParaRPr lang="en-US" dirty="0" smtClean="0"/>
+          </a:p>
+          <a:p>
+            <a:endParaRPr lang="en-US" dirty="0" smtClean="0"/>
+          </a:p>
+          <a:p>
+            <a:endParaRPr lang="en-US" dirty="0" smtClean="0"/>
+          </a:p>
+          <a:p>
+            <a:endParaRPr lang="en-US" dirty="0" smtClean="0"/>
+          </a:p>
+          <a:p>
+            <a:endParaRPr lang="en-US" dirty="0" smtClean="0"/>
+          </a:p>
+          <a:p>
+            <a:r>
+              <a:rPr lang="en-US" dirty="0" smtClean="0"/>
+              <a:t>Also:</a:t>
+            </a:r>
+          </a:p>
+          <a:p>
+            <a:endParaRPr lang="en-US" dirty="0"/>
+          </a:p>
+        </p:txBody>
+      </p:sp>
+      <p:sp>
+        <p:nvSpPr>
+          <p:cNvPr id="4" name="Date Placeholder 3"/>
+          <p:cNvSpPr>
+            <a:spLocks noGrp="1"/>
+          </p:cNvSpPr>
+          <p:nvPr>
+            <p:ph type="dt" sz="half" idx="2"/>
+          </p:nvPr>
+        </p:nvSpPr>
+        <p:spPr/>
+        <p:txBody>
+          <a:bodyPr/>
+          <a:lstStyle/>
+          <a:p>
+            <a:r>
+              <a:rPr lang="en-US" smtClean="0"/>
+              <a:t>September 3rd/4th, 2009</a:t>
+            </a:r>
+            <a:endParaRPr lang="en-US" dirty="0"/>
+          </a:p>
+        </p:txBody>
+      </p:sp>
+      <p:sp>
+        <p:nvSpPr>
+          <p:cNvPr id="5" name="Footer Placeholder 4"/>
+          <p:cNvSpPr>
+            <a:spLocks noGrp="1"/>
+          </p:cNvSpPr>
+          <p:nvPr>
+            <p:ph type="ftr" sz="quarter" idx="3"/>
+          </p:nvPr>
+        </p:nvSpPr>
+        <p:spPr/>
+        <p:txBody>
+          <a:bodyPr/>
+          <a:lstStyle/>
+          <a:p>
+            <a:r>
+              <a:rPr lang="en-US" smtClean="0"/>
+              <a:t>NeSC SAGA Tutorial</a:t>
+            </a:r>
+            <a:endParaRPr lang="en-US" dirty="0"/>
+          </a:p>
+        </p:txBody>
+      </p:sp>
+      <p:sp>
+        <p:nvSpPr>
+          <p:cNvPr id="6" name="Slide Number Placeholder 5"/>
+          <p:cNvSpPr>
+            <a:spLocks noGrp="1"/>
+          </p:cNvSpPr>
+          <p:nvPr>
+            <p:ph type="sldNum" sz="quarter" idx="4"/>
+          </p:nvPr>
+        </p:nvSpPr>
+        <p:spPr/>
+        <p:txBody>
+          <a:bodyPr/>
+          <a:lstStyle/>
+          <a:p>
+            <a:fld id="{7A426C1A-D210-4B4B-86AA-6AEDDDCCF5FF}" type="slidenum">
+              <a:rPr lang="en-US" smtClean="0"/>
+              <a:pPr/>
+              <a:t>26</a:t>
+            </a:fld>
+            <a:endParaRPr lang="en-US"/>
+          </a:p>
+        </p:txBody>
+      </p:sp>
+      <p:sp>
+        <p:nvSpPr>
+          <p:cNvPr id="7" name="TextBox 6"/>
+          <p:cNvSpPr txBox="1"/>
+          <p:nvPr/>
+        </p:nvSpPr>
+        <p:spPr>
+          <a:xfrm>
+            <a:off x="825500" y="2667000"/>
+            <a:ext cx="11353800" cy="2677656"/>
+          </a:xfrm>
+          <a:prstGeom prst="rect">
+            <a:avLst/>
+          </a:prstGeom>
+          <a:solidFill>
+            <a:schemeClr val="accent1">
+              <a:lumMod val="40000"/>
+              <a:lumOff val="60000"/>
+            </a:schemeClr>
+          </a:solidFill>
+          <a:effectLst>
+            <a:outerShdw blurRad="50800" dist="38100" dir="2700000" algn="tl" rotWithShape="0">
+              <a:prstClr val="black">
+                <a:alpha val="40000"/>
+              </a:prstClr>
+            </a:outerShdw>
+          </a:effectLst>
+        </p:spPr>
+        <p:txBody>
+          <a:bodyPr wrap="square" rtlCol="0" anchor="t">
+            <a:spAutoFit/>
+          </a:bodyPr>
+          <a:lstStyle/>
+          <a:p>
+            <a:pPr marL="0" lvl="3" algn="l"/>
+            <a:r>
+              <a:rPr lang="en-US" sz="2400" dirty="0" smtClean="0">
+                <a:latin typeface="Consolas" pitchFamily="49" charset="0"/>
+                <a:cs typeface="Consolas" pitchFamily="49" charset="0"/>
+              </a:rPr>
+              <a:t>try {</a:t>
+            </a:r>
+          </a:p>
+          <a:p>
+            <a:pPr marL="0" lvl="3" algn="l"/>
+            <a:r>
+              <a:rPr lang="en-US" sz="2400" dirty="0" smtClean="0">
+                <a:latin typeface="Consolas" pitchFamily="49" charset="0"/>
+                <a:cs typeface="Consolas" pitchFamily="49" charset="0"/>
+              </a:rPr>
+              <a:t>    saga::</a:t>
+            </a:r>
+            <a:r>
+              <a:rPr lang="en-US" sz="2400" dirty="0" err="1" smtClean="0">
+                <a:latin typeface="Consolas" pitchFamily="49" charset="0"/>
+                <a:cs typeface="Consolas" pitchFamily="49" charset="0"/>
+              </a:rPr>
+              <a:t>filesystem:file</a:t>
+            </a:r>
+            <a:r>
+              <a:rPr lang="en-US" sz="2400" dirty="0" smtClean="0">
+                <a:latin typeface="Consolas" pitchFamily="49" charset="0"/>
+                <a:cs typeface="Consolas" pitchFamily="49" charset="0"/>
+              </a:rPr>
+              <a:t> f("non-existing file");</a:t>
+            </a:r>
+          </a:p>
+          <a:p>
+            <a:pPr marL="0" lvl="3" algn="l"/>
+            <a:r>
+              <a:rPr lang="en-US" sz="2400" dirty="0" smtClean="0">
+                <a:latin typeface="Consolas" pitchFamily="49" charset="0"/>
+                <a:cs typeface="Consolas" pitchFamily="49" charset="0"/>
+              </a:rPr>
+              <a:t>    // …</a:t>
+            </a:r>
+          </a:p>
+          <a:p>
+            <a:pPr marL="0" lvl="3" algn="l"/>
+            <a:r>
+              <a:rPr lang="en-US" sz="2400" dirty="0" smtClean="0">
+                <a:latin typeface="Consolas" pitchFamily="49" charset="0"/>
+                <a:cs typeface="Consolas" pitchFamily="49" charset="0"/>
+              </a:rPr>
+              <a:t>}</a:t>
+            </a:r>
+          </a:p>
+          <a:p>
+            <a:pPr marL="0" lvl="3" algn="l"/>
+            <a:r>
+              <a:rPr lang="en-US" sz="2400" dirty="0" smtClean="0">
+                <a:latin typeface="Consolas" pitchFamily="49" charset="0"/>
+                <a:cs typeface="Consolas" pitchFamily="49" charset="0"/>
+              </a:rPr>
+              <a:t>catch (saga::exception const&amp; e) {</a:t>
+            </a:r>
+          </a:p>
+          <a:p>
+            <a:pPr marL="0" lvl="3" algn="l"/>
+            <a:r>
+              <a:rPr lang="en-US" sz="2400" dirty="0" smtClean="0">
+                <a:latin typeface="Consolas" pitchFamily="49" charset="0"/>
+                <a:cs typeface="Consolas" pitchFamily="49" charset="0"/>
+              </a:rPr>
+              <a:t>    std::</a:t>
+            </a:r>
+            <a:r>
+              <a:rPr lang="en-US" sz="2400" dirty="0" err="1" smtClean="0">
+                <a:latin typeface="Consolas" pitchFamily="49" charset="0"/>
+                <a:cs typeface="Consolas" pitchFamily="49" charset="0"/>
+              </a:rPr>
+              <a:t>cerr</a:t>
+            </a:r>
+            <a:r>
+              <a:rPr lang="en-US" sz="2400" dirty="0" smtClean="0">
+                <a:latin typeface="Consolas" pitchFamily="49" charset="0"/>
+                <a:cs typeface="Consolas" pitchFamily="49" charset="0"/>
+              </a:rPr>
+              <a:t> &lt;&lt; </a:t>
+            </a:r>
+            <a:r>
+              <a:rPr lang="en-US" sz="2400" dirty="0" err="1" smtClean="0">
+                <a:latin typeface="Consolas" pitchFamily="49" charset="0"/>
+                <a:cs typeface="Consolas" pitchFamily="49" charset="0"/>
+              </a:rPr>
+              <a:t>e.what</a:t>
+            </a:r>
+            <a:r>
+              <a:rPr lang="en-US" sz="2400" dirty="0" smtClean="0">
+                <a:latin typeface="Consolas" pitchFamily="49" charset="0"/>
+                <a:cs typeface="Consolas" pitchFamily="49" charset="0"/>
+              </a:rPr>
+              <a:t>() &lt;&lt; std::</a:t>
+            </a:r>
+            <a:r>
+              <a:rPr lang="en-US" sz="2400" dirty="0" err="1" smtClean="0">
+                <a:latin typeface="Consolas" pitchFamily="49" charset="0"/>
+                <a:cs typeface="Consolas" pitchFamily="49" charset="0"/>
+              </a:rPr>
+              <a:t>endl</a:t>
+            </a:r>
+            <a:r>
+              <a:rPr lang="en-US" sz="2400" dirty="0" smtClean="0">
+                <a:latin typeface="Consolas" pitchFamily="49" charset="0"/>
+                <a:cs typeface="Consolas" pitchFamily="49" charset="0"/>
+              </a:rPr>
+              <a:t>;</a:t>
+            </a:r>
+          </a:p>
+          <a:p>
+            <a:pPr marL="0" lvl="3" algn="l"/>
+            <a:r>
+              <a:rPr lang="en-US" sz="2400" dirty="0" smtClean="0">
+                <a:latin typeface="Consolas" pitchFamily="49" charset="0"/>
+                <a:cs typeface="Consolas" pitchFamily="49" charset="0"/>
+              </a:rPr>
+              <a:t>}</a:t>
+            </a:r>
+          </a:p>
+        </p:txBody>
+      </p:sp>
+      <p:sp>
+        <p:nvSpPr>
+          <p:cNvPr id="8" name="TextBox 7"/>
+          <p:cNvSpPr txBox="1"/>
+          <p:nvPr/>
+        </p:nvSpPr>
+        <p:spPr>
+          <a:xfrm>
+            <a:off x="863600" y="6472535"/>
+            <a:ext cx="11353800" cy="1938992"/>
+          </a:xfrm>
+          <a:prstGeom prst="rect">
+            <a:avLst/>
+          </a:prstGeom>
+          <a:solidFill>
+            <a:schemeClr val="accent1">
+              <a:lumMod val="40000"/>
+              <a:lumOff val="60000"/>
+            </a:schemeClr>
+          </a:solidFill>
+          <a:effectLst>
+            <a:outerShdw blurRad="50800" dist="38100" dir="2700000" algn="tl" rotWithShape="0">
+              <a:prstClr val="black">
+                <a:alpha val="40000"/>
+              </a:prstClr>
+            </a:outerShdw>
+          </a:effectLst>
+        </p:spPr>
+        <p:txBody>
+          <a:bodyPr wrap="square" rtlCol="0" anchor="t">
+            <a:spAutoFit/>
+          </a:bodyPr>
+          <a:lstStyle/>
+          <a:p>
+            <a:pPr marL="0" lvl="3" algn="l">
+              <a:tabLst>
+                <a:tab pos="4572000" algn="l"/>
+              </a:tabLst>
+            </a:pPr>
+            <a:r>
+              <a:rPr lang="en-US" sz="2400" dirty="0" err="1" smtClean="0">
+                <a:latin typeface="Consolas" pitchFamily="49" charset="0"/>
+                <a:cs typeface="Consolas" pitchFamily="49" charset="0"/>
+              </a:rPr>
+              <a:t>e.get_error</a:t>
+            </a:r>
+            <a:r>
+              <a:rPr lang="en-US" sz="2400" dirty="0" smtClean="0">
+                <a:latin typeface="Consolas" pitchFamily="49" charset="0"/>
+                <a:cs typeface="Consolas" pitchFamily="49" charset="0"/>
+              </a:rPr>
+              <a:t>();	// error code</a:t>
+            </a:r>
+          </a:p>
+          <a:p>
+            <a:pPr marL="0" lvl="3" algn="l">
+              <a:tabLst>
+                <a:tab pos="4572000" algn="l"/>
+              </a:tabLst>
+            </a:pPr>
+            <a:r>
+              <a:rPr lang="en-US" sz="2400" dirty="0" err="1" smtClean="0">
+                <a:latin typeface="Consolas" pitchFamily="49" charset="0"/>
+                <a:cs typeface="Consolas" pitchFamily="49" charset="0"/>
+              </a:rPr>
+              <a:t>e.get_message</a:t>
+            </a:r>
+            <a:r>
+              <a:rPr lang="en-US" sz="2400" dirty="0" smtClean="0">
+                <a:latin typeface="Consolas" pitchFamily="49" charset="0"/>
+                <a:cs typeface="Consolas" pitchFamily="49" charset="0"/>
+              </a:rPr>
+              <a:t>();	// top level message</a:t>
+            </a:r>
+          </a:p>
+          <a:p>
+            <a:pPr marL="0" lvl="3" algn="l">
+              <a:tabLst>
+                <a:tab pos="4572000" algn="l"/>
+              </a:tabLst>
+            </a:pPr>
+            <a:r>
+              <a:rPr lang="en-US" sz="2400" dirty="0" err="1" smtClean="0">
+                <a:latin typeface="Consolas" pitchFamily="49" charset="0"/>
+                <a:cs typeface="Consolas" pitchFamily="49" charset="0"/>
+              </a:rPr>
+              <a:t>e.get_object</a:t>
+            </a:r>
+            <a:r>
+              <a:rPr lang="en-US" sz="2400" dirty="0" smtClean="0">
+                <a:latin typeface="Consolas" pitchFamily="49" charset="0"/>
+                <a:cs typeface="Consolas" pitchFamily="49" charset="0"/>
+              </a:rPr>
+              <a:t>();	// get failing API object</a:t>
+            </a:r>
+          </a:p>
+          <a:p>
+            <a:pPr marL="0" lvl="3" algn="l">
+              <a:tabLst>
+                <a:tab pos="4572000" algn="l"/>
+              </a:tabLst>
+            </a:pPr>
+            <a:r>
+              <a:rPr lang="en-US" sz="2400" dirty="0" err="1" smtClean="0">
+                <a:latin typeface="Consolas" pitchFamily="49" charset="0"/>
+                <a:cs typeface="Consolas" pitchFamily="49" charset="0"/>
+              </a:rPr>
+              <a:t>e.get_all_exceptions</a:t>
+            </a:r>
+            <a:r>
+              <a:rPr lang="en-US" sz="2400" dirty="0" smtClean="0">
+                <a:latin typeface="Consolas" pitchFamily="49" charset="0"/>
+                <a:cs typeface="Consolas" pitchFamily="49" charset="0"/>
+              </a:rPr>
+              <a:t>();	// get list of exceptions</a:t>
+            </a:r>
+          </a:p>
+          <a:p>
+            <a:pPr marL="0" lvl="3" algn="l">
+              <a:tabLst>
+                <a:tab pos="4572000" algn="l"/>
+              </a:tabLst>
+            </a:pPr>
+            <a:r>
+              <a:rPr lang="en-US" sz="2400" dirty="0" err="1" smtClean="0">
+                <a:latin typeface="Consolas" pitchFamily="49" charset="0"/>
+                <a:cs typeface="Consolas" pitchFamily="49" charset="0"/>
+              </a:rPr>
+              <a:t>e.get_all_messages</a:t>
+            </a:r>
+            <a:r>
+              <a:rPr lang="en-US" sz="2400" dirty="0" smtClean="0">
+                <a:latin typeface="Consolas" pitchFamily="49" charset="0"/>
+                <a:cs typeface="Consolas" pitchFamily="49" charset="0"/>
+              </a:rPr>
+              <a:t>();	// get list of messages</a:t>
+            </a:r>
+          </a:p>
+        </p:txBody>
+      </p:sp>
+    </p:spTree>
+  </p:cSld>
+  <p:clrMapOvr>
+    <a:masterClrMapping/>
+  </p:clrMapOvr>
+</p:sld>
+</file>
+
+<file path=ppt/slides/slide27.xml><?xml version="1.0" encoding="utf-8"?>
+<p:sld xmlns:a="http://schemas.openxmlformats.org/drawingml/2006/main" xmlns:r="http://schemas.openxmlformats.org/officeDocument/2006/relationships" xmlns:p="http://schemas.openxmlformats.org/presentationml/2006/main">
+  <p:cSld>
+    <p:spTree>
+      <p:nvGrpSpPr>
+        <p:cNvPr id="1" name=""/>
+        <p:cNvGrpSpPr/>
+        <p:nvPr/>
+      </p:nvGrpSpPr>
+      <p:grpSpPr>
+        <a:xfrm>
+          <a:off x="0" y="0"/>
+          <a:ext cx="0" cy="0"/>
+          <a:chOff x="0" y="0"/>
+          <a:chExt cx="0" cy="0"/>
+        </a:xfrm>
+      </p:grpSpPr>
+      <p:sp>
+        <p:nvSpPr>
           <p:cNvPr id="26625" name="Rectangle 1"/>
           <p:cNvSpPr>
             <a:spLocks noGrp="1" noChangeArrowheads="1"/>
@@ -10658,7 +11804,7 @@
             <a:fld id="{7A426C1A-D210-4B4B-86AA-6AEDDDCCF5FF}" type="slidenum">
               <a:rPr lang="en-US" smtClean="0"/>
               <a:pPr/>
-              <a:t>24</a:t>
+              <a:t>27</a:t>
             </a:fld>
             <a:endParaRPr lang="en-US"/>
           </a:p>
@@ -10923,7 +12069,7 @@
 </p:sld>
 </file>
 
-<file path=ppt/slides/slide25.xml><?xml version="1.0" encoding="utf-8"?>
+<file path=ppt/slides/slide28.xml><?xml version="1.0" encoding="utf-8"?>
 <p:sld xmlns:a="http://schemas.openxmlformats.org/drawingml/2006/main" xmlns:r="http://schemas.openxmlformats.org/officeDocument/2006/relationships" xmlns:p="http://schemas.openxmlformats.org/presentationml/2006/main">
   <p:cSld>
     <p:spTree>
@@ -11161,7 +12307,7 @@
             <a:fld id="{7A426C1A-D210-4B4B-86AA-6AEDDDCCF5FF}" type="slidenum">
               <a:rPr lang="en-US" smtClean="0"/>
               <a:pPr/>
-              <a:t>25</a:t>
+              <a:t>28</a:t>
             </a:fld>
             <a:endParaRPr lang="en-US"/>
           </a:p>
@@ -11461,1210 +12607,6 @@
               <a:latin typeface="Consolas" pitchFamily="49" charset="0"/>
               <a:cs typeface="Consolas" pitchFamily="49" charset="0"/>
             </a:endParaRPr>
-          </a:p>
-        </p:txBody>
-      </p:sp>
-    </p:spTree>
-  </p:cSld>
-  <p:clrMapOvr>
-    <a:masterClrMapping/>
-  </p:clrMapOvr>
-  <p:transition/>
-</p:sld>
-</file>
-
-<file path=ppt/slides/slide26.xml><?xml version="1.0" encoding="utf-8"?>
-<p:sld xmlns:a="http://schemas.openxmlformats.org/drawingml/2006/main" xmlns:r="http://schemas.openxmlformats.org/officeDocument/2006/relationships" xmlns:p="http://schemas.openxmlformats.org/presentationml/2006/main">
-  <p:cSld>
-    <p:spTree>
-      <p:nvGrpSpPr>
-        <p:cNvPr id="1" name=""/>
-        <p:cNvGrpSpPr/>
-        <p:nvPr/>
-      </p:nvGrpSpPr>
-      <p:grpSpPr>
-        <a:xfrm>
-          <a:off x="0" y="0"/>
-          <a:ext cx="0" cy="0"/>
-          <a:chOff x="0" y="0"/>
-          <a:chExt cx="0" cy="0"/>
-        </a:xfrm>
-      </p:grpSpPr>
-      <p:sp>
-        <p:nvSpPr>
-          <p:cNvPr id="2" name="Title 1"/>
-          <p:cNvSpPr>
-            <a:spLocks noGrp="1"/>
-          </p:cNvSpPr>
-          <p:nvPr>
-            <p:ph type="title"/>
-          </p:nvPr>
-        </p:nvSpPr>
-        <p:spPr/>
-        <p:txBody>
-          <a:bodyPr>
-            <a:normAutofit/>
-          </a:bodyPr>
-          <a:lstStyle/>
-          <a:p>
-            <a:r>
-              <a:rPr lang="en-US" dirty="0" smtClean="0"/>
-              <a:t>Task container</a:t>
-            </a:r>
-            <a:endParaRPr lang="en-US" dirty="0"/>
-          </a:p>
-        </p:txBody>
-      </p:sp>
-      <p:sp>
-        <p:nvSpPr>
-          <p:cNvPr id="3" name="Content Placeholder 2"/>
-          <p:cNvSpPr>
-            <a:spLocks noGrp="1"/>
-          </p:cNvSpPr>
-          <p:nvPr>
-            <p:ph sz="quarter" idx="1"/>
-          </p:nvPr>
-        </p:nvSpPr>
-        <p:spPr/>
-        <p:txBody>
-          <a:bodyPr/>
-          <a:lstStyle/>
-          <a:p>
-            <a:r>
-              <a:rPr lang="en-US" dirty="0" smtClean="0"/>
-              <a:t>Special container allowing to handle many tasks as one</a:t>
-            </a:r>
-          </a:p>
-          <a:p>
-            <a:endParaRPr lang="en-US" dirty="0"/>
-          </a:p>
-        </p:txBody>
-      </p:sp>
-      <p:sp>
-        <p:nvSpPr>
-          <p:cNvPr id="4" name="Date Placeholder 3"/>
-          <p:cNvSpPr>
-            <a:spLocks noGrp="1"/>
-          </p:cNvSpPr>
-          <p:nvPr>
-            <p:ph type="dt" sz="half" idx="2"/>
-          </p:nvPr>
-        </p:nvSpPr>
-        <p:spPr/>
-        <p:txBody>
-          <a:bodyPr/>
-          <a:lstStyle/>
-          <a:p>
-            <a:r>
-              <a:rPr lang="en-US" smtClean="0"/>
-              <a:t>September 3rd/4th, 2009</a:t>
-            </a:r>
-            <a:endParaRPr lang="en-US" dirty="0"/>
-          </a:p>
-        </p:txBody>
-      </p:sp>
-      <p:sp>
-        <p:nvSpPr>
-          <p:cNvPr id="5" name="Footer Placeholder 4"/>
-          <p:cNvSpPr>
-            <a:spLocks noGrp="1"/>
-          </p:cNvSpPr>
-          <p:nvPr>
-            <p:ph type="ftr" sz="quarter" idx="3"/>
-          </p:nvPr>
-        </p:nvSpPr>
-        <p:spPr/>
-        <p:txBody>
-          <a:bodyPr/>
-          <a:lstStyle/>
-          <a:p>
-            <a:r>
-              <a:rPr lang="en-US" smtClean="0"/>
-              <a:t>NeSC SAGA Tutorial</a:t>
-            </a:r>
-            <a:endParaRPr lang="en-US" dirty="0"/>
-          </a:p>
-        </p:txBody>
-      </p:sp>
-      <p:sp>
-        <p:nvSpPr>
-          <p:cNvPr id="6" name="Slide Number Placeholder 5"/>
-          <p:cNvSpPr>
-            <a:spLocks noGrp="1"/>
-          </p:cNvSpPr>
-          <p:nvPr>
-            <p:ph type="sldNum" sz="quarter" idx="4"/>
-          </p:nvPr>
-        </p:nvSpPr>
-        <p:spPr/>
-        <p:txBody>
-          <a:bodyPr/>
-          <a:lstStyle/>
-          <a:p>
-            <a:fld id="{7A426C1A-D210-4B4B-86AA-6AEDDDCCF5FF}" type="slidenum">
-              <a:rPr lang="en-US" smtClean="0"/>
-              <a:pPr/>
-              <a:t>26</a:t>
-            </a:fld>
-            <a:endParaRPr lang="en-US"/>
-          </a:p>
-        </p:txBody>
-      </p:sp>
-      <p:sp>
-        <p:nvSpPr>
-          <p:cNvPr id="7" name="TextBox 6"/>
-          <p:cNvSpPr txBox="1"/>
-          <p:nvPr/>
-        </p:nvSpPr>
-        <p:spPr>
-          <a:xfrm>
-            <a:off x="825500" y="2667000"/>
-            <a:ext cx="11353800" cy="5262979"/>
-          </a:xfrm>
-          <a:prstGeom prst="rect">
-            <a:avLst/>
-          </a:prstGeom>
-          <a:solidFill>
-            <a:schemeClr val="accent1">
-              <a:lumMod val="40000"/>
-              <a:lumOff val="60000"/>
-            </a:schemeClr>
-          </a:solidFill>
-          <a:effectLst>
-            <a:outerShdw blurRad="50800" dist="38100" dir="2700000" algn="tl" rotWithShape="0">
-              <a:prstClr val="black">
-                <a:alpha val="40000"/>
-              </a:prstClr>
-            </a:outerShdw>
-          </a:effectLst>
-        </p:spPr>
-        <p:txBody>
-          <a:bodyPr wrap="square" rtlCol="0" anchor="t">
-            <a:spAutoFit/>
-          </a:bodyPr>
-          <a:lstStyle/>
-          <a:p>
-            <a:pPr marL="0" lvl="3" algn="l"/>
-            <a:r>
-              <a:rPr lang="en-US" sz="2400" dirty="0" smtClean="0">
-                <a:latin typeface="Consolas" pitchFamily="49" charset="0"/>
-                <a:cs typeface="Consolas" pitchFamily="49" charset="0"/>
-              </a:rPr>
-              <a:t>// create a list of tasks to run jobs</a:t>
-            </a:r>
-          </a:p>
-          <a:p>
-            <a:pPr marL="0" lvl="3" algn="l"/>
-            <a:r>
-              <a:rPr lang="en-US" sz="2400" dirty="0" smtClean="0">
-                <a:latin typeface="Consolas" pitchFamily="49" charset="0"/>
-                <a:cs typeface="Consolas" pitchFamily="49" charset="0"/>
-              </a:rPr>
-              <a:t>saga::job::service </a:t>
-            </a:r>
-            <a:r>
-              <a:rPr lang="en-US" sz="2400" dirty="0" err="1" smtClean="0">
-                <a:latin typeface="Consolas" pitchFamily="49" charset="0"/>
-                <a:cs typeface="Consolas" pitchFamily="49" charset="0"/>
-              </a:rPr>
-              <a:t>js</a:t>
-            </a:r>
-            <a:r>
-              <a:rPr lang="en-US" sz="2400" dirty="0" smtClean="0">
-                <a:latin typeface="Consolas" pitchFamily="49" charset="0"/>
-                <a:cs typeface="Consolas" pitchFamily="49" charset="0"/>
-              </a:rPr>
-              <a:t>("</a:t>
-            </a:r>
-            <a:r>
-              <a:rPr lang="en-US" sz="2400" dirty="0" err="1" smtClean="0">
-                <a:latin typeface="Consolas" pitchFamily="49" charset="0"/>
-                <a:cs typeface="Consolas" pitchFamily="49" charset="0"/>
-              </a:rPr>
-              <a:t>somehost</a:t>
-            </a:r>
-            <a:r>
-              <a:rPr lang="en-US" sz="2400" dirty="0" smtClean="0">
-                <a:latin typeface="Consolas" pitchFamily="49" charset="0"/>
-                <a:cs typeface="Consolas" pitchFamily="49" charset="0"/>
-              </a:rPr>
-              <a:t>");</a:t>
-            </a:r>
-          </a:p>
-          <a:p>
-            <a:pPr marL="0" lvl="3" algn="l"/>
-            <a:r>
-              <a:rPr lang="en-US" sz="2400" dirty="0" smtClean="0">
-                <a:latin typeface="Consolas" pitchFamily="49" charset="0"/>
-                <a:cs typeface="Consolas" pitchFamily="49" charset="0"/>
-              </a:rPr>
-              <a:t>saga::</a:t>
-            </a:r>
-            <a:r>
-              <a:rPr lang="en-US" sz="2400" dirty="0" err="1" smtClean="0">
-                <a:latin typeface="Consolas" pitchFamily="49" charset="0"/>
-                <a:cs typeface="Consolas" pitchFamily="49" charset="0"/>
-              </a:rPr>
-              <a:t>task_container</a:t>
-            </a:r>
-            <a:r>
-              <a:rPr lang="en-US" sz="2400" dirty="0" smtClean="0">
-                <a:latin typeface="Consolas" pitchFamily="49" charset="0"/>
-                <a:cs typeface="Consolas" pitchFamily="49" charset="0"/>
-              </a:rPr>
-              <a:t> </a:t>
-            </a:r>
-            <a:r>
-              <a:rPr lang="en-US" sz="2400" dirty="0" err="1" smtClean="0">
-                <a:latin typeface="Consolas" pitchFamily="49" charset="0"/>
-                <a:cs typeface="Consolas" pitchFamily="49" charset="0"/>
-              </a:rPr>
-              <a:t>tc</a:t>
-            </a:r>
-            <a:r>
-              <a:rPr lang="en-US" sz="2400" dirty="0" smtClean="0">
-                <a:latin typeface="Consolas" pitchFamily="49" charset="0"/>
-                <a:cs typeface="Consolas" pitchFamily="49" charset="0"/>
-              </a:rPr>
-              <a:t>;</a:t>
-            </a:r>
-          </a:p>
-          <a:p>
-            <a:pPr marL="0" lvl="3" algn="l"/>
-            <a:r>
-              <a:rPr lang="en-US" sz="2400" dirty="0" smtClean="0">
-                <a:latin typeface="Consolas" pitchFamily="49" charset="0"/>
-                <a:cs typeface="Consolas" pitchFamily="49" charset="0"/>
-              </a:rPr>
-              <a:t>for (</a:t>
-            </a:r>
-            <a:r>
-              <a:rPr lang="en-US" sz="2400" dirty="0" err="1" smtClean="0">
-                <a:latin typeface="Consolas" pitchFamily="49" charset="0"/>
-                <a:cs typeface="Consolas" pitchFamily="49" charset="0"/>
-              </a:rPr>
-              <a:t>int</a:t>
-            </a:r>
-            <a:r>
-              <a:rPr lang="en-US" sz="2400" dirty="0" smtClean="0">
-                <a:latin typeface="Consolas" pitchFamily="49" charset="0"/>
-                <a:cs typeface="Consolas" pitchFamily="49" charset="0"/>
-              </a:rPr>
-              <a:t> </a:t>
-            </a:r>
-            <a:r>
-              <a:rPr lang="en-US" sz="2400" dirty="0" err="1" smtClean="0">
-                <a:latin typeface="Consolas" pitchFamily="49" charset="0"/>
-                <a:cs typeface="Consolas" pitchFamily="49" charset="0"/>
-              </a:rPr>
-              <a:t>i</a:t>
-            </a:r>
-            <a:r>
-              <a:rPr lang="en-US" sz="2400" dirty="0" smtClean="0">
-                <a:latin typeface="Consolas" pitchFamily="49" charset="0"/>
-                <a:cs typeface="Consolas" pitchFamily="49" charset="0"/>
-              </a:rPr>
-              <a:t> = 0; </a:t>
-            </a:r>
-            <a:r>
-              <a:rPr lang="en-US" sz="2400" dirty="0" err="1" smtClean="0">
-                <a:latin typeface="Consolas" pitchFamily="49" charset="0"/>
-                <a:cs typeface="Consolas" pitchFamily="49" charset="0"/>
-              </a:rPr>
-              <a:t>i</a:t>
-            </a:r>
-            <a:r>
-              <a:rPr lang="en-US" sz="2400" dirty="0" smtClean="0">
-                <a:latin typeface="Consolas" pitchFamily="49" charset="0"/>
-                <a:cs typeface="Consolas" pitchFamily="49" charset="0"/>
-              </a:rPr>
-              <a:t> &lt; num; ++</a:t>
-            </a:r>
-            <a:r>
-              <a:rPr lang="en-US" sz="2400" dirty="0" err="1" smtClean="0">
-                <a:latin typeface="Consolas" pitchFamily="49" charset="0"/>
-                <a:cs typeface="Consolas" pitchFamily="49" charset="0"/>
-              </a:rPr>
-              <a:t>i</a:t>
-            </a:r>
-            <a:r>
-              <a:rPr lang="en-US" sz="2400" dirty="0" smtClean="0">
-                <a:latin typeface="Consolas" pitchFamily="49" charset="0"/>
-                <a:cs typeface="Consolas" pitchFamily="49" charset="0"/>
-              </a:rPr>
-              <a:t>)</a:t>
-            </a:r>
-          </a:p>
-          <a:p>
-            <a:pPr marL="0" lvl="3" algn="l"/>
-            <a:r>
-              <a:rPr lang="en-US" sz="2400" dirty="0" smtClean="0">
-                <a:latin typeface="Consolas" pitchFamily="49" charset="0"/>
-                <a:cs typeface="Consolas" pitchFamily="49" charset="0"/>
-              </a:rPr>
-              <a:t>{</a:t>
-            </a:r>
-          </a:p>
-          <a:p>
-            <a:pPr marL="0" lvl="3" algn="l"/>
-            <a:r>
-              <a:rPr lang="en-US" sz="2400" dirty="0" smtClean="0">
-                <a:latin typeface="Consolas" pitchFamily="49" charset="0"/>
-                <a:cs typeface="Consolas" pitchFamily="49" charset="0"/>
-              </a:rPr>
-              <a:t>    </a:t>
-            </a:r>
-            <a:r>
-              <a:rPr lang="en-US" sz="2400" dirty="0" err="1" smtClean="0">
-                <a:latin typeface="Consolas" pitchFamily="49" charset="0"/>
-                <a:cs typeface="Consolas" pitchFamily="49" charset="0"/>
-              </a:rPr>
-              <a:t>tc.add_task</a:t>
-            </a:r>
-            <a:r>
-              <a:rPr lang="en-US" sz="2400" dirty="0" smtClean="0">
-                <a:latin typeface="Consolas" pitchFamily="49" charset="0"/>
-                <a:cs typeface="Consolas" pitchFamily="49" charset="0"/>
-              </a:rPr>
-              <a:t>(</a:t>
-            </a:r>
-            <a:r>
-              <a:rPr lang="en-US" sz="2400" dirty="0" err="1" smtClean="0">
-                <a:latin typeface="Consolas" pitchFamily="49" charset="0"/>
-                <a:cs typeface="Consolas" pitchFamily="49" charset="0"/>
-              </a:rPr>
-              <a:t>js.run_job</a:t>
-            </a:r>
-            <a:r>
-              <a:rPr lang="en-US" sz="2400" dirty="0" smtClean="0">
-                <a:latin typeface="Consolas" pitchFamily="49" charset="0"/>
-                <a:cs typeface="Consolas" pitchFamily="49" charset="0"/>
-              </a:rPr>
-              <a:t>&lt;Task&gt;(execs[</a:t>
-            </a:r>
-            <a:r>
-              <a:rPr lang="en-US" sz="2400" dirty="0" err="1" smtClean="0">
-                <a:latin typeface="Consolas" pitchFamily="49" charset="0"/>
-                <a:cs typeface="Consolas" pitchFamily="49" charset="0"/>
-              </a:rPr>
-              <a:t>i</a:t>
-            </a:r>
-            <a:r>
-              <a:rPr lang="en-US" sz="2400" dirty="0" smtClean="0">
-                <a:latin typeface="Consolas" pitchFamily="49" charset="0"/>
-                <a:cs typeface="Consolas" pitchFamily="49" charset="0"/>
-              </a:rPr>
-              <a:t>], hosts[</a:t>
-            </a:r>
-            <a:r>
-              <a:rPr lang="en-US" sz="2400" dirty="0" err="1" smtClean="0">
-                <a:latin typeface="Consolas" pitchFamily="49" charset="0"/>
-                <a:cs typeface="Consolas" pitchFamily="49" charset="0"/>
-              </a:rPr>
-              <a:t>i</a:t>
-            </a:r>
-            <a:r>
-              <a:rPr lang="en-US" sz="2400" dirty="0" smtClean="0">
-                <a:latin typeface="Consolas" pitchFamily="49" charset="0"/>
-                <a:cs typeface="Consolas" pitchFamily="49" charset="0"/>
-              </a:rPr>
-              <a:t>]));</a:t>
-            </a:r>
-          </a:p>
-          <a:p>
-            <a:pPr marL="0" lvl="3" algn="l"/>
-            <a:r>
-              <a:rPr lang="en-US" sz="2400" dirty="0" smtClean="0">
-                <a:latin typeface="Consolas" pitchFamily="49" charset="0"/>
-                <a:cs typeface="Consolas" pitchFamily="49" charset="0"/>
-              </a:rPr>
-              <a:t>}</a:t>
-            </a:r>
-          </a:p>
-          <a:p>
-            <a:pPr marL="0" lvl="3" algn="l"/>
-            <a:endParaRPr lang="en-US" sz="2400" dirty="0" smtClean="0">
-              <a:latin typeface="Consolas" pitchFamily="49" charset="0"/>
-              <a:cs typeface="Consolas" pitchFamily="49" charset="0"/>
-            </a:endParaRPr>
-          </a:p>
-          <a:p>
-            <a:pPr marL="0" lvl="3" algn="l"/>
-            <a:r>
-              <a:rPr lang="en-US" sz="2400" dirty="0" smtClean="0">
-                <a:latin typeface="Consolas" pitchFamily="49" charset="0"/>
-                <a:cs typeface="Consolas" pitchFamily="49" charset="0"/>
-              </a:rPr>
-              <a:t>// execute tasks</a:t>
-            </a:r>
-          </a:p>
-          <a:p>
-            <a:pPr marL="0" lvl="3" algn="l"/>
-            <a:r>
-              <a:rPr lang="en-US" sz="2400" dirty="0" err="1" smtClean="0">
-                <a:latin typeface="Consolas" pitchFamily="49" charset="0"/>
-                <a:cs typeface="Consolas" pitchFamily="49" charset="0"/>
-              </a:rPr>
-              <a:t>tc.run</a:t>
-            </a:r>
-            <a:r>
-              <a:rPr lang="en-US" sz="2400" dirty="0" smtClean="0">
-                <a:latin typeface="Consolas" pitchFamily="49" charset="0"/>
-                <a:cs typeface="Consolas" pitchFamily="49" charset="0"/>
-              </a:rPr>
-              <a:t>();</a:t>
-            </a:r>
-          </a:p>
-          <a:p>
-            <a:pPr marL="0" lvl="3" algn="l"/>
-            <a:endParaRPr lang="en-US" sz="2400" dirty="0" smtClean="0">
-              <a:latin typeface="Consolas" pitchFamily="49" charset="0"/>
-              <a:cs typeface="Consolas" pitchFamily="49" charset="0"/>
-            </a:endParaRPr>
-          </a:p>
-          <a:p>
-            <a:pPr marL="0" lvl="3" algn="l"/>
-            <a:r>
-              <a:rPr lang="en-US" sz="2400" dirty="0" smtClean="0">
-                <a:latin typeface="Consolas" pitchFamily="49" charset="0"/>
-                <a:cs typeface="Consolas" pitchFamily="49" charset="0"/>
-              </a:rPr>
-              <a:t>// wait for any of the tasks to finish</a:t>
-            </a:r>
-          </a:p>
-          <a:p>
-            <a:pPr marL="0" lvl="3" algn="l"/>
-            <a:r>
-              <a:rPr lang="en-US" sz="2400" dirty="0" smtClean="0">
-                <a:latin typeface="Consolas" pitchFamily="49" charset="0"/>
-                <a:cs typeface="Consolas" pitchFamily="49" charset="0"/>
-              </a:rPr>
-              <a:t>std::vector&lt;saga::task&gt; finished = </a:t>
-            </a:r>
-          </a:p>
-          <a:p>
-            <a:pPr marL="0" lvl="3" algn="l"/>
-            <a:r>
-              <a:rPr lang="en-US" sz="2400" dirty="0" smtClean="0">
-                <a:latin typeface="Consolas" pitchFamily="49" charset="0"/>
-                <a:cs typeface="Consolas" pitchFamily="49" charset="0"/>
-              </a:rPr>
-              <a:t>    </a:t>
-            </a:r>
-            <a:r>
-              <a:rPr lang="en-US" sz="2400" dirty="0" err="1" smtClean="0">
-                <a:latin typeface="Consolas" pitchFamily="49" charset="0"/>
-                <a:cs typeface="Consolas" pitchFamily="49" charset="0"/>
-              </a:rPr>
-              <a:t>tc.wait</a:t>
-            </a:r>
-            <a:r>
-              <a:rPr lang="en-US" sz="2400" dirty="0" smtClean="0">
-                <a:latin typeface="Consolas" pitchFamily="49" charset="0"/>
-                <a:cs typeface="Consolas" pitchFamily="49" charset="0"/>
-              </a:rPr>
-              <a:t>(saga::</a:t>
-            </a:r>
-            <a:r>
-              <a:rPr lang="en-US" sz="2400" dirty="0" err="1" smtClean="0">
-                <a:latin typeface="Consolas" pitchFamily="49" charset="0"/>
-                <a:cs typeface="Consolas" pitchFamily="49" charset="0"/>
-              </a:rPr>
-              <a:t>task_container</a:t>
-            </a:r>
-            <a:r>
-              <a:rPr lang="en-US" sz="2400" dirty="0" smtClean="0">
-                <a:latin typeface="Consolas" pitchFamily="49" charset="0"/>
-                <a:cs typeface="Consolas" pitchFamily="49" charset="0"/>
-              </a:rPr>
-              <a:t>::Any));</a:t>
-            </a:r>
-          </a:p>
-        </p:txBody>
-      </p:sp>
-    </p:spTree>
-  </p:cSld>
-  <p:clrMapOvr>
-    <a:masterClrMapping/>
-  </p:clrMapOvr>
-</p:sld>
-</file>
-
-<file path=ppt/slides/slide27.xml><?xml version="1.0" encoding="utf-8"?>
-<p:sld xmlns:a="http://schemas.openxmlformats.org/drawingml/2006/main" xmlns:r="http://schemas.openxmlformats.org/officeDocument/2006/relationships" xmlns:p="http://schemas.openxmlformats.org/presentationml/2006/main">
-  <p:cSld>
-    <p:spTree>
-      <p:nvGrpSpPr>
-        <p:cNvPr id="1" name=""/>
-        <p:cNvGrpSpPr/>
-        <p:nvPr/>
-      </p:nvGrpSpPr>
-      <p:grpSpPr>
-        <a:xfrm>
-          <a:off x="0" y="0"/>
-          <a:ext cx="0" cy="0"/>
-          <a:chOff x="0" y="0"/>
-          <a:chExt cx="0" cy="0"/>
-        </a:xfrm>
-      </p:grpSpPr>
-      <p:sp>
-        <p:nvSpPr>
-          <p:cNvPr id="2" name="Title 1"/>
-          <p:cNvSpPr>
-            <a:spLocks noGrp="1"/>
-          </p:cNvSpPr>
-          <p:nvPr>
-            <p:ph type="title"/>
-          </p:nvPr>
-        </p:nvSpPr>
-        <p:spPr/>
-        <p:txBody>
-          <a:bodyPr/>
-          <a:lstStyle/>
-          <a:p>
-            <a:r>
-              <a:rPr lang="en-US" dirty="0" smtClean="0"/>
-              <a:t>Error Handling</a:t>
-            </a:r>
-            <a:endParaRPr lang="en-US" dirty="0"/>
-          </a:p>
-        </p:txBody>
-      </p:sp>
-      <p:sp>
-        <p:nvSpPr>
-          <p:cNvPr id="3" name="Content Placeholder 2"/>
-          <p:cNvSpPr>
-            <a:spLocks noGrp="1"/>
-          </p:cNvSpPr>
-          <p:nvPr>
-            <p:ph sz="quarter" idx="1"/>
-          </p:nvPr>
-        </p:nvSpPr>
-        <p:spPr/>
-        <p:txBody>
-          <a:bodyPr/>
-          <a:lstStyle/>
-          <a:p>
-            <a:r>
-              <a:rPr lang="en-US" dirty="0" smtClean="0"/>
-              <a:t>Error handling is currently purely exception based</a:t>
-            </a:r>
-          </a:p>
-          <a:p>
-            <a:endParaRPr lang="en-US" dirty="0" smtClean="0"/>
-          </a:p>
-          <a:p>
-            <a:endParaRPr lang="en-US" dirty="0" smtClean="0"/>
-          </a:p>
-          <a:p>
-            <a:endParaRPr lang="en-US" dirty="0" smtClean="0"/>
-          </a:p>
-          <a:p>
-            <a:endParaRPr lang="en-US" dirty="0" smtClean="0"/>
-          </a:p>
-          <a:p>
-            <a:endParaRPr lang="en-US" dirty="0" smtClean="0"/>
-          </a:p>
-          <a:p>
-            <a:r>
-              <a:rPr lang="en-US" dirty="0" smtClean="0"/>
-              <a:t>Also:</a:t>
-            </a:r>
-          </a:p>
-          <a:p>
-            <a:endParaRPr lang="en-US" dirty="0"/>
-          </a:p>
-        </p:txBody>
-      </p:sp>
-      <p:sp>
-        <p:nvSpPr>
-          <p:cNvPr id="4" name="Date Placeholder 3"/>
-          <p:cNvSpPr>
-            <a:spLocks noGrp="1"/>
-          </p:cNvSpPr>
-          <p:nvPr>
-            <p:ph type="dt" sz="half" idx="2"/>
-          </p:nvPr>
-        </p:nvSpPr>
-        <p:spPr/>
-        <p:txBody>
-          <a:bodyPr/>
-          <a:lstStyle/>
-          <a:p>
-            <a:r>
-              <a:rPr lang="en-US" smtClean="0"/>
-              <a:t>September 3rd/4th, 2009</a:t>
-            </a:r>
-            <a:endParaRPr lang="en-US" dirty="0"/>
-          </a:p>
-        </p:txBody>
-      </p:sp>
-      <p:sp>
-        <p:nvSpPr>
-          <p:cNvPr id="5" name="Footer Placeholder 4"/>
-          <p:cNvSpPr>
-            <a:spLocks noGrp="1"/>
-          </p:cNvSpPr>
-          <p:nvPr>
-            <p:ph type="ftr" sz="quarter" idx="3"/>
-          </p:nvPr>
-        </p:nvSpPr>
-        <p:spPr/>
-        <p:txBody>
-          <a:bodyPr/>
-          <a:lstStyle/>
-          <a:p>
-            <a:r>
-              <a:rPr lang="en-US" smtClean="0"/>
-              <a:t>NeSC SAGA Tutorial</a:t>
-            </a:r>
-            <a:endParaRPr lang="en-US" dirty="0"/>
-          </a:p>
-        </p:txBody>
-      </p:sp>
-      <p:sp>
-        <p:nvSpPr>
-          <p:cNvPr id="6" name="Slide Number Placeholder 5"/>
-          <p:cNvSpPr>
-            <a:spLocks noGrp="1"/>
-          </p:cNvSpPr>
-          <p:nvPr>
-            <p:ph type="sldNum" sz="quarter" idx="4"/>
-          </p:nvPr>
-        </p:nvSpPr>
-        <p:spPr/>
-        <p:txBody>
-          <a:bodyPr/>
-          <a:lstStyle/>
-          <a:p>
-            <a:fld id="{7A426C1A-D210-4B4B-86AA-6AEDDDCCF5FF}" type="slidenum">
-              <a:rPr lang="en-US" smtClean="0"/>
-              <a:pPr/>
-              <a:t>27</a:t>
-            </a:fld>
-            <a:endParaRPr lang="en-US"/>
-          </a:p>
-        </p:txBody>
-      </p:sp>
-      <p:sp>
-        <p:nvSpPr>
-          <p:cNvPr id="7" name="TextBox 6"/>
-          <p:cNvSpPr txBox="1"/>
-          <p:nvPr/>
-        </p:nvSpPr>
-        <p:spPr>
-          <a:xfrm>
-            <a:off x="825500" y="2667000"/>
-            <a:ext cx="11353800" cy="2677656"/>
-          </a:xfrm>
-          <a:prstGeom prst="rect">
-            <a:avLst/>
-          </a:prstGeom>
-          <a:solidFill>
-            <a:schemeClr val="accent1">
-              <a:lumMod val="40000"/>
-              <a:lumOff val="60000"/>
-            </a:schemeClr>
-          </a:solidFill>
-          <a:effectLst>
-            <a:outerShdw blurRad="50800" dist="38100" dir="2700000" algn="tl" rotWithShape="0">
-              <a:prstClr val="black">
-                <a:alpha val="40000"/>
-              </a:prstClr>
-            </a:outerShdw>
-          </a:effectLst>
-        </p:spPr>
-        <p:txBody>
-          <a:bodyPr wrap="square" rtlCol="0" anchor="t">
-            <a:spAutoFit/>
-          </a:bodyPr>
-          <a:lstStyle/>
-          <a:p>
-            <a:pPr marL="0" lvl="3" algn="l"/>
-            <a:r>
-              <a:rPr lang="en-US" sz="2400" dirty="0" smtClean="0">
-                <a:latin typeface="Consolas" pitchFamily="49" charset="0"/>
-                <a:cs typeface="Consolas" pitchFamily="49" charset="0"/>
-              </a:rPr>
-              <a:t>try {</a:t>
-            </a:r>
-          </a:p>
-          <a:p>
-            <a:pPr marL="0" lvl="3" algn="l"/>
-            <a:r>
-              <a:rPr lang="en-US" sz="2400" dirty="0" smtClean="0">
-                <a:latin typeface="Consolas" pitchFamily="49" charset="0"/>
-                <a:cs typeface="Consolas" pitchFamily="49" charset="0"/>
-              </a:rPr>
-              <a:t>    saga::</a:t>
-            </a:r>
-            <a:r>
-              <a:rPr lang="en-US" sz="2400" dirty="0" err="1" smtClean="0">
-                <a:latin typeface="Consolas" pitchFamily="49" charset="0"/>
-                <a:cs typeface="Consolas" pitchFamily="49" charset="0"/>
-              </a:rPr>
-              <a:t>filesystem:file</a:t>
-            </a:r>
-            <a:r>
-              <a:rPr lang="en-US" sz="2400" dirty="0" smtClean="0">
-                <a:latin typeface="Consolas" pitchFamily="49" charset="0"/>
-                <a:cs typeface="Consolas" pitchFamily="49" charset="0"/>
-              </a:rPr>
-              <a:t> f("non-existing file");</a:t>
-            </a:r>
-          </a:p>
-          <a:p>
-            <a:pPr marL="0" lvl="3" algn="l"/>
-            <a:r>
-              <a:rPr lang="en-US" sz="2400" dirty="0" smtClean="0">
-                <a:latin typeface="Consolas" pitchFamily="49" charset="0"/>
-                <a:cs typeface="Consolas" pitchFamily="49" charset="0"/>
-              </a:rPr>
-              <a:t>    // …</a:t>
-            </a:r>
-          </a:p>
-          <a:p>
-            <a:pPr marL="0" lvl="3" algn="l"/>
-            <a:r>
-              <a:rPr lang="en-US" sz="2400" dirty="0" smtClean="0">
-                <a:latin typeface="Consolas" pitchFamily="49" charset="0"/>
-                <a:cs typeface="Consolas" pitchFamily="49" charset="0"/>
-              </a:rPr>
-              <a:t>}</a:t>
-            </a:r>
-          </a:p>
-          <a:p>
-            <a:pPr marL="0" lvl="3" algn="l"/>
-            <a:r>
-              <a:rPr lang="en-US" sz="2400" dirty="0" smtClean="0">
-                <a:latin typeface="Consolas" pitchFamily="49" charset="0"/>
-                <a:cs typeface="Consolas" pitchFamily="49" charset="0"/>
-              </a:rPr>
-              <a:t>catch (saga::exception const&amp; e) {</a:t>
-            </a:r>
-          </a:p>
-          <a:p>
-            <a:pPr marL="0" lvl="3" algn="l"/>
-            <a:r>
-              <a:rPr lang="en-US" sz="2400" dirty="0" smtClean="0">
-                <a:latin typeface="Consolas" pitchFamily="49" charset="0"/>
-                <a:cs typeface="Consolas" pitchFamily="49" charset="0"/>
-              </a:rPr>
-              <a:t>    std::</a:t>
-            </a:r>
-            <a:r>
-              <a:rPr lang="en-US" sz="2400" dirty="0" err="1" smtClean="0">
-                <a:latin typeface="Consolas" pitchFamily="49" charset="0"/>
-                <a:cs typeface="Consolas" pitchFamily="49" charset="0"/>
-              </a:rPr>
-              <a:t>cerr</a:t>
-            </a:r>
-            <a:r>
-              <a:rPr lang="en-US" sz="2400" dirty="0" smtClean="0">
-                <a:latin typeface="Consolas" pitchFamily="49" charset="0"/>
-                <a:cs typeface="Consolas" pitchFamily="49" charset="0"/>
-              </a:rPr>
-              <a:t> &lt;&lt; </a:t>
-            </a:r>
-            <a:r>
-              <a:rPr lang="en-US" sz="2400" dirty="0" err="1" smtClean="0">
-                <a:latin typeface="Consolas" pitchFamily="49" charset="0"/>
-                <a:cs typeface="Consolas" pitchFamily="49" charset="0"/>
-              </a:rPr>
-              <a:t>e.what</a:t>
-            </a:r>
-            <a:r>
-              <a:rPr lang="en-US" sz="2400" dirty="0" smtClean="0">
-                <a:latin typeface="Consolas" pitchFamily="49" charset="0"/>
-                <a:cs typeface="Consolas" pitchFamily="49" charset="0"/>
-              </a:rPr>
-              <a:t>() &lt;&lt; std::</a:t>
-            </a:r>
-            <a:r>
-              <a:rPr lang="en-US" sz="2400" dirty="0" err="1" smtClean="0">
-                <a:latin typeface="Consolas" pitchFamily="49" charset="0"/>
-                <a:cs typeface="Consolas" pitchFamily="49" charset="0"/>
-              </a:rPr>
-              <a:t>endl</a:t>
-            </a:r>
-            <a:r>
-              <a:rPr lang="en-US" sz="2400" dirty="0" smtClean="0">
-                <a:latin typeface="Consolas" pitchFamily="49" charset="0"/>
-                <a:cs typeface="Consolas" pitchFamily="49" charset="0"/>
-              </a:rPr>
-              <a:t>;</a:t>
-            </a:r>
-          </a:p>
-          <a:p>
-            <a:pPr marL="0" lvl="3" algn="l"/>
-            <a:r>
-              <a:rPr lang="en-US" sz="2400" dirty="0" smtClean="0">
-                <a:latin typeface="Consolas" pitchFamily="49" charset="0"/>
-                <a:cs typeface="Consolas" pitchFamily="49" charset="0"/>
-              </a:rPr>
-              <a:t>}</a:t>
-            </a:r>
-          </a:p>
-        </p:txBody>
-      </p:sp>
-      <p:sp>
-        <p:nvSpPr>
-          <p:cNvPr id="8" name="TextBox 7"/>
-          <p:cNvSpPr txBox="1"/>
-          <p:nvPr/>
-        </p:nvSpPr>
-        <p:spPr>
-          <a:xfrm>
-            <a:off x="863600" y="6472535"/>
-            <a:ext cx="11353800" cy="1938992"/>
-          </a:xfrm>
-          <a:prstGeom prst="rect">
-            <a:avLst/>
-          </a:prstGeom>
-          <a:solidFill>
-            <a:schemeClr val="accent1">
-              <a:lumMod val="40000"/>
-              <a:lumOff val="60000"/>
-            </a:schemeClr>
-          </a:solidFill>
-          <a:effectLst>
-            <a:outerShdw blurRad="50800" dist="38100" dir="2700000" algn="tl" rotWithShape="0">
-              <a:prstClr val="black">
-                <a:alpha val="40000"/>
-              </a:prstClr>
-            </a:outerShdw>
-          </a:effectLst>
-        </p:spPr>
-        <p:txBody>
-          <a:bodyPr wrap="square" rtlCol="0" anchor="t">
-            <a:spAutoFit/>
-          </a:bodyPr>
-          <a:lstStyle/>
-          <a:p>
-            <a:pPr marL="0" lvl="3" algn="l">
-              <a:tabLst>
-                <a:tab pos="4572000" algn="l"/>
-              </a:tabLst>
-            </a:pPr>
-            <a:r>
-              <a:rPr lang="en-US" sz="2400" dirty="0" err="1" smtClean="0">
-                <a:latin typeface="Consolas" pitchFamily="49" charset="0"/>
-                <a:cs typeface="Consolas" pitchFamily="49" charset="0"/>
-              </a:rPr>
-              <a:t>e.get_error</a:t>
-            </a:r>
-            <a:r>
-              <a:rPr lang="en-US" sz="2400" dirty="0" smtClean="0">
-                <a:latin typeface="Consolas" pitchFamily="49" charset="0"/>
-                <a:cs typeface="Consolas" pitchFamily="49" charset="0"/>
-              </a:rPr>
-              <a:t>();	// error code</a:t>
-            </a:r>
-          </a:p>
-          <a:p>
-            <a:pPr marL="0" lvl="3" algn="l">
-              <a:tabLst>
-                <a:tab pos="4572000" algn="l"/>
-              </a:tabLst>
-            </a:pPr>
-            <a:r>
-              <a:rPr lang="en-US" sz="2400" dirty="0" err="1" smtClean="0">
-                <a:latin typeface="Consolas" pitchFamily="49" charset="0"/>
-                <a:cs typeface="Consolas" pitchFamily="49" charset="0"/>
-              </a:rPr>
-              <a:t>e.get_message</a:t>
-            </a:r>
-            <a:r>
-              <a:rPr lang="en-US" sz="2400" dirty="0" smtClean="0">
-                <a:latin typeface="Consolas" pitchFamily="49" charset="0"/>
-                <a:cs typeface="Consolas" pitchFamily="49" charset="0"/>
-              </a:rPr>
-              <a:t>();	// top level message</a:t>
-            </a:r>
-          </a:p>
-          <a:p>
-            <a:pPr marL="0" lvl="3" algn="l">
-              <a:tabLst>
-                <a:tab pos="4572000" algn="l"/>
-              </a:tabLst>
-            </a:pPr>
-            <a:r>
-              <a:rPr lang="en-US" sz="2400" dirty="0" err="1" smtClean="0">
-                <a:latin typeface="Consolas" pitchFamily="49" charset="0"/>
-                <a:cs typeface="Consolas" pitchFamily="49" charset="0"/>
-              </a:rPr>
-              <a:t>e.get_object</a:t>
-            </a:r>
-            <a:r>
-              <a:rPr lang="en-US" sz="2400" dirty="0" smtClean="0">
-                <a:latin typeface="Consolas" pitchFamily="49" charset="0"/>
-                <a:cs typeface="Consolas" pitchFamily="49" charset="0"/>
-              </a:rPr>
-              <a:t>();	// get failing API object</a:t>
-            </a:r>
-          </a:p>
-          <a:p>
-            <a:pPr marL="0" lvl="3" algn="l">
-              <a:tabLst>
-                <a:tab pos="4572000" algn="l"/>
-              </a:tabLst>
-            </a:pPr>
-            <a:r>
-              <a:rPr lang="en-US" sz="2400" dirty="0" err="1" smtClean="0">
-                <a:latin typeface="Consolas" pitchFamily="49" charset="0"/>
-                <a:cs typeface="Consolas" pitchFamily="49" charset="0"/>
-              </a:rPr>
-              <a:t>e.get_all_exceptions</a:t>
-            </a:r>
-            <a:r>
-              <a:rPr lang="en-US" sz="2400" dirty="0" smtClean="0">
-                <a:latin typeface="Consolas" pitchFamily="49" charset="0"/>
-                <a:cs typeface="Consolas" pitchFamily="49" charset="0"/>
-              </a:rPr>
-              <a:t>();	// get list of exceptions</a:t>
-            </a:r>
-          </a:p>
-          <a:p>
-            <a:pPr marL="0" lvl="3" algn="l">
-              <a:tabLst>
-                <a:tab pos="4572000" algn="l"/>
-              </a:tabLst>
-            </a:pPr>
-            <a:r>
-              <a:rPr lang="en-US" sz="2400" dirty="0" err="1" smtClean="0">
-                <a:latin typeface="Consolas" pitchFamily="49" charset="0"/>
-                <a:cs typeface="Consolas" pitchFamily="49" charset="0"/>
-              </a:rPr>
-              <a:t>e.get_all_messages</a:t>
-            </a:r>
-            <a:r>
-              <a:rPr lang="en-US" sz="2400" dirty="0" smtClean="0">
-                <a:latin typeface="Consolas" pitchFamily="49" charset="0"/>
-                <a:cs typeface="Consolas" pitchFamily="49" charset="0"/>
-              </a:rPr>
-              <a:t>();	// get list of messages</a:t>
-            </a:r>
-          </a:p>
-        </p:txBody>
-      </p:sp>
-    </p:spTree>
-  </p:cSld>
-  <p:clrMapOvr>
-    <a:masterClrMapping/>
-  </p:clrMapOvr>
-</p:sld>
-</file>
-
-<file path=ppt/slides/slide28.xml><?xml version="1.0" encoding="utf-8"?>
-<p:sld xmlns:a="http://schemas.openxmlformats.org/drawingml/2006/main" xmlns:r="http://schemas.openxmlformats.org/officeDocument/2006/relationships" xmlns:p="http://schemas.openxmlformats.org/presentationml/2006/main">
-  <p:cSld>
-    <p:spTree>
-      <p:nvGrpSpPr>
-        <p:cNvPr id="1" name=""/>
-        <p:cNvGrpSpPr/>
-        <p:nvPr/>
-      </p:nvGrpSpPr>
-      <p:grpSpPr>
-        <a:xfrm>
-          <a:off x="0" y="0"/>
-          <a:ext cx="0" cy="0"/>
-          <a:chOff x="0" y="0"/>
-          <a:chExt cx="0" cy="0"/>
-        </a:xfrm>
-      </p:grpSpPr>
-      <p:sp>
-        <p:nvSpPr>
-          <p:cNvPr id="28673" name="Rectangle 1"/>
-          <p:cNvSpPr>
-            <a:spLocks noGrp="1" noChangeArrowheads="1"/>
-          </p:cNvSpPr>
-          <p:nvPr>
-            <p:ph type="title"/>
-          </p:nvPr>
-        </p:nvSpPr>
-        <p:spPr>
-          <a:ln/>
-        </p:spPr>
-        <p:txBody>
-          <a:bodyPr/>
-          <a:lstStyle/>
-          <a:p>
-            <a:r>
-              <a:rPr lang="en-US" dirty="0" smtClean="0"/>
-              <a:t>Running a SAGA Application</a:t>
-            </a:r>
-            <a:endParaRPr lang="en-US" dirty="0"/>
-          </a:p>
-        </p:txBody>
-      </p:sp>
-      <p:sp>
-        <p:nvSpPr>
-          <p:cNvPr id="28674" name="Rectangle 2"/>
-          <p:cNvSpPr>
-            <a:spLocks noGrp="1" noChangeArrowheads="1"/>
-          </p:cNvSpPr>
-          <p:nvPr>
-            <p:ph sz="quarter" idx="1"/>
-          </p:nvPr>
-        </p:nvSpPr>
-        <p:spPr>
-          <a:ln/>
-        </p:spPr>
-        <p:txBody>
-          <a:bodyPr/>
-          <a:lstStyle/>
-          <a:p>
-            <a:r>
-              <a:rPr lang="en-US" dirty="0"/>
-              <a:t>Make sure that the SAGA libraries can be found by the loader. </a:t>
-            </a:r>
-            <a:endParaRPr lang="en-US" dirty="0" smtClean="0"/>
-          </a:p>
-          <a:p>
-            <a:r>
-              <a:rPr lang="en-US" dirty="0" smtClean="0"/>
-              <a:t>Use: /</a:t>
-            </a:r>
-            <a:r>
-              <a:rPr lang="en-US" dirty="0" err="1" smtClean="0"/>
-              <a:t>usr</a:t>
-            </a:r>
-            <a:r>
-              <a:rPr lang="en-US" dirty="0" smtClean="0"/>
-              <a:t>/local/saga/share/saga/saga-env.sh</a:t>
-            </a:r>
-          </a:p>
-          <a:p>
-            <a:r>
-              <a:rPr lang="en-US" dirty="0" smtClean="0"/>
-              <a:t>If </a:t>
-            </a:r>
-            <a:r>
-              <a:rPr lang="en-US" dirty="0"/>
-              <a:t>something goes wrong - use SAGA_VERBOSE</a:t>
-            </a:r>
-            <a:r>
-              <a:rPr lang="en-US" dirty="0" smtClean="0"/>
-              <a:t>:</a:t>
-            </a:r>
-          </a:p>
-          <a:p>
-            <a:endParaRPr lang="en-US" dirty="0"/>
-          </a:p>
-        </p:txBody>
-      </p:sp>
-      <p:sp>
-        <p:nvSpPr>
-          <p:cNvPr id="5" name="Date Placeholder 4"/>
-          <p:cNvSpPr>
-            <a:spLocks noGrp="1"/>
-          </p:cNvSpPr>
-          <p:nvPr>
-            <p:ph type="dt" sz="half" idx="2"/>
-          </p:nvPr>
-        </p:nvSpPr>
-        <p:spPr/>
-        <p:txBody>
-          <a:bodyPr/>
-          <a:lstStyle/>
-          <a:p>
-            <a:r>
-              <a:rPr lang="en-US" smtClean="0"/>
-              <a:t>September 3rd/4th, 2009</a:t>
-            </a:r>
-            <a:endParaRPr lang="en-US" dirty="0"/>
-          </a:p>
-        </p:txBody>
-      </p:sp>
-      <p:sp>
-        <p:nvSpPr>
-          <p:cNvPr id="6" name="Slide Number Placeholder 5"/>
-          <p:cNvSpPr>
-            <a:spLocks noGrp="1"/>
-          </p:cNvSpPr>
-          <p:nvPr>
-            <p:ph type="sldNum" sz="quarter" idx="4"/>
-          </p:nvPr>
-        </p:nvSpPr>
-        <p:spPr/>
-        <p:txBody>
-          <a:bodyPr/>
-          <a:lstStyle/>
-          <a:p>
-            <a:fld id="{7A426C1A-D210-4B4B-86AA-6AEDDDCCF5FF}" type="slidenum">
-              <a:rPr lang="en-US" smtClean="0"/>
-              <a:pPr/>
-              <a:t>28</a:t>
-            </a:fld>
-            <a:endParaRPr lang="en-US"/>
-          </a:p>
-        </p:txBody>
-      </p:sp>
-      <p:sp>
-        <p:nvSpPr>
-          <p:cNvPr id="7" name="Footer Placeholder 6"/>
-          <p:cNvSpPr>
-            <a:spLocks noGrp="1"/>
-          </p:cNvSpPr>
-          <p:nvPr>
-            <p:ph type="ftr" sz="quarter" idx="3"/>
-          </p:nvPr>
-        </p:nvSpPr>
-        <p:spPr/>
-        <p:txBody>
-          <a:bodyPr/>
-          <a:lstStyle/>
-          <a:p>
-            <a:r>
-              <a:rPr lang="en-US" smtClean="0"/>
-              <a:t>NeSC SAGA Tutorial</a:t>
-            </a:r>
-            <a:endParaRPr lang="en-US" dirty="0"/>
-          </a:p>
-        </p:txBody>
-      </p:sp>
-      <p:sp>
-        <p:nvSpPr>
-          <p:cNvPr id="8" name="TextBox 7"/>
-          <p:cNvSpPr txBox="1"/>
-          <p:nvPr/>
-        </p:nvSpPr>
-        <p:spPr>
-          <a:xfrm>
-            <a:off x="863600" y="4648200"/>
-            <a:ext cx="11353800" cy="461665"/>
-          </a:xfrm>
-          <a:prstGeom prst="rect">
-            <a:avLst/>
-          </a:prstGeom>
-          <a:solidFill>
-            <a:schemeClr val="accent1">
-              <a:lumMod val="40000"/>
-              <a:lumOff val="60000"/>
-            </a:schemeClr>
-          </a:solidFill>
-          <a:effectLst>
-            <a:outerShdw blurRad="50800" dist="38100" dir="2700000" algn="tl" rotWithShape="0">
-              <a:prstClr val="black">
-                <a:alpha val="40000"/>
-              </a:prstClr>
-            </a:outerShdw>
-          </a:effectLst>
-        </p:spPr>
-        <p:txBody>
-          <a:bodyPr wrap="square" rtlCol="0" anchor="t">
-            <a:spAutoFit/>
-          </a:bodyPr>
-          <a:lstStyle/>
-          <a:p>
-            <a:pPr marL="0" lvl="3" algn="l"/>
-            <a:r>
-              <a:rPr lang="en-US" sz="2400" dirty="0" smtClean="0">
-                <a:latin typeface="Consolas" pitchFamily="49" charset="0"/>
-                <a:cs typeface="Consolas" pitchFamily="49" charset="0"/>
-              </a:rPr>
-              <a:t>SAGA_VERBOSE=6 ./copy</a:t>
-            </a:r>
           </a:p>
         </p:txBody>
       </p:sp>
@@ -12696,7 +12638,7 @@
       </p:grpSpPr>
       <p:sp>
         <p:nvSpPr>
-          <p:cNvPr id="29697" name="Rectangle 1"/>
+          <p:cNvPr id="28673" name="Rectangle 1"/>
           <p:cNvSpPr>
             <a:spLocks noGrp="1" noChangeArrowheads="1"/>
           </p:cNvSpPr>
@@ -12713,15 +12655,7 @@
           <a:p>
             <a:r>
               <a:rPr lang="en-US" dirty="0" smtClean="0"/>
-              <a:t>Example </a:t>
-            </a:r>
-            <a:r>
-              <a:rPr lang="en-US" dirty="0"/>
-              <a:t>1: </a:t>
-            </a:r>
-            <a:r>
-              <a:rPr lang="en-US" dirty="0" err="1"/>
-              <a:t>hello_world</a:t>
+              <a:t>Running a SAGA Application</a:t>
             </a:r>
             <a:endParaRPr lang="en-US" dirty="0"/>
           </a:p>
@@ -12729,7 +12663,7 @@
       </p:sp>
       <p:sp>
         <p:nvSpPr>
-          <p:cNvPr id="29698" name="Rectangle 2"/>
+          <p:cNvPr id="28674" name="Rectangle 2"/>
           <p:cNvSpPr>
             <a:spLocks noGrp="1" noChangeArrowheads="1"/>
           </p:cNvSpPr>
@@ -12746,30 +12680,40 @@
           <a:p>
             <a:r>
               <a:rPr lang="en-US" dirty="0"/>
-              <a:t>The source code can be found </a:t>
-            </a:r>
+              <a:t>Make sure that the SAGA libraries can be found by the loader. </a:t>
+            </a:r>
+            <a:endParaRPr lang="en-US" dirty="0" smtClean="0"/>
+          </a:p>
+          <a:p>
             <a:r>
               <a:rPr lang="en-US" dirty="0" smtClean="0"/>
-              <a:t>here (see ‘Example1’):</a:t>
-            </a:r>
+              <a:t>Use: /</a:t>
+            </a:r>
+            <a:r>
+              <a:rPr lang="en-US" dirty="0" err="1" smtClean="0"/>
+              <a:t>usr</a:t>
+            </a:r>
+            <a:r>
+              <a:rPr lang="en-US" dirty="0" smtClean="0"/>
+              <a:t>/local/saga/share/saga/saga-env.sh</a:t>
+            </a:r>
+          </a:p>
+          <a:p>
+            <a:r>
+              <a:rPr lang="en-US" dirty="0" smtClean="0"/>
+              <a:t>If </a:t>
+            </a:r>
+            <a:r>
+              <a:rPr lang="en-US" dirty="0"/>
+              <a:t>something goes wrong - use SAGA_VERBOSE</a:t>
+            </a:r>
+            <a:r>
+              <a:rPr lang="en-US" dirty="0" smtClean="0"/>
+              <a:t>:</a:t>
+            </a:r>
+          </a:p>
+          <a:p>
             <a:endParaRPr lang="en-US" dirty="0"/>
-          </a:p>
-          <a:p>
-            <a:pPr lvl="1"/>
-            <a:r>
-              <a:rPr lang="en-US" dirty="0" smtClean="0"/>
-              <a:t>http://faust.cct.lsu.edu/trac/saga/wiki/NeSC2009</a:t>
-            </a:r>
-          </a:p>
-          <a:p>
-            <a:r>
-              <a:rPr lang="en-US" dirty="0" smtClean="0"/>
-              <a:t>Change </a:t>
-            </a:r>
-            <a:r>
-              <a:rPr lang="en-US" dirty="0"/>
-              <a:t>these lines:</a:t>
-            </a:r>
           </a:p>
         </p:txBody>
       </p:sp>
@@ -12840,6 +12784,51 @@
               <a:t>NeSC SAGA Tutorial</a:t>
             </a:r>
             <a:endParaRPr lang="en-US" dirty="0"/>
+          </a:p>
+        </p:txBody>
+      </p:sp>
+      <p:sp>
+        <p:nvSpPr>
+          <p:cNvPr id="8" name="TextBox 7"/>
+          <p:cNvSpPr txBox="1"/>
+          <p:nvPr/>
+        </p:nvSpPr>
+        <p:spPr>
+          <a:xfrm>
+            <a:off x="863600" y="4648200"/>
+            <a:ext cx="11353800" cy="461665"/>
+          </a:xfrm>
+          <a:prstGeom prst="rect">
+            <a:avLst/>
+          </a:prstGeom>
+          <a:solidFill>
+            <a:schemeClr val="accent1">
+              <a:lumMod val="40000"/>
+              <a:lumOff val="60000"/>
+            </a:schemeClr>
+          </a:solidFill>
+          <a:effectLst>
+            <a:outerShdw blurRad="50800" dist="38100" dir="2700000" algn="tl" rotWithShape="0">
+              <a:prstClr val="black">
+                <a:alpha val="40000"/>
+              </a:prstClr>
+            </a:outerShdw>
+          </a:effectLst>
+        </p:spPr>
+        <p:txBody>
+          <a:bodyPr wrap="square" rtlCol="0" anchor="t">
+            <a:spAutoFit/>
+          </a:bodyPr>
+          <a:lstStyle/>
+          <a:p>
+            <a:pPr marL="0" lvl="3" algn="l"/>
+            <a:r>
+              <a:rPr lang="en-US" sz="2400" dirty="0" smtClean="0">
+                <a:latin typeface="Consolas" pitchFamily="49" charset="0"/>
+                <a:cs typeface="Consolas" pitchFamily="49" charset="0"/>
+              </a:rPr>
+              <a:t>SAGA_VERBOSE=6 ./copy</a:t>
+            </a:r>
           </a:p>
         </p:txBody>
       </p:sp>
@@ -13064,6 +13053,1075 @@
 </file>
 
 <file path=ppt/slides/slide30.xml><?xml version="1.0" encoding="utf-8"?>
+<p:sld xmlns:a="http://schemas.openxmlformats.org/drawingml/2006/main" xmlns:r="http://schemas.openxmlformats.org/officeDocument/2006/relationships" xmlns:p="http://schemas.openxmlformats.org/presentationml/2006/main">
+  <p:cSld>
+    <p:spTree>
+      <p:nvGrpSpPr>
+        <p:cNvPr id="1" name=""/>
+        <p:cNvGrpSpPr/>
+        <p:nvPr/>
+      </p:nvGrpSpPr>
+      <p:grpSpPr>
+        <a:xfrm>
+          <a:off x="0" y="0"/>
+          <a:ext cx="0" cy="0"/>
+          <a:chOff x="0" y="0"/>
+          <a:chExt cx="0" cy="0"/>
+        </a:xfrm>
+      </p:grpSpPr>
+      <p:sp>
+        <p:nvSpPr>
+          <p:cNvPr id="2" name="Title 1"/>
+          <p:cNvSpPr>
+            <a:spLocks noGrp="1"/>
+          </p:cNvSpPr>
+          <p:nvPr>
+            <p:ph type="title"/>
+          </p:nvPr>
+        </p:nvSpPr>
+        <p:spPr/>
+        <p:txBody>
+          <a:bodyPr/>
+          <a:lstStyle/>
+          <a:p>
+            <a:r>
+              <a:rPr lang="en-US" dirty="0" smtClean="0"/>
+              <a:t>Programmers Guide</a:t>
+            </a:r>
+            <a:endParaRPr lang="en-US" dirty="0"/>
+          </a:p>
+        </p:txBody>
+      </p:sp>
+      <p:sp>
+        <p:nvSpPr>
+          <p:cNvPr id="3" name="Content Placeholder 2"/>
+          <p:cNvSpPr>
+            <a:spLocks noGrp="1"/>
+          </p:cNvSpPr>
+          <p:nvPr>
+            <p:ph sz="quarter" idx="1"/>
+          </p:nvPr>
+        </p:nvSpPr>
+        <p:spPr/>
+        <p:txBody>
+          <a:bodyPr/>
+          <a:lstStyle/>
+          <a:p>
+            <a:pPr fontAlgn="ctr"/>
+            <a:r>
+              <a:rPr lang="en-US" sz="4000" dirty="0" smtClean="0"/>
+              <a:t>Set of very small and easy examples, one for each package/paradigm</a:t>
+            </a:r>
+            <a:endParaRPr lang="en-US" sz="9600" dirty="0" smtClean="0"/>
+          </a:p>
+          <a:p>
+            <a:pPr lvl="1" fontAlgn="ctr"/>
+            <a:r>
+              <a:rPr lang="en-US" sz="3600" dirty="0" err="1" smtClean="0"/>
+              <a:t>file_copy</a:t>
+            </a:r>
+            <a:r>
+              <a:rPr lang="en-US" sz="3600" dirty="0" smtClean="0"/>
+              <a:t>, </a:t>
+            </a:r>
+            <a:r>
+              <a:rPr lang="en-US" sz="3600" dirty="0" err="1" smtClean="0"/>
+              <a:t>file_copy</a:t>
+            </a:r>
+            <a:r>
+              <a:rPr lang="en-US" sz="3600" dirty="0" smtClean="0"/>
+              <a:t> (</a:t>
+            </a:r>
+            <a:r>
+              <a:rPr lang="en-US" sz="3600" dirty="0" err="1" smtClean="0"/>
+              <a:t>async</a:t>
+            </a:r>
+            <a:r>
+              <a:rPr lang="en-US" sz="3600" dirty="0" smtClean="0"/>
+              <a:t>)</a:t>
+            </a:r>
+            <a:endParaRPr lang="en-US" sz="8800" dirty="0" smtClean="0"/>
+          </a:p>
+          <a:p>
+            <a:pPr lvl="1" fontAlgn="ctr"/>
+            <a:r>
+              <a:rPr lang="en-US" sz="3600" dirty="0" smtClean="0"/>
+              <a:t>Error handling</a:t>
+            </a:r>
+            <a:endParaRPr lang="en-US" sz="8800" dirty="0" smtClean="0"/>
+          </a:p>
+          <a:p>
+            <a:pPr lvl="1" fontAlgn="ctr"/>
+            <a:r>
+              <a:rPr lang="en-US" sz="3600" dirty="0" smtClean="0"/>
+              <a:t>Attributes</a:t>
+            </a:r>
+          </a:p>
+          <a:p>
+            <a:pPr lvl="1" fontAlgn="ctr"/>
+            <a:r>
+              <a:rPr lang="en-US" sz="3600" dirty="0" smtClean="0"/>
+              <a:t>Stream</a:t>
+            </a:r>
+          </a:p>
+          <a:p>
+            <a:pPr>
+              <a:buNone/>
+            </a:pPr>
+            <a:endParaRPr lang="de-DE" sz="4000" dirty="0" smtClean="0"/>
+          </a:p>
+        </p:txBody>
+      </p:sp>
+      <p:sp>
+        <p:nvSpPr>
+          <p:cNvPr id="4" name="Date Placeholder 3"/>
+          <p:cNvSpPr>
+            <a:spLocks noGrp="1"/>
+          </p:cNvSpPr>
+          <p:nvPr>
+            <p:ph type="dt" sz="half" idx="2"/>
+          </p:nvPr>
+        </p:nvSpPr>
+        <p:spPr/>
+        <p:txBody>
+          <a:bodyPr/>
+          <a:lstStyle/>
+          <a:p>
+            <a:r>
+              <a:rPr lang="en-US" smtClean="0"/>
+              <a:t>September 3rd/4th, 2009</a:t>
+            </a:r>
+            <a:endParaRPr lang="en-US" dirty="0"/>
+          </a:p>
+        </p:txBody>
+      </p:sp>
+      <p:sp>
+        <p:nvSpPr>
+          <p:cNvPr id="5" name="Footer Placeholder 4"/>
+          <p:cNvSpPr>
+            <a:spLocks noGrp="1"/>
+          </p:cNvSpPr>
+          <p:nvPr>
+            <p:ph type="ftr" sz="quarter" idx="3"/>
+          </p:nvPr>
+        </p:nvSpPr>
+        <p:spPr/>
+        <p:txBody>
+          <a:bodyPr/>
+          <a:lstStyle/>
+          <a:p>
+            <a:r>
+              <a:rPr lang="en-US" smtClean="0"/>
+              <a:t>NeSC SAGA Tutorial</a:t>
+            </a:r>
+            <a:endParaRPr lang="en-US" dirty="0"/>
+          </a:p>
+        </p:txBody>
+      </p:sp>
+      <p:sp>
+        <p:nvSpPr>
+          <p:cNvPr id="6" name="Slide Number Placeholder 5"/>
+          <p:cNvSpPr>
+            <a:spLocks noGrp="1"/>
+          </p:cNvSpPr>
+          <p:nvPr>
+            <p:ph type="sldNum" sz="quarter" idx="4"/>
+          </p:nvPr>
+        </p:nvSpPr>
+        <p:spPr/>
+        <p:txBody>
+          <a:bodyPr/>
+          <a:lstStyle/>
+          <a:p>
+            <a:fld id="{7A426C1A-D210-4B4B-86AA-6AEDDDCCF5FF}" type="slidenum">
+              <a:rPr lang="en-US" smtClean="0"/>
+              <a:pPr/>
+              <a:t>30</a:t>
+            </a:fld>
+            <a:endParaRPr lang="en-US"/>
+          </a:p>
+        </p:txBody>
+      </p:sp>
+    </p:spTree>
+  </p:cSld>
+  <p:clrMapOvr>
+    <a:masterClrMapping/>
+  </p:clrMapOvr>
+</p:sld>
+</file>
+
+<file path=ppt/slides/slide31.xml><?xml version="1.0" encoding="utf-8"?>
+<p:sld xmlns:a="http://schemas.openxmlformats.org/drawingml/2006/main" xmlns:r="http://schemas.openxmlformats.org/officeDocument/2006/relationships" xmlns:p="http://schemas.openxmlformats.org/presentationml/2006/main">
+  <p:cSld>
+    <p:spTree>
+      <p:nvGrpSpPr>
+        <p:cNvPr id="1" name=""/>
+        <p:cNvGrpSpPr/>
+        <p:nvPr/>
+      </p:nvGrpSpPr>
+      <p:grpSpPr>
+        <a:xfrm>
+          <a:off x="0" y="0"/>
+          <a:ext cx="0" cy="0"/>
+          <a:chOff x="0" y="0"/>
+          <a:chExt cx="0" cy="0"/>
+        </a:xfrm>
+      </p:grpSpPr>
+      <p:sp>
+        <p:nvSpPr>
+          <p:cNvPr id="2" name="Title 1"/>
+          <p:cNvSpPr>
+            <a:spLocks noGrp="1"/>
+          </p:cNvSpPr>
+          <p:nvPr>
+            <p:ph type="title"/>
+          </p:nvPr>
+        </p:nvSpPr>
+        <p:spPr/>
+        <p:txBody>
+          <a:bodyPr/>
+          <a:lstStyle/>
+          <a:p>
+            <a:r>
+              <a:rPr lang="en-US" dirty="0" smtClean="0"/>
+              <a:t>Hands on</a:t>
+            </a:r>
+            <a:endParaRPr lang="en-US" dirty="0"/>
+          </a:p>
+        </p:txBody>
+      </p:sp>
+      <p:sp>
+        <p:nvSpPr>
+          <p:cNvPr id="3" name="Content Placeholder 2"/>
+          <p:cNvSpPr>
+            <a:spLocks noGrp="1"/>
+          </p:cNvSpPr>
+          <p:nvPr>
+            <p:ph sz="quarter" idx="1"/>
+          </p:nvPr>
+        </p:nvSpPr>
+        <p:spPr/>
+        <p:txBody>
+          <a:bodyPr/>
+          <a:lstStyle/>
+          <a:p>
+            <a:pPr fontAlgn="ctr"/>
+            <a:r>
+              <a:rPr lang="en-US" sz="4000" dirty="0" smtClean="0"/>
+              <a:t>Try compiling and running other examples</a:t>
+            </a:r>
+          </a:p>
+          <a:p>
+            <a:pPr lvl="1" fontAlgn="ctr"/>
+            <a:r>
+              <a:rPr lang="en-US" sz="3600" dirty="0" err="1" smtClean="0"/>
+              <a:t>Urls</a:t>
+            </a:r>
+            <a:endParaRPr lang="en-US" sz="8800" dirty="0" smtClean="0"/>
+          </a:p>
+          <a:p>
+            <a:pPr lvl="1" fontAlgn="ctr"/>
+            <a:r>
+              <a:rPr lang="en-US" sz="3600" dirty="0" smtClean="0"/>
+              <a:t>Packages: file, job, </a:t>
+            </a:r>
+            <a:r>
+              <a:rPr lang="en-US" sz="3600" dirty="0" smtClean="0"/>
+              <a:t>replica</a:t>
+            </a:r>
+            <a:endParaRPr lang="en-US" sz="8800" dirty="0" smtClean="0"/>
+          </a:p>
+          <a:p>
+            <a:endParaRPr lang="en-US" dirty="0"/>
+          </a:p>
+        </p:txBody>
+      </p:sp>
+      <p:sp>
+        <p:nvSpPr>
+          <p:cNvPr id="4" name="Date Placeholder 3"/>
+          <p:cNvSpPr>
+            <a:spLocks noGrp="1"/>
+          </p:cNvSpPr>
+          <p:nvPr>
+            <p:ph type="dt" sz="half" idx="2"/>
+          </p:nvPr>
+        </p:nvSpPr>
+        <p:spPr/>
+        <p:txBody>
+          <a:bodyPr/>
+          <a:lstStyle/>
+          <a:p>
+            <a:r>
+              <a:rPr lang="en-US" smtClean="0"/>
+              <a:t>September 3rd/4th, 2009</a:t>
+            </a:r>
+            <a:endParaRPr lang="en-US" dirty="0"/>
+          </a:p>
+        </p:txBody>
+      </p:sp>
+      <p:sp>
+        <p:nvSpPr>
+          <p:cNvPr id="5" name="Footer Placeholder 4"/>
+          <p:cNvSpPr>
+            <a:spLocks noGrp="1"/>
+          </p:cNvSpPr>
+          <p:nvPr>
+            <p:ph type="ftr" sz="quarter" idx="3"/>
+          </p:nvPr>
+        </p:nvSpPr>
+        <p:spPr/>
+        <p:txBody>
+          <a:bodyPr/>
+          <a:lstStyle/>
+          <a:p>
+            <a:r>
+              <a:rPr lang="en-US" smtClean="0"/>
+              <a:t>NeSC SAGA Tutorial</a:t>
+            </a:r>
+            <a:endParaRPr lang="en-US" dirty="0"/>
+          </a:p>
+        </p:txBody>
+      </p:sp>
+      <p:sp>
+        <p:nvSpPr>
+          <p:cNvPr id="6" name="Slide Number Placeholder 5"/>
+          <p:cNvSpPr>
+            <a:spLocks noGrp="1"/>
+          </p:cNvSpPr>
+          <p:nvPr>
+            <p:ph type="sldNum" sz="quarter" idx="4"/>
+          </p:nvPr>
+        </p:nvSpPr>
+        <p:spPr/>
+        <p:txBody>
+          <a:bodyPr/>
+          <a:lstStyle/>
+          <a:p>
+            <a:fld id="{7A426C1A-D210-4B4B-86AA-6AEDDDCCF5FF}" type="slidenum">
+              <a:rPr lang="en-US" smtClean="0"/>
+              <a:pPr/>
+              <a:t>31</a:t>
+            </a:fld>
+            <a:endParaRPr lang="en-US"/>
+          </a:p>
+        </p:txBody>
+      </p:sp>
+    </p:spTree>
+  </p:cSld>
+  <p:clrMapOvr>
+    <a:masterClrMapping/>
+  </p:clrMapOvr>
+</p:sld>
+</file>
+
+<file path=ppt/slides/slide32.xml><?xml version="1.0" encoding="utf-8"?>
+<p:sld xmlns:a="http://schemas.openxmlformats.org/drawingml/2006/main" xmlns:r="http://schemas.openxmlformats.org/officeDocument/2006/relationships" xmlns:p="http://schemas.openxmlformats.org/presentationml/2006/main">
+  <p:cSld>
+    <p:spTree>
+      <p:nvGrpSpPr>
+        <p:cNvPr id="1" name=""/>
+        <p:cNvGrpSpPr/>
+        <p:nvPr/>
+      </p:nvGrpSpPr>
+      <p:grpSpPr>
+        <a:xfrm>
+          <a:off x="0" y="0"/>
+          <a:ext cx="0" cy="0"/>
+          <a:chOff x="0" y="0"/>
+          <a:chExt cx="0" cy="0"/>
+        </a:xfrm>
+      </p:grpSpPr>
+      <p:sp>
+        <p:nvSpPr>
+          <p:cNvPr id="29697" name="Rectangle 1"/>
+          <p:cNvSpPr>
+            <a:spLocks noGrp="1" noChangeArrowheads="1"/>
+          </p:cNvSpPr>
+          <p:nvPr>
+            <p:ph type="title"/>
+          </p:nvPr>
+        </p:nvSpPr>
+        <p:spPr>
+          <a:ln/>
+        </p:spPr>
+        <p:txBody>
+          <a:bodyPr/>
+          <a:lstStyle/>
+          <a:p>
+            <a:r>
+              <a:rPr lang="en-US" dirty="0" smtClean="0"/>
+              <a:t>Example </a:t>
+            </a:r>
+            <a:r>
+              <a:rPr lang="en-US" dirty="0"/>
+              <a:t>1: </a:t>
+            </a:r>
+            <a:r>
+              <a:rPr lang="en-US" dirty="0" err="1"/>
+              <a:t>hello_world</a:t>
+            </a:r>
+            <a:endParaRPr lang="en-US" dirty="0"/>
+          </a:p>
+        </p:txBody>
+      </p:sp>
+      <p:sp>
+        <p:nvSpPr>
+          <p:cNvPr id="29698" name="Rectangle 2"/>
+          <p:cNvSpPr>
+            <a:spLocks noGrp="1" noChangeArrowheads="1"/>
+          </p:cNvSpPr>
+          <p:nvPr>
+            <p:ph sz="quarter" idx="1"/>
+          </p:nvPr>
+        </p:nvSpPr>
+        <p:spPr>
+          <a:ln/>
+        </p:spPr>
+        <p:txBody>
+          <a:bodyPr>
+            <a:normAutofit/>
+          </a:bodyPr>
+          <a:lstStyle/>
+          <a:p>
+            <a:pPr fontAlgn="ctr"/>
+            <a:r>
+              <a:rPr lang="en-US" sz="4000" dirty="0" smtClean="0"/>
+              <a:t>Hello </a:t>
+            </a:r>
+            <a:r>
+              <a:rPr lang="en-US" sz="4000" dirty="0" smtClean="0"/>
+              <a:t>world</a:t>
+            </a:r>
+            <a:endParaRPr lang="en-US" sz="9600" dirty="0" smtClean="0"/>
+          </a:p>
+          <a:p>
+            <a:pPr lvl="1" fontAlgn="ctr"/>
+            <a:r>
+              <a:rPr lang="en-US" sz="3600" dirty="0" smtClean="0"/>
+              <a:t>Launch 3 jobs on different </a:t>
+            </a:r>
+            <a:r>
+              <a:rPr lang="en-US" sz="3600" dirty="0" smtClean="0"/>
+              <a:t>machines</a:t>
+            </a:r>
+          </a:p>
+          <a:p>
+            <a:pPr lvl="2" fontAlgn="ctr"/>
+            <a:r>
+              <a:rPr lang="en-US" dirty="0" smtClean="0"/>
+              <a:t>Execute “/bin/echo”</a:t>
+            </a:r>
+            <a:endParaRPr lang="en-US" dirty="0" smtClean="0"/>
+          </a:p>
+          <a:p>
+            <a:pPr lvl="1" fontAlgn="ctr"/>
+            <a:r>
+              <a:rPr lang="en-US" sz="3600" dirty="0" smtClean="0"/>
+              <a:t>No job dependency</a:t>
+            </a:r>
+            <a:endParaRPr lang="en-US" sz="8800" dirty="0" smtClean="0"/>
+          </a:p>
+          <a:p>
+            <a:pPr lvl="1" fontAlgn="ctr"/>
+            <a:r>
+              <a:rPr lang="en-US" sz="3600" dirty="0" smtClean="0"/>
+              <a:t>Each job returns its passed input argument</a:t>
+            </a:r>
+            <a:endParaRPr lang="en-US" sz="8800" dirty="0" smtClean="0"/>
+          </a:p>
+          <a:p>
+            <a:pPr lvl="2" fontAlgn="ctr"/>
+            <a:r>
+              <a:rPr lang="en-US" dirty="0" smtClean="0"/>
+              <a:t>"Hello"</a:t>
+            </a:r>
+            <a:endParaRPr lang="en-US" sz="6000" dirty="0" smtClean="0"/>
+          </a:p>
+          <a:p>
+            <a:pPr lvl="2" fontAlgn="ctr"/>
+            <a:r>
+              <a:rPr lang="en-US" dirty="0" smtClean="0"/>
+              <a:t>"distributed"</a:t>
+            </a:r>
+            <a:endParaRPr lang="en-US" sz="6000" dirty="0" smtClean="0"/>
+          </a:p>
+          <a:p>
+            <a:pPr lvl="2" fontAlgn="ctr"/>
+            <a:r>
+              <a:rPr lang="en-US" dirty="0" smtClean="0"/>
+              <a:t>"world!"</a:t>
+            </a:r>
+            <a:endParaRPr lang="en-US" sz="6000" dirty="0" smtClean="0"/>
+          </a:p>
+          <a:p>
+            <a:pPr lvl="1" fontAlgn="ctr"/>
+            <a:r>
+              <a:rPr lang="en-US" sz="3600" dirty="0" smtClean="0"/>
+              <a:t>Jobs are launched in parallel (in separate threads)</a:t>
+            </a:r>
+            <a:endParaRPr lang="en-US" sz="8800" dirty="0" smtClean="0"/>
+          </a:p>
+          <a:p>
+            <a:pPr lvl="1" fontAlgn="ctr"/>
+            <a:r>
+              <a:rPr lang="en-US" sz="3600" dirty="0" smtClean="0"/>
+              <a:t>As soon as result is collected it's printed on local </a:t>
+            </a:r>
+            <a:r>
+              <a:rPr lang="en-US" sz="3600" dirty="0" smtClean="0"/>
+              <a:t>console</a:t>
+            </a:r>
+            <a:endParaRPr lang="en-US" sz="8800" dirty="0" smtClean="0"/>
+          </a:p>
+        </p:txBody>
+      </p:sp>
+      <p:sp>
+        <p:nvSpPr>
+          <p:cNvPr id="5" name="Date Placeholder 4"/>
+          <p:cNvSpPr>
+            <a:spLocks noGrp="1"/>
+          </p:cNvSpPr>
+          <p:nvPr>
+            <p:ph type="dt" sz="half" idx="2"/>
+          </p:nvPr>
+        </p:nvSpPr>
+        <p:spPr/>
+        <p:txBody>
+          <a:bodyPr/>
+          <a:lstStyle/>
+          <a:p>
+            <a:r>
+              <a:rPr lang="en-US" smtClean="0"/>
+              <a:t>September 3rd/4th, 2009</a:t>
+            </a:r>
+            <a:endParaRPr lang="en-US" dirty="0"/>
+          </a:p>
+        </p:txBody>
+      </p:sp>
+      <p:sp>
+        <p:nvSpPr>
+          <p:cNvPr id="6" name="Slide Number Placeholder 5"/>
+          <p:cNvSpPr>
+            <a:spLocks noGrp="1"/>
+          </p:cNvSpPr>
+          <p:nvPr>
+            <p:ph type="sldNum" sz="quarter" idx="4"/>
+          </p:nvPr>
+        </p:nvSpPr>
+        <p:spPr/>
+        <p:txBody>
+          <a:bodyPr/>
+          <a:lstStyle/>
+          <a:p>
+            <a:fld id="{7A426C1A-D210-4B4B-86AA-6AEDDDCCF5FF}" type="slidenum">
+              <a:rPr lang="en-US" smtClean="0"/>
+              <a:pPr/>
+              <a:t>32</a:t>
+            </a:fld>
+            <a:endParaRPr lang="en-US"/>
+          </a:p>
+        </p:txBody>
+      </p:sp>
+      <p:sp>
+        <p:nvSpPr>
+          <p:cNvPr id="7" name="Footer Placeholder 6"/>
+          <p:cNvSpPr>
+            <a:spLocks noGrp="1"/>
+          </p:cNvSpPr>
+          <p:nvPr>
+            <p:ph type="ftr" sz="quarter" idx="3"/>
+          </p:nvPr>
+        </p:nvSpPr>
+        <p:spPr/>
+        <p:txBody>
+          <a:bodyPr/>
+          <a:lstStyle/>
+          <a:p>
+            <a:r>
+              <a:rPr lang="en-US" smtClean="0"/>
+              <a:t>NeSC SAGA Tutorial</a:t>
+            </a:r>
+            <a:endParaRPr lang="en-US" dirty="0"/>
+          </a:p>
+        </p:txBody>
+      </p:sp>
+    </p:spTree>
+  </p:cSld>
+  <p:clrMapOvr>
+    <a:masterClrMapping/>
+  </p:clrMapOvr>
+  <p:transition/>
+</p:sld>
+</file>
+
+<file path=ppt/slides/slide33.xml><?xml version="1.0" encoding="utf-8"?>
+<p:sld xmlns:a="http://schemas.openxmlformats.org/drawingml/2006/main" xmlns:r="http://schemas.openxmlformats.org/officeDocument/2006/relationships" xmlns:p="http://schemas.openxmlformats.org/presentationml/2006/main">
+  <p:cSld>
+    <p:spTree>
+      <p:nvGrpSpPr>
+        <p:cNvPr id="1" name=""/>
+        <p:cNvGrpSpPr/>
+        <p:nvPr/>
+      </p:nvGrpSpPr>
+      <p:grpSpPr>
+        <a:xfrm>
+          <a:off x="0" y="0"/>
+          <a:ext cx="0" cy="0"/>
+          <a:chOff x="0" y="0"/>
+          <a:chExt cx="0" cy="0"/>
+        </a:xfrm>
+      </p:grpSpPr>
+      <p:sp>
+        <p:nvSpPr>
+          <p:cNvPr id="29697" name="Rectangle 1"/>
+          <p:cNvSpPr>
+            <a:spLocks noGrp="1" noChangeArrowheads="1"/>
+          </p:cNvSpPr>
+          <p:nvPr>
+            <p:ph type="title"/>
+          </p:nvPr>
+        </p:nvSpPr>
+        <p:spPr>
+          <a:ln/>
+        </p:spPr>
+        <p:txBody>
+          <a:bodyPr/>
+          <a:lstStyle/>
+          <a:p>
+            <a:r>
+              <a:rPr lang="en-US" dirty="0" smtClean="0"/>
+              <a:t>Example </a:t>
+            </a:r>
+            <a:r>
+              <a:rPr lang="en-US" dirty="0"/>
+              <a:t>1: </a:t>
+            </a:r>
+            <a:r>
+              <a:rPr lang="en-US" dirty="0" err="1"/>
+              <a:t>hello_world</a:t>
+            </a:r>
+            <a:endParaRPr lang="en-US" dirty="0"/>
+          </a:p>
+        </p:txBody>
+      </p:sp>
+      <p:sp>
+        <p:nvSpPr>
+          <p:cNvPr id="29698" name="Rectangle 2"/>
+          <p:cNvSpPr>
+            <a:spLocks noGrp="1" noChangeArrowheads="1"/>
+          </p:cNvSpPr>
+          <p:nvPr>
+            <p:ph sz="quarter" idx="1"/>
+          </p:nvPr>
+        </p:nvSpPr>
+        <p:spPr>
+          <a:ln/>
+        </p:spPr>
+        <p:txBody>
+          <a:bodyPr>
+            <a:normAutofit lnSpcReduction="10000"/>
+          </a:bodyPr>
+          <a:lstStyle/>
+          <a:p>
+            <a:pPr fontAlgn="ctr"/>
+            <a:r>
+              <a:rPr lang="en-US" sz="4000" dirty="0" smtClean="0"/>
+              <a:t>Hello </a:t>
+            </a:r>
+            <a:r>
+              <a:rPr lang="en-US" sz="4000" dirty="0" smtClean="0"/>
+              <a:t>world</a:t>
+            </a:r>
+            <a:endParaRPr lang="en-US" sz="9600" dirty="0" smtClean="0"/>
+          </a:p>
+          <a:p>
+            <a:pPr lvl="1" fontAlgn="ctr"/>
+            <a:r>
+              <a:rPr lang="en-US" sz="3600" dirty="0" smtClean="0"/>
+              <a:t>Arbitrary </a:t>
+            </a:r>
+            <a:r>
+              <a:rPr lang="en-US" sz="3600" dirty="0" smtClean="0"/>
+              <a:t>sequence of results</a:t>
+            </a:r>
+            <a:endParaRPr lang="en-US" sz="8800" dirty="0" smtClean="0"/>
+          </a:p>
+          <a:p>
+            <a:pPr lvl="2" fontAlgn="ctr"/>
+            <a:r>
+              <a:rPr lang="en-US" dirty="0" smtClean="0"/>
+              <a:t>Optimally: "Hello distributed world!"</a:t>
+            </a:r>
+            <a:endParaRPr lang="en-US" sz="6000" dirty="0" smtClean="0"/>
+          </a:p>
+          <a:p>
+            <a:pPr lvl="1" fontAlgn="ctr"/>
+            <a:r>
+              <a:rPr lang="en-US" sz="3600" dirty="0" smtClean="0"/>
+              <a:t>Demonstrates</a:t>
+            </a:r>
+            <a:endParaRPr lang="en-US" sz="8800" dirty="0" smtClean="0"/>
+          </a:p>
+          <a:p>
+            <a:pPr lvl="2" fontAlgn="ctr"/>
+            <a:r>
+              <a:rPr lang="en-US" dirty="0" smtClean="0"/>
+              <a:t>How to launch a remote job using SAGA </a:t>
+            </a:r>
+            <a:r>
+              <a:rPr lang="en-US" dirty="0" err="1" smtClean="0"/>
+              <a:t>job_service</a:t>
+            </a:r>
+            <a:endParaRPr lang="en-US" sz="6000" dirty="0" smtClean="0"/>
+          </a:p>
+          <a:p>
+            <a:pPr lvl="2" fontAlgn="ctr"/>
+            <a:r>
+              <a:rPr lang="en-US" dirty="0" smtClean="0"/>
+              <a:t>Pass arguments using the command line</a:t>
+            </a:r>
+            <a:endParaRPr lang="en-US" sz="6000" dirty="0" smtClean="0"/>
+          </a:p>
+          <a:p>
+            <a:pPr lvl="2" fontAlgn="ctr"/>
+            <a:r>
+              <a:rPr lang="en-US" dirty="0" smtClean="0"/>
+              <a:t>Collect result by output redirection</a:t>
+            </a:r>
+            <a:endParaRPr lang="en-US" sz="6000" dirty="0" smtClean="0"/>
+          </a:p>
+          <a:p>
+            <a:r>
+              <a:rPr lang="en-US" dirty="0" smtClean="0"/>
+              <a:t>The </a:t>
+            </a:r>
+            <a:r>
+              <a:rPr lang="en-US" dirty="0" smtClean="0"/>
+              <a:t>source code can be found here (see ‘Example1’):</a:t>
+            </a:r>
+          </a:p>
+          <a:p>
+            <a:pPr lvl="1"/>
+            <a:r>
+              <a:rPr lang="en-US" dirty="0" smtClean="0">
+                <a:hlinkClick r:id="rId2"/>
+              </a:rPr>
+              <a:t>http://</a:t>
+            </a:r>
+            <a:r>
+              <a:rPr lang="en-US" dirty="0" smtClean="0">
+                <a:hlinkClick r:id="rId2"/>
+              </a:rPr>
+              <a:t>faust.cct.lsu.edu/trac/saga/wiki/NeSC2009</a:t>
+            </a:r>
+          </a:p>
+          <a:p>
+            <a:pPr lvl="1" fontAlgn="ctr"/>
+            <a:r>
+              <a:rPr lang="en-US" sz="3600" dirty="0" smtClean="0"/>
+              <a:t>The example uses </a:t>
+            </a:r>
+            <a:r>
+              <a:rPr lang="en-US" sz="3600" dirty="0" err="1" smtClean="0"/>
+              <a:t>localhost</a:t>
+            </a:r>
+            <a:r>
+              <a:rPr lang="en-US" sz="3600" dirty="0" smtClean="0"/>
+              <a:t> to spawn </a:t>
+            </a:r>
+            <a:r>
+              <a:rPr lang="en-US" sz="3600" dirty="0" err="1" smtClean="0"/>
+              <a:t>childs</a:t>
+            </a:r>
+            <a:endParaRPr lang="en-US" sz="8800" dirty="0" smtClean="0"/>
+          </a:p>
+          <a:p>
+            <a:pPr lvl="1" fontAlgn="ctr"/>
+            <a:r>
+              <a:rPr lang="en-US" dirty="0" smtClean="0"/>
+              <a:t>For remote execution change HOST1, HOST2, HOST3 from "</a:t>
+            </a:r>
+            <a:r>
+              <a:rPr lang="en-US" dirty="0" err="1" smtClean="0"/>
+              <a:t>localhost</a:t>
+            </a:r>
+            <a:r>
+              <a:rPr lang="en-US" dirty="0" smtClean="0"/>
+              <a:t>" to "</a:t>
+            </a:r>
+            <a:r>
+              <a:rPr lang="de-DE" dirty="0" smtClean="0"/>
+              <a:t>[</a:t>
+            </a:r>
+            <a:r>
+              <a:rPr lang="en-US" dirty="0" smtClean="0"/>
+              <a:t>tc11, tc15, tc16, or tc17].</a:t>
+            </a:r>
+            <a:r>
+              <a:rPr lang="en-US" dirty="0" err="1" smtClean="0"/>
+              <a:t>nesc.ed.ac.uk</a:t>
+            </a:r>
+            <a:r>
+              <a:rPr lang="en-US" dirty="0" smtClean="0"/>
+              <a:t>"</a:t>
+            </a:r>
+          </a:p>
+        </p:txBody>
+      </p:sp>
+      <p:sp>
+        <p:nvSpPr>
+          <p:cNvPr id="5" name="Date Placeholder 4"/>
+          <p:cNvSpPr>
+            <a:spLocks noGrp="1"/>
+          </p:cNvSpPr>
+          <p:nvPr>
+            <p:ph type="dt" sz="half" idx="2"/>
+          </p:nvPr>
+        </p:nvSpPr>
+        <p:spPr/>
+        <p:txBody>
+          <a:bodyPr/>
+          <a:lstStyle/>
+          <a:p>
+            <a:r>
+              <a:rPr lang="en-US" smtClean="0"/>
+              <a:t>September 3rd/4th, 2009</a:t>
+            </a:r>
+            <a:endParaRPr lang="en-US" dirty="0"/>
+          </a:p>
+        </p:txBody>
+      </p:sp>
+      <p:sp>
+        <p:nvSpPr>
+          <p:cNvPr id="6" name="Slide Number Placeholder 5"/>
+          <p:cNvSpPr>
+            <a:spLocks noGrp="1"/>
+          </p:cNvSpPr>
+          <p:nvPr>
+            <p:ph type="sldNum" sz="quarter" idx="4"/>
+          </p:nvPr>
+        </p:nvSpPr>
+        <p:spPr/>
+        <p:txBody>
+          <a:bodyPr/>
+          <a:lstStyle/>
+          <a:p>
+            <a:fld id="{7A426C1A-D210-4B4B-86AA-6AEDDDCCF5FF}" type="slidenum">
+              <a:rPr lang="en-US" smtClean="0"/>
+              <a:pPr/>
+              <a:t>33</a:t>
+            </a:fld>
+            <a:endParaRPr lang="en-US"/>
+          </a:p>
+        </p:txBody>
+      </p:sp>
+      <p:sp>
+        <p:nvSpPr>
+          <p:cNvPr id="7" name="Footer Placeholder 6"/>
+          <p:cNvSpPr>
+            <a:spLocks noGrp="1"/>
+          </p:cNvSpPr>
+          <p:nvPr>
+            <p:ph type="ftr" sz="quarter" idx="3"/>
+          </p:nvPr>
+        </p:nvSpPr>
+        <p:spPr/>
+        <p:txBody>
+          <a:bodyPr/>
+          <a:lstStyle/>
+          <a:p>
+            <a:r>
+              <a:rPr lang="en-US" smtClean="0"/>
+              <a:t>NeSC SAGA Tutorial</a:t>
+            </a:r>
+            <a:endParaRPr lang="en-US" dirty="0"/>
+          </a:p>
+        </p:txBody>
+      </p:sp>
+    </p:spTree>
+  </p:cSld>
+  <p:clrMapOvr>
+    <a:masterClrMapping/>
+  </p:clrMapOvr>
+  <p:transition/>
+</p:sld>
+</file>
+
+<file path=ppt/slides/slide34.xml><?xml version="1.0" encoding="utf-8"?>
+<p:sld xmlns:a="http://schemas.openxmlformats.org/drawingml/2006/main" xmlns:r="http://schemas.openxmlformats.org/officeDocument/2006/relationships" xmlns:p="http://schemas.openxmlformats.org/presentationml/2006/main">
+  <p:cSld>
+    <p:spTree>
+      <p:nvGrpSpPr>
+        <p:cNvPr id="1" name=""/>
+        <p:cNvGrpSpPr/>
+        <p:nvPr/>
+      </p:nvGrpSpPr>
+      <p:grpSpPr>
+        <a:xfrm>
+          <a:off x="0" y="0"/>
+          <a:ext cx="0" cy="0"/>
+          <a:chOff x="0" y="0"/>
+          <a:chExt cx="0" cy="0"/>
+        </a:xfrm>
+      </p:grpSpPr>
+      <p:sp>
+        <p:nvSpPr>
+          <p:cNvPr id="2" name="Title 1"/>
+          <p:cNvSpPr>
+            <a:spLocks noGrp="1"/>
+          </p:cNvSpPr>
+          <p:nvPr>
+            <p:ph type="title"/>
+          </p:nvPr>
+        </p:nvSpPr>
+        <p:spPr/>
+        <p:txBody>
+          <a:bodyPr/>
+          <a:lstStyle/>
+          <a:p>
+            <a:r>
+              <a:rPr lang="en-US" dirty="0" smtClean="0"/>
+              <a:t>Hands on</a:t>
+            </a:r>
+            <a:endParaRPr lang="en-US" dirty="0"/>
+          </a:p>
+        </p:txBody>
+      </p:sp>
+      <p:sp>
+        <p:nvSpPr>
+          <p:cNvPr id="3" name="Content Placeholder 2"/>
+          <p:cNvSpPr>
+            <a:spLocks noGrp="1"/>
+          </p:cNvSpPr>
+          <p:nvPr>
+            <p:ph sz="quarter" idx="1"/>
+          </p:nvPr>
+        </p:nvSpPr>
+        <p:spPr/>
+        <p:txBody>
+          <a:bodyPr/>
+          <a:lstStyle/>
+          <a:p>
+            <a:r>
+              <a:rPr lang="en-US" dirty="0" smtClean="0"/>
+              <a:t>Compile and run example locally</a:t>
+            </a:r>
+          </a:p>
+          <a:p>
+            <a:r>
+              <a:rPr lang="en-US" dirty="0" smtClean="0"/>
+              <a:t>Modify the code to run it remotely</a:t>
+            </a:r>
+          </a:p>
+          <a:p>
+            <a:r>
+              <a:rPr lang="en-US" dirty="0" smtClean="0"/>
+              <a:t>Compile and run example </a:t>
+            </a:r>
+            <a:r>
+              <a:rPr lang="en-US" dirty="0" smtClean="0"/>
+              <a:t>remotely</a:t>
+            </a:r>
+          </a:p>
+          <a:p>
+            <a:r>
+              <a:rPr lang="en-US" dirty="0" smtClean="0"/>
+              <a:t>Run other remote executables</a:t>
+            </a:r>
+          </a:p>
+          <a:p>
+            <a:r>
+              <a:rPr lang="en-US" dirty="0" smtClean="0"/>
+              <a:t>…</a:t>
+            </a:r>
+          </a:p>
+          <a:p>
+            <a:endParaRPr lang="en-US" dirty="0" smtClean="0"/>
+          </a:p>
+          <a:p>
+            <a:endParaRPr lang="en-US" dirty="0"/>
+          </a:p>
+        </p:txBody>
+      </p:sp>
+      <p:sp>
+        <p:nvSpPr>
+          <p:cNvPr id="4" name="Date Placeholder 3"/>
+          <p:cNvSpPr>
+            <a:spLocks noGrp="1"/>
+          </p:cNvSpPr>
+          <p:nvPr>
+            <p:ph type="dt" sz="half" idx="2"/>
+          </p:nvPr>
+        </p:nvSpPr>
+        <p:spPr/>
+        <p:txBody>
+          <a:bodyPr/>
+          <a:lstStyle/>
+          <a:p>
+            <a:r>
+              <a:rPr lang="en-US" smtClean="0"/>
+              <a:t>September 3rd/4th, 2009</a:t>
+            </a:r>
+            <a:endParaRPr lang="en-US" dirty="0"/>
+          </a:p>
+        </p:txBody>
+      </p:sp>
+      <p:sp>
+        <p:nvSpPr>
+          <p:cNvPr id="5" name="Footer Placeholder 4"/>
+          <p:cNvSpPr>
+            <a:spLocks noGrp="1"/>
+          </p:cNvSpPr>
+          <p:nvPr>
+            <p:ph type="ftr" sz="quarter" idx="3"/>
+          </p:nvPr>
+        </p:nvSpPr>
+        <p:spPr/>
+        <p:txBody>
+          <a:bodyPr/>
+          <a:lstStyle/>
+          <a:p>
+            <a:r>
+              <a:rPr lang="en-US" smtClean="0"/>
+              <a:t>NeSC SAGA Tutorial</a:t>
+            </a:r>
+            <a:endParaRPr lang="en-US" dirty="0"/>
+          </a:p>
+        </p:txBody>
+      </p:sp>
+      <p:sp>
+        <p:nvSpPr>
+          <p:cNvPr id="6" name="Slide Number Placeholder 5"/>
+          <p:cNvSpPr>
+            <a:spLocks noGrp="1"/>
+          </p:cNvSpPr>
+          <p:nvPr>
+            <p:ph type="sldNum" sz="quarter" idx="4"/>
+          </p:nvPr>
+        </p:nvSpPr>
+        <p:spPr/>
+        <p:txBody>
+          <a:bodyPr/>
+          <a:lstStyle/>
+          <a:p>
+            <a:fld id="{7A426C1A-D210-4B4B-86AA-6AEDDDCCF5FF}" type="slidenum">
+              <a:rPr lang="en-US" smtClean="0"/>
+              <a:pPr/>
+              <a:t>34</a:t>
+            </a:fld>
+            <a:endParaRPr lang="en-US"/>
+          </a:p>
+        </p:txBody>
+      </p:sp>
+    </p:spTree>
+  </p:cSld>
+  <p:clrMapOvr>
+    <a:masterClrMapping/>
+  </p:clrMapOvr>
+</p:sld>
+</file>
+
+<file path=ppt/slides/slide35.xml><?xml version="1.0" encoding="utf-8"?>
 <p:sld xmlns:a="http://schemas.openxmlformats.org/drawingml/2006/main" xmlns:r="http://schemas.openxmlformats.org/officeDocument/2006/relationships" xmlns:p="http://schemas.openxmlformats.org/presentationml/2006/main">
   <p:cSld>
     <p:spTree>
@@ -13269,7 +14327,7 @@
             <a:fld id="{7A426C1A-D210-4B4B-86AA-6AEDDDCCF5FF}" type="slidenum">
               <a:rPr lang="en-US" smtClean="0"/>
               <a:pPr/>
-              <a:t>30</a:t>
+              <a:t>35</a:t>
             </a:fld>
             <a:endParaRPr lang="en-US"/>
           </a:p>
@@ -13307,7 +14365,7 @@
 </p:sld>
 </file>
 
-<file path=ppt/slides/slide31.xml><?xml version="1.0" encoding="utf-8"?>
+<file path=ppt/slides/slide36.xml><?xml version="1.0" encoding="utf-8"?>
 <p:sld xmlns:a="http://schemas.openxmlformats.org/drawingml/2006/main" xmlns:r="http://schemas.openxmlformats.org/officeDocument/2006/relationships" xmlns:p="http://schemas.openxmlformats.org/presentationml/2006/main">
   <p:cSld>
     <p:spTree>
@@ -13527,7 +14585,7 @@
             <a:fld id="{7A426C1A-D210-4B4B-86AA-6AEDDDCCF5FF}" type="slidenum">
               <a:rPr lang="en-US" smtClean="0"/>
               <a:pPr/>
-              <a:t>31</a:t>
+              <a:t>36</a:t>
             </a:fld>
             <a:endParaRPr lang="en-US"/>
           </a:p>
@@ -13565,7 +14623,7 @@
 </p:sld>
 </file>
 
-<file path=ppt/slides/slide32.xml><?xml version="1.0" encoding="utf-8"?>
+<file path=ppt/slides/slide37.xml><?xml version="1.0" encoding="utf-8"?>
 <p:sld xmlns:a="http://schemas.openxmlformats.org/drawingml/2006/main" xmlns:r="http://schemas.openxmlformats.org/officeDocument/2006/relationships" xmlns:p="http://schemas.openxmlformats.org/presentationml/2006/main">
   <p:cSld>
     <p:spTree>
@@ -13711,7 +14769,7 @@
             <a:fld id="{7A426C1A-D210-4B4B-86AA-6AEDDDCCF5FF}" type="slidenum">
               <a:rPr lang="en-US" smtClean="0"/>
               <a:pPr/>
-              <a:t>32</a:t>
+              <a:t>37</a:t>
             </a:fld>
             <a:endParaRPr lang="en-US"/>
           </a:p>
@@ -13749,7 +14807,7 @@
 </p:sld>
 </file>
 
-<file path=ppt/slides/slide33.xml><?xml version="1.0" encoding="utf-8"?>
+<file path=ppt/slides/slide38.xml><?xml version="1.0" encoding="utf-8"?>
 <p:sld xmlns:a="http://schemas.openxmlformats.org/drawingml/2006/main" xmlns:r="http://schemas.openxmlformats.org/officeDocument/2006/relationships" xmlns:p="http://schemas.openxmlformats.org/presentationml/2006/main">
   <p:cSld>
     <p:spTree>
@@ -13922,7 +14980,7 @@
             <a:fld id="{7A426C1A-D210-4B4B-86AA-6AEDDDCCF5FF}" type="slidenum">
               <a:rPr lang="en-US" smtClean="0"/>
               <a:pPr/>
-              <a:t>33</a:t>
+              <a:t>38</a:t>
             </a:fld>
             <a:endParaRPr lang="en-US"/>
           </a:p>
@@ -15111,8 +16169,20 @@
           <a:p>
             <a:r>
               <a:rPr lang="en-US" dirty="0" smtClean="0"/>
-              <a:t>‘Shell bindings’</a:t>
-            </a:r>
+              <a:t>‘Shell bindings</a:t>
+            </a:r>
+            <a:r>
+              <a:rPr lang="en-US" dirty="0" smtClean="0"/>
+              <a:t>’</a:t>
+            </a:r>
+          </a:p>
+          <a:p>
+            <a:pPr lvl="1"/>
+            <a:r>
+              <a:rPr lang="en-US" dirty="0" smtClean="0"/>
+              <a:t>Package specific (file, job, advert, replica)</a:t>
+            </a:r>
+            <a:endParaRPr lang="en-US" dirty="0" smtClean="0"/>
           </a:p>
           <a:p>
             <a:r>

--- a/tutorial/NeSC-2009/NeSC09-Practical-PPT.pptx
+++ b/tutorial/NeSC-2009/NeSC09-Practical-PPT.pptx
@@ -5,7 +5,7 @@
     <p:sldMasterId id="2147483689" r:id="rId1"/>
   </p:sldMasterIdLst>
   <p:notesMasterIdLst>
-    <p:notesMasterId r:id="rId40"/>
+    <p:notesMasterId r:id="rId41"/>
   </p:notesMasterIdLst>
   <p:sldIdLst>
     <p:sldId id="259" r:id="rId2"/>
@@ -23,29 +23,30 @@
     <p:sldId id="281" r:id="rId14"/>
     <p:sldId id="283" r:id="rId15"/>
     <p:sldId id="284" r:id="rId16"/>
-    <p:sldId id="285" r:id="rId17"/>
-    <p:sldId id="286" r:id="rId18"/>
-    <p:sldId id="296" r:id="rId19"/>
-    <p:sldId id="287" r:id="rId20"/>
-    <p:sldId id="288" r:id="rId21"/>
-    <p:sldId id="289" r:id="rId22"/>
-    <p:sldId id="290" r:id="rId23"/>
-    <p:sldId id="291" r:id="rId24"/>
-    <p:sldId id="294" r:id="rId25"/>
-    <p:sldId id="292" r:id="rId26"/>
-    <p:sldId id="293" r:id="rId27"/>
-    <p:sldId id="272" r:id="rId28"/>
-    <p:sldId id="273" r:id="rId29"/>
-    <p:sldId id="275" r:id="rId30"/>
-    <p:sldId id="295" r:id="rId31"/>
-    <p:sldId id="297" r:id="rId32"/>
-    <p:sldId id="257" r:id="rId33"/>
-    <p:sldId id="299" r:id="rId34"/>
-    <p:sldId id="300" r:id="rId35"/>
-    <p:sldId id="262" r:id="rId36"/>
-    <p:sldId id="263" r:id="rId37"/>
-    <p:sldId id="261" r:id="rId38"/>
-    <p:sldId id="264" r:id="rId39"/>
+    <p:sldId id="286" r:id="rId17"/>
+    <p:sldId id="296" r:id="rId18"/>
+    <p:sldId id="287" r:id="rId19"/>
+    <p:sldId id="288" r:id="rId20"/>
+    <p:sldId id="289" r:id="rId21"/>
+    <p:sldId id="290" r:id="rId22"/>
+    <p:sldId id="291" r:id="rId23"/>
+    <p:sldId id="294" r:id="rId24"/>
+    <p:sldId id="292" r:id="rId25"/>
+    <p:sldId id="293" r:id="rId26"/>
+    <p:sldId id="272" r:id="rId27"/>
+    <p:sldId id="273" r:id="rId28"/>
+    <p:sldId id="275" r:id="rId29"/>
+    <p:sldId id="295" r:id="rId30"/>
+    <p:sldId id="297" r:id="rId31"/>
+    <p:sldId id="257" r:id="rId32"/>
+    <p:sldId id="299" r:id="rId33"/>
+    <p:sldId id="300" r:id="rId34"/>
+    <p:sldId id="301" r:id="rId35"/>
+    <p:sldId id="302" r:id="rId36"/>
+    <p:sldId id="303" r:id="rId37"/>
+    <p:sldId id="304" r:id="rId38"/>
+    <p:sldId id="261" r:id="rId39"/>
+    <p:sldId id="264" r:id="rId40"/>
   </p:sldIdLst>
   <p:sldSz cx="13004800" cy="9753600"/>
   <p:notesSz cx="6858000" cy="9144000"/>
@@ -5512,8 +5513,13 @@
             <a:pPr lvl="1" fontAlgn="ctr"/>
             <a:r>
               <a:rPr lang="de-DE" sz="3200" dirty="0" smtClean="0"/>
-              <a:t>Also available: Hadoop H-Base, Hypercube</a:t>
-            </a:r>
+              <a:t>Also available: Hadoop H-Base, </a:t>
+            </a:r>
+            <a:r>
+              <a:rPr lang="de-DE" sz="3200" dirty="0" smtClean="0"/>
+              <a:t>Hypertable</a:t>
+            </a:r>
+            <a:endParaRPr lang="de-DE" sz="3200" dirty="0" smtClean="0"/>
           </a:p>
         </p:txBody>
       </p:sp>
@@ -7756,57 +7762,15 @@
             <p:ph sz="quarter" idx="1"/>
           </p:nvPr>
         </p:nvSpPr>
-        <p:spPr>
-          <a:xfrm>
-            <a:off x="650240" y="1600200"/>
-            <a:ext cx="11704320" cy="7022592"/>
-          </a:xfrm>
-        </p:spPr>
-        <p:txBody>
-          <a:bodyPr/>
-          <a:lstStyle/>
-          <a:p>
-            <a:pPr fontAlgn="ctr"/>
-            <a:r>
-              <a:rPr lang="de-DE" dirty="0" smtClean="0"/>
-              <a:t>How to run:</a:t>
-            </a:r>
-          </a:p>
-          <a:p>
-            <a:pPr fontAlgn="ctr"/>
-            <a:endParaRPr lang="de-DE" dirty="0" smtClean="0"/>
-          </a:p>
-          <a:p>
-            <a:pPr fontAlgn="ctr"/>
-            <a:endParaRPr lang="de-DE" dirty="0" smtClean="0"/>
-          </a:p>
-          <a:p>
-            <a:pPr fontAlgn="ctr"/>
-            <a:endParaRPr lang="de-DE" dirty="0" smtClean="0"/>
-          </a:p>
-          <a:p>
-            <a:pPr fontAlgn="ctr"/>
-            <a:r>
-              <a:rPr lang="de-DE" dirty="0" smtClean="0"/>
-              <a:t>Same should be possible from inside the shell:</a:t>
-            </a:r>
-          </a:p>
-          <a:p>
-            <a:pPr fontAlgn="ctr"/>
-            <a:endParaRPr lang="de-DE" dirty="0" smtClean="0"/>
-          </a:p>
-          <a:p>
-            <a:pPr fontAlgn="ctr"/>
-            <a:endParaRPr lang="de-DE" dirty="0" smtClean="0"/>
-          </a:p>
-          <a:p>
-            <a:pPr fontAlgn="ctr"/>
-            <a:endParaRPr lang="de-DE" dirty="0" smtClean="0"/>
-          </a:p>
-          <a:p>
-            <a:pPr>
-              <a:buNone/>
-            </a:pPr>
+        <p:spPr/>
+        <p:txBody>
+          <a:bodyPr/>
+          <a:lstStyle/>
+          <a:p>
+            <a:r>
+              <a:rPr lang="en-US" dirty="0" smtClean="0"/>
+              <a:t>Some of the supported commands</a:t>
+            </a:r>
             <a:endParaRPr lang="en-US" dirty="0"/>
           </a:p>
         </p:txBody>
@@ -7876,274 +7840,6 @@
               <a:rPr lang="en-US" smtClean="0"/>
               <a:pPr/>
               <a:t>16</a:t>
-            </a:fld>
-            <a:endParaRPr lang="en-US"/>
-          </a:p>
-        </p:txBody>
-      </p:sp>
-      <p:sp>
-        <p:nvSpPr>
-          <p:cNvPr id="7" name="TextBox 6"/>
-          <p:cNvSpPr txBox="1"/>
-          <p:nvPr/>
-        </p:nvSpPr>
-        <p:spPr>
-          <a:xfrm>
-            <a:off x="825500" y="2438400"/>
-            <a:ext cx="11353800" cy="1200329"/>
-          </a:xfrm>
-          <a:prstGeom prst="rect">
-            <a:avLst/>
-          </a:prstGeom>
-          <a:solidFill>
-            <a:schemeClr val="accent1">
-              <a:lumMod val="40000"/>
-              <a:lumOff val="60000"/>
-            </a:schemeClr>
-          </a:solidFill>
-          <a:effectLst>
-            <a:outerShdw blurRad="50800" dist="38100" dir="2700000" algn="tl" rotWithShape="0">
-              <a:prstClr val="black">
-                <a:alpha val="40000"/>
-              </a:prstClr>
-            </a:outerShdw>
-          </a:effectLst>
-        </p:spPr>
-        <p:txBody>
-          <a:bodyPr wrap="square" rtlCol="0" anchor="t">
-            <a:spAutoFit/>
-          </a:bodyPr>
-          <a:lstStyle/>
-          <a:p>
-            <a:pPr marL="0" lvl="3" algn="l"/>
-            <a:r>
-              <a:rPr lang="de-DE" sz="2400" dirty="0" smtClean="0"/>
-              <a:t>setenv  SAGA_SHELL_HOME file://localhost/usr/local/saga</a:t>
-            </a:r>
-          </a:p>
-          <a:p>
-            <a:pPr marL="0" lvl="3" algn="l"/>
-            <a:r>
-              <a:rPr lang="de-DE" sz="2400" dirty="0" smtClean="0"/>
-              <a:t>setenv  SAGA_SHELL_CONTACT fork://localhost/</a:t>
-            </a:r>
-            <a:endParaRPr lang="en-US" sz="2400" dirty="0" smtClean="0">
-              <a:latin typeface="Consolas" pitchFamily="49" charset="0"/>
-              <a:cs typeface="Consolas" pitchFamily="49" charset="0"/>
-            </a:endParaRPr>
-          </a:p>
-          <a:p>
-            <a:pPr marL="0" lvl="3" algn="l"/>
-            <a:r>
-              <a:rPr lang="en-US" sz="2400" dirty="0" smtClean="0">
-                <a:latin typeface="Consolas" pitchFamily="49" charset="0"/>
-                <a:cs typeface="Consolas" pitchFamily="49" charset="0"/>
-              </a:rPr>
-              <a:t>saga-shell</a:t>
-            </a:r>
-            <a:endParaRPr lang="de-DE" sz="2400" dirty="0" smtClean="0"/>
-          </a:p>
-        </p:txBody>
-      </p:sp>
-      <p:sp>
-        <p:nvSpPr>
-          <p:cNvPr id="8" name="TextBox 7"/>
-          <p:cNvSpPr txBox="1"/>
-          <p:nvPr/>
-        </p:nvSpPr>
-        <p:spPr>
-          <a:xfrm>
-            <a:off x="863600" y="5124271"/>
-            <a:ext cx="11353800" cy="1200329"/>
-          </a:xfrm>
-          <a:prstGeom prst="rect">
-            <a:avLst/>
-          </a:prstGeom>
-          <a:solidFill>
-            <a:schemeClr val="accent1">
-              <a:lumMod val="40000"/>
-              <a:lumOff val="60000"/>
-            </a:schemeClr>
-          </a:solidFill>
-          <a:effectLst>
-            <a:outerShdw blurRad="50800" dist="38100" dir="2700000" algn="tl" rotWithShape="0">
-              <a:prstClr val="black">
-                <a:alpha val="40000"/>
-              </a:prstClr>
-            </a:outerShdw>
-          </a:effectLst>
-        </p:spPr>
-        <p:txBody>
-          <a:bodyPr wrap="square" rtlCol="0" anchor="t">
-            <a:spAutoFit/>
-          </a:bodyPr>
-          <a:lstStyle/>
-          <a:p>
-            <a:pPr marL="0" lvl="3" algn="l"/>
-            <a:r>
-              <a:rPr lang="en-US" sz="2400" dirty="0" smtClean="0">
-                <a:latin typeface="Consolas" pitchFamily="49" charset="0"/>
-                <a:cs typeface="Consolas" pitchFamily="49" charset="0"/>
-              </a:rPr>
-              <a:t>saga-shell</a:t>
-            </a:r>
-          </a:p>
-          <a:p>
-            <a:pPr marL="0" lvl="3" algn="l"/>
-            <a:r>
-              <a:rPr lang="de-DE" sz="2400" dirty="0" smtClean="0"/>
-              <a:t>set HOME=file://localhost/usr/local/saga</a:t>
-            </a:r>
-          </a:p>
-          <a:p>
-            <a:pPr marL="0" lvl="3" algn="l"/>
-            <a:r>
-              <a:rPr lang="de-DE" sz="2400" dirty="0" smtClean="0"/>
-              <a:t>set CONTACT=fork://localhost/</a:t>
-            </a:r>
-            <a:endParaRPr lang="en-US" sz="2400" dirty="0" smtClean="0">
-              <a:latin typeface="Consolas" pitchFamily="49" charset="0"/>
-              <a:cs typeface="Consolas" pitchFamily="49" charset="0"/>
-            </a:endParaRPr>
-          </a:p>
-        </p:txBody>
-      </p:sp>
-    </p:spTree>
-  </p:cSld>
-  <p:clrMapOvr>
-    <a:masterClrMapping/>
-  </p:clrMapOvr>
-</p:sld>
-</file>
-
-<file path=ppt/slides/slide17.xml><?xml version="1.0" encoding="utf-8"?>
-<p:sld xmlns:a="http://schemas.openxmlformats.org/drawingml/2006/main" xmlns:r="http://schemas.openxmlformats.org/officeDocument/2006/relationships" xmlns:p="http://schemas.openxmlformats.org/presentationml/2006/main">
-  <p:cSld>
-    <p:spTree>
-      <p:nvGrpSpPr>
-        <p:cNvPr id="1" name=""/>
-        <p:cNvGrpSpPr/>
-        <p:nvPr/>
-      </p:nvGrpSpPr>
-      <p:grpSpPr>
-        <a:xfrm>
-          <a:off x="0" y="0"/>
-          <a:ext cx="0" cy="0"/>
-          <a:chOff x="0" y="0"/>
-          <a:chExt cx="0" cy="0"/>
-        </a:xfrm>
-      </p:grpSpPr>
-      <p:sp>
-        <p:nvSpPr>
-          <p:cNvPr id="2" name="Title 1"/>
-          <p:cNvSpPr>
-            <a:spLocks noGrp="1"/>
-          </p:cNvSpPr>
-          <p:nvPr>
-            <p:ph type="title"/>
-          </p:nvPr>
-        </p:nvSpPr>
-        <p:spPr/>
-        <p:txBody>
-          <a:bodyPr/>
-          <a:lstStyle/>
-          <a:p>
-            <a:r>
-              <a:rPr lang="en-US" dirty="0" smtClean="0"/>
-              <a:t>Command line tool: saga-shell</a:t>
-            </a:r>
-            <a:endParaRPr lang="en-US" dirty="0"/>
-          </a:p>
-        </p:txBody>
-      </p:sp>
-      <p:sp>
-        <p:nvSpPr>
-          <p:cNvPr id="3" name="Content Placeholder 2"/>
-          <p:cNvSpPr>
-            <a:spLocks noGrp="1"/>
-          </p:cNvSpPr>
-          <p:nvPr>
-            <p:ph sz="quarter" idx="1"/>
-          </p:nvPr>
-        </p:nvSpPr>
-        <p:spPr/>
-        <p:txBody>
-          <a:bodyPr/>
-          <a:lstStyle/>
-          <a:p>
-            <a:r>
-              <a:rPr lang="en-US" dirty="0" smtClean="0"/>
-              <a:t>Some of the supported commands</a:t>
-            </a:r>
-            <a:endParaRPr lang="en-US" dirty="0"/>
-          </a:p>
-        </p:txBody>
-      </p:sp>
-      <p:sp>
-        <p:nvSpPr>
-          <p:cNvPr id="4" name="Date Placeholder 3"/>
-          <p:cNvSpPr>
-            <a:spLocks noGrp="1"/>
-          </p:cNvSpPr>
-          <p:nvPr>
-            <p:ph type="dt" sz="half" idx="2"/>
-          </p:nvPr>
-        </p:nvSpPr>
-        <p:spPr/>
-        <p:txBody>
-          <a:bodyPr/>
-          <a:lstStyle/>
-          <a:p>
-            <a:r>
-              <a:rPr lang="en-US" smtClean="0"/>
-              <a:t>September 3rd/4th, 2009</a:t>
-            </a:r>
-            <a:endParaRPr lang="en-US" dirty="0"/>
-          </a:p>
-        </p:txBody>
-      </p:sp>
-      <p:sp>
-        <p:nvSpPr>
-          <p:cNvPr id="5" name="Footer Placeholder 4"/>
-          <p:cNvSpPr>
-            <a:spLocks noGrp="1"/>
-          </p:cNvSpPr>
-          <p:nvPr>
-            <p:ph type="ftr" sz="quarter" idx="3"/>
-          </p:nvPr>
-        </p:nvSpPr>
-        <p:spPr/>
-        <p:txBody>
-          <a:bodyPr/>
-          <a:lstStyle/>
-          <a:p>
-            <a:r>
-              <a:rPr lang="en-US" smtClean="0"/>
-              <a:t>NeSC SAGA Tutorial</a:t>
-            </a:r>
-            <a:endParaRPr lang="en-US" dirty="0"/>
-          </a:p>
-        </p:txBody>
-      </p:sp>
-      <p:sp>
-        <p:nvSpPr>
-          <p:cNvPr id="6" name="Slide Number Placeholder 5"/>
-          <p:cNvSpPr>
-            <a:spLocks noGrp="1"/>
-          </p:cNvSpPr>
-          <p:nvPr>
-            <p:ph type="sldNum" sz="quarter" idx="4"/>
-          </p:nvPr>
-        </p:nvSpPr>
-        <p:spPr/>
-        <p:txBody>
-          <a:bodyPr/>
-          <a:lstStyle/>
-          <a:p>
-            <a:fld id="{7A426C1A-D210-4B4B-86AA-6AEDDDCCF5FF}" type="slidenum">
-              <a:rPr lang="en-US" smtClean="0"/>
-              <a:pPr/>
-              <a:t>17</a:t>
             </a:fld>
             <a:endParaRPr lang="en-US"/>
           </a:p>
@@ -8555,6 +8251,165 @@
 </p:sld>
 </file>
 
+<file path=ppt/slides/slide17.xml><?xml version="1.0" encoding="utf-8"?>
+<p:sld xmlns:a="http://schemas.openxmlformats.org/drawingml/2006/main" xmlns:r="http://schemas.openxmlformats.org/officeDocument/2006/relationships" xmlns:p="http://schemas.openxmlformats.org/presentationml/2006/main">
+  <p:cSld>
+    <p:spTree>
+      <p:nvGrpSpPr>
+        <p:cNvPr id="1" name=""/>
+        <p:cNvGrpSpPr/>
+        <p:nvPr/>
+      </p:nvGrpSpPr>
+      <p:grpSpPr>
+        <a:xfrm>
+          <a:off x="0" y="0"/>
+          <a:ext cx="0" cy="0"/>
+          <a:chOff x="0" y="0"/>
+          <a:chExt cx="0" cy="0"/>
+        </a:xfrm>
+      </p:grpSpPr>
+      <p:sp>
+        <p:nvSpPr>
+          <p:cNvPr id="2" name="Title 1"/>
+          <p:cNvSpPr>
+            <a:spLocks noGrp="1"/>
+          </p:cNvSpPr>
+          <p:nvPr>
+            <p:ph type="title"/>
+          </p:nvPr>
+        </p:nvSpPr>
+        <p:spPr/>
+        <p:txBody>
+          <a:bodyPr/>
+          <a:lstStyle/>
+          <a:p>
+            <a:r>
+              <a:rPr lang="en-US" dirty="0" smtClean="0"/>
+              <a:t>Hands on</a:t>
+            </a:r>
+            <a:endParaRPr lang="en-US" dirty="0"/>
+          </a:p>
+        </p:txBody>
+      </p:sp>
+      <p:sp>
+        <p:nvSpPr>
+          <p:cNvPr id="3" name="Content Placeholder 2"/>
+          <p:cNvSpPr>
+            <a:spLocks noGrp="1"/>
+          </p:cNvSpPr>
+          <p:nvPr>
+            <p:ph sz="quarter" idx="1"/>
+          </p:nvPr>
+        </p:nvSpPr>
+        <p:spPr/>
+        <p:txBody>
+          <a:bodyPr/>
+          <a:lstStyle/>
+          <a:p>
+            <a:r>
+              <a:rPr lang="en-US" dirty="0" smtClean="0"/>
+              <a:t>Try and run command line tools</a:t>
+            </a:r>
+          </a:p>
+          <a:p>
+            <a:r>
+              <a:rPr lang="en-US" dirty="0" smtClean="0"/>
+              <a:t>Copy a file, move it, delete it</a:t>
+            </a:r>
+          </a:p>
+          <a:p>
+            <a:r>
+              <a:rPr lang="en-US" dirty="0" smtClean="0"/>
+              <a:t>Run a job (/bin/sleep 10), monitor its status</a:t>
+            </a:r>
+          </a:p>
+          <a:p>
+            <a:r>
+              <a:rPr lang="en-US" dirty="0" smtClean="0"/>
+              <a:t>Play with advert service, create, directories, entries, store date, attributes</a:t>
+            </a:r>
+            <a:endParaRPr lang="en-US" dirty="0"/>
+          </a:p>
+        </p:txBody>
+      </p:sp>
+      <p:sp>
+        <p:nvSpPr>
+          <p:cNvPr id="4" name="Date Placeholder 3"/>
+          <p:cNvSpPr>
+            <a:spLocks noGrp="1"/>
+          </p:cNvSpPr>
+          <p:nvPr>
+            <p:ph type="dt" sz="half" idx="2"/>
+          </p:nvPr>
+        </p:nvSpPr>
+        <p:spPr/>
+        <p:txBody>
+          <a:bodyPr/>
+          <a:lstStyle/>
+          <a:p>
+            <a:r>
+              <a:rPr lang="en-US" smtClean="0"/>
+              <a:t>September 3rd/4th, 2009</a:t>
+            </a:r>
+            <a:endParaRPr lang="en-US" dirty="0"/>
+          </a:p>
+        </p:txBody>
+      </p:sp>
+      <p:sp>
+        <p:nvSpPr>
+          <p:cNvPr id="5" name="Footer Placeholder 4"/>
+          <p:cNvSpPr>
+            <a:spLocks noGrp="1"/>
+          </p:cNvSpPr>
+          <p:nvPr>
+            <p:ph type="ftr" sz="quarter" idx="3"/>
+          </p:nvPr>
+        </p:nvSpPr>
+        <p:spPr/>
+        <p:txBody>
+          <a:bodyPr/>
+          <a:lstStyle/>
+          <a:p>
+            <a:r>
+              <a:rPr lang="en-US" smtClean="0"/>
+              <a:t>NeSC SAGA Tutorial</a:t>
+            </a:r>
+            <a:endParaRPr lang="en-US" dirty="0"/>
+          </a:p>
+        </p:txBody>
+      </p:sp>
+      <p:sp>
+        <p:nvSpPr>
+          <p:cNvPr id="6" name="Slide Number Placeholder 5"/>
+          <p:cNvSpPr>
+            <a:spLocks noGrp="1"/>
+          </p:cNvSpPr>
+          <p:nvPr>
+            <p:ph type="sldNum" sz="quarter" idx="4"/>
+          </p:nvPr>
+        </p:nvSpPr>
+        <p:spPr/>
+        <p:txBody>
+          <a:bodyPr/>
+          <a:lstStyle/>
+          <a:p>
+            <a:fld id="{7A426C1A-D210-4B4B-86AA-6AEDDDCCF5FF}" type="slidenum">
+              <a:rPr lang="en-US" smtClean="0"/>
+              <a:pPr/>
+              <a:t>17</a:t>
+            </a:fld>
+            <a:endParaRPr lang="en-US"/>
+          </a:p>
+        </p:txBody>
+      </p:sp>
+    </p:spTree>
+  </p:cSld>
+  <p:clrMapOvr>
+    <a:masterClrMapping/>
+  </p:clrMapOvr>
+</p:sld>
+</file>
+
 <file path=ppt/slides/slide18.xml><?xml version="1.0" encoding="utf-8"?>
 <p:sld xmlns:a="http://schemas.openxmlformats.org/drawingml/2006/main" xmlns:r="http://schemas.openxmlformats.org/officeDocument/2006/relationships" xmlns:p="http://schemas.openxmlformats.org/presentationml/2006/main">
   <p:cSld>
@@ -8589,7 +8444,7 @@
           <a:p>
             <a:r>
               <a:rPr lang="en-US" dirty="0" smtClean="0"/>
-              <a:t>Hands on</a:t>
+              <a:t>General Guidelines</a:t>
             </a:r>
             <a:endParaRPr lang="en-US" dirty="0"/>
           </a:p>
@@ -8611,27 +8466,50 @@
           <a:lstStyle/>
           <a:p>
             <a:r>
+              <a:rPr lang="en-US" dirty="0" err="1" smtClean="0"/>
+              <a:t>Pimpl</a:t>
+            </a:r>
+            <a:r>
               <a:rPr lang="en-US" dirty="0" smtClean="0"/>
-              <a:t>Try and run command line tools</a:t>
-            </a:r>
-          </a:p>
-          <a:p>
+              <a:t> paradigm, </a:t>
+            </a:r>
+            <a:r>
+              <a:rPr lang="en-US" dirty="0" err="1" smtClean="0"/>
+              <a:t>shared_ptr</a:t>
+            </a:r>
+            <a:endParaRPr lang="en-US" dirty="0" smtClean="0"/>
+          </a:p>
+          <a:p>
+            <a:pPr fontAlgn="ctr"/>
+            <a:r>
+              <a:rPr lang="en-US" sz="4000" dirty="0" smtClean="0"/>
+              <a:t>Sync/</a:t>
+            </a:r>
+            <a:r>
+              <a:rPr lang="en-US" sz="4000" dirty="0" err="1" smtClean="0"/>
+              <a:t>async</a:t>
+            </a:r>
+            <a:r>
+              <a:rPr lang="en-US" sz="4000" dirty="0" smtClean="0"/>
+              <a:t> API’s</a:t>
+            </a:r>
+            <a:endParaRPr lang="en-US" sz="9600" dirty="0" smtClean="0"/>
+          </a:p>
+          <a:p>
+            <a:pPr fontAlgn="ctr"/>
             <a:r>
               <a:rPr lang="en-US" dirty="0" smtClean="0"/>
-              <a:t>Copy a file, move it, delete it</a:t>
-            </a:r>
-          </a:p>
-          <a:p>
+              <a:t>Task container</a:t>
+            </a:r>
+          </a:p>
+          <a:p>
+            <a:pPr fontAlgn="ctr"/>
             <a:r>
               <a:rPr lang="en-US" dirty="0" smtClean="0"/>
-              <a:t>Run a job (/bin/sleep 10), monitor its status</a:t>
-            </a:r>
-          </a:p>
-          <a:p>
-            <a:r>
-              <a:rPr lang="en-US" dirty="0" smtClean="0"/>
-              <a:t>Play with advert service, create, directories, entries, store date, attributes</a:t>
-            </a:r>
+              <a:t>Error handling</a:t>
+            </a:r>
+          </a:p>
+          <a:p>
             <a:endParaRPr lang="en-US" dirty="0"/>
           </a:p>
         </p:txBody>
@@ -8743,30 +8621,9 @@
         </p:nvSpPr>
         <p:spPr/>
         <p:txBody>
-          <a:bodyPr/>
-          <a:lstStyle/>
-          <a:p>
-            <a:r>
-              <a:rPr lang="en-US" dirty="0" smtClean="0"/>
-              <a:t>General Guidelines</a:t>
-            </a:r>
-            <a:endParaRPr lang="en-US" dirty="0"/>
-          </a:p>
-        </p:txBody>
-      </p:sp>
-      <p:sp>
-        <p:nvSpPr>
-          <p:cNvPr id="3" name="Content Placeholder 2"/>
-          <p:cNvSpPr>
-            <a:spLocks noGrp="1"/>
-          </p:cNvSpPr>
-          <p:nvPr>
-            <p:ph sz="quarter" idx="1"/>
-          </p:nvPr>
-        </p:nvSpPr>
-        <p:spPr/>
-        <p:txBody>
-          <a:bodyPr/>
+          <a:bodyPr>
+            <a:normAutofit/>
+          </a:bodyPr>
           <a:lstStyle/>
           <a:p>
             <a:r>
@@ -8782,39 +8639,6 @@
               <a:t>shared_ptr</a:t>
             </a:r>
             <a:endParaRPr lang="en-US" dirty="0" smtClean="0"/>
-          </a:p>
-          <a:p>
-            <a:pPr fontAlgn="ctr"/>
-            <a:r>
-              <a:rPr lang="en-US" sz="4000" dirty="0" smtClean="0"/>
-              <a:t>Sync/</a:t>
-            </a:r>
-            <a:r>
-              <a:rPr lang="en-US" sz="4000" dirty="0" err="1" smtClean="0"/>
-              <a:t>async</a:t>
-            </a:r>
-            <a:r>
-              <a:rPr lang="en-US" sz="4000" dirty="0" smtClean="0"/>
-              <a:t> API’s</a:t>
-            </a:r>
-            <a:endParaRPr lang="en-US" sz="9600" dirty="0" smtClean="0"/>
-          </a:p>
-          <a:p>
-            <a:pPr fontAlgn="ctr"/>
-            <a:r>
-              <a:rPr lang="en-US" dirty="0" smtClean="0"/>
-              <a:t>Task container</a:t>
-            </a:r>
-          </a:p>
-          <a:p>
-            <a:pPr fontAlgn="ctr"/>
-            <a:r>
-              <a:rPr lang="en-US" dirty="0" smtClean="0"/>
-              <a:t>Error handling</a:t>
-            </a:r>
-          </a:p>
-          <a:p>
-            <a:endParaRPr lang="en-US" dirty="0"/>
           </a:p>
         </p:txBody>
       </p:sp>
@@ -8888,11 +8712,59 @@
           </a:p>
         </p:txBody>
       </p:sp>
+      <p:pic>
+        <p:nvPicPr>
+          <p:cNvPr id="1027" name="Picture 3"/>
+          <p:cNvPicPr>
+            <a:picLocks noChangeAspect="1" noChangeArrowheads="1"/>
+          </p:cNvPicPr>
+          <p:nvPr/>
+        </p:nvPicPr>
+        <p:blipFill>
+          <a:blip r:embed="rId2" cstate="print"/>
+          <a:srcRect/>
+          <a:stretch>
+            <a:fillRect/>
+          </a:stretch>
+        </p:blipFill>
+        <p:spPr bwMode="auto">
+          <a:xfrm>
+            <a:off x="787400" y="2133600"/>
+            <a:ext cx="11435236" cy="6324600"/>
+          </a:xfrm>
+          <a:prstGeom prst="rect">
+            <a:avLst/>
+          </a:prstGeom>
+          <a:noFill/>
+          <a:ln w="9525">
+            <a:solidFill>
+              <a:schemeClr val="tx1"/>
+            </a:solidFill>
+            <a:miter lim="800000"/>
+            <a:headEnd/>
+            <a:tailEnd/>
+          </a:ln>
+          <a:effectLst>
+            <a:outerShdw blurRad="50800" dist="38100" dir="2700000" algn="tl" rotWithShape="0">
+              <a:prstClr val="black">
+                <a:alpha val="40000"/>
+              </a:prstClr>
+            </a:outerShdw>
+          </a:effectLst>
+        </p:spPr>
+      </p:pic>
     </p:spTree>
   </p:cSld>
   <p:clrMapOvr>
     <a:masterClrMapping/>
   </p:clrMapOvr>
+  <p:timing>
+    <p:tnLst>
+      <p:par>
+        <p:cTn id="1" dur="indefinite" restart="never" nodeType="tmRoot"/>
+      </p:par>
+    </p:tnLst>
+  </p:timing>
 </p:sld>
 </file>
 
@@ -9078,9 +8950,7 @@
         </p:nvSpPr>
         <p:spPr/>
         <p:txBody>
-          <a:bodyPr>
-            <a:normAutofit/>
-          </a:bodyPr>
+          <a:bodyPr/>
           <a:lstStyle/>
           <a:p>
             <a:r>
@@ -9095,7 +8965,46 @@
               <a:rPr lang="en-US" dirty="0" err="1" smtClean="0"/>
               <a:t>shared_ptr</a:t>
             </a:r>
+            <a:endParaRPr lang="en-US" dirty="0"/>
+          </a:p>
+        </p:txBody>
+      </p:sp>
+      <p:sp>
+        <p:nvSpPr>
+          <p:cNvPr id="3" name="Content Placeholder 2"/>
+          <p:cNvSpPr>
+            <a:spLocks noGrp="1"/>
+          </p:cNvSpPr>
+          <p:nvPr>
+            <p:ph sz="quarter" idx="1"/>
+          </p:nvPr>
+        </p:nvSpPr>
+        <p:spPr/>
+        <p:txBody>
+          <a:bodyPr/>
+          <a:lstStyle/>
+          <a:p>
+            <a:r>
+              <a:rPr lang="en-US" dirty="0" smtClean="0"/>
+              <a:t>All SAGA API objects are very lightweight (except saga::</a:t>
+            </a:r>
+            <a:r>
+              <a:rPr lang="en-US" dirty="0" err="1" smtClean="0"/>
+              <a:t>url</a:t>
+            </a:r>
+            <a:r>
+              <a:rPr lang="en-US" dirty="0" smtClean="0"/>
+              <a:t>)</a:t>
+            </a:r>
             <a:endParaRPr lang="en-US" dirty="0" smtClean="0"/>
+          </a:p>
+          <a:p>
+            <a:pPr lvl="1"/>
+            <a:r>
+              <a:rPr lang="en-US" dirty="0" smtClean="0"/>
+              <a:t>Cheap to copy, passed as arguments, or stored in containers</a:t>
+            </a:r>
+            <a:endParaRPr lang="en-US" dirty="0"/>
           </a:p>
         </p:txBody>
       </p:sp>
@@ -9164,218 +9073,6 @@
               <a:rPr lang="en-US" smtClean="0"/>
               <a:pPr/>
               <a:t>20</a:t>
-            </a:fld>
-            <a:endParaRPr lang="en-US"/>
-          </a:p>
-        </p:txBody>
-      </p:sp>
-      <p:pic>
-        <p:nvPicPr>
-          <p:cNvPr id="1027" name="Picture 3"/>
-          <p:cNvPicPr>
-            <a:picLocks noChangeAspect="1" noChangeArrowheads="1"/>
-          </p:cNvPicPr>
-          <p:nvPr/>
-        </p:nvPicPr>
-        <p:blipFill>
-          <a:blip r:embed="rId2" cstate="print"/>
-          <a:srcRect/>
-          <a:stretch>
-            <a:fillRect/>
-          </a:stretch>
-        </p:blipFill>
-        <p:spPr bwMode="auto">
-          <a:xfrm>
-            <a:off x="787400" y="2133600"/>
-            <a:ext cx="11435236" cy="6324600"/>
-          </a:xfrm>
-          <a:prstGeom prst="rect">
-            <a:avLst/>
-          </a:prstGeom>
-          <a:noFill/>
-          <a:ln w="9525">
-            <a:solidFill>
-              <a:schemeClr val="tx1"/>
-            </a:solidFill>
-            <a:miter lim="800000"/>
-            <a:headEnd/>
-            <a:tailEnd/>
-          </a:ln>
-          <a:effectLst>
-            <a:outerShdw blurRad="50800" dist="38100" dir="2700000" algn="tl" rotWithShape="0">
-              <a:prstClr val="black">
-                <a:alpha val="40000"/>
-              </a:prstClr>
-            </a:outerShdw>
-          </a:effectLst>
-        </p:spPr>
-      </p:pic>
-    </p:spTree>
-  </p:cSld>
-  <p:clrMapOvr>
-    <a:masterClrMapping/>
-  </p:clrMapOvr>
-  <p:timing>
-    <p:tnLst>
-      <p:par>
-        <p:cTn id="1" dur="indefinite" restart="never" nodeType="tmRoot"/>
-      </p:par>
-    </p:tnLst>
-  </p:timing>
-</p:sld>
-</file>
-
-<file path=ppt/slides/slide21.xml><?xml version="1.0" encoding="utf-8"?>
-<p:sld xmlns:a="http://schemas.openxmlformats.org/drawingml/2006/main" xmlns:r="http://schemas.openxmlformats.org/officeDocument/2006/relationships" xmlns:p="http://schemas.openxmlformats.org/presentationml/2006/main">
-  <p:cSld>
-    <p:spTree>
-      <p:nvGrpSpPr>
-        <p:cNvPr id="1" name=""/>
-        <p:cNvGrpSpPr/>
-        <p:nvPr/>
-      </p:nvGrpSpPr>
-      <p:grpSpPr>
-        <a:xfrm>
-          <a:off x="0" y="0"/>
-          <a:ext cx="0" cy="0"/>
-          <a:chOff x="0" y="0"/>
-          <a:chExt cx="0" cy="0"/>
-        </a:xfrm>
-      </p:grpSpPr>
-      <p:sp>
-        <p:nvSpPr>
-          <p:cNvPr id="2" name="Title 1"/>
-          <p:cNvSpPr>
-            <a:spLocks noGrp="1"/>
-          </p:cNvSpPr>
-          <p:nvPr>
-            <p:ph type="title"/>
-          </p:nvPr>
-        </p:nvSpPr>
-        <p:spPr/>
-        <p:txBody>
-          <a:bodyPr/>
-          <a:lstStyle/>
-          <a:p>
-            <a:r>
-              <a:rPr lang="en-US" dirty="0" err="1" smtClean="0"/>
-              <a:t>Pimpl</a:t>
-            </a:r>
-            <a:r>
-              <a:rPr lang="en-US" dirty="0" smtClean="0"/>
-              <a:t> paradigm, </a:t>
-            </a:r>
-            <a:r>
-              <a:rPr lang="en-US" dirty="0" err="1" smtClean="0"/>
-              <a:t>shared_ptr</a:t>
-            </a:r>
-            <a:endParaRPr lang="en-US" dirty="0"/>
-          </a:p>
-        </p:txBody>
-      </p:sp>
-      <p:sp>
-        <p:nvSpPr>
-          <p:cNvPr id="3" name="Content Placeholder 2"/>
-          <p:cNvSpPr>
-            <a:spLocks noGrp="1"/>
-          </p:cNvSpPr>
-          <p:nvPr>
-            <p:ph sz="quarter" idx="1"/>
-          </p:nvPr>
-        </p:nvSpPr>
-        <p:spPr/>
-        <p:txBody>
-          <a:bodyPr/>
-          <a:lstStyle/>
-          <a:p>
-            <a:r>
-              <a:rPr lang="en-US" dirty="0" smtClean="0"/>
-              <a:t>All SAGA API objects are very lightweight (except saga::</a:t>
-            </a:r>
-            <a:r>
-              <a:rPr lang="en-US" dirty="0" err="1" smtClean="0"/>
-              <a:t>url</a:t>
-            </a:r>
-            <a:r>
-              <a:rPr lang="en-US" dirty="0" smtClean="0"/>
-              <a:t>)</a:t>
-            </a:r>
-          </a:p>
-          <a:p>
-            <a:pPr lvl="1"/>
-            <a:r>
-              <a:rPr lang="en-US" dirty="0" smtClean="0"/>
-              <a:t>Cheap to copy, passed as arguments, or stored in containers</a:t>
-            </a:r>
-            <a:endParaRPr lang="en-US" dirty="0"/>
-          </a:p>
-        </p:txBody>
-      </p:sp>
-      <p:sp>
-        <p:nvSpPr>
-          <p:cNvPr id="4" name="Date Placeholder 3"/>
-          <p:cNvSpPr>
-            <a:spLocks noGrp="1"/>
-          </p:cNvSpPr>
-          <p:nvPr>
-            <p:ph type="dt" sz="half" idx="2"/>
-          </p:nvPr>
-        </p:nvSpPr>
-        <p:spPr/>
-        <p:txBody>
-          <a:bodyPr/>
-          <a:lstStyle/>
-          <a:p>
-            <a:r>
-              <a:rPr lang="en-US" smtClean="0"/>
-              <a:t>September 3rd/4th, 2009</a:t>
-            </a:r>
-            <a:endParaRPr lang="en-US" dirty="0"/>
-          </a:p>
-        </p:txBody>
-      </p:sp>
-      <p:sp>
-        <p:nvSpPr>
-          <p:cNvPr id="5" name="Footer Placeholder 4"/>
-          <p:cNvSpPr>
-            <a:spLocks noGrp="1"/>
-          </p:cNvSpPr>
-          <p:nvPr>
-            <p:ph type="ftr" sz="quarter" idx="3"/>
-          </p:nvPr>
-        </p:nvSpPr>
-        <p:spPr/>
-        <p:txBody>
-          <a:bodyPr/>
-          <a:lstStyle/>
-          <a:p>
-            <a:r>
-              <a:rPr lang="en-US" smtClean="0"/>
-              <a:t>NeSC SAGA Tutorial</a:t>
-            </a:r>
-            <a:endParaRPr lang="en-US" dirty="0"/>
-          </a:p>
-        </p:txBody>
-      </p:sp>
-      <p:sp>
-        <p:nvSpPr>
-          <p:cNvPr id="6" name="Slide Number Placeholder 5"/>
-          <p:cNvSpPr>
-            <a:spLocks noGrp="1"/>
-          </p:cNvSpPr>
-          <p:nvPr>
-            <p:ph type="sldNum" sz="quarter" idx="4"/>
-          </p:nvPr>
-        </p:nvSpPr>
-        <p:spPr/>
-        <p:txBody>
-          <a:bodyPr/>
-          <a:lstStyle/>
-          <a:p>
-            <a:fld id="{7A426C1A-D210-4B4B-86AA-6AEDDDCCF5FF}" type="slidenum">
-              <a:rPr lang="en-US" smtClean="0"/>
-              <a:pPr/>
-              <a:t>21</a:t>
             </a:fld>
             <a:endParaRPr lang="en-US"/>
           </a:p>
@@ -9687,6 +9384,311 @@
               </a:rPr>
               <a:t>}</a:t>
             </a:r>
+          </a:p>
+        </p:txBody>
+      </p:sp>
+    </p:spTree>
+  </p:cSld>
+  <p:clrMapOvr>
+    <a:masterClrMapping/>
+  </p:clrMapOvr>
+</p:sld>
+</file>
+
+<file path=ppt/slides/slide21.xml><?xml version="1.0" encoding="utf-8"?>
+<p:sld xmlns:a="http://schemas.openxmlformats.org/drawingml/2006/main" xmlns:r="http://schemas.openxmlformats.org/officeDocument/2006/relationships" xmlns:p="http://schemas.openxmlformats.org/presentationml/2006/main">
+  <p:cSld>
+    <p:spTree>
+      <p:nvGrpSpPr>
+        <p:cNvPr id="1" name=""/>
+        <p:cNvGrpSpPr/>
+        <p:nvPr/>
+      </p:nvGrpSpPr>
+      <p:grpSpPr>
+        <a:xfrm>
+          <a:off x="0" y="0"/>
+          <a:ext cx="0" cy="0"/>
+          <a:chOff x="0" y="0"/>
+          <a:chExt cx="0" cy="0"/>
+        </a:xfrm>
+      </p:grpSpPr>
+      <p:sp>
+        <p:nvSpPr>
+          <p:cNvPr id="2" name="Title 1"/>
+          <p:cNvSpPr>
+            <a:spLocks noGrp="1"/>
+          </p:cNvSpPr>
+          <p:nvPr>
+            <p:ph type="title"/>
+          </p:nvPr>
+        </p:nvSpPr>
+        <p:spPr/>
+        <p:txBody>
+          <a:bodyPr/>
+          <a:lstStyle/>
+          <a:p>
+            <a:r>
+              <a:rPr lang="en-US" dirty="0" smtClean="0"/>
+              <a:t>Sync/</a:t>
+            </a:r>
+            <a:r>
+              <a:rPr lang="en-US" dirty="0" err="1" smtClean="0"/>
+              <a:t>Async</a:t>
+            </a:r>
+            <a:r>
+              <a:rPr lang="en-US" dirty="0" smtClean="0"/>
+              <a:t> API’s</a:t>
+            </a:r>
+            <a:endParaRPr lang="en-US" dirty="0"/>
+          </a:p>
+        </p:txBody>
+      </p:sp>
+      <p:sp>
+        <p:nvSpPr>
+          <p:cNvPr id="3" name="Content Placeholder 2"/>
+          <p:cNvSpPr>
+            <a:spLocks noGrp="1"/>
+          </p:cNvSpPr>
+          <p:nvPr>
+            <p:ph sz="quarter" idx="1"/>
+          </p:nvPr>
+        </p:nvSpPr>
+        <p:spPr>
+          <a:xfrm>
+            <a:off x="650240" y="1600200"/>
+            <a:ext cx="11704320" cy="7391400"/>
+          </a:xfrm>
+        </p:spPr>
+        <p:txBody>
+          <a:bodyPr>
+            <a:normAutofit fontScale="92500"/>
+          </a:bodyPr>
+          <a:lstStyle/>
+          <a:p>
+            <a:r>
+              <a:rPr lang="en-US" dirty="0" smtClean="0"/>
+              <a:t>Almost all API objects expose 4 different sets of API functions:</a:t>
+            </a:r>
+          </a:p>
+          <a:p>
+            <a:pPr lvl="1"/>
+            <a:r>
+              <a:rPr lang="en-US" dirty="0" smtClean="0"/>
+              <a:t>Synchronous</a:t>
+            </a:r>
+          </a:p>
+          <a:p>
+            <a:pPr lvl="2"/>
+            <a:r>
+              <a:rPr lang="en-US" dirty="0" smtClean="0"/>
+              <a:t>Returns result synchronously</a:t>
+            </a:r>
+          </a:p>
+          <a:p>
+            <a:pPr lvl="2"/>
+            <a:r>
+              <a:rPr lang="en-US" dirty="0" smtClean="0"/>
+              <a:t>saga::</a:t>
+            </a:r>
+            <a:r>
+              <a:rPr lang="en-US" dirty="0" err="1" smtClean="0"/>
+              <a:t>off_t</a:t>
+            </a:r>
+            <a:r>
+              <a:rPr lang="en-US" dirty="0" smtClean="0"/>
+              <a:t> file::</a:t>
+            </a:r>
+            <a:r>
+              <a:rPr lang="en-US" dirty="0" err="1" smtClean="0"/>
+              <a:t>get_size</a:t>
+            </a:r>
+            <a:r>
+              <a:rPr lang="en-US" dirty="0" smtClean="0"/>
+              <a:t>();</a:t>
+            </a:r>
+          </a:p>
+          <a:p>
+            <a:pPr lvl="1"/>
+            <a:r>
+              <a:rPr lang="en-US" dirty="0" smtClean="0"/>
+              <a:t>Task based</a:t>
+            </a:r>
+          </a:p>
+          <a:p>
+            <a:pPr lvl="2"/>
+            <a:r>
+              <a:rPr lang="en-US" dirty="0" smtClean="0"/>
+              <a:t>Returns handle to deferred result (using a task object)</a:t>
+            </a:r>
+          </a:p>
+          <a:p>
+            <a:pPr lvl="2"/>
+            <a:r>
+              <a:rPr lang="en-US" dirty="0" smtClean="0"/>
+              <a:t>Asynchronous</a:t>
+            </a:r>
+          </a:p>
+          <a:p>
+            <a:pPr lvl="3"/>
+            <a:r>
+              <a:rPr lang="en-US" dirty="0" smtClean="0"/>
+              <a:t>saga::task not running yet</a:t>
+            </a:r>
+          </a:p>
+          <a:p>
+            <a:pPr lvl="3"/>
+            <a:r>
+              <a:rPr lang="en-US" dirty="0" smtClean="0"/>
+              <a:t>saga::task file::</a:t>
+            </a:r>
+            <a:r>
+              <a:rPr lang="en-US" dirty="0" err="1" smtClean="0"/>
+              <a:t>get_size</a:t>
+            </a:r>
+            <a:r>
+              <a:rPr lang="en-US" dirty="0" smtClean="0"/>
+              <a:t>&lt;saga::task::</a:t>
+            </a:r>
+            <a:r>
+              <a:rPr lang="en-US" dirty="0" err="1" smtClean="0"/>
+              <a:t>Async</a:t>
+            </a:r>
+            <a:r>
+              <a:rPr lang="en-US" dirty="0" smtClean="0"/>
+              <a:t>&gt;();</a:t>
+            </a:r>
+          </a:p>
+          <a:p>
+            <a:pPr lvl="2"/>
+            <a:r>
+              <a:rPr lang="en-US" dirty="0" smtClean="0"/>
+              <a:t>Task</a:t>
+            </a:r>
+          </a:p>
+          <a:p>
+            <a:pPr lvl="3"/>
+            <a:r>
+              <a:rPr lang="en-US" dirty="0" smtClean="0"/>
+              <a:t>saga::task already running </a:t>
+            </a:r>
+          </a:p>
+          <a:p>
+            <a:pPr lvl="3"/>
+            <a:r>
+              <a:rPr lang="en-US" dirty="0" smtClean="0"/>
+              <a:t>saga::task file::</a:t>
+            </a:r>
+            <a:r>
+              <a:rPr lang="en-US" dirty="0" err="1" smtClean="0"/>
+              <a:t>get_size</a:t>
+            </a:r>
+            <a:r>
+              <a:rPr lang="en-US" dirty="0" smtClean="0"/>
+              <a:t>&lt;saga::task::Task&gt;();</a:t>
+            </a:r>
+          </a:p>
+          <a:p>
+            <a:pPr lvl="2"/>
+            <a:r>
+              <a:rPr lang="en-US" dirty="0" smtClean="0"/>
+              <a:t>Synchronous</a:t>
+            </a:r>
+          </a:p>
+          <a:p>
+            <a:pPr lvl="3"/>
+            <a:r>
+              <a:rPr lang="en-US" dirty="0" smtClean="0"/>
+              <a:t>saga::task guaranteed to be finished</a:t>
+            </a:r>
+          </a:p>
+          <a:p>
+            <a:pPr lvl="3"/>
+            <a:r>
+              <a:rPr lang="en-US" dirty="0" smtClean="0"/>
+              <a:t>saga::task file::</a:t>
+            </a:r>
+            <a:r>
+              <a:rPr lang="en-US" dirty="0" err="1" smtClean="0"/>
+              <a:t>get_size</a:t>
+            </a:r>
+            <a:r>
+              <a:rPr lang="en-US" dirty="0" smtClean="0"/>
+              <a:t>&lt;saga::task::Sync&gt;();</a:t>
+            </a:r>
+          </a:p>
+          <a:p>
+            <a:pPr lvl="2"/>
+            <a:endParaRPr lang="en-US" dirty="0"/>
+          </a:p>
+        </p:txBody>
+      </p:sp>
+      <p:sp>
+        <p:nvSpPr>
+          <p:cNvPr id="4" name="Date Placeholder 3"/>
+          <p:cNvSpPr>
+            <a:spLocks noGrp="1"/>
+          </p:cNvSpPr>
+          <p:nvPr>
+            <p:ph type="dt" sz="half" idx="2"/>
+          </p:nvPr>
+        </p:nvSpPr>
+        <p:spPr/>
+        <p:txBody>
+          <a:bodyPr/>
+          <a:lstStyle/>
+          <a:p>
+            <a:r>
+              <a:rPr lang="en-US" smtClean="0"/>
+              <a:t>September 3rd/4th, 2009</a:t>
+            </a:r>
+            <a:endParaRPr lang="en-US" dirty="0"/>
+          </a:p>
+        </p:txBody>
+      </p:sp>
+      <p:sp>
+        <p:nvSpPr>
+          <p:cNvPr id="5" name="Footer Placeholder 4"/>
+          <p:cNvSpPr>
+            <a:spLocks noGrp="1"/>
+          </p:cNvSpPr>
+          <p:nvPr>
+            <p:ph type="ftr" sz="quarter" idx="3"/>
+          </p:nvPr>
+        </p:nvSpPr>
+        <p:spPr/>
+        <p:txBody>
+          <a:bodyPr/>
+          <a:lstStyle/>
+          <a:p>
+            <a:r>
+              <a:rPr lang="en-US" smtClean="0"/>
+              <a:t>NeSC SAGA Tutorial</a:t>
+            </a:r>
+            <a:endParaRPr lang="en-US" dirty="0"/>
+          </a:p>
+        </p:txBody>
+      </p:sp>
+      <p:sp>
+        <p:nvSpPr>
+          <p:cNvPr id="6" name="Slide Number Placeholder 5"/>
+          <p:cNvSpPr>
+            <a:spLocks noGrp="1"/>
+          </p:cNvSpPr>
+          <p:nvPr>
+            <p:ph type="sldNum" sz="quarter" idx="4"/>
+          </p:nvPr>
+        </p:nvSpPr>
+        <p:spPr/>
+        <p:txBody>
+          <a:bodyPr/>
+          <a:lstStyle/>
+          <a:p>
+            <a:fld id="{7A426C1A-D210-4B4B-86AA-6AEDDDCCF5FF}" type="slidenum">
+              <a:rPr lang="en-US" smtClean="0"/>
+              <a:pPr/>
+              <a:t>21</a:t>
+            </a:fld>
+            <a:endParaRPr lang="en-US"/>
           </a:p>
         </p:txBody>
       </p:sp>
@@ -9756,171 +9758,30 @@
             <p:ph sz="quarter" idx="1"/>
           </p:nvPr>
         </p:nvSpPr>
-        <p:spPr>
-          <a:xfrm>
-            <a:off x="650240" y="1600200"/>
-            <a:ext cx="11704320" cy="7391400"/>
-          </a:xfrm>
-        </p:spPr>
-        <p:txBody>
-          <a:bodyPr>
-            <a:normAutofit fontScale="92500"/>
-          </a:bodyPr>
-          <a:lstStyle/>
-          <a:p>
-            <a:r>
-              <a:rPr lang="en-US" dirty="0" smtClean="0"/>
-              <a:t>Almost all API objects expose 4 different sets of API functions:</a:t>
-            </a:r>
-          </a:p>
-          <a:p>
-            <a:pPr lvl="1"/>
+        <p:spPr/>
+        <p:txBody>
+          <a:bodyPr/>
+          <a:lstStyle/>
+          <a:p>
             <a:r>
               <a:rPr lang="en-US" dirty="0" smtClean="0"/>
               <a:t>Synchronous</a:t>
             </a:r>
           </a:p>
           <a:p>
-            <a:pPr lvl="2"/>
-            <a:r>
-              <a:rPr lang="en-US" dirty="0" smtClean="0"/>
-              <a:t>Returns result synchronously</a:t>
-            </a:r>
-          </a:p>
-          <a:p>
-            <a:pPr lvl="2"/>
-            <a:r>
-              <a:rPr lang="en-US" dirty="0" smtClean="0"/>
-              <a:t>saga::</a:t>
-            </a:r>
-            <a:r>
-              <a:rPr lang="en-US" dirty="0" err="1" smtClean="0"/>
-              <a:t>off_t</a:t>
-            </a:r>
-            <a:r>
-              <a:rPr lang="en-US" dirty="0" smtClean="0"/>
-              <a:t> file::</a:t>
-            </a:r>
-            <a:r>
-              <a:rPr lang="en-US" dirty="0" err="1" smtClean="0"/>
-              <a:t>get_size</a:t>
-            </a:r>
-            <a:r>
-              <a:rPr lang="en-US" dirty="0" smtClean="0"/>
-              <a:t>();</a:t>
-            </a:r>
-          </a:p>
-          <a:p>
-            <a:pPr lvl="1"/>
-            <a:r>
-              <a:rPr lang="en-US" dirty="0" smtClean="0"/>
-              <a:t>Task based</a:t>
-            </a:r>
-          </a:p>
-          <a:p>
-            <a:pPr lvl="2"/>
-            <a:r>
-              <a:rPr lang="en-US" dirty="0" smtClean="0"/>
-              <a:t>Returns handle to deferred result (using a task object)</a:t>
-            </a:r>
-          </a:p>
-          <a:p>
-            <a:pPr lvl="2"/>
+            <a:endParaRPr lang="en-US" dirty="0" smtClean="0"/>
+          </a:p>
+          <a:p>
+            <a:endParaRPr lang="en-US" dirty="0" smtClean="0"/>
+          </a:p>
+          <a:p>
+            <a:endParaRPr lang="en-US" dirty="0" smtClean="0"/>
+          </a:p>
+          <a:p>
             <a:r>
               <a:rPr lang="en-US" dirty="0" smtClean="0"/>
               <a:t>Asynchronous</a:t>
             </a:r>
-          </a:p>
-          <a:p>
-            <a:pPr lvl="3"/>
-            <a:r>
-              <a:rPr lang="en-US" dirty="0" smtClean="0"/>
-              <a:t>saga::task not running yet</a:t>
-            </a:r>
-          </a:p>
-          <a:p>
-            <a:pPr lvl="3"/>
-            <a:r>
-              <a:rPr lang="en-US" dirty="0" smtClean="0"/>
-              <a:t>saga::task file::</a:t>
-            </a:r>
-            <a:r>
-              <a:rPr lang="en-US" dirty="0" err="1" smtClean="0"/>
-              <a:t>get_size</a:t>
-            </a:r>
-            <a:r>
-              <a:rPr lang="en-US" dirty="0" smtClean="0"/>
-              <a:t>&lt;saga::task::</a:t>
-            </a:r>
-            <a:r>
-              <a:rPr lang="en-US" dirty="0" err="1" smtClean="0"/>
-              <a:t>Async</a:t>
-            </a:r>
-            <a:r>
-              <a:rPr lang="en-US" dirty="0" smtClean="0"/>
-              <a:t>&gt;();</a:t>
-            </a:r>
-          </a:p>
-          <a:p>
-            <a:pPr lvl="2"/>
-            <a:r>
-              <a:rPr lang="en-US" dirty="0" smtClean="0"/>
-              <a:t>Task</a:t>
-            </a:r>
-          </a:p>
-          <a:p>
-            <a:pPr lvl="3"/>
-            <a:r>
-              <a:rPr lang="en-US" dirty="0" smtClean="0"/>
-              <a:t>saga::task already running </a:t>
-            </a:r>
-          </a:p>
-          <a:p>
-            <a:pPr lvl="3"/>
-            <a:r>
-              <a:rPr lang="en-US" dirty="0" smtClean="0"/>
-              <a:t>saga::task file::</a:t>
-            </a:r>
-            <a:r>
-              <a:rPr lang="en-US" dirty="0" err="1" smtClean="0"/>
-              <a:t>get_size</a:t>
-            </a:r>
-            <a:r>
-              <a:rPr lang="en-US" dirty="0" smtClean="0"/>
-              <a:t>&lt;saga::task::Task&gt;();</a:t>
-            </a:r>
-          </a:p>
-          <a:p>
-            <a:pPr lvl="2"/>
-            <a:r>
-              <a:rPr lang="en-US" dirty="0" smtClean="0"/>
-              <a:t>Synchronous</a:t>
-            </a:r>
-          </a:p>
-          <a:p>
-            <a:pPr lvl="3"/>
-            <a:r>
-              <a:rPr lang="en-US" dirty="0" smtClean="0"/>
-              <a:t>saga::task guaranteed to be finished</a:t>
-            </a:r>
-          </a:p>
-          <a:p>
-            <a:pPr lvl="3"/>
-            <a:r>
-              <a:rPr lang="en-US" dirty="0" smtClean="0"/>
-              <a:t>saga::task file::</a:t>
-            </a:r>
-            <a:r>
-              <a:rPr lang="en-US" dirty="0" err="1" smtClean="0"/>
-              <a:t>get_size</a:t>
-            </a:r>
-            <a:r>
-              <a:rPr lang="en-US" dirty="0" smtClean="0"/>
-              <a:t>&lt;saga::task::Sync&gt;();</a:t>
-            </a:r>
-          </a:p>
-          <a:p>
-            <a:pPr lvl="2"/>
             <a:endParaRPr lang="en-US" dirty="0"/>
           </a:p>
         </p:txBody>
@@ -9992,6 +9853,213 @@
               <a:t>22</a:t>
             </a:fld>
             <a:endParaRPr lang="en-US"/>
+          </a:p>
+        </p:txBody>
+      </p:sp>
+      <p:sp>
+        <p:nvSpPr>
+          <p:cNvPr id="7" name="TextBox 6"/>
+          <p:cNvSpPr txBox="1"/>
+          <p:nvPr/>
+        </p:nvSpPr>
+        <p:spPr>
+          <a:xfrm>
+            <a:off x="863600" y="2438400"/>
+            <a:ext cx="11353800" cy="1569660"/>
+          </a:xfrm>
+          <a:prstGeom prst="rect">
+            <a:avLst/>
+          </a:prstGeom>
+          <a:solidFill>
+            <a:schemeClr val="accent1">
+              <a:lumMod val="40000"/>
+              <a:lumOff val="60000"/>
+            </a:schemeClr>
+          </a:solidFill>
+          <a:effectLst>
+            <a:outerShdw blurRad="50800" dist="38100" dir="2700000" algn="tl" rotWithShape="0">
+              <a:prstClr val="black">
+                <a:alpha val="40000"/>
+              </a:prstClr>
+            </a:outerShdw>
+          </a:effectLst>
+        </p:spPr>
+        <p:txBody>
+          <a:bodyPr wrap="square" rtlCol="0" anchor="t">
+            <a:spAutoFit/>
+          </a:bodyPr>
+          <a:lstStyle/>
+          <a:p>
+            <a:pPr marL="0" lvl="3" algn="l"/>
+            <a:r>
+              <a:rPr lang="en-US" sz="2400" dirty="0" smtClean="0">
+                <a:latin typeface="Consolas" pitchFamily="49" charset="0"/>
+                <a:cs typeface="Consolas" pitchFamily="49" charset="0"/>
+              </a:rPr>
+              <a:t>saga::</a:t>
+            </a:r>
+            <a:r>
+              <a:rPr lang="en-US" sz="2400" dirty="0" err="1" smtClean="0">
+                <a:latin typeface="Consolas" pitchFamily="49" charset="0"/>
+                <a:cs typeface="Consolas" pitchFamily="49" charset="0"/>
+              </a:rPr>
+              <a:t>url</a:t>
+            </a:r>
+            <a:r>
+              <a:rPr lang="en-US" sz="2400" dirty="0" smtClean="0">
+                <a:latin typeface="Consolas" pitchFamily="49" charset="0"/>
+                <a:cs typeface="Consolas" pitchFamily="49" charset="0"/>
+              </a:rPr>
+              <a:t> source("ssh://tc17/etc/passwd");</a:t>
+            </a:r>
+          </a:p>
+          <a:p>
+            <a:pPr marL="0" lvl="3" algn="l"/>
+            <a:r>
+              <a:rPr lang="de-DE" sz="2400" dirty="0" smtClean="0">
+                <a:latin typeface="Consolas" pitchFamily="49" charset="0"/>
+                <a:cs typeface="Consolas" pitchFamily="49" charset="0"/>
+              </a:rPr>
+              <a:t>saga::filesystem::file f(source, saga::filesystem::Read);</a:t>
+            </a:r>
+          </a:p>
+          <a:p>
+            <a:pPr marL="0" lvl="3" algn="l"/>
+            <a:endParaRPr lang="de-DE" sz="2400" dirty="0" smtClean="0">
+              <a:latin typeface="Consolas" pitchFamily="49" charset="0"/>
+              <a:cs typeface="Consolas" pitchFamily="49" charset="0"/>
+            </a:endParaRPr>
+          </a:p>
+          <a:p>
+            <a:pPr marL="0" lvl="3" algn="l"/>
+            <a:r>
+              <a:rPr lang="de-DE" sz="2400" dirty="0" smtClean="0">
+                <a:latin typeface="Consolas" pitchFamily="49" charset="0"/>
+                <a:cs typeface="Consolas" pitchFamily="49" charset="0"/>
+              </a:rPr>
+              <a:t>saga::off_t size = f.get_size();</a:t>
+            </a:r>
+            <a:endParaRPr lang="en-US" sz="2400" dirty="0" smtClean="0">
+              <a:latin typeface="Consolas" pitchFamily="49" charset="0"/>
+              <a:cs typeface="Consolas" pitchFamily="49" charset="0"/>
+            </a:endParaRPr>
+          </a:p>
+        </p:txBody>
+      </p:sp>
+      <p:sp>
+        <p:nvSpPr>
+          <p:cNvPr id="8" name="TextBox 7"/>
+          <p:cNvSpPr txBox="1"/>
+          <p:nvPr/>
+        </p:nvSpPr>
+        <p:spPr>
+          <a:xfrm>
+            <a:off x="863600" y="5181600"/>
+            <a:ext cx="11353800" cy="2677656"/>
+          </a:xfrm>
+          <a:prstGeom prst="rect">
+            <a:avLst/>
+          </a:prstGeom>
+          <a:solidFill>
+            <a:schemeClr val="accent1">
+              <a:lumMod val="40000"/>
+              <a:lumOff val="60000"/>
+            </a:schemeClr>
+          </a:solidFill>
+          <a:effectLst>
+            <a:outerShdw blurRad="50800" dist="38100" dir="2700000" algn="tl" rotWithShape="0">
+              <a:prstClr val="black">
+                <a:alpha val="40000"/>
+              </a:prstClr>
+            </a:outerShdw>
+          </a:effectLst>
+        </p:spPr>
+        <p:txBody>
+          <a:bodyPr wrap="square" rtlCol="0" anchor="t">
+            <a:spAutoFit/>
+          </a:bodyPr>
+          <a:lstStyle/>
+          <a:p>
+            <a:pPr marL="0" lvl="3" algn="l"/>
+            <a:r>
+              <a:rPr lang="en-US" sz="2400" dirty="0" smtClean="0">
+                <a:latin typeface="Consolas" pitchFamily="49" charset="0"/>
+                <a:cs typeface="Consolas" pitchFamily="49" charset="0"/>
+              </a:rPr>
+              <a:t>saga::</a:t>
+            </a:r>
+            <a:r>
+              <a:rPr lang="en-US" sz="2400" dirty="0" err="1" smtClean="0">
+                <a:latin typeface="Consolas" pitchFamily="49" charset="0"/>
+                <a:cs typeface="Consolas" pitchFamily="49" charset="0"/>
+              </a:rPr>
+              <a:t>url</a:t>
+            </a:r>
+            <a:r>
+              <a:rPr lang="en-US" sz="2400" dirty="0" smtClean="0">
+                <a:latin typeface="Consolas" pitchFamily="49" charset="0"/>
+                <a:cs typeface="Consolas" pitchFamily="49" charset="0"/>
+              </a:rPr>
+              <a:t> source("ssh://tc17/etc/passwd");</a:t>
+            </a:r>
+          </a:p>
+          <a:p>
+            <a:pPr marL="0" lvl="3" algn="l"/>
+            <a:r>
+              <a:rPr lang="de-DE" sz="2400" dirty="0" smtClean="0">
+                <a:latin typeface="Consolas" pitchFamily="49" charset="0"/>
+                <a:cs typeface="Consolas" pitchFamily="49" charset="0"/>
+              </a:rPr>
+              <a:t>saga::filesystem::file f(source, saga::filesystem::Read);</a:t>
+            </a:r>
+          </a:p>
+          <a:p>
+            <a:pPr marL="0" lvl="3" algn="l"/>
+            <a:endParaRPr lang="de-DE" sz="2400" dirty="0" smtClean="0">
+              <a:latin typeface="Consolas" pitchFamily="49" charset="0"/>
+              <a:cs typeface="Consolas" pitchFamily="49" charset="0"/>
+            </a:endParaRPr>
+          </a:p>
+          <a:p>
+            <a:pPr marL="0" lvl="3" algn="l"/>
+            <a:r>
+              <a:rPr lang="de-DE" sz="2400" dirty="0" smtClean="0">
+                <a:latin typeface="Consolas" pitchFamily="49" charset="0"/>
+                <a:cs typeface="Consolas" pitchFamily="49" charset="0"/>
+              </a:rPr>
+              <a:t>saga::task t = f.get_size&lt;saga::task::ASync&gt;();</a:t>
+            </a:r>
+          </a:p>
+          <a:p>
+            <a:pPr marL="0" lvl="3" algn="l"/>
+            <a:r>
+              <a:rPr lang="de-DE" sz="2400" dirty="0" smtClean="0">
+                <a:latin typeface="Consolas" pitchFamily="49" charset="0"/>
+                <a:cs typeface="Consolas" pitchFamily="49" charset="0"/>
+              </a:rPr>
+              <a:t>t.run();</a:t>
+            </a:r>
+          </a:p>
+          <a:p>
+            <a:pPr marL="0" lvl="3" algn="l"/>
+            <a:endParaRPr lang="de-DE" sz="2400" dirty="0" smtClean="0">
+              <a:latin typeface="Consolas" pitchFamily="49" charset="0"/>
+              <a:cs typeface="Consolas" pitchFamily="49" charset="0"/>
+            </a:endParaRPr>
+          </a:p>
+          <a:p>
+            <a:pPr marL="0" lvl="3" algn="l"/>
+            <a:r>
+              <a:rPr lang="de-DE" sz="2400" dirty="0" smtClean="0">
+                <a:latin typeface="Consolas" pitchFamily="49" charset="0"/>
+                <a:cs typeface="Consolas" pitchFamily="49" charset="0"/>
+              </a:rPr>
+              <a:t>saga::off_t size = t.get_result&lt;saga::off_t&gt;();</a:t>
+            </a:r>
+            <a:endParaRPr lang="en-US" sz="2400" dirty="0" smtClean="0">
+              <a:latin typeface="Consolas" pitchFamily="49" charset="0"/>
+              <a:cs typeface="Consolas" pitchFamily="49" charset="0"/>
+            </a:endParaRPr>
           </a:p>
         </p:txBody>
       </p:sp>
@@ -10068,22 +10136,13 @@
           <a:p>
             <a:r>
               <a:rPr lang="en-US" dirty="0" smtClean="0"/>
-              <a:t>Synchronous</a:t>
-            </a:r>
-          </a:p>
-          <a:p>
-            <a:endParaRPr lang="en-US" dirty="0" smtClean="0"/>
-          </a:p>
-          <a:p>
-            <a:endParaRPr lang="en-US" dirty="0" smtClean="0"/>
-          </a:p>
-          <a:p>
-            <a:endParaRPr lang="en-US" dirty="0" smtClean="0"/>
+              <a:t>Asynchronous creation of objects</a:t>
+            </a:r>
           </a:p>
           <a:p>
             <a:r>
               <a:rPr lang="en-US" dirty="0" smtClean="0"/>
-              <a:t>Asynchronous</a:t>
+              <a:t>Factory functions</a:t>
             </a:r>
             <a:endParaRPr lang="en-US" dirty="0"/>
           </a:p>
@@ -10167,97 +10226,7 @@
         </p:nvSpPr>
         <p:spPr>
           <a:xfrm>
-            <a:off x="863600" y="2438400"/>
-            <a:ext cx="11353800" cy="1569660"/>
-          </a:xfrm>
-          <a:prstGeom prst="rect">
-            <a:avLst/>
-          </a:prstGeom>
-          <a:solidFill>
-            <a:schemeClr val="accent1">
-              <a:lumMod val="40000"/>
-              <a:lumOff val="60000"/>
-            </a:schemeClr>
-          </a:solidFill>
-          <a:effectLst>
-            <a:outerShdw blurRad="50800" dist="38100" dir="2700000" algn="tl" rotWithShape="0">
-              <a:prstClr val="black">
-                <a:alpha val="40000"/>
-              </a:prstClr>
-            </a:outerShdw>
-          </a:effectLst>
-        </p:spPr>
-        <p:txBody>
-          <a:bodyPr wrap="square" rtlCol="0" anchor="t">
-            <a:spAutoFit/>
-          </a:bodyPr>
-          <a:lstStyle/>
-          <a:p>
-            <a:pPr marL="0" lvl="3" algn="l"/>
-            <a:r>
-              <a:rPr lang="en-US" sz="2400" dirty="0" smtClean="0">
-                <a:latin typeface="Consolas" pitchFamily="49" charset="0"/>
-                <a:cs typeface="Consolas" pitchFamily="49" charset="0"/>
-              </a:rPr>
-              <a:t>saga::</a:t>
-            </a:r>
-            <a:r>
-              <a:rPr lang="en-US" sz="2400" dirty="0" err="1" smtClean="0">
-                <a:latin typeface="Consolas" pitchFamily="49" charset="0"/>
-                <a:cs typeface="Consolas" pitchFamily="49" charset="0"/>
-              </a:rPr>
-              <a:t>url</a:t>
-            </a:r>
-            <a:r>
-              <a:rPr lang="en-US" sz="2400" dirty="0" smtClean="0">
-                <a:latin typeface="Consolas" pitchFamily="49" charset="0"/>
-                <a:cs typeface="Consolas" pitchFamily="49" charset="0"/>
-              </a:rPr>
-              <a:t> source("ssh://tc17/etc/passwd");</a:t>
-            </a:r>
-          </a:p>
-          <a:p>
-            <a:pPr marL="0" lvl="3" algn="l"/>
-            <a:r>
-              <a:rPr lang="de-DE" sz="2400" dirty="0" smtClean="0">
-                <a:latin typeface="Consolas" pitchFamily="49" charset="0"/>
-                <a:cs typeface="Consolas" pitchFamily="49" charset="0"/>
-              </a:rPr>
-              <a:t>saga::filesystem::file f(source, saga::filesystem::Read);</a:t>
-            </a:r>
-          </a:p>
-          <a:p>
-            <a:pPr marL="0" lvl="3" algn="l"/>
-            <a:endParaRPr lang="de-DE" sz="2400" dirty="0" smtClean="0">
-              <a:latin typeface="Consolas" pitchFamily="49" charset="0"/>
-              <a:cs typeface="Consolas" pitchFamily="49" charset="0"/>
-            </a:endParaRPr>
-          </a:p>
-          <a:p>
-            <a:pPr marL="0" lvl="3" algn="l"/>
-            <a:r>
-              <a:rPr lang="de-DE" sz="2400" dirty="0" smtClean="0">
-                <a:latin typeface="Consolas" pitchFamily="49" charset="0"/>
-                <a:cs typeface="Consolas" pitchFamily="49" charset="0"/>
-              </a:rPr>
-              <a:t>saga::off_t size = f.get_size();</a:t>
-            </a:r>
-            <a:endParaRPr lang="en-US" sz="2400" dirty="0" smtClean="0">
-              <a:latin typeface="Consolas" pitchFamily="49" charset="0"/>
-              <a:cs typeface="Consolas" pitchFamily="49" charset="0"/>
-            </a:endParaRPr>
-          </a:p>
-        </p:txBody>
-      </p:sp>
-      <p:sp>
-        <p:nvSpPr>
-          <p:cNvPr id="8" name="TextBox 7"/>
-          <p:cNvSpPr txBox="1"/>
-          <p:nvPr/>
-        </p:nvSpPr>
-        <p:spPr>
-          <a:xfrm>
-            <a:off x="863600" y="5181600"/>
+            <a:off x="863600" y="3154740"/>
             <a:ext cx="11353800" cy="2677656"/>
           </a:xfrm>
           <a:prstGeom prst="rect">
@@ -10289,80 +10258,149 @@
                 <a:latin typeface="Consolas" pitchFamily="49" charset="0"/>
                 <a:cs typeface="Consolas" pitchFamily="49" charset="0"/>
               </a:rPr>
-              <a:t>saga::</a:t>
+              <a:t>// create task </a:t>
+            </a:r>
+          </a:p>
+          <a:p>
+            <a:pPr marL="0" lvl="3" algn="l"/>
+            <a:r>
+              <a:rPr lang="en-US" sz="2400" dirty="0" smtClean="0">
+                <a:latin typeface="Consolas" pitchFamily="49" charset="0"/>
+                <a:cs typeface="Consolas" pitchFamily="49" charset="0"/>
+              </a:rPr>
+              <a:t>saga::task t = </a:t>
+            </a:r>
+          </a:p>
+          <a:p>
+            <a:pPr marL="0" lvl="3" algn="l"/>
+            <a:r>
+              <a:rPr lang="en-US" sz="2400" dirty="0" smtClean="0">
+                <a:latin typeface="Consolas" pitchFamily="49" charset="0"/>
+                <a:cs typeface="Consolas" pitchFamily="49" charset="0"/>
+              </a:rPr>
+              <a:t>    saga::</a:t>
             </a:r>
             <a:r>
               <a:rPr lang="en-US" sz="2400" dirty="0" err="1" smtClean="0">
                 <a:latin typeface="Consolas" pitchFamily="49" charset="0"/>
                 <a:cs typeface="Consolas" pitchFamily="49" charset="0"/>
               </a:rPr>
-              <a:t>url</a:t>
+              <a:t>filesystem</a:t>
             </a:r>
             <a:r>
               <a:rPr lang="en-US" sz="2400" dirty="0" smtClean="0">
                 <a:latin typeface="Consolas" pitchFamily="49" charset="0"/>
                 <a:cs typeface="Consolas" pitchFamily="49" charset="0"/>
               </a:rPr>
-              <a:t> source("ssh://tc17/etc/passwd");</a:t>
-            </a:r>
-          </a:p>
-          <a:p>
-            <a:pPr marL="0" lvl="3" algn="l"/>
-            <a:r>
-              <a:rPr lang="de-DE" sz="2400" dirty="0" smtClean="0">
+              <a:t>::file::create&lt;saga::task::</a:t>
+            </a:r>
+            <a:r>
+              <a:rPr lang="en-US" sz="2400" dirty="0" err="1" smtClean="0">
                 <a:latin typeface="Consolas" pitchFamily="49" charset="0"/>
                 <a:cs typeface="Consolas" pitchFamily="49" charset="0"/>
               </a:rPr>
-              <a:t>saga::filesystem::file f(source, saga::filesystem::Read);</a:t>
-            </a:r>
-          </a:p>
-          <a:p>
-            <a:pPr marL="0" lvl="3" algn="l"/>
-            <a:endParaRPr lang="de-DE" sz="2400" dirty="0" smtClean="0">
-              <a:latin typeface="Consolas" pitchFamily="49" charset="0"/>
-              <a:cs typeface="Consolas" pitchFamily="49" charset="0"/>
-            </a:endParaRPr>
-          </a:p>
-          <a:p>
-            <a:pPr marL="0" lvl="3" algn="l"/>
-            <a:r>
-              <a:rPr lang="de-DE" sz="2400" dirty="0" smtClean="0">
+              <a:t>ASync</a:t>
+            </a:r>
+            <a:r>
+              <a:rPr lang="en-US" sz="2400" dirty="0" smtClean="0">
                 <a:latin typeface="Consolas" pitchFamily="49" charset="0"/>
                 <a:cs typeface="Consolas" pitchFamily="49" charset="0"/>
               </a:rPr>
-              <a:t>saga::task t = f.get_size&lt;saga::task::ASync&gt;();</a:t>
-            </a:r>
-          </a:p>
-          <a:p>
-            <a:pPr marL="0" lvl="3" algn="l"/>
-            <a:r>
-              <a:rPr lang="de-DE" sz="2400" dirty="0" smtClean="0">
+              <a:t>&gt;("</a:t>
+            </a:r>
+            <a:r>
+              <a:rPr lang="en-US" sz="2400" dirty="0" err="1" smtClean="0">
                 <a:latin typeface="Consolas" pitchFamily="49" charset="0"/>
                 <a:cs typeface="Consolas" pitchFamily="49" charset="0"/>
               </a:rPr>
-              <a:t>t.run();</a:t>
-            </a:r>
-          </a:p>
-          <a:p>
-            <a:pPr marL="0" lvl="3" algn="l"/>
-            <a:endParaRPr lang="de-DE" sz="2400" dirty="0" smtClean="0">
-              <a:latin typeface="Consolas" pitchFamily="49" charset="0"/>
-              <a:cs typeface="Consolas" pitchFamily="49" charset="0"/>
-            </a:endParaRPr>
-          </a:p>
-          <a:p>
-            <a:pPr marL="0" lvl="3" algn="l"/>
-            <a:r>
-              <a:rPr lang="de-DE" sz="2400" dirty="0" smtClean="0">
+              <a:t>fileurl</a:t>
+            </a:r>
+            <a:r>
+              <a:rPr lang="en-US" sz="2400" dirty="0" smtClean="0">
                 <a:latin typeface="Consolas" pitchFamily="49" charset="0"/>
                 <a:cs typeface="Consolas" pitchFamily="49" charset="0"/>
               </a:rPr>
-              <a:t>saga::off_t size = t.get_result&lt;saga::off_t&gt;();</a:t>
-            </a:r>
+              <a:t>");</a:t>
+            </a:r>
+          </a:p>
+          <a:p>
+            <a:pPr marL="0" lvl="3" algn="l"/>
             <a:endParaRPr lang="en-US" sz="2400" dirty="0" smtClean="0">
               <a:latin typeface="Consolas" pitchFamily="49" charset="0"/>
               <a:cs typeface="Consolas" pitchFamily="49" charset="0"/>
             </a:endParaRPr>
+          </a:p>
+          <a:p>
+            <a:pPr marL="0" lvl="3" algn="l"/>
+            <a:r>
+              <a:rPr lang="en-US" sz="2400" dirty="0" smtClean="0">
+                <a:latin typeface="Consolas" pitchFamily="49" charset="0"/>
+                <a:cs typeface="Consolas" pitchFamily="49" charset="0"/>
+              </a:rPr>
+              <a:t>// ...</a:t>
+            </a:r>
+          </a:p>
+          <a:p>
+            <a:pPr marL="0" lvl="3" algn="l"/>
+            <a:r>
+              <a:rPr lang="en-US" sz="2400" dirty="0" smtClean="0">
+                <a:latin typeface="Consolas" pitchFamily="49" charset="0"/>
+                <a:cs typeface="Consolas" pitchFamily="49" charset="0"/>
+              </a:rPr>
+              <a:t>saga::</a:t>
+            </a:r>
+            <a:r>
+              <a:rPr lang="en-US" sz="2400" dirty="0" err="1" smtClean="0">
+                <a:latin typeface="Consolas" pitchFamily="49" charset="0"/>
+                <a:cs typeface="Consolas" pitchFamily="49" charset="0"/>
+              </a:rPr>
+              <a:t>filesystem</a:t>
+            </a:r>
+            <a:r>
+              <a:rPr lang="en-US" sz="2400" dirty="0" smtClean="0">
+                <a:latin typeface="Consolas" pitchFamily="49" charset="0"/>
+                <a:cs typeface="Consolas" pitchFamily="49" charset="0"/>
+              </a:rPr>
+              <a:t>::file f = </a:t>
+            </a:r>
+          </a:p>
+          <a:p>
+            <a:pPr marL="0" lvl="3" algn="l"/>
+            <a:r>
+              <a:rPr lang="en-US" sz="2400" dirty="0" smtClean="0">
+                <a:latin typeface="Consolas" pitchFamily="49" charset="0"/>
+                <a:cs typeface="Consolas" pitchFamily="49" charset="0"/>
+              </a:rPr>
+              <a:t>    </a:t>
+            </a:r>
+            <a:r>
+              <a:rPr lang="en-US" sz="2400" dirty="0" err="1" smtClean="0">
+                <a:latin typeface="Consolas" pitchFamily="49" charset="0"/>
+                <a:cs typeface="Consolas" pitchFamily="49" charset="0"/>
+              </a:rPr>
+              <a:t>t.get_result</a:t>
+            </a:r>
+            <a:r>
+              <a:rPr lang="en-US" sz="2400" dirty="0" smtClean="0">
+                <a:latin typeface="Consolas" pitchFamily="49" charset="0"/>
+                <a:cs typeface="Consolas" pitchFamily="49" charset="0"/>
+              </a:rPr>
+              <a:t>&lt;saga::</a:t>
+            </a:r>
+            <a:r>
+              <a:rPr lang="en-US" sz="2400" dirty="0" err="1" smtClean="0">
+                <a:latin typeface="Consolas" pitchFamily="49" charset="0"/>
+                <a:cs typeface="Consolas" pitchFamily="49" charset="0"/>
+              </a:rPr>
+              <a:t>filesystem</a:t>
+            </a:r>
+            <a:r>
+              <a:rPr lang="en-US" sz="2400" dirty="0" smtClean="0">
+                <a:latin typeface="Consolas" pitchFamily="49" charset="0"/>
+                <a:cs typeface="Consolas" pitchFamily="49" charset="0"/>
+              </a:rPr>
+              <a:t>::file&gt;();</a:t>
+            </a:r>
           </a:p>
         </p:txBody>
       </p:sp>
@@ -10403,50 +10441,40 @@
         </p:nvSpPr>
         <p:spPr/>
         <p:txBody>
-          <a:bodyPr/>
+          <a:bodyPr>
+            <a:normAutofit/>
+          </a:bodyPr>
           <a:lstStyle/>
           <a:p>
             <a:r>
               <a:rPr lang="en-US" dirty="0" smtClean="0"/>
-              <a:t>Sync/</a:t>
-            </a:r>
-            <a:r>
-              <a:rPr lang="en-US" dirty="0" err="1" smtClean="0"/>
-              <a:t>Async</a:t>
-            </a:r>
+              <a:t>Task container</a:t>
+            </a:r>
+            <a:endParaRPr lang="en-US" dirty="0"/>
+          </a:p>
+        </p:txBody>
+      </p:sp>
+      <p:sp>
+        <p:nvSpPr>
+          <p:cNvPr id="3" name="Content Placeholder 2"/>
+          <p:cNvSpPr>
+            <a:spLocks noGrp="1"/>
+          </p:cNvSpPr>
+          <p:nvPr>
+            <p:ph sz="quarter" idx="1"/>
+          </p:nvPr>
+        </p:nvSpPr>
+        <p:spPr/>
+        <p:txBody>
+          <a:bodyPr/>
+          <a:lstStyle/>
+          <a:p>
             <a:r>
               <a:rPr lang="en-US" dirty="0" smtClean="0"/>
-              <a:t> API’s</a:t>
-            </a:r>
-            <a:endParaRPr lang="en-US" dirty="0"/>
-          </a:p>
-        </p:txBody>
-      </p:sp>
-      <p:sp>
-        <p:nvSpPr>
-          <p:cNvPr id="3" name="Content Placeholder 2"/>
-          <p:cNvSpPr>
-            <a:spLocks noGrp="1"/>
-          </p:cNvSpPr>
-          <p:nvPr>
-            <p:ph sz="quarter" idx="1"/>
-          </p:nvPr>
-        </p:nvSpPr>
-        <p:spPr/>
-        <p:txBody>
-          <a:bodyPr/>
-          <a:lstStyle/>
-          <a:p>
-            <a:r>
-              <a:rPr lang="en-US" dirty="0" smtClean="0"/>
-              <a:t>Asynchronous creation of objects</a:t>
-            </a:r>
-          </a:p>
-          <a:p>
-            <a:r>
-              <a:rPr lang="en-US" dirty="0" smtClean="0"/>
-              <a:t>Factory functions</a:t>
-            </a:r>
+              <a:t>Special container allowing to handle many tasks as one</a:t>
+            </a:r>
+          </a:p>
+          <a:p>
             <a:endParaRPr lang="en-US" dirty="0"/>
           </a:p>
         </p:txBody>
@@ -10529,8 +10557,8 @@
         </p:nvSpPr>
         <p:spPr>
           <a:xfrm>
-            <a:off x="863600" y="3154740"/>
-            <a:ext cx="11353800" cy="2677656"/>
+            <a:off x="825500" y="2667000"/>
+            <a:ext cx="11353800" cy="5262979"/>
           </a:xfrm>
           <a:prstGeom prst="rect">
             <a:avLst/>
@@ -10561,7 +10589,7 @@
                 <a:latin typeface="Consolas" pitchFamily="49" charset="0"/>
                 <a:cs typeface="Consolas" pitchFamily="49" charset="0"/>
               </a:rPr>
-              <a:t>// create task </a:t>
+              <a:t>// create a list of tasks to run jobs</a:t>
             </a:r>
           </a:p>
           <a:p>
@@ -10571,59 +10599,225 @@
                 <a:latin typeface="Consolas" pitchFamily="49" charset="0"/>
                 <a:cs typeface="Consolas" pitchFamily="49" charset="0"/>
               </a:rPr>
-              <a:t>saga::task t = </a:t>
-            </a:r>
-          </a:p>
-          <a:p>
-            <a:pPr marL="0" lvl="3" algn="l"/>
+              <a:t>saga::job::service </a:t>
+            </a:r>
+            <a:r>
+              <a:rPr lang="en-US" sz="2400" dirty="0" err="1" smtClean="0">
+                <a:latin typeface="Consolas" pitchFamily="49" charset="0"/>
+                <a:cs typeface="Consolas" pitchFamily="49" charset="0"/>
+              </a:rPr>
+              <a:t>js</a:t>
+            </a:r>
             <a:r>
               <a:rPr lang="en-US" sz="2400" dirty="0" smtClean="0">
                 <a:latin typeface="Consolas" pitchFamily="49" charset="0"/>
                 <a:cs typeface="Consolas" pitchFamily="49" charset="0"/>
               </a:rPr>
-              <a:t>    saga::</a:t>
+              <a:t>("</a:t>
             </a:r>
             <a:r>
               <a:rPr lang="en-US" sz="2400" dirty="0" err="1" smtClean="0">
                 <a:latin typeface="Consolas" pitchFamily="49" charset="0"/>
                 <a:cs typeface="Consolas" pitchFamily="49" charset="0"/>
               </a:rPr>
-              <a:t>filesystem</a:t>
+              <a:t>somehost</a:t>
             </a:r>
             <a:r>
               <a:rPr lang="en-US" sz="2400" dirty="0" smtClean="0">
                 <a:latin typeface="Consolas" pitchFamily="49" charset="0"/>
                 <a:cs typeface="Consolas" pitchFamily="49" charset="0"/>
               </a:rPr>
-              <a:t>::file::create&lt;saga::task::</a:t>
+              <a:t>");</a:t>
+            </a:r>
+          </a:p>
+          <a:p>
+            <a:pPr marL="0" lvl="3" algn="l"/>
+            <a:r>
+              <a:rPr lang="en-US" sz="2400" dirty="0" smtClean="0">
+                <a:latin typeface="Consolas" pitchFamily="49" charset="0"/>
+                <a:cs typeface="Consolas" pitchFamily="49" charset="0"/>
+              </a:rPr>
+              <a:t>saga::</a:t>
             </a:r>
             <a:r>
               <a:rPr lang="en-US" sz="2400" dirty="0" err="1" smtClean="0">
                 <a:latin typeface="Consolas" pitchFamily="49" charset="0"/>
                 <a:cs typeface="Consolas" pitchFamily="49" charset="0"/>
               </a:rPr>
-              <a:t>ASync</a:t>
+              <a:t>task_container</a:t>
             </a:r>
             <a:r>
               <a:rPr lang="en-US" sz="2400" dirty="0" smtClean="0">
                 <a:latin typeface="Consolas" pitchFamily="49" charset="0"/>
                 <a:cs typeface="Consolas" pitchFamily="49" charset="0"/>
               </a:rPr>
-              <a:t>&gt;("</a:t>
+              <a:t> </a:t>
             </a:r>
             <a:r>
               <a:rPr lang="en-US" sz="2400" dirty="0" err="1" smtClean="0">
                 <a:latin typeface="Consolas" pitchFamily="49" charset="0"/>
                 <a:cs typeface="Consolas" pitchFamily="49" charset="0"/>
               </a:rPr>
-              <a:t>fileurl</a:t>
+              <a:t>tc</a:t>
             </a:r>
             <a:r>
               <a:rPr lang="en-US" sz="2400" dirty="0" smtClean="0">
                 <a:latin typeface="Consolas" pitchFamily="49" charset="0"/>
                 <a:cs typeface="Consolas" pitchFamily="49" charset="0"/>
               </a:rPr>
-              <a:t>");</a:t>
+              <a:t>;</a:t>
+            </a:r>
+          </a:p>
+          <a:p>
+            <a:pPr marL="0" lvl="3" algn="l"/>
+            <a:r>
+              <a:rPr lang="en-US" sz="2400" dirty="0" smtClean="0">
+                <a:latin typeface="Consolas" pitchFamily="49" charset="0"/>
+                <a:cs typeface="Consolas" pitchFamily="49" charset="0"/>
+              </a:rPr>
+              <a:t>for (</a:t>
+            </a:r>
+            <a:r>
+              <a:rPr lang="en-US" sz="2400" dirty="0" err="1" smtClean="0">
+                <a:latin typeface="Consolas" pitchFamily="49" charset="0"/>
+                <a:cs typeface="Consolas" pitchFamily="49" charset="0"/>
+              </a:rPr>
+              <a:t>int</a:t>
+            </a:r>
+            <a:r>
+              <a:rPr lang="en-US" sz="2400" dirty="0" smtClean="0">
+                <a:latin typeface="Consolas" pitchFamily="49" charset="0"/>
+                <a:cs typeface="Consolas" pitchFamily="49" charset="0"/>
+              </a:rPr>
+              <a:t> </a:t>
+            </a:r>
+            <a:r>
+              <a:rPr lang="en-US" sz="2400" dirty="0" err="1" smtClean="0">
+                <a:latin typeface="Consolas" pitchFamily="49" charset="0"/>
+                <a:cs typeface="Consolas" pitchFamily="49" charset="0"/>
+              </a:rPr>
+              <a:t>i</a:t>
+            </a:r>
+            <a:r>
+              <a:rPr lang="en-US" sz="2400" dirty="0" smtClean="0">
+                <a:latin typeface="Consolas" pitchFamily="49" charset="0"/>
+                <a:cs typeface="Consolas" pitchFamily="49" charset="0"/>
+              </a:rPr>
+              <a:t> = 0; </a:t>
+            </a:r>
+            <a:r>
+              <a:rPr lang="en-US" sz="2400" dirty="0" err="1" smtClean="0">
+                <a:latin typeface="Consolas" pitchFamily="49" charset="0"/>
+                <a:cs typeface="Consolas" pitchFamily="49" charset="0"/>
+              </a:rPr>
+              <a:t>i</a:t>
+            </a:r>
+            <a:r>
+              <a:rPr lang="en-US" sz="2400" dirty="0" smtClean="0">
+                <a:latin typeface="Consolas" pitchFamily="49" charset="0"/>
+                <a:cs typeface="Consolas" pitchFamily="49" charset="0"/>
+              </a:rPr>
+              <a:t> &lt; num; ++</a:t>
+            </a:r>
+            <a:r>
+              <a:rPr lang="en-US" sz="2400" dirty="0" err="1" smtClean="0">
+                <a:latin typeface="Consolas" pitchFamily="49" charset="0"/>
+                <a:cs typeface="Consolas" pitchFamily="49" charset="0"/>
+              </a:rPr>
+              <a:t>i</a:t>
+            </a:r>
+            <a:r>
+              <a:rPr lang="en-US" sz="2400" dirty="0" smtClean="0">
+                <a:latin typeface="Consolas" pitchFamily="49" charset="0"/>
+                <a:cs typeface="Consolas" pitchFamily="49" charset="0"/>
+              </a:rPr>
+              <a:t>)</a:t>
+            </a:r>
+          </a:p>
+          <a:p>
+            <a:pPr marL="0" lvl="3" algn="l"/>
+            <a:r>
+              <a:rPr lang="en-US" sz="2400" dirty="0" smtClean="0">
+                <a:latin typeface="Consolas" pitchFamily="49" charset="0"/>
+                <a:cs typeface="Consolas" pitchFamily="49" charset="0"/>
+              </a:rPr>
+              <a:t>{</a:t>
+            </a:r>
+          </a:p>
+          <a:p>
+            <a:pPr marL="0" lvl="3" algn="l"/>
+            <a:r>
+              <a:rPr lang="en-US" sz="2400" dirty="0" smtClean="0">
+                <a:latin typeface="Consolas" pitchFamily="49" charset="0"/>
+                <a:cs typeface="Consolas" pitchFamily="49" charset="0"/>
+              </a:rPr>
+              <a:t>    </a:t>
+            </a:r>
+            <a:r>
+              <a:rPr lang="en-US" sz="2400" dirty="0" err="1" smtClean="0">
+                <a:latin typeface="Consolas" pitchFamily="49" charset="0"/>
+                <a:cs typeface="Consolas" pitchFamily="49" charset="0"/>
+              </a:rPr>
+              <a:t>tc.add_task</a:t>
+            </a:r>
+            <a:r>
+              <a:rPr lang="en-US" sz="2400" dirty="0" smtClean="0">
+                <a:latin typeface="Consolas" pitchFamily="49" charset="0"/>
+                <a:cs typeface="Consolas" pitchFamily="49" charset="0"/>
+              </a:rPr>
+              <a:t>(</a:t>
+            </a:r>
+            <a:r>
+              <a:rPr lang="en-US" sz="2400" dirty="0" err="1" smtClean="0">
+                <a:latin typeface="Consolas" pitchFamily="49" charset="0"/>
+                <a:cs typeface="Consolas" pitchFamily="49" charset="0"/>
+              </a:rPr>
+              <a:t>js.run_job</a:t>
+            </a:r>
+            <a:r>
+              <a:rPr lang="en-US" sz="2400" dirty="0" smtClean="0">
+                <a:latin typeface="Consolas" pitchFamily="49" charset="0"/>
+                <a:cs typeface="Consolas" pitchFamily="49" charset="0"/>
+              </a:rPr>
+              <a:t>&lt;Task&gt;(execs[</a:t>
+            </a:r>
+            <a:r>
+              <a:rPr lang="en-US" sz="2400" dirty="0" err="1" smtClean="0">
+                <a:latin typeface="Consolas" pitchFamily="49" charset="0"/>
+                <a:cs typeface="Consolas" pitchFamily="49" charset="0"/>
+              </a:rPr>
+              <a:t>i</a:t>
+            </a:r>
+            <a:r>
+              <a:rPr lang="en-US" sz="2400" dirty="0" smtClean="0">
+                <a:latin typeface="Consolas" pitchFamily="49" charset="0"/>
+                <a:cs typeface="Consolas" pitchFamily="49" charset="0"/>
+              </a:rPr>
+              <a:t>], hosts[</a:t>
+            </a:r>
+            <a:r>
+              <a:rPr lang="en-US" sz="2400" dirty="0" err="1" smtClean="0">
+                <a:latin typeface="Consolas" pitchFamily="49" charset="0"/>
+                <a:cs typeface="Consolas" pitchFamily="49" charset="0"/>
+              </a:rPr>
+              <a:t>i</a:t>
+            </a:r>
+            <a:r>
+              <a:rPr lang="en-US" sz="2400" dirty="0" smtClean="0">
+                <a:latin typeface="Consolas" pitchFamily="49" charset="0"/>
+                <a:cs typeface="Consolas" pitchFamily="49" charset="0"/>
+              </a:rPr>
+              <a:t>]));</a:t>
+            </a:r>
+          </a:p>
+          <a:p>
+            <a:pPr marL="0" lvl="3" algn="l"/>
+            <a:r>
+              <a:rPr lang="en-US" sz="2400" dirty="0" smtClean="0">
+                <a:latin typeface="Consolas" pitchFamily="49" charset="0"/>
+                <a:cs typeface="Consolas" pitchFamily="49" charset="0"/>
+              </a:rPr>
+              <a:t>}</a:t>
             </a:r>
           </a:p>
           <a:p>
@@ -10640,69 +10834,89 @@
                 <a:latin typeface="Consolas" pitchFamily="49" charset="0"/>
                 <a:cs typeface="Consolas" pitchFamily="49" charset="0"/>
               </a:rPr>
-              <a:t>// ...</a:t>
+              <a:t>// execute tasks</a:t>
             </a:r>
           </a:p>
           <a:p>
             <a:pPr marL="0" lvl="3" algn="l"/>
+            <a:r>
+              <a:rPr lang="en-US" sz="2400" dirty="0" err="1" smtClean="0">
+                <a:latin typeface="Consolas" pitchFamily="49" charset="0"/>
+                <a:cs typeface="Consolas" pitchFamily="49" charset="0"/>
+              </a:rPr>
+              <a:t>tc.run</a:t>
+            </a:r>
             <a:r>
               <a:rPr lang="en-US" sz="2400" dirty="0" smtClean="0">
                 <a:latin typeface="Consolas" pitchFamily="49" charset="0"/>
                 <a:cs typeface="Consolas" pitchFamily="49" charset="0"/>
               </a:rPr>
-              <a:t>saga::</a:t>
+              <a:t>();</a:t>
+            </a:r>
+          </a:p>
+          <a:p>
+            <a:pPr marL="0" lvl="3" algn="l"/>
+            <a:endParaRPr lang="en-US" sz="2400" dirty="0" smtClean="0">
+              <a:latin typeface="Consolas" pitchFamily="49" charset="0"/>
+              <a:cs typeface="Consolas" pitchFamily="49" charset="0"/>
+            </a:endParaRPr>
+          </a:p>
+          <a:p>
+            <a:pPr marL="0" lvl="3" algn="l"/>
+            <a:r>
+              <a:rPr lang="en-US" sz="2400" dirty="0" smtClean="0">
+                <a:latin typeface="Consolas" pitchFamily="49" charset="0"/>
+                <a:cs typeface="Consolas" pitchFamily="49" charset="0"/>
+              </a:rPr>
+              <a:t>// wait for any of the tasks to finish</a:t>
+            </a:r>
+          </a:p>
+          <a:p>
+            <a:pPr marL="0" lvl="3" algn="l"/>
+            <a:r>
+              <a:rPr lang="en-US" sz="2400" dirty="0" smtClean="0">
+                <a:latin typeface="Consolas" pitchFamily="49" charset="0"/>
+                <a:cs typeface="Consolas" pitchFamily="49" charset="0"/>
+              </a:rPr>
+              <a:t>std::vector&lt;saga::task&gt; finished = </a:t>
+            </a:r>
+          </a:p>
+          <a:p>
+            <a:pPr marL="0" lvl="3" algn="l"/>
+            <a:r>
+              <a:rPr lang="en-US" sz="2400" dirty="0" smtClean="0">
+                <a:latin typeface="Consolas" pitchFamily="49" charset="0"/>
+                <a:cs typeface="Consolas" pitchFamily="49" charset="0"/>
+              </a:rPr>
+              <a:t>    </a:t>
             </a:r>
             <a:r>
               <a:rPr lang="en-US" sz="2400" dirty="0" err="1" smtClean="0">
                 <a:latin typeface="Consolas" pitchFamily="49" charset="0"/>
                 <a:cs typeface="Consolas" pitchFamily="49" charset="0"/>
               </a:rPr>
-              <a:t>filesystem</a:t>
+              <a:t>tc.wait</a:t>
             </a:r>
             <a:r>
               <a:rPr lang="en-US" sz="2400" dirty="0" smtClean="0">
                 <a:latin typeface="Consolas" pitchFamily="49" charset="0"/>
                 <a:cs typeface="Consolas" pitchFamily="49" charset="0"/>
               </a:rPr>
-              <a:t>::file f = </a:t>
-            </a:r>
-          </a:p>
-          <a:p>
-            <a:pPr marL="0" lvl="3" algn="l"/>
+              <a:t>(saga::</a:t>
+            </a:r>
+            <a:r>
+              <a:rPr lang="en-US" sz="2400" dirty="0" err="1" smtClean="0">
+                <a:latin typeface="Consolas" pitchFamily="49" charset="0"/>
+                <a:cs typeface="Consolas" pitchFamily="49" charset="0"/>
+              </a:rPr>
+              <a:t>task_container</a:t>
+            </a:r>
             <a:r>
               <a:rPr lang="en-US" sz="2400" dirty="0" smtClean="0">
                 <a:latin typeface="Consolas" pitchFamily="49" charset="0"/>
                 <a:cs typeface="Consolas" pitchFamily="49" charset="0"/>
               </a:rPr>
-              <a:t>    </a:t>
-            </a:r>
-            <a:r>
-              <a:rPr lang="en-US" sz="2400" dirty="0" err="1" smtClean="0">
-                <a:latin typeface="Consolas" pitchFamily="49" charset="0"/>
-                <a:cs typeface="Consolas" pitchFamily="49" charset="0"/>
-              </a:rPr>
-              <a:t>t.get_result</a:t>
-            </a:r>
-            <a:r>
-              <a:rPr lang="en-US" sz="2400" dirty="0" smtClean="0">
-                <a:latin typeface="Consolas" pitchFamily="49" charset="0"/>
-                <a:cs typeface="Consolas" pitchFamily="49" charset="0"/>
-              </a:rPr>
-              <a:t>&lt;saga::</a:t>
-            </a:r>
-            <a:r>
-              <a:rPr lang="en-US" sz="2400" dirty="0" err="1" smtClean="0">
-                <a:latin typeface="Consolas" pitchFamily="49" charset="0"/>
-                <a:cs typeface="Consolas" pitchFamily="49" charset="0"/>
-              </a:rPr>
-              <a:t>filesystem</a:t>
-            </a:r>
-            <a:r>
-              <a:rPr lang="en-US" sz="2400" dirty="0" smtClean="0">
-                <a:latin typeface="Consolas" pitchFamily="49" charset="0"/>
-                <a:cs typeface="Consolas" pitchFamily="49" charset="0"/>
-              </a:rPr>
-              <a:t>::file&gt;();</a:t>
+              <a:t>::Any));</a:t>
             </a:r>
           </a:p>
         </p:txBody>
@@ -10744,14 +10958,12 @@
         </p:nvSpPr>
         <p:spPr/>
         <p:txBody>
-          <a:bodyPr>
-            <a:normAutofit/>
-          </a:bodyPr>
+          <a:bodyPr/>
           <a:lstStyle/>
           <a:p>
             <a:r>
               <a:rPr lang="en-US" dirty="0" smtClean="0"/>
-              <a:t>Task container</a:t>
+              <a:t>Error Handling</a:t>
             </a:r>
             <a:endParaRPr lang="en-US" dirty="0"/>
           </a:p>
@@ -10774,7 +10986,28 @@
           <a:p>
             <a:r>
               <a:rPr lang="en-US" dirty="0" smtClean="0"/>
-              <a:t>Special container allowing to handle many tasks as one</a:t>
+              <a:t>Error handling is currently purely exception based</a:t>
+            </a:r>
+          </a:p>
+          <a:p>
+            <a:endParaRPr lang="en-US" dirty="0" smtClean="0"/>
+          </a:p>
+          <a:p>
+            <a:endParaRPr lang="en-US" dirty="0" smtClean="0"/>
+          </a:p>
+          <a:p>
+            <a:endParaRPr lang="en-US" dirty="0" smtClean="0"/>
+          </a:p>
+          <a:p>
+            <a:endParaRPr lang="en-US" dirty="0" smtClean="0"/>
+          </a:p>
+          <a:p>
+            <a:endParaRPr lang="en-US" dirty="0" smtClean="0"/>
+          </a:p>
+          <a:p>
+            <a:r>
+              <a:rPr lang="en-US" dirty="0" smtClean="0"/>
+              <a:t>Also:</a:t>
             </a:r>
           </a:p>
           <a:p>
@@ -10861,7 +11094,7 @@
         <p:spPr>
           <a:xfrm>
             <a:off x="825500" y="2667000"/>
-            <a:ext cx="11353800" cy="5262979"/>
+            <a:ext cx="11353800" cy="2677656"/>
           </a:xfrm>
           <a:prstGeom prst="rect">
             <a:avLst/>
@@ -10892,7 +11125,7 @@
                 <a:latin typeface="Consolas" pitchFamily="49" charset="0"/>
                 <a:cs typeface="Consolas" pitchFamily="49" charset="0"/>
               </a:rPr>
-              <a:t>// create a list of tasks to run jobs</a:t>
+              <a:t>try {</a:t>
             </a:r>
           </a:p>
           <a:p>
@@ -10902,324 +11135,253 @@
                 <a:latin typeface="Consolas" pitchFamily="49" charset="0"/>
                 <a:cs typeface="Consolas" pitchFamily="49" charset="0"/>
               </a:rPr>
-              <a:t>saga::job::service </a:t>
+              <a:t>    saga::</a:t>
             </a:r>
             <a:r>
               <a:rPr lang="en-US" sz="2400" dirty="0" err="1" smtClean="0">
                 <a:latin typeface="Consolas" pitchFamily="49" charset="0"/>
                 <a:cs typeface="Consolas" pitchFamily="49" charset="0"/>
               </a:rPr>
-              <a:t>js</a:t>
+              <a:t>filesystem:file</a:t>
             </a:r>
             <a:r>
               <a:rPr lang="en-US" sz="2400" dirty="0" smtClean="0">
                 <a:latin typeface="Consolas" pitchFamily="49" charset="0"/>
                 <a:cs typeface="Consolas" pitchFamily="49" charset="0"/>
               </a:rPr>
-              <a:t>("</a:t>
+              <a:t> f("non-existing file");</a:t>
+            </a:r>
+          </a:p>
+          <a:p>
+            <a:pPr marL="0" lvl="3" algn="l"/>
+            <a:r>
+              <a:rPr lang="en-US" sz="2400" dirty="0" smtClean="0">
+                <a:latin typeface="Consolas" pitchFamily="49" charset="0"/>
+                <a:cs typeface="Consolas" pitchFamily="49" charset="0"/>
+              </a:rPr>
+              <a:t>    // …</a:t>
+            </a:r>
+          </a:p>
+          <a:p>
+            <a:pPr marL="0" lvl="3" algn="l"/>
+            <a:r>
+              <a:rPr lang="en-US" sz="2400" dirty="0" smtClean="0">
+                <a:latin typeface="Consolas" pitchFamily="49" charset="0"/>
+                <a:cs typeface="Consolas" pitchFamily="49" charset="0"/>
+              </a:rPr>
+              <a:t>}</a:t>
+            </a:r>
+          </a:p>
+          <a:p>
+            <a:pPr marL="0" lvl="3" algn="l"/>
+            <a:r>
+              <a:rPr lang="en-US" sz="2400" dirty="0" smtClean="0">
+                <a:latin typeface="Consolas" pitchFamily="49" charset="0"/>
+                <a:cs typeface="Consolas" pitchFamily="49" charset="0"/>
+              </a:rPr>
+              <a:t>catch (saga::exception const&amp; e) {</a:t>
+            </a:r>
+          </a:p>
+          <a:p>
+            <a:pPr marL="0" lvl="3" algn="l"/>
+            <a:r>
+              <a:rPr lang="en-US" sz="2400" dirty="0" smtClean="0">
+                <a:latin typeface="Consolas" pitchFamily="49" charset="0"/>
+                <a:cs typeface="Consolas" pitchFamily="49" charset="0"/>
+              </a:rPr>
+              <a:t>    std::</a:t>
             </a:r>
             <a:r>
               <a:rPr lang="en-US" sz="2400" dirty="0" err="1" smtClean="0">
                 <a:latin typeface="Consolas" pitchFamily="49" charset="0"/>
                 <a:cs typeface="Consolas" pitchFamily="49" charset="0"/>
               </a:rPr>
-              <a:t>somehost</a:t>
+              <a:t>cerr</a:t>
             </a:r>
             <a:r>
               <a:rPr lang="en-US" sz="2400" dirty="0" smtClean="0">
                 <a:latin typeface="Consolas" pitchFamily="49" charset="0"/>
                 <a:cs typeface="Consolas" pitchFamily="49" charset="0"/>
               </a:rPr>
-              <a:t>");</a:t>
-            </a:r>
-          </a:p>
-          <a:p>
-            <a:pPr marL="0" lvl="3" algn="l"/>
+              <a:t> &lt;&lt; </a:t>
+            </a:r>
+            <a:r>
+              <a:rPr lang="en-US" sz="2400" dirty="0" err="1" smtClean="0">
+                <a:latin typeface="Consolas" pitchFamily="49" charset="0"/>
+                <a:cs typeface="Consolas" pitchFamily="49" charset="0"/>
+              </a:rPr>
+              <a:t>e.what</a:t>
+            </a:r>
             <a:r>
               <a:rPr lang="en-US" sz="2400" dirty="0" smtClean="0">
                 <a:latin typeface="Consolas" pitchFamily="49" charset="0"/>
                 <a:cs typeface="Consolas" pitchFamily="49" charset="0"/>
               </a:rPr>
-              <a:t>saga::</a:t>
+              <a:t>() &lt;&lt; std::</a:t>
             </a:r>
             <a:r>
               <a:rPr lang="en-US" sz="2400" dirty="0" err="1" smtClean="0">
                 <a:latin typeface="Consolas" pitchFamily="49" charset="0"/>
                 <a:cs typeface="Consolas" pitchFamily="49" charset="0"/>
               </a:rPr>
-              <a:t>task_container</a:t>
+              <a:t>endl</a:t>
             </a:r>
             <a:r>
               <a:rPr lang="en-US" sz="2400" dirty="0" smtClean="0">
                 <a:latin typeface="Consolas" pitchFamily="49" charset="0"/>
                 <a:cs typeface="Consolas" pitchFamily="49" charset="0"/>
               </a:rPr>
-              <a:t> </a:t>
-            </a:r>
+              <a:t>;</a:t>
+            </a:r>
+          </a:p>
+          <a:p>
+            <a:pPr marL="0" lvl="3" algn="l"/>
+            <a:r>
+              <a:rPr lang="en-US" sz="2400" dirty="0" smtClean="0">
+                <a:latin typeface="Consolas" pitchFamily="49" charset="0"/>
+                <a:cs typeface="Consolas" pitchFamily="49" charset="0"/>
+              </a:rPr>
+              <a:t>}</a:t>
+            </a:r>
+          </a:p>
+        </p:txBody>
+      </p:sp>
+      <p:sp>
+        <p:nvSpPr>
+          <p:cNvPr id="8" name="TextBox 7"/>
+          <p:cNvSpPr txBox="1"/>
+          <p:nvPr/>
+        </p:nvSpPr>
+        <p:spPr>
+          <a:xfrm>
+            <a:off x="863600" y="6472535"/>
+            <a:ext cx="11353800" cy="1938992"/>
+          </a:xfrm>
+          <a:prstGeom prst="rect">
+            <a:avLst/>
+          </a:prstGeom>
+          <a:solidFill>
+            <a:schemeClr val="accent1">
+              <a:lumMod val="40000"/>
+              <a:lumOff val="60000"/>
+            </a:schemeClr>
+          </a:solidFill>
+          <a:effectLst>
+            <a:outerShdw blurRad="50800" dist="38100" dir="2700000" algn="tl" rotWithShape="0">
+              <a:prstClr val="black">
+                <a:alpha val="40000"/>
+              </a:prstClr>
+            </a:outerShdw>
+          </a:effectLst>
+        </p:spPr>
+        <p:txBody>
+          <a:bodyPr wrap="square" rtlCol="0" anchor="t">
+            <a:spAutoFit/>
+          </a:bodyPr>
+          <a:lstStyle/>
+          <a:p>
+            <a:pPr marL="0" lvl="3" algn="l">
+              <a:tabLst>
+                <a:tab pos="4572000" algn="l"/>
+              </a:tabLst>
+            </a:pPr>
             <a:r>
               <a:rPr lang="en-US" sz="2400" dirty="0" err="1" smtClean="0">
                 <a:latin typeface="Consolas" pitchFamily="49" charset="0"/>
                 <a:cs typeface="Consolas" pitchFamily="49" charset="0"/>
               </a:rPr>
-              <a:t>tc</a:t>
+              <a:t>e.get_error</a:t>
             </a:r>
             <a:r>
               <a:rPr lang="en-US" sz="2400" dirty="0" smtClean="0">
                 <a:latin typeface="Consolas" pitchFamily="49" charset="0"/>
                 <a:cs typeface="Consolas" pitchFamily="49" charset="0"/>
               </a:rPr>
-              <a:t>;</a:t>
-            </a:r>
-          </a:p>
-          <a:p>
-            <a:pPr marL="0" lvl="3" algn="l"/>
+              <a:t>();	// error code</a:t>
+            </a:r>
+          </a:p>
+          <a:p>
+            <a:pPr marL="0" lvl="3" algn="l">
+              <a:tabLst>
+                <a:tab pos="4572000" algn="l"/>
+              </a:tabLst>
+            </a:pPr>
+            <a:r>
+              <a:rPr lang="en-US" sz="2400" dirty="0" err="1" smtClean="0">
+                <a:latin typeface="Consolas" pitchFamily="49" charset="0"/>
+                <a:cs typeface="Consolas" pitchFamily="49" charset="0"/>
+              </a:rPr>
+              <a:t>e.get_message</a:t>
+            </a:r>
             <a:r>
               <a:rPr lang="en-US" sz="2400" dirty="0" smtClean="0">
                 <a:latin typeface="Consolas" pitchFamily="49" charset="0"/>
                 <a:cs typeface="Consolas" pitchFamily="49" charset="0"/>
               </a:rPr>
-              <a:t>for (</a:t>
-            </a:r>
+              <a:t>();	// top level message</a:t>
+            </a:r>
+          </a:p>
+          <a:p>
+            <a:pPr marL="0" lvl="3" algn="l">
+              <a:tabLst>
+                <a:tab pos="4572000" algn="l"/>
+              </a:tabLst>
+            </a:pPr>
             <a:r>
               <a:rPr lang="en-US" sz="2400" dirty="0" err="1" smtClean="0">
                 <a:latin typeface="Consolas" pitchFamily="49" charset="0"/>
                 <a:cs typeface="Consolas" pitchFamily="49" charset="0"/>
               </a:rPr>
-              <a:t>int</a:t>
+              <a:t>e.get_object</a:t>
             </a:r>
             <a:r>
               <a:rPr lang="en-US" sz="2400" dirty="0" smtClean="0">
                 <a:latin typeface="Consolas" pitchFamily="49" charset="0"/>
                 <a:cs typeface="Consolas" pitchFamily="49" charset="0"/>
               </a:rPr>
-              <a:t> </a:t>
-            </a:r>
+              <a:t>();	// get failing API object</a:t>
+            </a:r>
+          </a:p>
+          <a:p>
+            <a:pPr marL="0" lvl="3" algn="l">
+              <a:tabLst>
+                <a:tab pos="4572000" algn="l"/>
+              </a:tabLst>
+            </a:pPr>
             <a:r>
               <a:rPr lang="en-US" sz="2400" dirty="0" err="1" smtClean="0">
                 <a:latin typeface="Consolas" pitchFamily="49" charset="0"/>
                 <a:cs typeface="Consolas" pitchFamily="49" charset="0"/>
               </a:rPr>
-              <a:t>i</a:t>
+              <a:t>e.get_all_exceptions</a:t>
             </a:r>
             <a:r>
               <a:rPr lang="en-US" sz="2400" dirty="0" smtClean="0">
                 <a:latin typeface="Consolas" pitchFamily="49" charset="0"/>
                 <a:cs typeface="Consolas" pitchFamily="49" charset="0"/>
               </a:rPr>
-              <a:t> = 0; </a:t>
-            </a:r>
+              <a:t>();	// get list of exceptions</a:t>
+            </a:r>
+          </a:p>
+          <a:p>
+            <a:pPr marL="0" lvl="3" algn="l">
+              <a:tabLst>
+                <a:tab pos="4572000" algn="l"/>
+              </a:tabLst>
+            </a:pPr>
             <a:r>
               <a:rPr lang="en-US" sz="2400" dirty="0" err="1" smtClean="0">
                 <a:latin typeface="Consolas" pitchFamily="49" charset="0"/>
                 <a:cs typeface="Consolas" pitchFamily="49" charset="0"/>
               </a:rPr>
-              <a:t>i</a:t>
+              <a:t>e.get_all_messages</a:t>
             </a:r>
             <a:r>
               <a:rPr lang="en-US" sz="2400" dirty="0" smtClean="0">
                 <a:latin typeface="Consolas" pitchFamily="49" charset="0"/>
                 <a:cs typeface="Consolas" pitchFamily="49" charset="0"/>
               </a:rPr>
-              <a:t> &lt; num; ++</a:t>
-            </a:r>
-            <a:r>
-              <a:rPr lang="en-US" sz="2400" dirty="0" err="1" smtClean="0">
-                <a:latin typeface="Consolas" pitchFamily="49" charset="0"/>
-                <a:cs typeface="Consolas" pitchFamily="49" charset="0"/>
-              </a:rPr>
-              <a:t>i</a:t>
-            </a:r>
-            <a:r>
-              <a:rPr lang="en-US" sz="2400" dirty="0" smtClean="0">
-                <a:latin typeface="Consolas" pitchFamily="49" charset="0"/>
-                <a:cs typeface="Consolas" pitchFamily="49" charset="0"/>
-              </a:rPr>
-              <a:t>)</a:t>
-            </a:r>
-          </a:p>
-          <a:p>
-            <a:pPr marL="0" lvl="3" algn="l"/>
-            <a:r>
-              <a:rPr lang="en-US" sz="2400" dirty="0" smtClean="0">
-                <a:latin typeface="Consolas" pitchFamily="49" charset="0"/>
-                <a:cs typeface="Consolas" pitchFamily="49" charset="0"/>
-              </a:rPr>
-              <a:t>{</a:t>
-            </a:r>
-          </a:p>
-          <a:p>
-            <a:pPr marL="0" lvl="3" algn="l"/>
-            <a:r>
-              <a:rPr lang="en-US" sz="2400" dirty="0" smtClean="0">
-                <a:latin typeface="Consolas" pitchFamily="49" charset="0"/>
-                <a:cs typeface="Consolas" pitchFamily="49" charset="0"/>
-              </a:rPr>
-              <a:t>    </a:t>
-            </a:r>
-            <a:r>
-              <a:rPr lang="en-US" sz="2400" dirty="0" err="1" smtClean="0">
-                <a:latin typeface="Consolas" pitchFamily="49" charset="0"/>
-                <a:cs typeface="Consolas" pitchFamily="49" charset="0"/>
-              </a:rPr>
-              <a:t>tc.add_task</a:t>
-            </a:r>
-            <a:r>
-              <a:rPr lang="en-US" sz="2400" dirty="0" smtClean="0">
-                <a:latin typeface="Consolas" pitchFamily="49" charset="0"/>
-                <a:cs typeface="Consolas" pitchFamily="49" charset="0"/>
-              </a:rPr>
-              <a:t>(</a:t>
-            </a:r>
-            <a:r>
-              <a:rPr lang="en-US" sz="2400" dirty="0" err="1" smtClean="0">
-                <a:latin typeface="Consolas" pitchFamily="49" charset="0"/>
-                <a:cs typeface="Consolas" pitchFamily="49" charset="0"/>
-              </a:rPr>
-              <a:t>js.run_job</a:t>
-            </a:r>
-            <a:r>
-              <a:rPr lang="en-US" sz="2400" dirty="0" smtClean="0">
-                <a:latin typeface="Consolas" pitchFamily="49" charset="0"/>
-                <a:cs typeface="Consolas" pitchFamily="49" charset="0"/>
-              </a:rPr>
-              <a:t>&lt;Task&gt;(execs[</a:t>
-            </a:r>
-            <a:r>
-              <a:rPr lang="en-US" sz="2400" dirty="0" err="1" smtClean="0">
-                <a:latin typeface="Consolas" pitchFamily="49" charset="0"/>
-                <a:cs typeface="Consolas" pitchFamily="49" charset="0"/>
-              </a:rPr>
-              <a:t>i</a:t>
-            </a:r>
-            <a:r>
-              <a:rPr lang="en-US" sz="2400" dirty="0" smtClean="0">
-                <a:latin typeface="Consolas" pitchFamily="49" charset="0"/>
-                <a:cs typeface="Consolas" pitchFamily="49" charset="0"/>
-              </a:rPr>
-              <a:t>], hosts[</a:t>
-            </a:r>
-            <a:r>
-              <a:rPr lang="en-US" sz="2400" dirty="0" err="1" smtClean="0">
-                <a:latin typeface="Consolas" pitchFamily="49" charset="0"/>
-                <a:cs typeface="Consolas" pitchFamily="49" charset="0"/>
-              </a:rPr>
-              <a:t>i</a:t>
-            </a:r>
-            <a:r>
-              <a:rPr lang="en-US" sz="2400" dirty="0" smtClean="0">
-                <a:latin typeface="Consolas" pitchFamily="49" charset="0"/>
-                <a:cs typeface="Consolas" pitchFamily="49" charset="0"/>
-              </a:rPr>
-              <a:t>]));</a:t>
-            </a:r>
-          </a:p>
-          <a:p>
-            <a:pPr marL="0" lvl="3" algn="l"/>
-            <a:r>
-              <a:rPr lang="en-US" sz="2400" dirty="0" smtClean="0">
-                <a:latin typeface="Consolas" pitchFamily="49" charset="0"/>
-                <a:cs typeface="Consolas" pitchFamily="49" charset="0"/>
-              </a:rPr>
-              <a:t>}</a:t>
-            </a:r>
-          </a:p>
-          <a:p>
-            <a:pPr marL="0" lvl="3" algn="l"/>
-            <a:endParaRPr lang="en-US" sz="2400" dirty="0" smtClean="0">
-              <a:latin typeface="Consolas" pitchFamily="49" charset="0"/>
-              <a:cs typeface="Consolas" pitchFamily="49" charset="0"/>
-            </a:endParaRPr>
-          </a:p>
-          <a:p>
-            <a:pPr marL="0" lvl="3" algn="l"/>
-            <a:r>
-              <a:rPr lang="en-US" sz="2400" dirty="0" smtClean="0">
-                <a:latin typeface="Consolas" pitchFamily="49" charset="0"/>
-                <a:cs typeface="Consolas" pitchFamily="49" charset="0"/>
-              </a:rPr>
-              <a:t>// execute tasks</a:t>
-            </a:r>
-          </a:p>
-          <a:p>
-            <a:pPr marL="0" lvl="3" algn="l"/>
-            <a:r>
-              <a:rPr lang="en-US" sz="2400" dirty="0" err="1" smtClean="0">
-                <a:latin typeface="Consolas" pitchFamily="49" charset="0"/>
-                <a:cs typeface="Consolas" pitchFamily="49" charset="0"/>
-              </a:rPr>
-              <a:t>tc.run</a:t>
-            </a:r>
-            <a:r>
-              <a:rPr lang="en-US" sz="2400" dirty="0" smtClean="0">
-                <a:latin typeface="Consolas" pitchFamily="49" charset="0"/>
-                <a:cs typeface="Consolas" pitchFamily="49" charset="0"/>
-              </a:rPr>
-              <a:t>();</a:t>
-            </a:r>
-          </a:p>
-          <a:p>
-            <a:pPr marL="0" lvl="3" algn="l"/>
-            <a:endParaRPr lang="en-US" sz="2400" dirty="0" smtClean="0">
-              <a:latin typeface="Consolas" pitchFamily="49" charset="0"/>
-              <a:cs typeface="Consolas" pitchFamily="49" charset="0"/>
-            </a:endParaRPr>
-          </a:p>
-          <a:p>
-            <a:pPr marL="0" lvl="3" algn="l"/>
-            <a:r>
-              <a:rPr lang="en-US" sz="2400" dirty="0" smtClean="0">
-                <a:latin typeface="Consolas" pitchFamily="49" charset="0"/>
-                <a:cs typeface="Consolas" pitchFamily="49" charset="0"/>
-              </a:rPr>
-              <a:t>// wait for any of the tasks to finish</a:t>
-            </a:r>
-          </a:p>
-          <a:p>
-            <a:pPr marL="0" lvl="3" algn="l"/>
-            <a:r>
-              <a:rPr lang="en-US" sz="2400" dirty="0" smtClean="0">
-                <a:latin typeface="Consolas" pitchFamily="49" charset="0"/>
-                <a:cs typeface="Consolas" pitchFamily="49" charset="0"/>
-              </a:rPr>
-              <a:t>std::vector&lt;saga::task&gt; finished = </a:t>
-            </a:r>
-          </a:p>
-          <a:p>
-            <a:pPr marL="0" lvl="3" algn="l"/>
-            <a:r>
-              <a:rPr lang="en-US" sz="2400" dirty="0" smtClean="0">
-                <a:latin typeface="Consolas" pitchFamily="49" charset="0"/>
-                <a:cs typeface="Consolas" pitchFamily="49" charset="0"/>
-              </a:rPr>
-              <a:t>    </a:t>
-            </a:r>
-            <a:r>
-              <a:rPr lang="en-US" sz="2400" dirty="0" err="1" smtClean="0">
-                <a:latin typeface="Consolas" pitchFamily="49" charset="0"/>
-                <a:cs typeface="Consolas" pitchFamily="49" charset="0"/>
-              </a:rPr>
-              <a:t>tc.wait</a:t>
-            </a:r>
-            <a:r>
-              <a:rPr lang="en-US" sz="2400" dirty="0" smtClean="0">
-                <a:latin typeface="Consolas" pitchFamily="49" charset="0"/>
-                <a:cs typeface="Consolas" pitchFamily="49" charset="0"/>
-              </a:rPr>
-              <a:t>(saga::</a:t>
-            </a:r>
-            <a:r>
-              <a:rPr lang="en-US" sz="2400" dirty="0" err="1" smtClean="0">
-                <a:latin typeface="Consolas" pitchFamily="49" charset="0"/>
-                <a:cs typeface="Consolas" pitchFamily="49" charset="0"/>
-              </a:rPr>
-              <a:t>task_container</a:t>
-            </a:r>
-            <a:r>
-              <a:rPr lang="en-US" sz="2400" dirty="0" smtClean="0">
-                <a:latin typeface="Consolas" pitchFamily="49" charset="0"/>
-                <a:cs typeface="Consolas" pitchFamily="49" charset="0"/>
-              </a:rPr>
-              <a:t>::Any));</a:t>
+              <a:t>();	// get list of messages</a:t>
             </a:r>
           </a:p>
         </p:txBody>
@@ -11251,471 +11413,6 @@
       </p:grpSpPr>
       <p:sp>
         <p:nvSpPr>
-          <p:cNvPr id="2" name="Title 1"/>
-          <p:cNvSpPr>
-            <a:spLocks noGrp="1"/>
-          </p:cNvSpPr>
-          <p:nvPr>
-            <p:ph type="title"/>
-          </p:nvPr>
-        </p:nvSpPr>
-        <p:spPr/>
-        <p:txBody>
-          <a:bodyPr/>
-          <a:lstStyle/>
-          <a:p>
-            <a:r>
-              <a:rPr lang="en-US" dirty="0" smtClean="0"/>
-              <a:t>Error Handling</a:t>
-            </a:r>
-            <a:endParaRPr lang="en-US" dirty="0"/>
-          </a:p>
-        </p:txBody>
-      </p:sp>
-      <p:sp>
-        <p:nvSpPr>
-          <p:cNvPr id="3" name="Content Placeholder 2"/>
-          <p:cNvSpPr>
-            <a:spLocks noGrp="1"/>
-          </p:cNvSpPr>
-          <p:nvPr>
-            <p:ph sz="quarter" idx="1"/>
-          </p:nvPr>
-        </p:nvSpPr>
-        <p:spPr/>
-        <p:txBody>
-          <a:bodyPr/>
-          <a:lstStyle/>
-          <a:p>
-            <a:r>
-              <a:rPr lang="en-US" dirty="0" smtClean="0"/>
-              <a:t>Error handling is currently purely exception based</a:t>
-            </a:r>
-          </a:p>
-          <a:p>
-            <a:endParaRPr lang="en-US" dirty="0" smtClean="0"/>
-          </a:p>
-          <a:p>
-            <a:endParaRPr lang="en-US" dirty="0" smtClean="0"/>
-          </a:p>
-          <a:p>
-            <a:endParaRPr lang="en-US" dirty="0" smtClean="0"/>
-          </a:p>
-          <a:p>
-            <a:endParaRPr lang="en-US" dirty="0" smtClean="0"/>
-          </a:p>
-          <a:p>
-            <a:endParaRPr lang="en-US" dirty="0" smtClean="0"/>
-          </a:p>
-          <a:p>
-            <a:r>
-              <a:rPr lang="en-US" dirty="0" smtClean="0"/>
-              <a:t>Also:</a:t>
-            </a:r>
-          </a:p>
-          <a:p>
-            <a:endParaRPr lang="en-US" dirty="0"/>
-          </a:p>
-        </p:txBody>
-      </p:sp>
-      <p:sp>
-        <p:nvSpPr>
-          <p:cNvPr id="4" name="Date Placeholder 3"/>
-          <p:cNvSpPr>
-            <a:spLocks noGrp="1"/>
-          </p:cNvSpPr>
-          <p:nvPr>
-            <p:ph type="dt" sz="half" idx="2"/>
-          </p:nvPr>
-        </p:nvSpPr>
-        <p:spPr/>
-        <p:txBody>
-          <a:bodyPr/>
-          <a:lstStyle/>
-          <a:p>
-            <a:r>
-              <a:rPr lang="en-US" smtClean="0"/>
-              <a:t>September 3rd/4th, 2009</a:t>
-            </a:r>
-            <a:endParaRPr lang="en-US" dirty="0"/>
-          </a:p>
-        </p:txBody>
-      </p:sp>
-      <p:sp>
-        <p:nvSpPr>
-          <p:cNvPr id="5" name="Footer Placeholder 4"/>
-          <p:cNvSpPr>
-            <a:spLocks noGrp="1"/>
-          </p:cNvSpPr>
-          <p:nvPr>
-            <p:ph type="ftr" sz="quarter" idx="3"/>
-          </p:nvPr>
-        </p:nvSpPr>
-        <p:spPr/>
-        <p:txBody>
-          <a:bodyPr/>
-          <a:lstStyle/>
-          <a:p>
-            <a:r>
-              <a:rPr lang="en-US" smtClean="0"/>
-              <a:t>NeSC SAGA Tutorial</a:t>
-            </a:r>
-            <a:endParaRPr lang="en-US" dirty="0"/>
-          </a:p>
-        </p:txBody>
-      </p:sp>
-      <p:sp>
-        <p:nvSpPr>
-          <p:cNvPr id="6" name="Slide Number Placeholder 5"/>
-          <p:cNvSpPr>
-            <a:spLocks noGrp="1"/>
-          </p:cNvSpPr>
-          <p:nvPr>
-            <p:ph type="sldNum" sz="quarter" idx="4"/>
-          </p:nvPr>
-        </p:nvSpPr>
-        <p:spPr/>
-        <p:txBody>
-          <a:bodyPr/>
-          <a:lstStyle/>
-          <a:p>
-            <a:fld id="{7A426C1A-D210-4B4B-86AA-6AEDDDCCF5FF}" type="slidenum">
-              <a:rPr lang="en-US" smtClean="0"/>
-              <a:pPr/>
-              <a:t>26</a:t>
-            </a:fld>
-            <a:endParaRPr lang="en-US"/>
-          </a:p>
-        </p:txBody>
-      </p:sp>
-      <p:sp>
-        <p:nvSpPr>
-          <p:cNvPr id="7" name="TextBox 6"/>
-          <p:cNvSpPr txBox="1"/>
-          <p:nvPr/>
-        </p:nvSpPr>
-        <p:spPr>
-          <a:xfrm>
-            <a:off x="825500" y="2667000"/>
-            <a:ext cx="11353800" cy="2677656"/>
-          </a:xfrm>
-          <a:prstGeom prst="rect">
-            <a:avLst/>
-          </a:prstGeom>
-          <a:solidFill>
-            <a:schemeClr val="accent1">
-              <a:lumMod val="40000"/>
-              <a:lumOff val="60000"/>
-            </a:schemeClr>
-          </a:solidFill>
-          <a:effectLst>
-            <a:outerShdw blurRad="50800" dist="38100" dir="2700000" algn="tl" rotWithShape="0">
-              <a:prstClr val="black">
-                <a:alpha val="40000"/>
-              </a:prstClr>
-            </a:outerShdw>
-          </a:effectLst>
-        </p:spPr>
-        <p:txBody>
-          <a:bodyPr wrap="square" rtlCol="0" anchor="t">
-            <a:spAutoFit/>
-          </a:bodyPr>
-          <a:lstStyle/>
-          <a:p>
-            <a:pPr marL="0" lvl="3" algn="l"/>
-            <a:r>
-              <a:rPr lang="en-US" sz="2400" dirty="0" smtClean="0">
-                <a:latin typeface="Consolas" pitchFamily="49" charset="0"/>
-                <a:cs typeface="Consolas" pitchFamily="49" charset="0"/>
-              </a:rPr>
-              <a:t>try {</a:t>
-            </a:r>
-          </a:p>
-          <a:p>
-            <a:pPr marL="0" lvl="3" algn="l"/>
-            <a:r>
-              <a:rPr lang="en-US" sz="2400" dirty="0" smtClean="0">
-                <a:latin typeface="Consolas" pitchFamily="49" charset="0"/>
-                <a:cs typeface="Consolas" pitchFamily="49" charset="0"/>
-              </a:rPr>
-              <a:t>    saga::</a:t>
-            </a:r>
-            <a:r>
-              <a:rPr lang="en-US" sz="2400" dirty="0" err="1" smtClean="0">
-                <a:latin typeface="Consolas" pitchFamily="49" charset="0"/>
-                <a:cs typeface="Consolas" pitchFamily="49" charset="0"/>
-              </a:rPr>
-              <a:t>filesystem:file</a:t>
-            </a:r>
-            <a:r>
-              <a:rPr lang="en-US" sz="2400" dirty="0" smtClean="0">
-                <a:latin typeface="Consolas" pitchFamily="49" charset="0"/>
-                <a:cs typeface="Consolas" pitchFamily="49" charset="0"/>
-              </a:rPr>
-              <a:t> f("non-existing file");</a:t>
-            </a:r>
-          </a:p>
-          <a:p>
-            <a:pPr marL="0" lvl="3" algn="l"/>
-            <a:r>
-              <a:rPr lang="en-US" sz="2400" dirty="0" smtClean="0">
-                <a:latin typeface="Consolas" pitchFamily="49" charset="0"/>
-                <a:cs typeface="Consolas" pitchFamily="49" charset="0"/>
-              </a:rPr>
-              <a:t>    // …</a:t>
-            </a:r>
-          </a:p>
-          <a:p>
-            <a:pPr marL="0" lvl="3" algn="l"/>
-            <a:r>
-              <a:rPr lang="en-US" sz="2400" dirty="0" smtClean="0">
-                <a:latin typeface="Consolas" pitchFamily="49" charset="0"/>
-                <a:cs typeface="Consolas" pitchFamily="49" charset="0"/>
-              </a:rPr>
-              <a:t>}</a:t>
-            </a:r>
-          </a:p>
-          <a:p>
-            <a:pPr marL="0" lvl="3" algn="l"/>
-            <a:r>
-              <a:rPr lang="en-US" sz="2400" dirty="0" smtClean="0">
-                <a:latin typeface="Consolas" pitchFamily="49" charset="0"/>
-                <a:cs typeface="Consolas" pitchFamily="49" charset="0"/>
-              </a:rPr>
-              <a:t>catch (saga::exception const&amp; e) {</a:t>
-            </a:r>
-          </a:p>
-          <a:p>
-            <a:pPr marL="0" lvl="3" algn="l"/>
-            <a:r>
-              <a:rPr lang="en-US" sz="2400" dirty="0" smtClean="0">
-                <a:latin typeface="Consolas" pitchFamily="49" charset="0"/>
-                <a:cs typeface="Consolas" pitchFamily="49" charset="0"/>
-              </a:rPr>
-              <a:t>    std::</a:t>
-            </a:r>
-            <a:r>
-              <a:rPr lang="en-US" sz="2400" dirty="0" err="1" smtClean="0">
-                <a:latin typeface="Consolas" pitchFamily="49" charset="0"/>
-                <a:cs typeface="Consolas" pitchFamily="49" charset="0"/>
-              </a:rPr>
-              <a:t>cerr</a:t>
-            </a:r>
-            <a:r>
-              <a:rPr lang="en-US" sz="2400" dirty="0" smtClean="0">
-                <a:latin typeface="Consolas" pitchFamily="49" charset="0"/>
-                <a:cs typeface="Consolas" pitchFamily="49" charset="0"/>
-              </a:rPr>
-              <a:t> &lt;&lt; </a:t>
-            </a:r>
-            <a:r>
-              <a:rPr lang="en-US" sz="2400" dirty="0" err="1" smtClean="0">
-                <a:latin typeface="Consolas" pitchFamily="49" charset="0"/>
-                <a:cs typeface="Consolas" pitchFamily="49" charset="0"/>
-              </a:rPr>
-              <a:t>e.what</a:t>
-            </a:r>
-            <a:r>
-              <a:rPr lang="en-US" sz="2400" dirty="0" smtClean="0">
-                <a:latin typeface="Consolas" pitchFamily="49" charset="0"/>
-                <a:cs typeface="Consolas" pitchFamily="49" charset="0"/>
-              </a:rPr>
-              <a:t>() &lt;&lt; std::</a:t>
-            </a:r>
-            <a:r>
-              <a:rPr lang="en-US" sz="2400" dirty="0" err="1" smtClean="0">
-                <a:latin typeface="Consolas" pitchFamily="49" charset="0"/>
-                <a:cs typeface="Consolas" pitchFamily="49" charset="0"/>
-              </a:rPr>
-              <a:t>endl</a:t>
-            </a:r>
-            <a:r>
-              <a:rPr lang="en-US" sz="2400" dirty="0" smtClean="0">
-                <a:latin typeface="Consolas" pitchFamily="49" charset="0"/>
-                <a:cs typeface="Consolas" pitchFamily="49" charset="0"/>
-              </a:rPr>
-              <a:t>;</a:t>
-            </a:r>
-          </a:p>
-          <a:p>
-            <a:pPr marL="0" lvl="3" algn="l"/>
-            <a:r>
-              <a:rPr lang="en-US" sz="2400" dirty="0" smtClean="0">
-                <a:latin typeface="Consolas" pitchFamily="49" charset="0"/>
-                <a:cs typeface="Consolas" pitchFamily="49" charset="0"/>
-              </a:rPr>
-              <a:t>}</a:t>
-            </a:r>
-          </a:p>
-        </p:txBody>
-      </p:sp>
-      <p:sp>
-        <p:nvSpPr>
-          <p:cNvPr id="8" name="TextBox 7"/>
-          <p:cNvSpPr txBox="1"/>
-          <p:nvPr/>
-        </p:nvSpPr>
-        <p:spPr>
-          <a:xfrm>
-            <a:off x="863600" y="6472535"/>
-            <a:ext cx="11353800" cy="1938992"/>
-          </a:xfrm>
-          <a:prstGeom prst="rect">
-            <a:avLst/>
-          </a:prstGeom>
-          <a:solidFill>
-            <a:schemeClr val="accent1">
-              <a:lumMod val="40000"/>
-              <a:lumOff val="60000"/>
-            </a:schemeClr>
-          </a:solidFill>
-          <a:effectLst>
-            <a:outerShdw blurRad="50800" dist="38100" dir="2700000" algn="tl" rotWithShape="0">
-              <a:prstClr val="black">
-                <a:alpha val="40000"/>
-              </a:prstClr>
-            </a:outerShdw>
-          </a:effectLst>
-        </p:spPr>
-        <p:txBody>
-          <a:bodyPr wrap="square" rtlCol="0" anchor="t">
-            <a:spAutoFit/>
-          </a:bodyPr>
-          <a:lstStyle/>
-          <a:p>
-            <a:pPr marL="0" lvl="3" algn="l">
-              <a:tabLst>
-                <a:tab pos="4572000" algn="l"/>
-              </a:tabLst>
-            </a:pPr>
-            <a:r>
-              <a:rPr lang="en-US" sz="2400" dirty="0" err="1" smtClean="0">
-                <a:latin typeface="Consolas" pitchFamily="49" charset="0"/>
-                <a:cs typeface="Consolas" pitchFamily="49" charset="0"/>
-              </a:rPr>
-              <a:t>e.get_error</a:t>
-            </a:r>
-            <a:r>
-              <a:rPr lang="en-US" sz="2400" dirty="0" smtClean="0">
-                <a:latin typeface="Consolas" pitchFamily="49" charset="0"/>
-                <a:cs typeface="Consolas" pitchFamily="49" charset="0"/>
-              </a:rPr>
-              <a:t>();	// error code</a:t>
-            </a:r>
-          </a:p>
-          <a:p>
-            <a:pPr marL="0" lvl="3" algn="l">
-              <a:tabLst>
-                <a:tab pos="4572000" algn="l"/>
-              </a:tabLst>
-            </a:pPr>
-            <a:r>
-              <a:rPr lang="en-US" sz="2400" dirty="0" err="1" smtClean="0">
-                <a:latin typeface="Consolas" pitchFamily="49" charset="0"/>
-                <a:cs typeface="Consolas" pitchFamily="49" charset="0"/>
-              </a:rPr>
-              <a:t>e.get_message</a:t>
-            </a:r>
-            <a:r>
-              <a:rPr lang="en-US" sz="2400" dirty="0" smtClean="0">
-                <a:latin typeface="Consolas" pitchFamily="49" charset="0"/>
-                <a:cs typeface="Consolas" pitchFamily="49" charset="0"/>
-              </a:rPr>
-              <a:t>();	// top level message</a:t>
-            </a:r>
-          </a:p>
-          <a:p>
-            <a:pPr marL="0" lvl="3" algn="l">
-              <a:tabLst>
-                <a:tab pos="4572000" algn="l"/>
-              </a:tabLst>
-            </a:pPr>
-            <a:r>
-              <a:rPr lang="en-US" sz="2400" dirty="0" err="1" smtClean="0">
-                <a:latin typeface="Consolas" pitchFamily="49" charset="0"/>
-                <a:cs typeface="Consolas" pitchFamily="49" charset="0"/>
-              </a:rPr>
-              <a:t>e.get_object</a:t>
-            </a:r>
-            <a:r>
-              <a:rPr lang="en-US" sz="2400" dirty="0" smtClean="0">
-                <a:latin typeface="Consolas" pitchFamily="49" charset="0"/>
-                <a:cs typeface="Consolas" pitchFamily="49" charset="0"/>
-              </a:rPr>
-              <a:t>();	// get failing API object</a:t>
-            </a:r>
-          </a:p>
-          <a:p>
-            <a:pPr marL="0" lvl="3" algn="l">
-              <a:tabLst>
-                <a:tab pos="4572000" algn="l"/>
-              </a:tabLst>
-            </a:pPr>
-            <a:r>
-              <a:rPr lang="en-US" sz="2400" dirty="0" err="1" smtClean="0">
-                <a:latin typeface="Consolas" pitchFamily="49" charset="0"/>
-                <a:cs typeface="Consolas" pitchFamily="49" charset="0"/>
-              </a:rPr>
-              <a:t>e.get_all_exceptions</a:t>
-            </a:r>
-            <a:r>
-              <a:rPr lang="en-US" sz="2400" dirty="0" smtClean="0">
-                <a:latin typeface="Consolas" pitchFamily="49" charset="0"/>
-                <a:cs typeface="Consolas" pitchFamily="49" charset="0"/>
-              </a:rPr>
-              <a:t>();	// get list of exceptions</a:t>
-            </a:r>
-          </a:p>
-          <a:p>
-            <a:pPr marL="0" lvl="3" algn="l">
-              <a:tabLst>
-                <a:tab pos="4572000" algn="l"/>
-              </a:tabLst>
-            </a:pPr>
-            <a:r>
-              <a:rPr lang="en-US" sz="2400" dirty="0" err="1" smtClean="0">
-                <a:latin typeface="Consolas" pitchFamily="49" charset="0"/>
-                <a:cs typeface="Consolas" pitchFamily="49" charset="0"/>
-              </a:rPr>
-              <a:t>e.get_all_messages</a:t>
-            </a:r>
-            <a:r>
-              <a:rPr lang="en-US" sz="2400" dirty="0" smtClean="0">
-                <a:latin typeface="Consolas" pitchFamily="49" charset="0"/>
-                <a:cs typeface="Consolas" pitchFamily="49" charset="0"/>
-              </a:rPr>
-              <a:t>();	// get list of messages</a:t>
-            </a:r>
-          </a:p>
-        </p:txBody>
-      </p:sp>
-    </p:spTree>
-  </p:cSld>
-  <p:clrMapOvr>
-    <a:masterClrMapping/>
-  </p:clrMapOvr>
-</p:sld>
-</file>
-
-<file path=ppt/slides/slide27.xml><?xml version="1.0" encoding="utf-8"?>
-<p:sld xmlns:a="http://schemas.openxmlformats.org/drawingml/2006/main" xmlns:r="http://schemas.openxmlformats.org/officeDocument/2006/relationships" xmlns:p="http://schemas.openxmlformats.org/presentationml/2006/main">
-  <p:cSld>
-    <p:spTree>
-      <p:nvGrpSpPr>
-        <p:cNvPr id="1" name=""/>
-        <p:cNvGrpSpPr/>
-        <p:nvPr/>
-      </p:nvGrpSpPr>
-      <p:grpSpPr>
-        <a:xfrm>
-          <a:off x="0" y="0"/>
-          <a:ext cx="0" cy="0"/>
-          <a:chOff x="0" y="0"/>
-          <a:chExt cx="0" cy="0"/>
-        </a:xfrm>
-      </p:grpSpPr>
-      <p:sp>
-        <p:nvSpPr>
           <p:cNvPr id="26625" name="Rectangle 1"/>
           <p:cNvSpPr>
             <a:spLocks noGrp="1" noChangeArrowheads="1"/>
@@ -11804,7 +11501,7 @@
             <a:fld id="{7A426C1A-D210-4B4B-86AA-6AEDDDCCF5FF}" type="slidenum">
               <a:rPr lang="en-US" smtClean="0"/>
               <a:pPr/>
-              <a:t>27</a:t>
+              <a:t>26</a:t>
             </a:fld>
             <a:endParaRPr lang="en-US"/>
           </a:p>
@@ -12069,7 +11766,7 @@
 </p:sld>
 </file>
 
-<file path=ppt/slides/slide28.xml><?xml version="1.0" encoding="utf-8"?>
+<file path=ppt/slides/slide27.xml><?xml version="1.0" encoding="utf-8"?>
 <p:sld xmlns:a="http://schemas.openxmlformats.org/drawingml/2006/main" xmlns:r="http://schemas.openxmlformats.org/officeDocument/2006/relationships" xmlns:p="http://schemas.openxmlformats.org/presentationml/2006/main">
   <p:cSld>
     <p:spTree>
@@ -12307,7 +12004,7 @@
             <a:fld id="{7A426C1A-D210-4B4B-86AA-6AEDDDCCF5FF}" type="slidenum">
               <a:rPr lang="en-US" smtClean="0"/>
               <a:pPr/>
-              <a:t>28</a:t>
+              <a:t>27</a:t>
             </a:fld>
             <a:endParaRPr lang="en-US"/>
           </a:p>
@@ -12607,6 +12304,228 @@
               <a:latin typeface="Consolas" pitchFamily="49" charset="0"/>
               <a:cs typeface="Consolas" pitchFamily="49" charset="0"/>
             </a:endParaRPr>
+          </a:p>
+        </p:txBody>
+      </p:sp>
+    </p:spTree>
+  </p:cSld>
+  <p:clrMapOvr>
+    <a:masterClrMapping/>
+  </p:clrMapOvr>
+  <p:transition/>
+</p:sld>
+</file>
+
+<file path=ppt/slides/slide28.xml><?xml version="1.0" encoding="utf-8"?>
+<p:sld xmlns:a="http://schemas.openxmlformats.org/drawingml/2006/main" xmlns:r="http://schemas.openxmlformats.org/officeDocument/2006/relationships" xmlns:p="http://schemas.openxmlformats.org/presentationml/2006/main">
+  <p:cSld>
+    <p:spTree>
+      <p:nvGrpSpPr>
+        <p:cNvPr id="1" name=""/>
+        <p:cNvGrpSpPr/>
+        <p:nvPr/>
+      </p:nvGrpSpPr>
+      <p:grpSpPr>
+        <a:xfrm>
+          <a:off x="0" y="0"/>
+          <a:ext cx="0" cy="0"/>
+          <a:chOff x="0" y="0"/>
+          <a:chExt cx="0" cy="0"/>
+        </a:xfrm>
+      </p:grpSpPr>
+      <p:sp>
+        <p:nvSpPr>
+          <p:cNvPr id="28673" name="Rectangle 1"/>
+          <p:cNvSpPr>
+            <a:spLocks noGrp="1" noChangeArrowheads="1"/>
+          </p:cNvSpPr>
+          <p:nvPr>
+            <p:ph type="title"/>
+          </p:nvPr>
+        </p:nvSpPr>
+        <p:spPr>
+          <a:ln/>
+        </p:spPr>
+        <p:txBody>
+          <a:bodyPr/>
+          <a:lstStyle/>
+          <a:p>
+            <a:r>
+              <a:rPr lang="en-US" dirty="0" smtClean="0"/>
+              <a:t>Running a SAGA Application</a:t>
+            </a:r>
+            <a:endParaRPr lang="en-US" dirty="0"/>
+          </a:p>
+        </p:txBody>
+      </p:sp>
+      <p:sp>
+        <p:nvSpPr>
+          <p:cNvPr id="28674" name="Rectangle 2"/>
+          <p:cNvSpPr>
+            <a:spLocks noGrp="1" noChangeArrowheads="1"/>
+          </p:cNvSpPr>
+          <p:nvPr>
+            <p:ph sz="quarter" idx="1"/>
+          </p:nvPr>
+        </p:nvSpPr>
+        <p:spPr>
+          <a:ln/>
+        </p:spPr>
+        <p:txBody>
+          <a:bodyPr/>
+          <a:lstStyle/>
+          <a:p>
+            <a:r>
+              <a:rPr lang="en-US" dirty="0"/>
+              <a:t>Make sure that the SAGA libraries can be found by the loader. </a:t>
+            </a:r>
+            <a:endParaRPr lang="en-US" dirty="0" smtClean="0"/>
+          </a:p>
+          <a:p>
+            <a:r>
+              <a:rPr lang="en-US" dirty="0" smtClean="0"/>
+              <a:t>Use: /</a:t>
+            </a:r>
+            <a:r>
+              <a:rPr lang="en-US" dirty="0" err="1" smtClean="0"/>
+              <a:t>usr</a:t>
+            </a:r>
+            <a:r>
+              <a:rPr lang="en-US" dirty="0" smtClean="0"/>
+              <a:t>/local/saga/share/saga/saga-env.sh</a:t>
+            </a:r>
+          </a:p>
+          <a:p>
+            <a:r>
+              <a:rPr lang="en-US" dirty="0" smtClean="0"/>
+              <a:t>If </a:t>
+            </a:r>
+            <a:r>
+              <a:rPr lang="en-US" dirty="0"/>
+              <a:t>something goes wrong - use SAGA_VERBOSE</a:t>
+            </a:r>
+            <a:r>
+              <a:rPr lang="en-US" dirty="0" smtClean="0"/>
+              <a:t>:</a:t>
+            </a:r>
+          </a:p>
+          <a:p>
+            <a:endParaRPr lang="en-US" dirty="0"/>
+          </a:p>
+        </p:txBody>
+      </p:sp>
+      <p:sp>
+        <p:nvSpPr>
+          <p:cNvPr id="5" name="Date Placeholder 4"/>
+          <p:cNvSpPr>
+            <a:spLocks noGrp="1"/>
+          </p:cNvSpPr>
+          <p:nvPr>
+            <p:ph type="dt" sz="half" idx="2"/>
+          </p:nvPr>
+        </p:nvSpPr>
+        <p:spPr/>
+        <p:txBody>
+          <a:bodyPr/>
+          <a:lstStyle/>
+          <a:p>
+            <a:r>
+              <a:rPr lang="en-US" smtClean="0"/>
+              <a:t>September 3rd/4th, 2009</a:t>
+            </a:r>
+            <a:endParaRPr lang="en-US" dirty="0"/>
+          </a:p>
+        </p:txBody>
+      </p:sp>
+      <p:sp>
+        <p:nvSpPr>
+          <p:cNvPr id="6" name="Slide Number Placeholder 5"/>
+          <p:cNvSpPr>
+            <a:spLocks noGrp="1"/>
+          </p:cNvSpPr>
+          <p:nvPr>
+            <p:ph type="sldNum" sz="quarter" idx="4"/>
+          </p:nvPr>
+        </p:nvSpPr>
+        <p:spPr/>
+        <p:txBody>
+          <a:bodyPr/>
+          <a:lstStyle/>
+          <a:p>
+            <a:fld id="{7A426C1A-D210-4B4B-86AA-6AEDDDCCF5FF}" type="slidenum">
+              <a:rPr lang="en-US" smtClean="0"/>
+              <a:pPr/>
+              <a:t>28</a:t>
+            </a:fld>
+            <a:endParaRPr lang="en-US"/>
+          </a:p>
+        </p:txBody>
+      </p:sp>
+      <p:sp>
+        <p:nvSpPr>
+          <p:cNvPr id="7" name="Footer Placeholder 6"/>
+          <p:cNvSpPr>
+            <a:spLocks noGrp="1"/>
+          </p:cNvSpPr>
+          <p:nvPr>
+            <p:ph type="ftr" sz="quarter" idx="3"/>
+          </p:nvPr>
+        </p:nvSpPr>
+        <p:spPr/>
+        <p:txBody>
+          <a:bodyPr/>
+          <a:lstStyle/>
+          <a:p>
+            <a:r>
+              <a:rPr lang="en-US" smtClean="0"/>
+              <a:t>NeSC SAGA Tutorial</a:t>
+            </a:r>
+            <a:endParaRPr lang="en-US" dirty="0"/>
+          </a:p>
+        </p:txBody>
+      </p:sp>
+      <p:sp>
+        <p:nvSpPr>
+          <p:cNvPr id="8" name="TextBox 7"/>
+          <p:cNvSpPr txBox="1"/>
+          <p:nvPr/>
+        </p:nvSpPr>
+        <p:spPr>
+          <a:xfrm>
+            <a:off x="863600" y="4648200"/>
+            <a:ext cx="11353800" cy="461665"/>
+          </a:xfrm>
+          <a:prstGeom prst="rect">
+            <a:avLst/>
+          </a:prstGeom>
+          <a:solidFill>
+            <a:schemeClr val="accent1">
+              <a:lumMod val="40000"/>
+              <a:lumOff val="60000"/>
+            </a:schemeClr>
+          </a:solidFill>
+          <a:effectLst>
+            <a:outerShdw blurRad="50800" dist="38100" dir="2700000" algn="tl" rotWithShape="0">
+              <a:prstClr val="black">
+                <a:alpha val="40000"/>
+              </a:prstClr>
+            </a:outerShdw>
+          </a:effectLst>
+        </p:spPr>
+        <p:txBody>
+          <a:bodyPr wrap="square" rtlCol="0" anchor="t">
+            <a:spAutoFit/>
+          </a:bodyPr>
+          <a:lstStyle/>
+          <a:p>
+            <a:pPr marL="0" lvl="3" algn="l"/>
+            <a:r>
+              <a:rPr lang="en-US" sz="2400" dirty="0" smtClean="0">
+                <a:latin typeface="Consolas" pitchFamily="49" charset="0"/>
+                <a:cs typeface="Consolas" pitchFamily="49" charset="0"/>
+              </a:rPr>
+              <a:t>SAGA_VERBOSE=6 ./copy</a:t>
+            </a:r>
           </a:p>
         </p:txBody>
       </p:sp>
@@ -12638,24 +12557,22 @@
       </p:grpSpPr>
       <p:sp>
         <p:nvSpPr>
-          <p:cNvPr id="28673" name="Rectangle 1"/>
-          <p:cNvSpPr>
-            <a:spLocks noGrp="1" noChangeArrowheads="1"/>
+          <p:cNvPr id="2" name="Title 1"/>
+          <p:cNvSpPr>
+            <a:spLocks noGrp="1"/>
           </p:cNvSpPr>
           <p:nvPr>
             <p:ph type="title"/>
           </p:nvPr>
         </p:nvSpPr>
-        <p:spPr>
-          <a:ln/>
-        </p:spPr>
+        <p:spPr/>
         <p:txBody>
           <a:bodyPr/>
           <a:lstStyle/>
           <a:p>
             <a:r>
               <a:rPr lang="en-US" dirty="0" smtClean="0"/>
-              <a:t>Running a SAGA Application</a:t>
+              <a:t>Programmers Guide</a:t>
             </a:r>
             <a:endParaRPr lang="en-US" dirty="0"/>
           </a:p>
@@ -12663,68 +12580,115 @@
       </p:sp>
       <p:sp>
         <p:nvSpPr>
-          <p:cNvPr id="28674" name="Rectangle 2"/>
-          <p:cNvSpPr>
-            <a:spLocks noGrp="1" noChangeArrowheads="1"/>
+          <p:cNvPr id="3" name="Content Placeholder 2"/>
+          <p:cNvSpPr>
+            <a:spLocks noGrp="1"/>
           </p:cNvSpPr>
           <p:nvPr>
             <p:ph sz="quarter" idx="1"/>
           </p:nvPr>
         </p:nvSpPr>
-        <p:spPr>
-          <a:ln/>
-        </p:spPr>
-        <p:txBody>
-          <a:bodyPr/>
-          <a:lstStyle/>
-          <a:p>
-            <a:r>
-              <a:rPr lang="en-US" dirty="0"/>
-              <a:t>Make sure that the SAGA libraries can be found by the loader. </a:t>
-            </a:r>
-            <a:endParaRPr lang="en-US" dirty="0" smtClean="0"/>
-          </a:p>
-          <a:p>
-            <a:r>
-              <a:rPr lang="en-US" dirty="0" smtClean="0"/>
-              <a:t>Use: /</a:t>
-            </a:r>
-            <a:r>
-              <a:rPr lang="en-US" dirty="0" err="1" smtClean="0"/>
-              <a:t>usr</a:t>
-            </a:r>
-            <a:r>
-              <a:rPr lang="en-US" dirty="0" smtClean="0"/>
-              <a:t>/local/saga/share/saga/saga-env.sh</a:t>
-            </a:r>
-          </a:p>
-          <a:p>
-            <a:r>
-              <a:rPr lang="en-US" dirty="0" smtClean="0"/>
-              <a:t>If </a:t>
-            </a:r>
-            <a:r>
-              <a:rPr lang="en-US" dirty="0"/>
-              <a:t>something goes wrong - use SAGA_VERBOSE</a:t>
-            </a:r>
-            <a:r>
-              <a:rPr lang="en-US" dirty="0" smtClean="0"/>
-              <a:t>:</a:t>
-            </a:r>
-          </a:p>
-          <a:p>
+        <p:spPr/>
+        <p:txBody>
+          <a:bodyPr/>
+          <a:lstStyle/>
+          <a:p>
+            <a:pPr fontAlgn="ctr"/>
+            <a:r>
+              <a:rPr lang="en-US" sz="4000" dirty="0" smtClean="0"/>
+              <a:t>Set of very small and easy examples, one for each package/paradigm</a:t>
+            </a:r>
+            <a:endParaRPr lang="en-US" sz="9600" dirty="0" smtClean="0"/>
+          </a:p>
+          <a:p>
+            <a:pPr lvl="1" fontAlgn="ctr"/>
+            <a:r>
+              <a:rPr lang="en-US" sz="3600" dirty="0" err="1" smtClean="0"/>
+              <a:t>file_copy</a:t>
+            </a:r>
+            <a:r>
+              <a:rPr lang="en-US" sz="3600" dirty="0" smtClean="0"/>
+              <a:t>, </a:t>
+            </a:r>
+            <a:r>
+              <a:rPr lang="en-US" sz="3600" dirty="0" err="1" smtClean="0"/>
+              <a:t>file_copy</a:t>
+            </a:r>
+            <a:r>
+              <a:rPr lang="en-US" sz="3600" dirty="0" smtClean="0"/>
+              <a:t> (</a:t>
+            </a:r>
+            <a:r>
+              <a:rPr lang="en-US" sz="3600" dirty="0" err="1" smtClean="0"/>
+              <a:t>async</a:t>
+            </a:r>
+            <a:r>
+              <a:rPr lang="en-US" sz="3600" dirty="0" smtClean="0"/>
+              <a:t>)</a:t>
+            </a:r>
+            <a:endParaRPr lang="en-US" sz="8800" dirty="0" smtClean="0"/>
+          </a:p>
+          <a:p>
+            <a:pPr lvl="1" fontAlgn="ctr"/>
+            <a:r>
+              <a:rPr lang="en-US" sz="3600" dirty="0" smtClean="0"/>
+              <a:t>Error handling</a:t>
+            </a:r>
+            <a:endParaRPr lang="en-US" sz="8800" dirty="0" smtClean="0"/>
+          </a:p>
+          <a:p>
+            <a:pPr lvl="1" fontAlgn="ctr"/>
+            <a:r>
+              <a:rPr lang="en-US" sz="3600" dirty="0" smtClean="0"/>
+              <a:t>Attributes</a:t>
+            </a:r>
+          </a:p>
+          <a:p>
+            <a:pPr lvl="1" fontAlgn="ctr"/>
+            <a:r>
+              <a:rPr lang="en-US" sz="3600" dirty="0" smtClean="0"/>
+              <a:t>Stream</a:t>
+            </a:r>
+          </a:p>
+          <a:p>
+            <a:pPr>
+              <a:buNone/>
+            </a:pPr>
+            <a:endParaRPr lang="de-DE" sz="4000" dirty="0" smtClean="0"/>
+          </a:p>
+        </p:txBody>
+      </p:sp>
+      <p:sp>
+        <p:nvSpPr>
+          <p:cNvPr id="4" name="Date Placeholder 3"/>
+          <p:cNvSpPr>
+            <a:spLocks noGrp="1"/>
+          </p:cNvSpPr>
+          <p:nvPr>
+            <p:ph type="dt" sz="half" idx="2"/>
+          </p:nvPr>
+        </p:nvSpPr>
+        <p:spPr/>
+        <p:txBody>
+          <a:bodyPr/>
+          <a:lstStyle/>
+          <a:p>
+            <a:r>
+              <a:rPr lang="en-US" smtClean="0"/>
+              <a:t>September 3rd/4th, 2009</a:t>
+            </a:r>
             <a:endParaRPr lang="en-US" dirty="0"/>
           </a:p>
         </p:txBody>
       </p:sp>
       <p:sp>
         <p:nvSpPr>
-          <p:cNvPr id="5" name="Date Placeholder 4"/>
-          <p:cNvSpPr>
-            <a:spLocks noGrp="1"/>
-          </p:cNvSpPr>
-          <p:nvPr>
-            <p:ph type="dt" sz="half" idx="2"/>
+          <p:cNvPr id="5" name="Footer Placeholder 4"/>
+          <p:cNvSpPr>
+            <a:spLocks noGrp="1"/>
+          </p:cNvSpPr>
+          <p:nvPr>
+            <p:ph type="ftr" sz="quarter" idx="3"/>
           </p:nvPr>
         </p:nvSpPr>
         <p:spPr/>
@@ -12734,7 +12698,7 @@
           <a:p>
             <a:r>
               <a:rPr lang="en-US" smtClean="0"/>
-              <a:t>September 3rd/4th, 2009</a:t>
+              <a:t>NeSC SAGA Tutorial</a:t>
             </a:r>
             <a:endParaRPr lang="en-US" dirty="0"/>
           </a:p>
@@ -12761,74 +12725,6 @@
               <a:t>29</a:t>
             </a:fld>
             <a:endParaRPr lang="en-US"/>
-          </a:p>
-        </p:txBody>
-      </p:sp>
-      <p:sp>
-        <p:nvSpPr>
-          <p:cNvPr id="7" name="Footer Placeholder 6"/>
-          <p:cNvSpPr>
-            <a:spLocks noGrp="1"/>
-          </p:cNvSpPr>
-          <p:nvPr>
-            <p:ph type="ftr" sz="quarter" idx="3"/>
-          </p:nvPr>
-        </p:nvSpPr>
-        <p:spPr/>
-        <p:txBody>
-          <a:bodyPr/>
-          <a:lstStyle/>
-          <a:p>
-            <a:r>
-              <a:rPr lang="en-US" smtClean="0"/>
-              <a:t>NeSC SAGA Tutorial</a:t>
-            </a:r>
-            <a:endParaRPr lang="en-US" dirty="0"/>
-          </a:p>
-        </p:txBody>
-      </p:sp>
-      <p:sp>
-        <p:nvSpPr>
-          <p:cNvPr id="8" name="TextBox 7"/>
-          <p:cNvSpPr txBox="1"/>
-          <p:nvPr/>
-        </p:nvSpPr>
-        <p:spPr>
-          <a:xfrm>
-            <a:off x="863600" y="4648200"/>
-            <a:ext cx="11353800" cy="461665"/>
-          </a:xfrm>
-          <a:prstGeom prst="rect">
-            <a:avLst/>
-          </a:prstGeom>
-          <a:solidFill>
-            <a:schemeClr val="accent1">
-              <a:lumMod val="40000"/>
-              <a:lumOff val="60000"/>
-            </a:schemeClr>
-          </a:solidFill>
-          <a:effectLst>
-            <a:outerShdw blurRad="50800" dist="38100" dir="2700000" algn="tl" rotWithShape="0">
-              <a:prstClr val="black">
-                <a:alpha val="40000"/>
-              </a:prstClr>
-            </a:outerShdw>
-          </a:effectLst>
-        </p:spPr>
-        <p:txBody>
-          <a:bodyPr wrap="square" rtlCol="0" anchor="t">
-            <a:spAutoFit/>
-          </a:bodyPr>
-          <a:lstStyle/>
-          <a:p>
-            <a:pPr marL="0" lvl="3" algn="l"/>
-            <a:r>
-              <a:rPr lang="en-US" sz="2400" dirty="0" smtClean="0">
-                <a:latin typeface="Consolas" pitchFamily="49" charset="0"/>
-                <a:cs typeface="Consolas" pitchFamily="49" charset="0"/>
-              </a:rPr>
-              <a:t>SAGA_VERBOSE=6 ./copy</a:t>
-            </a:r>
           </a:p>
         </p:txBody>
       </p:sp>
@@ -12837,7 +12733,6 @@
   <p:clrMapOvr>
     <a:masterClrMapping/>
   </p:clrMapOvr>
-  <p:transition/>
 </p:sld>
 </file>
 
@@ -13086,7 +12981,7 @@
           <a:p>
             <a:r>
               <a:rPr lang="en-US" dirty="0" smtClean="0"/>
-              <a:t>Programmers Guide</a:t>
+              <a:t>Hands on</a:t>
             </a:r>
             <a:endParaRPr lang="en-US" dirty="0"/>
           </a:p>
@@ -13110,65 +13005,27 @@
             <a:pPr fontAlgn="ctr"/>
             <a:r>
               <a:rPr lang="en-US" sz="4000" dirty="0" smtClean="0"/>
-              <a:t>Set of very small and easy examples, one for each package/paradigm</a:t>
-            </a:r>
-            <a:endParaRPr lang="en-US" sz="9600" dirty="0" smtClean="0"/>
+              <a:t>Try compiling and running other examples</a:t>
+            </a:r>
           </a:p>
           <a:p>
             <a:pPr lvl="1" fontAlgn="ctr"/>
             <a:r>
               <a:rPr lang="en-US" sz="3600" dirty="0" err="1" smtClean="0"/>
-              <a:t>file_copy</a:t>
-            </a:r>
+              <a:t>Urls</a:t>
+            </a:r>
+            <a:endParaRPr lang="en-US" sz="8800" dirty="0" smtClean="0"/>
+          </a:p>
+          <a:p>
+            <a:pPr lvl="1" fontAlgn="ctr"/>
             <a:r>
               <a:rPr lang="en-US" sz="3600" dirty="0" smtClean="0"/>
-              <a:t>, </a:t>
-            </a:r>
-            <a:r>
-              <a:rPr lang="en-US" sz="3600" dirty="0" err="1" smtClean="0"/>
-              <a:t>file_copy</a:t>
-            </a:r>
-            <a:r>
-              <a:rPr lang="en-US" sz="3600" dirty="0" smtClean="0"/>
-              <a:t> (</a:t>
-            </a:r>
-            <a:r>
-              <a:rPr lang="en-US" sz="3600" dirty="0" err="1" smtClean="0"/>
-              <a:t>async</a:t>
-            </a:r>
-            <a:r>
-              <a:rPr lang="en-US" sz="3600" dirty="0" smtClean="0"/>
-              <a:t>)</a:t>
+              <a:t>Packages: file, job, replica</a:t>
             </a:r>
             <a:endParaRPr lang="en-US" sz="8800" dirty="0" smtClean="0"/>
           </a:p>
           <a:p>
-            <a:pPr lvl="1" fontAlgn="ctr"/>
-            <a:r>
-              <a:rPr lang="en-US" sz="3600" dirty="0" smtClean="0"/>
-              <a:t>Error handling</a:t>
-            </a:r>
-            <a:endParaRPr lang="en-US" sz="8800" dirty="0" smtClean="0"/>
-          </a:p>
-          <a:p>
-            <a:pPr lvl="1" fontAlgn="ctr"/>
-            <a:r>
-              <a:rPr lang="en-US" sz="3600" dirty="0" smtClean="0"/>
-              <a:t>Attributes</a:t>
-            </a:r>
-          </a:p>
-          <a:p>
-            <a:pPr lvl="1" fontAlgn="ctr"/>
-            <a:r>
-              <a:rPr lang="en-US" sz="3600" dirty="0" smtClean="0"/>
-              <a:t>Stream</a:t>
-            </a:r>
-          </a:p>
-          <a:p>
-            <a:pPr>
-              <a:buNone/>
-            </a:pPr>
-            <a:endParaRPr lang="de-DE" sz="4000" dirty="0" smtClean="0"/>
+            <a:endParaRPr lang="en-US" dirty="0"/>
           </a:p>
         </p:txBody>
       </p:sp>
@@ -13269,114 +13126,153 @@
       </p:grpSpPr>
       <p:sp>
         <p:nvSpPr>
-          <p:cNvPr id="2" name="Title 1"/>
-          <p:cNvSpPr>
-            <a:spLocks noGrp="1"/>
+          <p:cNvPr id="29697" name="Rectangle 1"/>
+          <p:cNvSpPr>
+            <a:spLocks noGrp="1" noChangeArrowheads="1"/>
           </p:cNvSpPr>
           <p:nvPr>
             <p:ph type="title"/>
           </p:nvPr>
         </p:nvSpPr>
+        <p:spPr>
+          <a:ln/>
+        </p:spPr>
+        <p:txBody>
+          <a:bodyPr/>
+          <a:lstStyle/>
+          <a:p>
+            <a:r>
+              <a:rPr lang="en-US" dirty="0" smtClean="0"/>
+              <a:t>Example </a:t>
+            </a:r>
+            <a:r>
+              <a:rPr lang="en-US" dirty="0"/>
+              <a:t>1: </a:t>
+            </a:r>
+            <a:r>
+              <a:rPr lang="en-US" dirty="0" err="1"/>
+              <a:t>hello_world</a:t>
+            </a:r>
+            <a:endParaRPr lang="en-US" dirty="0"/>
+          </a:p>
+        </p:txBody>
+      </p:sp>
+      <p:sp>
+        <p:nvSpPr>
+          <p:cNvPr id="29698" name="Rectangle 2"/>
+          <p:cNvSpPr>
+            <a:spLocks noGrp="1" noChangeArrowheads="1"/>
+          </p:cNvSpPr>
+          <p:nvPr>
+            <p:ph sz="quarter" idx="1"/>
+          </p:nvPr>
+        </p:nvSpPr>
+        <p:spPr>
+          <a:ln/>
+        </p:spPr>
+        <p:txBody>
+          <a:bodyPr>
+            <a:normAutofit/>
+          </a:bodyPr>
+          <a:lstStyle/>
+          <a:p>
+            <a:pPr fontAlgn="ctr"/>
+            <a:r>
+              <a:rPr lang="en-US" sz="4000" dirty="0" smtClean="0"/>
+              <a:t>Hello world</a:t>
+            </a:r>
+            <a:endParaRPr lang="en-US" sz="9600" dirty="0" smtClean="0"/>
+          </a:p>
+          <a:p>
+            <a:pPr lvl="1" fontAlgn="ctr"/>
+            <a:r>
+              <a:rPr lang="en-US" sz="3600" dirty="0" smtClean="0"/>
+              <a:t>Launch 3 jobs on different machines</a:t>
+            </a:r>
+          </a:p>
+          <a:p>
+            <a:pPr lvl="2" fontAlgn="ctr"/>
+            <a:r>
+              <a:rPr lang="en-US" dirty="0" smtClean="0"/>
+              <a:t>Execute “/bin/echo”</a:t>
+            </a:r>
+          </a:p>
+          <a:p>
+            <a:pPr lvl="1" fontAlgn="ctr"/>
+            <a:r>
+              <a:rPr lang="en-US" sz="3600" dirty="0" smtClean="0"/>
+              <a:t>No job dependency</a:t>
+            </a:r>
+            <a:endParaRPr lang="en-US" sz="8800" dirty="0" smtClean="0"/>
+          </a:p>
+          <a:p>
+            <a:pPr lvl="1" fontAlgn="ctr"/>
+            <a:r>
+              <a:rPr lang="en-US" sz="3600" dirty="0" smtClean="0"/>
+              <a:t>Each job returns its passed input argument</a:t>
+            </a:r>
+            <a:endParaRPr lang="en-US" sz="8800" dirty="0" smtClean="0"/>
+          </a:p>
+          <a:p>
+            <a:pPr lvl="2" fontAlgn="ctr"/>
+            <a:r>
+              <a:rPr lang="en-US" dirty="0" smtClean="0"/>
+              <a:t>"Hello"</a:t>
+            </a:r>
+            <a:endParaRPr lang="en-US" sz="6000" dirty="0" smtClean="0"/>
+          </a:p>
+          <a:p>
+            <a:pPr lvl="2" fontAlgn="ctr"/>
+            <a:r>
+              <a:rPr lang="en-US" dirty="0" smtClean="0"/>
+              <a:t>"distributed"</a:t>
+            </a:r>
+            <a:endParaRPr lang="en-US" sz="6000" dirty="0" smtClean="0"/>
+          </a:p>
+          <a:p>
+            <a:pPr lvl="2" fontAlgn="ctr"/>
+            <a:r>
+              <a:rPr lang="en-US" dirty="0" smtClean="0"/>
+              <a:t>"world!"</a:t>
+            </a:r>
+            <a:endParaRPr lang="en-US" sz="6000" dirty="0" smtClean="0"/>
+          </a:p>
+          <a:p>
+            <a:pPr lvl="1" fontAlgn="ctr"/>
+            <a:r>
+              <a:rPr lang="en-US" sz="3600" dirty="0" smtClean="0"/>
+              <a:t>Jobs are launched in parallel (in separate threads)</a:t>
+            </a:r>
+            <a:endParaRPr lang="en-US" sz="8800" dirty="0" smtClean="0"/>
+          </a:p>
+          <a:p>
+            <a:pPr lvl="1" fontAlgn="ctr"/>
+            <a:r>
+              <a:rPr lang="en-US" sz="3600" dirty="0" smtClean="0"/>
+              <a:t>As soon as result is collected it's printed on local console</a:t>
+            </a:r>
+            <a:endParaRPr lang="en-US" sz="8800" dirty="0" smtClean="0"/>
+          </a:p>
+        </p:txBody>
+      </p:sp>
+      <p:sp>
+        <p:nvSpPr>
+          <p:cNvPr id="5" name="Date Placeholder 4"/>
+          <p:cNvSpPr>
+            <a:spLocks noGrp="1"/>
+          </p:cNvSpPr>
+          <p:nvPr>
+            <p:ph type="dt" sz="half" idx="2"/>
+          </p:nvPr>
+        </p:nvSpPr>
         <p:spPr/>
         <p:txBody>
           <a:bodyPr/>
           <a:lstStyle/>
           <a:p>
             <a:r>
-              <a:rPr lang="en-US" dirty="0" smtClean="0"/>
-              <a:t>Hands on</a:t>
-            </a:r>
-            <a:endParaRPr lang="en-US" dirty="0"/>
-          </a:p>
-        </p:txBody>
-      </p:sp>
-      <p:sp>
-        <p:nvSpPr>
-          <p:cNvPr id="3" name="Content Placeholder 2"/>
-          <p:cNvSpPr>
-            <a:spLocks noGrp="1"/>
-          </p:cNvSpPr>
-          <p:nvPr>
-            <p:ph sz="quarter" idx="1"/>
-          </p:nvPr>
-        </p:nvSpPr>
-        <p:spPr/>
-        <p:txBody>
-          <a:bodyPr/>
-          <a:lstStyle/>
-          <a:p>
-            <a:pPr fontAlgn="ctr"/>
-            <a:r>
-              <a:rPr lang="en-US" sz="4000" dirty="0" smtClean="0"/>
-              <a:t>Try compiling and running other examples</a:t>
-            </a:r>
-          </a:p>
-          <a:p>
-            <a:pPr lvl="1" fontAlgn="ctr"/>
-            <a:r>
-              <a:rPr lang="en-US" sz="3600" dirty="0" err="1" smtClean="0"/>
-              <a:t>Urls</a:t>
-            </a:r>
-            <a:endParaRPr lang="en-US" sz="8800" dirty="0" smtClean="0"/>
-          </a:p>
-          <a:p>
-            <a:pPr lvl="1" fontAlgn="ctr"/>
-            <a:r>
-              <a:rPr lang="en-US" sz="3600" dirty="0" smtClean="0"/>
-              <a:t>Packages: file, job, </a:t>
-            </a:r>
-            <a:r>
-              <a:rPr lang="en-US" sz="3600" dirty="0" smtClean="0"/>
-              <a:t>replica</a:t>
-            </a:r>
-            <a:endParaRPr lang="en-US" sz="8800" dirty="0" smtClean="0"/>
-          </a:p>
-          <a:p>
-            <a:endParaRPr lang="en-US" dirty="0"/>
-          </a:p>
-        </p:txBody>
-      </p:sp>
-      <p:sp>
-        <p:nvSpPr>
-          <p:cNvPr id="4" name="Date Placeholder 3"/>
-          <p:cNvSpPr>
-            <a:spLocks noGrp="1"/>
-          </p:cNvSpPr>
-          <p:nvPr>
-            <p:ph type="dt" sz="half" idx="2"/>
-          </p:nvPr>
-        </p:nvSpPr>
-        <p:spPr/>
-        <p:txBody>
-          <a:bodyPr/>
-          <a:lstStyle/>
-          <a:p>
-            <a:r>
               <a:rPr lang="en-US" smtClean="0"/>
               <a:t>September 3rd/4th, 2009</a:t>
-            </a:r>
-            <a:endParaRPr lang="en-US" dirty="0"/>
-          </a:p>
-        </p:txBody>
-      </p:sp>
-      <p:sp>
-        <p:nvSpPr>
-          <p:cNvPr id="5" name="Footer Placeholder 4"/>
-          <p:cNvSpPr>
-            <a:spLocks noGrp="1"/>
-          </p:cNvSpPr>
-          <p:nvPr>
-            <p:ph type="ftr" sz="quarter" idx="3"/>
-          </p:nvPr>
-        </p:nvSpPr>
-        <p:spPr/>
-        <p:txBody>
-          <a:bodyPr/>
-          <a:lstStyle/>
-          <a:p>
-            <a:r>
-              <a:rPr lang="en-US" smtClean="0"/>
-              <a:t>NeSC SAGA Tutorial</a:t>
             </a:r>
             <a:endParaRPr lang="en-US" dirty="0"/>
           </a:p>
@@ -13403,6 +13299,29 @@
               <a:t>31</a:t>
             </a:fld>
             <a:endParaRPr lang="en-US"/>
+          </a:p>
+        </p:txBody>
+      </p:sp>
+      <p:sp>
+        <p:nvSpPr>
+          <p:cNvPr id="7" name="Footer Placeholder 6"/>
+          <p:cNvSpPr>
+            <a:spLocks noGrp="1"/>
+          </p:cNvSpPr>
+          <p:nvPr>
+            <p:ph type="ftr" sz="quarter" idx="3"/>
+          </p:nvPr>
+        </p:nvSpPr>
+        <p:spPr/>
+        <p:txBody>
+          <a:bodyPr/>
+          <a:lstStyle/>
+          <a:p>
+            <a:r>
+              <a:rPr lang="en-US" smtClean="0"/>
+              <a:t>NeSC SAGA Tutorial</a:t>
+            </a:r>
+            <a:endParaRPr lang="en-US" dirty="0"/>
           </a:p>
         </p:txBody>
       </p:sp>
@@ -13411,6 +13330,7 @@
   <p:clrMapOvr>
     <a:masterClrMapping/>
   </p:clrMapOvr>
+  <p:transition/>
 </p:sld>
 </file>
 
@@ -13479,18 +13399,14 @@
         </p:spPr>
         <p:txBody>
           <a:bodyPr>
-            <a:normAutofit/>
+            <a:normAutofit lnSpcReduction="10000"/>
           </a:bodyPr>
           <a:lstStyle/>
           <a:p>
             <a:pPr fontAlgn="ctr"/>
             <a:r>
               <a:rPr lang="en-US" sz="4000" dirty="0" smtClean="0"/>
-              <a:t>Hello </a:t>
-            </a:r>
-            <a:r>
-              <a:rPr lang="en-US" sz="4000" dirty="0" smtClean="0"/>
-              <a:t>world</a:t>
+              <a:t>Hello world</a:t>
             </a:r>
             <a:endParaRPr lang="en-US" sz="9600" dirty="0" smtClean="0"/>
           </a:p>
@@ -13498,80 +13414,119 @@
             <a:pPr lvl="1" fontAlgn="ctr"/>
             <a:r>
               <a:rPr lang="en-US" sz="3600" dirty="0" smtClean="0"/>
-              <a:t>Launch 3 jobs on different </a:t>
-            </a:r>
+              <a:t>Arbitrary sequence of results</a:t>
+            </a:r>
+            <a:endParaRPr lang="en-US" sz="8800" dirty="0" smtClean="0"/>
+          </a:p>
+          <a:p>
+            <a:pPr lvl="2" fontAlgn="ctr"/>
+            <a:r>
+              <a:rPr lang="en-US" dirty="0" smtClean="0"/>
+              <a:t>Optimally: "Hello distributed world!"</a:t>
+            </a:r>
+            <a:endParaRPr lang="en-US" sz="6000" dirty="0" smtClean="0"/>
+          </a:p>
+          <a:p>
+            <a:pPr lvl="1" fontAlgn="ctr"/>
             <a:r>
               <a:rPr lang="en-US" sz="3600" dirty="0" smtClean="0"/>
-              <a:t>machines</a:t>
-            </a:r>
+              <a:t>Demonstrates</a:t>
+            </a:r>
+            <a:endParaRPr lang="en-US" sz="8800" dirty="0" smtClean="0"/>
           </a:p>
           <a:p>
             <a:pPr lvl="2" fontAlgn="ctr"/>
             <a:r>
               <a:rPr lang="en-US" dirty="0" smtClean="0"/>
-              <a:t>Execute “/bin/echo”</a:t>
-            </a:r>
-            <a:endParaRPr lang="en-US" dirty="0" smtClean="0"/>
+              <a:t>How to launch a remote job using SAGA </a:t>
+            </a:r>
+            <a:r>
+              <a:rPr lang="en-US" dirty="0" err="1" smtClean="0"/>
+              <a:t>job_service</a:t>
+            </a:r>
+            <a:endParaRPr lang="en-US" sz="6000" dirty="0" smtClean="0"/>
+          </a:p>
+          <a:p>
+            <a:pPr lvl="2" fontAlgn="ctr"/>
+            <a:r>
+              <a:rPr lang="en-US" dirty="0" smtClean="0"/>
+              <a:t>Pass arguments using the command line</a:t>
+            </a:r>
+            <a:endParaRPr lang="en-US" sz="6000" dirty="0" smtClean="0"/>
+          </a:p>
+          <a:p>
+            <a:pPr lvl="2" fontAlgn="ctr"/>
+            <a:r>
+              <a:rPr lang="en-US" dirty="0" smtClean="0"/>
+              <a:t>Collect result by output redirection</a:t>
+            </a:r>
+            <a:endParaRPr lang="en-US" sz="6000" dirty="0" smtClean="0"/>
+          </a:p>
+          <a:p>
+            <a:r>
+              <a:rPr lang="en-US" dirty="0" smtClean="0"/>
+              <a:t>The source code can be found here (see ‘Example1’):</a:t>
+            </a:r>
+          </a:p>
+          <a:p>
+            <a:pPr lvl="1"/>
+            <a:r>
+              <a:rPr lang="en-US" dirty="0" smtClean="0">
+                <a:hlinkClick r:id="rId2"/>
+              </a:rPr>
+              <a:t>http://faust.cct.lsu.edu/trac/saga/wiki/NeSC2009</a:t>
+            </a:r>
           </a:p>
           <a:p>
             <a:pPr lvl="1" fontAlgn="ctr"/>
             <a:r>
               <a:rPr lang="en-US" sz="3600" dirty="0" smtClean="0"/>
-              <a:t>No job dependency</a:t>
+              <a:t>The example uses </a:t>
+            </a:r>
+            <a:r>
+              <a:rPr lang="en-US" sz="3600" dirty="0" err="1" smtClean="0"/>
+              <a:t>localhost</a:t>
+            </a:r>
+            <a:r>
+              <a:rPr lang="en-US" sz="3600" dirty="0" smtClean="0"/>
+              <a:t> to spawn </a:t>
+            </a:r>
+            <a:r>
+              <a:rPr lang="en-US" sz="3600" dirty="0" err="1" smtClean="0"/>
+              <a:t>childs</a:t>
             </a:r>
             <a:endParaRPr lang="en-US" sz="8800" dirty="0" smtClean="0"/>
           </a:p>
           <a:p>
             <a:pPr lvl="1" fontAlgn="ctr"/>
             <a:r>
-              <a:rPr lang="en-US" sz="3600" dirty="0" smtClean="0"/>
-              <a:t>Each job returns its passed input argument</a:t>
-            </a:r>
-            <a:endParaRPr lang="en-US" sz="8800" dirty="0" smtClean="0"/>
-          </a:p>
-          <a:p>
-            <a:pPr lvl="2" fontAlgn="ctr"/>
-            <a:r>
               <a:rPr lang="en-US" dirty="0" smtClean="0"/>
-              <a:t>"Hello"</a:t>
-            </a:r>
-            <a:endParaRPr lang="en-US" sz="6000" dirty="0" smtClean="0"/>
-          </a:p>
-          <a:p>
-            <a:pPr lvl="2" fontAlgn="ctr"/>
+              <a:t>For remote execution change HOST1, HOST2, HOST3 from "</a:t>
+            </a:r>
+            <a:r>
+              <a:rPr lang="en-US" dirty="0" err="1" smtClean="0"/>
+              <a:t>localhost</a:t>
+            </a:r>
             <a:r>
               <a:rPr lang="en-US" dirty="0" smtClean="0"/>
-              <a:t>"distributed"</a:t>
-            </a:r>
-            <a:endParaRPr lang="en-US" sz="6000" dirty="0" smtClean="0"/>
-          </a:p>
-          <a:p>
-            <a:pPr lvl="2" fontAlgn="ctr"/>
+              <a:t>" to "</a:t>
+            </a:r>
+            <a:r>
+              <a:rPr lang="de-DE" dirty="0" smtClean="0"/>
+              <a:t>[</a:t>
+            </a:r>
             <a:r>
               <a:rPr lang="en-US" dirty="0" smtClean="0"/>
-              <a:t>"world!"</a:t>
-            </a:r>
-            <a:endParaRPr lang="en-US" sz="6000" dirty="0" smtClean="0"/>
-          </a:p>
-          <a:p>
-            <a:pPr lvl="1" fontAlgn="ctr"/>
-            <a:r>
-              <a:rPr lang="en-US" sz="3600" dirty="0" smtClean="0"/>
-              <a:t>Jobs are launched in parallel (in separate threads)</a:t>
-            </a:r>
-            <a:endParaRPr lang="en-US" sz="8800" dirty="0" smtClean="0"/>
-          </a:p>
-          <a:p>
-            <a:pPr lvl="1" fontAlgn="ctr"/>
-            <a:r>
-              <a:rPr lang="en-US" sz="3600" dirty="0" smtClean="0"/>
-              <a:t>As soon as result is collected it's printed on local </a:t>
-            </a:r>
-            <a:r>
-              <a:rPr lang="en-US" sz="3600" dirty="0" smtClean="0"/>
-              <a:t>console</a:t>
-            </a:r>
-            <a:endParaRPr lang="en-US" sz="8800" dirty="0" smtClean="0"/>
+              <a:t>tc11, tc15, tc16, or tc17].</a:t>
+            </a:r>
+            <a:r>
+              <a:rPr lang="en-US" dirty="0" err="1" smtClean="0"/>
+              <a:t>nesc.ed.ac.uk</a:t>
+            </a:r>
+            <a:r>
+              <a:rPr lang="en-US" dirty="0" smtClean="0"/>
+              <a:t>"</a:t>
+            </a:r>
           </a:p>
         </p:txBody>
       </p:sp>
@@ -13673,32 +13628,22 @@
       </p:grpSpPr>
       <p:sp>
         <p:nvSpPr>
-          <p:cNvPr id="29697" name="Rectangle 1"/>
-          <p:cNvSpPr>
-            <a:spLocks noGrp="1" noChangeArrowheads="1"/>
+          <p:cNvPr id="2" name="Title 1"/>
+          <p:cNvSpPr>
+            <a:spLocks noGrp="1"/>
           </p:cNvSpPr>
           <p:nvPr>
             <p:ph type="title"/>
           </p:nvPr>
         </p:nvSpPr>
-        <p:spPr>
-          <a:ln/>
-        </p:spPr>
+        <p:spPr/>
         <p:txBody>
           <a:bodyPr/>
           <a:lstStyle/>
           <a:p>
             <a:r>
               <a:rPr lang="en-US" dirty="0" smtClean="0"/>
-              <a:t>Example </a:t>
-            </a:r>
-            <a:r>
-              <a:rPr lang="en-US" dirty="0"/>
-              <a:t>1: </a:t>
-            </a:r>
-            <a:r>
-              <a:rPr lang="en-US" dirty="0" err="1"/>
-              <a:t>hello_world</a:t>
+              <a:t>Hands on</a:t>
             </a:r>
             <a:endParaRPr lang="en-US" dirty="0"/>
           </a:p>
@@ -13706,171 +13651,59 @@
       </p:sp>
       <p:sp>
         <p:nvSpPr>
-          <p:cNvPr id="29698" name="Rectangle 2"/>
-          <p:cNvSpPr>
-            <a:spLocks noGrp="1" noChangeArrowheads="1"/>
+          <p:cNvPr id="3" name="Content Placeholder 2"/>
+          <p:cNvSpPr>
+            <a:spLocks noGrp="1"/>
           </p:cNvSpPr>
           <p:nvPr>
             <p:ph sz="quarter" idx="1"/>
           </p:nvPr>
         </p:nvSpPr>
-        <p:spPr>
-          <a:ln/>
-        </p:spPr>
-        <p:txBody>
-          <a:bodyPr>
-            <a:normAutofit lnSpcReduction="10000"/>
-          </a:bodyPr>
-          <a:lstStyle/>
-          <a:p>
-            <a:pPr fontAlgn="ctr"/>
-            <a:r>
-              <a:rPr lang="en-US" sz="4000" dirty="0" smtClean="0"/>
-              <a:t>Hello </a:t>
-            </a:r>
-            <a:r>
-              <a:rPr lang="en-US" sz="4000" dirty="0" smtClean="0"/>
-              <a:t>world</a:t>
-            </a:r>
-            <a:endParaRPr lang="en-US" sz="9600" dirty="0" smtClean="0"/>
-          </a:p>
-          <a:p>
-            <a:pPr lvl="1" fontAlgn="ctr"/>
-            <a:r>
-              <a:rPr lang="en-US" sz="3600" dirty="0" smtClean="0"/>
-              <a:t>Arbitrary </a:t>
-            </a:r>
-            <a:r>
-              <a:rPr lang="en-US" sz="3600" dirty="0" smtClean="0"/>
-              <a:t>sequence of results</a:t>
-            </a:r>
-            <a:endParaRPr lang="en-US" sz="8800" dirty="0" smtClean="0"/>
-          </a:p>
-          <a:p>
-            <a:pPr lvl="2" fontAlgn="ctr"/>
+        <p:spPr/>
+        <p:txBody>
+          <a:bodyPr/>
+          <a:lstStyle/>
+          <a:p>
             <a:r>
               <a:rPr lang="en-US" dirty="0" smtClean="0"/>
-              <a:t>Optimally: "Hello distributed world!"</a:t>
-            </a:r>
-            <a:endParaRPr lang="en-US" sz="6000" dirty="0" smtClean="0"/>
-          </a:p>
-          <a:p>
-            <a:pPr lvl="1" fontAlgn="ctr"/>
-            <a:r>
-              <a:rPr lang="en-US" sz="3600" dirty="0" smtClean="0"/>
-              <a:t>Demonstrates</a:t>
-            </a:r>
-            <a:endParaRPr lang="en-US" sz="8800" dirty="0" smtClean="0"/>
-          </a:p>
-          <a:p>
-            <a:pPr lvl="2" fontAlgn="ctr"/>
+              <a:t>Compile and run example locally</a:t>
+            </a:r>
+          </a:p>
+          <a:p>
             <a:r>
               <a:rPr lang="en-US" dirty="0" smtClean="0"/>
-              <a:t>How to launch a remote job using SAGA </a:t>
-            </a:r>
-            <a:r>
-              <a:rPr lang="en-US" dirty="0" err="1" smtClean="0"/>
-              <a:t>job_service</a:t>
-            </a:r>
-            <a:endParaRPr lang="en-US" sz="6000" dirty="0" smtClean="0"/>
-          </a:p>
-          <a:p>
-            <a:pPr lvl="2" fontAlgn="ctr"/>
+              <a:t>Modify the code to run it remotely</a:t>
+            </a:r>
+          </a:p>
+          <a:p>
             <a:r>
               <a:rPr lang="en-US" dirty="0" smtClean="0"/>
-              <a:t>Pass arguments using the command line</a:t>
-            </a:r>
-            <a:endParaRPr lang="en-US" sz="6000" dirty="0" smtClean="0"/>
-          </a:p>
-          <a:p>
-            <a:pPr lvl="2" fontAlgn="ctr"/>
+              <a:t>Compile and run example remotely</a:t>
+            </a:r>
+          </a:p>
+          <a:p>
             <a:r>
               <a:rPr lang="en-US" dirty="0" smtClean="0"/>
-              <a:t>Collect result by output redirection</a:t>
-            </a:r>
-            <a:endParaRPr lang="en-US" sz="6000" dirty="0" smtClean="0"/>
+              <a:t>Run other remote executables</a:t>
+            </a:r>
           </a:p>
           <a:p>
             <a:r>
               <a:rPr lang="en-US" dirty="0" smtClean="0"/>
-              <a:t>The </a:t>
-            </a:r>
-            <a:r>
-              <a:rPr lang="en-US" dirty="0" smtClean="0"/>
-              <a:t>source code can be found here (see ‘Example1’):</a:t>
-            </a:r>
-          </a:p>
-          <a:p>
-            <a:pPr lvl="1"/>
-            <a:r>
-              <a:rPr lang="en-US" dirty="0" smtClean="0">
-                <a:hlinkClick r:id="rId2"/>
-              </a:rPr>
-              <a:t>http://</a:t>
-            </a:r>
-            <a:r>
-              <a:rPr lang="en-US" dirty="0" smtClean="0">
-                <a:hlinkClick r:id="rId2"/>
-              </a:rPr>
-              <a:t>faust.cct.lsu.edu/trac/saga/wiki/NeSC2009</a:t>
-            </a:r>
-          </a:p>
-          <a:p>
-            <a:pPr lvl="1" fontAlgn="ctr"/>
-            <a:r>
-              <a:rPr lang="en-US" sz="3600" dirty="0" smtClean="0"/>
-              <a:t>The example uses </a:t>
-            </a:r>
-            <a:r>
-              <a:rPr lang="en-US" sz="3600" dirty="0" err="1" smtClean="0"/>
-              <a:t>localhost</a:t>
-            </a:r>
-            <a:r>
-              <a:rPr lang="en-US" sz="3600" dirty="0" smtClean="0"/>
-              <a:t> to spawn </a:t>
-            </a:r>
-            <a:r>
-              <a:rPr lang="en-US" sz="3600" dirty="0" err="1" smtClean="0"/>
-              <a:t>childs</a:t>
-            </a:r>
-            <a:endParaRPr lang="en-US" sz="8800" dirty="0" smtClean="0"/>
-          </a:p>
-          <a:p>
-            <a:pPr lvl="1" fontAlgn="ctr"/>
-            <a:r>
-              <a:rPr lang="en-US" dirty="0" smtClean="0"/>
-              <a:t>For remote execution change HOST1, HOST2, HOST3 from "</a:t>
-            </a:r>
-            <a:r>
-              <a:rPr lang="en-US" dirty="0" err="1" smtClean="0"/>
-              <a:t>localhost</a:t>
-            </a:r>
-            <a:r>
-              <a:rPr lang="en-US" dirty="0" smtClean="0"/>
-              <a:t>" to "</a:t>
-            </a:r>
-            <a:r>
-              <a:rPr lang="de-DE" dirty="0" smtClean="0"/>
-              <a:t>[</a:t>
-            </a:r>
-            <a:r>
-              <a:rPr lang="en-US" dirty="0" smtClean="0"/>
-              <a:t>tc11, tc15, tc16, or tc17].</a:t>
-            </a:r>
-            <a:r>
-              <a:rPr lang="en-US" dirty="0" err="1" smtClean="0"/>
-              <a:t>nesc.ed.ac.uk</a:t>
-            </a:r>
-            <a:r>
-              <a:rPr lang="en-US" dirty="0" smtClean="0"/>
-              <a:t>"</a:t>
-            </a:r>
-          </a:p>
-        </p:txBody>
-      </p:sp>
-      <p:sp>
-        <p:nvSpPr>
-          <p:cNvPr id="5" name="Date Placeholder 4"/>
+              <a:t>…</a:t>
+            </a:r>
+          </a:p>
+          <a:p>
+            <a:endParaRPr lang="en-US" dirty="0" smtClean="0"/>
+          </a:p>
+          <a:p>
+            <a:endParaRPr lang="en-US" dirty="0"/>
+          </a:p>
+        </p:txBody>
+      </p:sp>
+      <p:sp>
+        <p:nvSpPr>
+          <p:cNvPr id="4" name="Date Placeholder 3"/>
           <p:cNvSpPr>
             <a:spLocks noGrp="1"/>
           </p:cNvSpPr>
@@ -13886,6 +13719,29 @@
             <a:r>
               <a:rPr lang="en-US" smtClean="0"/>
               <a:t>September 3rd/4th, 2009</a:t>
+            </a:r>
+            <a:endParaRPr lang="en-US" dirty="0"/>
+          </a:p>
+        </p:txBody>
+      </p:sp>
+      <p:sp>
+        <p:nvSpPr>
+          <p:cNvPr id="5" name="Footer Placeholder 4"/>
+          <p:cNvSpPr>
+            <a:spLocks noGrp="1"/>
+          </p:cNvSpPr>
+          <p:nvPr>
+            <p:ph type="ftr" sz="quarter" idx="3"/>
+          </p:nvPr>
+        </p:nvSpPr>
+        <p:spPr/>
+        <p:txBody>
+          <a:bodyPr/>
+          <a:lstStyle/>
+          <a:p>
+            <a:r>
+              <a:rPr lang="en-US" smtClean="0"/>
+              <a:t>NeSC SAGA Tutorial</a:t>
             </a:r>
             <a:endParaRPr lang="en-US" dirty="0"/>
           </a:p>
@@ -13912,29 +13768,6 @@
               <a:t>33</a:t>
             </a:fld>
             <a:endParaRPr lang="en-US"/>
-          </a:p>
-        </p:txBody>
-      </p:sp>
-      <p:sp>
-        <p:nvSpPr>
-          <p:cNvPr id="7" name="Footer Placeholder 6"/>
-          <p:cNvSpPr>
-            <a:spLocks noGrp="1"/>
-          </p:cNvSpPr>
-          <p:nvPr>
-            <p:ph type="ftr" sz="quarter" idx="3"/>
-          </p:nvPr>
-        </p:nvSpPr>
-        <p:spPr/>
-        <p:txBody>
-          <a:bodyPr/>
-          <a:lstStyle/>
-          <a:p>
-            <a:r>
-              <a:rPr lang="en-US" smtClean="0"/>
-              <a:t>NeSC SAGA Tutorial</a:t>
-            </a:r>
-            <a:endParaRPr lang="en-US" dirty="0"/>
           </a:p>
         </p:txBody>
       </p:sp>
@@ -13943,7 +13776,6 @@
   <p:clrMapOvr>
     <a:masterClrMapping/>
   </p:clrMapOvr>
-  <p:transition/>
 </p:sld>
 </file>
 
@@ -13981,7 +13813,11 @@
           <a:p>
             <a:r>
               <a:rPr lang="en-US" dirty="0" smtClean="0"/>
-              <a:t>Hands on</a:t>
+              <a:t>Example 2: </a:t>
+            </a:r>
+            <a:r>
+              <a:rPr lang="en-US" dirty="0" err="1" smtClean="0"/>
+              <a:t>chaining_jobs</a:t>
             </a:r>
             <a:endParaRPr lang="en-US" dirty="0"/>
           </a:p>
@@ -13999,44 +13835,116 @@
         </p:nvSpPr>
         <p:spPr/>
         <p:txBody>
-          <a:bodyPr/>
-          <a:lstStyle/>
-          <a:p>
-            <a:r>
-              <a:rPr lang="en-US" dirty="0" smtClean="0"/>
-              <a:t>Compile and run example locally</a:t>
-            </a:r>
-          </a:p>
-          <a:p>
-            <a:r>
-              <a:rPr lang="en-US" dirty="0" smtClean="0"/>
-              <a:t>Modify the code to run it remotely</a:t>
-            </a:r>
-          </a:p>
-          <a:p>
-            <a:r>
-              <a:rPr lang="en-US" dirty="0" smtClean="0"/>
-              <a:t>Compile and run example </a:t>
-            </a:r>
-            <a:r>
-              <a:rPr lang="en-US" dirty="0" smtClean="0"/>
-              <a:t>remotely</a:t>
-            </a:r>
-          </a:p>
-          <a:p>
-            <a:r>
-              <a:rPr lang="en-US" dirty="0" smtClean="0"/>
-              <a:t>Run other remote executables</a:t>
-            </a:r>
-          </a:p>
-          <a:p>
-            <a:r>
-              <a:rPr lang="en-US" dirty="0" smtClean="0"/>
-              <a:t>…</a:t>
-            </a:r>
-          </a:p>
-          <a:p>
-            <a:endParaRPr lang="en-US" dirty="0" smtClean="0"/>
+          <a:bodyPr>
+            <a:normAutofit/>
+          </a:bodyPr>
+          <a:lstStyle/>
+          <a:p>
+            <a:pPr fontAlgn="ctr"/>
+            <a:r>
+              <a:rPr lang="en-US" sz="4000" dirty="0" smtClean="0"/>
+              <a:t>Launch 3 jobs on 3 different machines</a:t>
+            </a:r>
+            <a:endParaRPr lang="en-US" sz="9600" dirty="0" smtClean="0"/>
+          </a:p>
+          <a:p>
+            <a:pPr fontAlgn="ctr"/>
+            <a:r>
+              <a:rPr lang="en-US" sz="4000" dirty="0" smtClean="0"/>
+              <a:t>Output of previous job is needed to launch next job</a:t>
+            </a:r>
+            <a:endParaRPr lang="en-US" sz="9600" dirty="0" smtClean="0"/>
+          </a:p>
+          <a:p>
+            <a:pPr fontAlgn="ctr"/>
+            <a:r>
+              <a:rPr lang="en-US" sz="4000" dirty="0" smtClean="0"/>
+              <a:t>Simple sequential execution, but SAGA style</a:t>
+            </a:r>
+            <a:endParaRPr lang="en-US" sz="9600" dirty="0" smtClean="0"/>
+          </a:p>
+          <a:p>
+            <a:pPr fontAlgn="ctr"/>
+            <a:r>
+              <a:rPr lang="en-US" sz="4000" dirty="0" smtClean="0"/>
+              <a:t>Demonstrates</a:t>
+            </a:r>
+            <a:endParaRPr lang="en-US" sz="9600" dirty="0" smtClean="0"/>
+          </a:p>
+          <a:p>
+            <a:pPr lvl="1" fontAlgn="ctr"/>
+            <a:r>
+              <a:rPr lang="en-US" sz="3600" dirty="0" smtClean="0"/>
+              <a:t>How to launch a job using SAGA </a:t>
+            </a:r>
+            <a:r>
+              <a:rPr lang="en-US" sz="3600" dirty="0" err="1" smtClean="0"/>
+              <a:t>job_service</a:t>
+            </a:r>
+            <a:endParaRPr lang="en-US" sz="8800" dirty="0" smtClean="0"/>
+          </a:p>
+          <a:p>
+            <a:pPr lvl="1" fontAlgn="ctr"/>
+            <a:r>
+              <a:rPr lang="en-US" sz="3600" dirty="0" smtClean="0"/>
+              <a:t>How to feed input to launched job</a:t>
+            </a:r>
+            <a:endParaRPr lang="en-US" sz="8800" dirty="0" smtClean="0"/>
+          </a:p>
+          <a:p>
+            <a:pPr lvl="1" fontAlgn="ctr"/>
+            <a:r>
+              <a:rPr lang="en-US" sz="3600" dirty="0" smtClean="0"/>
+              <a:t>How to collect output</a:t>
+            </a:r>
+            <a:endParaRPr lang="en-US" sz="8800" dirty="0" smtClean="0"/>
+          </a:p>
+          <a:p>
+            <a:pPr fontAlgn="ctr"/>
+            <a:r>
+              <a:rPr lang="en-US" sz="4000" dirty="0" smtClean="0"/>
+              <a:t>Launched job: </a:t>
+            </a:r>
+            <a:r>
+              <a:rPr lang="en-US" sz="4000" dirty="0" smtClean="0"/>
+              <a:t>/</a:t>
+            </a:r>
+            <a:r>
+              <a:rPr lang="en-US" sz="4000" dirty="0" err="1" smtClean="0"/>
+              <a:t>usr</a:t>
+            </a:r>
+            <a:r>
+              <a:rPr lang="en-US" sz="4000" dirty="0" smtClean="0"/>
+              <a:t>/bin/</a:t>
+            </a:r>
+            <a:r>
+              <a:rPr lang="en-US" sz="4000" dirty="0" err="1" smtClean="0"/>
+              <a:t>bc</a:t>
+            </a:r>
+            <a:r>
+              <a:rPr lang="en-US" sz="4000" dirty="0" smtClean="0"/>
+              <a:t> </a:t>
+            </a:r>
+          </a:p>
+          <a:p>
+            <a:pPr fontAlgn="ctr"/>
+            <a:r>
+              <a:rPr lang="de-DE" sz="3600" dirty="0" smtClean="0"/>
+              <a:t>Increment </a:t>
+            </a:r>
+            <a:r>
+              <a:rPr lang="de-DE" sz="3600" dirty="0" smtClean="0"/>
+              <a:t>the number passed as the argument</a:t>
+            </a:r>
+            <a:endParaRPr lang="de-DE" sz="8800" dirty="0" smtClean="0"/>
+          </a:p>
+          <a:p>
+            <a:pPr lvl="1" fontAlgn="ctr"/>
+            <a:r>
+              <a:rPr lang="de-DE" sz="3600" dirty="0" smtClean="0"/>
+              <a:t>Pass returned incremented number to next job</a:t>
+            </a:r>
+            <a:endParaRPr lang="de-DE" sz="8800" dirty="0" smtClean="0"/>
           </a:p>
           <a:p>
             <a:endParaRPr lang="en-US" dirty="0"/>
@@ -14140,155 +14048,175 @@
       </p:grpSpPr>
       <p:sp>
         <p:nvSpPr>
-          <p:cNvPr id="30721" name="Rectangle 1"/>
-          <p:cNvSpPr>
-            <a:spLocks noGrp="1" noChangeArrowheads="1"/>
+          <p:cNvPr id="2" name="Title 1"/>
+          <p:cNvSpPr>
+            <a:spLocks noGrp="1"/>
           </p:cNvSpPr>
           <p:nvPr>
             <p:ph type="title"/>
           </p:nvPr>
         </p:nvSpPr>
-        <p:spPr>
-          <a:ln/>
-        </p:spPr>
-        <p:txBody>
-          <a:bodyPr/>
-          <a:lstStyle/>
-          <a:p>
-            <a:r>
-              <a:rPr lang="en-US"/>
-              <a:t>EXAMPLE 3: DEPENDING_jobs</a:t>
-            </a:r>
-          </a:p>
-        </p:txBody>
-      </p:sp>
-      <p:sp>
-        <p:nvSpPr>
-          <p:cNvPr id="30722" name="Rectangle 2"/>
-          <p:cNvSpPr>
-            <a:spLocks noGrp="1" noChangeArrowheads="1"/>
+        <p:spPr/>
+        <p:txBody>
+          <a:bodyPr/>
+          <a:lstStyle/>
+          <a:p>
+            <a:r>
+              <a:rPr lang="en-US" dirty="0" smtClean="0"/>
+              <a:t>Example 2: </a:t>
+            </a:r>
+            <a:r>
+              <a:rPr lang="en-US" dirty="0" err="1" smtClean="0"/>
+              <a:t>chaining_jobs</a:t>
+            </a:r>
+            <a:endParaRPr lang="en-US" dirty="0"/>
+          </a:p>
+        </p:txBody>
+      </p:sp>
+      <p:sp>
+        <p:nvSpPr>
+          <p:cNvPr id="3" name="Content Placeholder 2"/>
+          <p:cNvSpPr>
+            <a:spLocks noGrp="1"/>
           </p:cNvSpPr>
           <p:nvPr>
             <p:ph sz="quarter" idx="1"/>
           </p:nvPr>
         </p:nvSpPr>
-        <p:spPr>
-          <a:xfrm>
-            <a:off x="469900" y="2476500"/>
-            <a:ext cx="12090400" cy="6464300"/>
-          </a:xfrm>
-          <a:ln/>
-        </p:spPr>
-        <p:txBody>
-          <a:bodyPr/>
-          <a:lstStyle/>
-          <a:p>
-            <a:r>
-              <a:rPr lang="en-US"/>
-              <a:t>The source code can be found here:</a:t>
-            </a:r>
-          </a:p>
-          <a:p>
-            <a:pPr marL="685800" lvl="1"/>
-            <a:r>
-              <a:rPr lang="en-US" u="sng">
-                <a:solidFill>
-                  <a:srgbClr val="B70000"/>
-                </a:solidFill>
-                <a:hlinkClick r:id="rId2"/>
-              </a:rPr>
-              <a:t>http://issgc-server-01.polytech.unice.fr/saga/examples/depending_jobs.cpp</a:t>
-            </a:r>
-            <a:endParaRPr lang="en-US">
-              <a:solidFill>
-                <a:srgbClr val="B70000"/>
-              </a:solidFill>
-            </a:endParaRPr>
-          </a:p>
-          <a:p>
-            <a:r>
-              <a:rPr lang="en-US"/>
-              <a:t>Change this line:</a:t>
-            </a:r>
-          </a:p>
-          <a:p>
-            <a:endParaRPr lang="en-US"/>
-          </a:p>
-          <a:p>
-            <a:r>
-              <a:rPr lang="en-US"/>
-              <a:t>Make sure the advert entry is empty </a:t>
-            </a:r>
-          </a:p>
-        </p:txBody>
-      </p:sp>
-      <p:pic>
-        <p:nvPicPr>
-          <p:cNvPr id="30723" name="Picture 3"/>
-          <p:cNvPicPr>
-            <a:picLocks noChangeArrowheads="1"/>
-          </p:cNvPicPr>
-          <p:nvPr/>
-        </p:nvPicPr>
-        <p:blipFill>
-          <a:blip r:embed="rId3" cstate="print"/>
-          <a:srcRect/>
-          <a:stretch>
-            <a:fillRect/>
-          </a:stretch>
-        </p:blipFill>
-        <p:spPr bwMode="auto">
-          <a:xfrm>
-            <a:off x="596900" y="5118100"/>
-            <a:ext cx="11772900" cy="914400"/>
-          </a:xfrm>
-          <a:prstGeom prst="rect">
-            <a:avLst/>
-          </a:prstGeom>
-          <a:noFill/>
-          <a:ln w="12700" cap="flat">
-            <a:noFill/>
-            <a:miter lim="800000"/>
-            <a:headEnd/>
-            <a:tailEnd/>
-          </a:ln>
-        </p:spPr>
-      </p:pic>
-      <p:pic>
-        <p:nvPicPr>
-          <p:cNvPr id="30724" name="Picture 4"/>
-          <p:cNvPicPr>
-            <a:picLocks noChangeArrowheads="1"/>
-          </p:cNvPicPr>
-          <p:nvPr/>
-        </p:nvPicPr>
-        <p:blipFill>
-          <a:blip r:embed="rId4" cstate="print"/>
-          <a:srcRect/>
-          <a:stretch>
-            <a:fillRect/>
-          </a:stretch>
-        </p:blipFill>
-        <p:spPr bwMode="auto">
-          <a:xfrm>
-            <a:off x="596900" y="7124700"/>
-            <a:ext cx="11772900" cy="914400"/>
-          </a:xfrm>
-          <a:prstGeom prst="rect">
-            <a:avLst/>
-          </a:prstGeom>
-          <a:noFill/>
-          <a:ln w="12700" cap="flat">
-            <a:noFill/>
-            <a:miter lim="800000"/>
-            <a:headEnd/>
-            <a:tailEnd/>
-          </a:ln>
-        </p:spPr>
-      </p:pic>
-      <p:sp>
-        <p:nvSpPr>
-          <p:cNvPr id="6" name="Date Placeholder 5"/>
+        <p:spPr/>
+        <p:txBody>
+          <a:bodyPr>
+            <a:normAutofit fontScale="85000" lnSpcReduction="20000"/>
+          </a:bodyPr>
+          <a:lstStyle/>
+          <a:p>
+            <a:pPr fontAlgn="ctr"/>
+            <a:r>
+              <a:rPr lang="de-DE" sz="4000" dirty="0" smtClean="0"/>
+              <a:t>Pass input</a:t>
+            </a:r>
+            <a:endParaRPr lang="de-DE" sz="9600" dirty="0" smtClean="0"/>
+          </a:p>
+          <a:p>
+            <a:pPr lvl="1" fontAlgn="ctr"/>
+            <a:r>
+              <a:rPr lang="de-DE" sz="3600" dirty="0" smtClean="0"/>
+              <a:t>Command line (same as before)</a:t>
+            </a:r>
+            <a:endParaRPr lang="de-DE" sz="8800" dirty="0" smtClean="0"/>
+          </a:p>
+          <a:p>
+            <a:pPr lvl="1" fontAlgn="ctr"/>
+            <a:r>
+              <a:rPr lang="de-DE" sz="3600" dirty="0" smtClean="0"/>
+              <a:t>Stage in of input files</a:t>
+            </a:r>
+            <a:endParaRPr lang="de-DE" sz="8800" dirty="0" smtClean="0"/>
+          </a:p>
+          <a:p>
+            <a:pPr lvl="2" fontAlgn="ctr"/>
+            <a:r>
+              <a:rPr lang="de-DE" dirty="0" smtClean="0"/>
+              <a:t>Using job package API</a:t>
+            </a:r>
+            <a:endParaRPr lang="de-DE" sz="6000" dirty="0" smtClean="0"/>
+          </a:p>
+          <a:p>
+            <a:pPr lvl="2" fontAlgn="ctr"/>
+            <a:r>
+              <a:rPr lang="de-DE" dirty="0" smtClean="0"/>
+              <a:t>Using file package API</a:t>
+            </a:r>
+            <a:endParaRPr lang="de-DE" sz="6000" dirty="0" smtClean="0"/>
+          </a:p>
+          <a:p>
+            <a:pPr lvl="1" fontAlgn="ctr"/>
+            <a:r>
+              <a:rPr lang="de-DE" sz="3600" dirty="0" smtClean="0"/>
+              <a:t>Input redirection</a:t>
+            </a:r>
+            <a:endParaRPr lang="de-DE" sz="8800" dirty="0" smtClean="0"/>
+          </a:p>
+          <a:p>
+            <a:pPr lvl="1" fontAlgn="ctr"/>
+            <a:r>
+              <a:rPr lang="de-DE" sz="3600" dirty="0" smtClean="0"/>
+              <a:t>Using Stream API </a:t>
+            </a:r>
+            <a:endParaRPr lang="de-DE" sz="8800" dirty="0" smtClean="0"/>
+          </a:p>
+          <a:p>
+            <a:pPr lvl="1" fontAlgn="ctr"/>
+            <a:r>
+              <a:rPr lang="de-DE" sz="3600" dirty="0" smtClean="0"/>
+              <a:t>Using Advert service</a:t>
+            </a:r>
+            <a:endParaRPr lang="de-DE" sz="8800" dirty="0" smtClean="0"/>
+          </a:p>
+          <a:p>
+            <a:pPr fontAlgn="ctr"/>
+            <a:r>
+              <a:rPr lang="de-DE" sz="4000" dirty="0" smtClean="0"/>
+              <a:t>Collect output</a:t>
+            </a:r>
+            <a:endParaRPr lang="de-DE" sz="9600" dirty="0" smtClean="0"/>
+          </a:p>
+          <a:p>
+            <a:pPr lvl="1" fontAlgn="ctr"/>
+            <a:r>
+              <a:rPr lang="de-DE" sz="3600" dirty="0" smtClean="0"/>
+              <a:t>Output redirection</a:t>
+            </a:r>
+            <a:endParaRPr lang="de-DE" sz="8800" dirty="0" smtClean="0"/>
+          </a:p>
+          <a:p>
+            <a:pPr lvl="1" fontAlgn="ctr"/>
+            <a:r>
+              <a:rPr lang="de-DE" sz="3600" dirty="0" smtClean="0"/>
+              <a:t>Stage out of output files</a:t>
+            </a:r>
+            <a:endParaRPr lang="de-DE" sz="8800" dirty="0" smtClean="0"/>
+          </a:p>
+          <a:p>
+            <a:pPr lvl="2" fontAlgn="ctr"/>
+            <a:r>
+              <a:rPr lang="de-DE" dirty="0" smtClean="0"/>
+              <a:t>Using job package API</a:t>
+            </a:r>
+            <a:endParaRPr lang="de-DE" sz="6000" dirty="0" smtClean="0"/>
+          </a:p>
+          <a:p>
+            <a:pPr lvl="2" fontAlgn="ctr"/>
+            <a:r>
+              <a:rPr lang="de-DE" dirty="0" smtClean="0"/>
+              <a:t>Using file package API</a:t>
+            </a:r>
+            <a:endParaRPr lang="de-DE" sz="6000" dirty="0" smtClean="0"/>
+          </a:p>
+          <a:p>
+            <a:pPr lvl="1" fontAlgn="ctr"/>
+            <a:r>
+              <a:rPr lang="de-DE" sz="3600" dirty="0" smtClean="0"/>
+              <a:t>Using Stream API</a:t>
+            </a:r>
+            <a:endParaRPr lang="de-DE" sz="8800" dirty="0" smtClean="0"/>
+          </a:p>
+          <a:p>
+            <a:pPr lvl="1" fontAlgn="ctr"/>
+            <a:r>
+              <a:rPr lang="de-DE" sz="3600" dirty="0" smtClean="0"/>
+              <a:t>Using Advert service</a:t>
+            </a:r>
+            <a:endParaRPr lang="de-DE" sz="8800" dirty="0" smtClean="0"/>
+          </a:p>
+          <a:p>
+            <a:endParaRPr lang="en-US" dirty="0"/>
+          </a:p>
+        </p:txBody>
+      </p:sp>
+      <p:sp>
+        <p:nvSpPr>
+          <p:cNvPr id="4" name="Date Placeholder 3"/>
           <p:cNvSpPr>
             <a:spLocks noGrp="1"/>
           </p:cNvSpPr>
@@ -14311,7 +14239,30 @@
       </p:sp>
       <p:sp>
         <p:nvSpPr>
-          <p:cNvPr id="7" name="Slide Number Placeholder 6"/>
+          <p:cNvPr id="5" name="Footer Placeholder 4"/>
+          <p:cNvSpPr>
+            <a:spLocks noGrp="1"/>
+          </p:cNvSpPr>
+          <p:nvPr>
+            <p:ph type="ftr" sz="quarter" idx="3"/>
+          </p:nvPr>
+        </p:nvSpPr>
+        <p:spPr/>
+        <p:txBody>
+          <a:bodyPr/>
+          <a:lstStyle/>
+          <a:p>
+            <a:r>
+              <a:rPr lang="en-US" smtClean="0"/>
+              <a:t>NeSC SAGA Tutorial</a:t>
+            </a:r>
+            <a:endParaRPr lang="en-US" dirty="0"/>
+          </a:p>
+        </p:txBody>
+      </p:sp>
+      <p:sp>
+        <p:nvSpPr>
+          <p:cNvPr id="6" name="Slide Number Placeholder 5"/>
           <p:cNvSpPr>
             <a:spLocks noGrp="1"/>
           </p:cNvSpPr>
@@ -14330,29 +14281,6 @@
               <a:t>35</a:t>
             </a:fld>
             <a:endParaRPr lang="en-US"/>
-          </a:p>
-        </p:txBody>
-      </p:sp>
-      <p:sp>
-        <p:nvSpPr>
-          <p:cNvPr id="8" name="Footer Placeholder 7"/>
-          <p:cNvSpPr>
-            <a:spLocks noGrp="1"/>
-          </p:cNvSpPr>
-          <p:nvPr>
-            <p:ph type="ftr" sz="quarter" idx="3"/>
-          </p:nvPr>
-        </p:nvSpPr>
-        <p:spPr/>
-        <p:txBody>
-          <a:bodyPr/>
-          <a:lstStyle/>
-          <a:p>
-            <a:r>
-              <a:rPr lang="en-US" smtClean="0"/>
-              <a:t>NeSC SAGA Tutorial</a:t>
-            </a:r>
-            <a:endParaRPr lang="en-US" dirty="0"/>
           </a:p>
         </p:txBody>
       </p:sp>
@@ -14361,7 +14289,6 @@
   <p:clrMapOvr>
     <a:masterClrMapping/>
   </p:clrMapOvr>
-  <p:transition/>
 </p:sld>
 </file>
 
@@ -14384,169 +14311,130 @@
       </p:grpSpPr>
       <p:sp>
         <p:nvSpPr>
-          <p:cNvPr id="31745" name="Rectangle 1"/>
-          <p:cNvSpPr>
-            <a:spLocks noGrp="1" noChangeArrowheads="1"/>
+          <p:cNvPr id="2" name="Title 1"/>
+          <p:cNvSpPr>
+            <a:spLocks noGrp="1"/>
           </p:cNvSpPr>
           <p:nvPr>
             <p:ph type="title"/>
           </p:nvPr>
         </p:nvSpPr>
-        <p:spPr>
-          <a:ln/>
-        </p:spPr>
-        <p:txBody>
-          <a:bodyPr/>
-          <a:lstStyle/>
-          <a:p>
-            <a:r>
-              <a:rPr lang="en-US"/>
-              <a:t>EXAMPLE 3: DEPENDING_jobs</a:t>
-            </a:r>
-          </a:p>
-        </p:txBody>
-      </p:sp>
-      <p:sp>
-        <p:nvSpPr>
-          <p:cNvPr id="31746" name="Rectangle 2"/>
-          <p:cNvSpPr>
-            <a:spLocks noGrp="1" noChangeArrowheads="1"/>
+        <p:spPr/>
+        <p:txBody>
+          <a:bodyPr/>
+          <a:lstStyle/>
+          <a:p>
+            <a:r>
+              <a:rPr lang="en-US" dirty="0" smtClean="0"/>
+              <a:t>Example 3: </a:t>
+            </a:r>
+            <a:r>
+              <a:rPr lang="en-US" dirty="0" err="1" smtClean="0"/>
+              <a:t>depending_jobs</a:t>
+            </a:r>
+            <a:endParaRPr lang="en-US" dirty="0"/>
+          </a:p>
+        </p:txBody>
+      </p:sp>
+      <p:sp>
+        <p:nvSpPr>
+          <p:cNvPr id="3" name="Content Placeholder 2"/>
+          <p:cNvSpPr>
+            <a:spLocks noGrp="1"/>
           </p:cNvSpPr>
           <p:nvPr>
             <p:ph sz="quarter" idx="1"/>
           </p:nvPr>
         </p:nvSpPr>
-        <p:spPr>
-          <a:ln/>
-        </p:spPr>
-        <p:txBody>
-          <a:bodyPr/>
-          <a:lstStyle/>
-          <a:p>
-            <a:r>
-              <a:rPr lang="en-US"/>
-              <a:t>Copy executable</a:t>
-            </a:r>
-          </a:p>
-          <a:p>
-            <a:endParaRPr lang="en-US"/>
-          </a:p>
-          <a:p>
-            <a:r>
-              <a:rPr lang="en-US"/>
-              <a:t>Run the example:</a:t>
-            </a:r>
-          </a:p>
-          <a:p>
-            <a:endParaRPr lang="en-US"/>
-          </a:p>
-          <a:p>
-            <a:r>
-              <a:rPr lang="en-US"/>
-              <a:t>Retrieve result from the advert service</a:t>
-            </a:r>
-          </a:p>
-        </p:txBody>
-      </p:sp>
-      <p:pic>
-        <p:nvPicPr>
-          <p:cNvPr id="31747" name="Picture 3"/>
-          <p:cNvPicPr>
-            <a:picLocks noChangeArrowheads="1"/>
-          </p:cNvPicPr>
-          <p:nvPr/>
-        </p:nvPicPr>
-        <p:blipFill>
-          <a:blip r:embed="rId2" cstate="print"/>
-          <a:srcRect/>
-          <a:stretch>
-            <a:fillRect/>
-          </a:stretch>
-        </p:blipFill>
-        <p:spPr bwMode="auto">
-          <a:xfrm>
-            <a:off x="615950" y="3657600"/>
-            <a:ext cx="11772900" cy="914400"/>
-          </a:xfrm>
-          <a:prstGeom prst="rect">
-            <a:avLst/>
-          </a:prstGeom>
-          <a:noFill/>
-          <a:ln w="12700" cap="flat">
-            <a:noFill/>
-            <a:miter lim="800000"/>
-            <a:headEnd/>
-            <a:tailEnd/>
-          </a:ln>
-        </p:spPr>
-      </p:pic>
-      <p:pic>
-        <p:nvPicPr>
-          <p:cNvPr id="31748" name="Picture 4"/>
-          <p:cNvPicPr>
-            <a:picLocks noChangeArrowheads="1"/>
-          </p:cNvPicPr>
-          <p:nvPr/>
-        </p:nvPicPr>
-        <p:blipFill>
-          <a:blip r:embed="rId3" cstate="print"/>
-          <a:srcRect/>
-          <a:stretch>
-            <a:fillRect/>
-          </a:stretch>
-        </p:blipFill>
-        <p:spPr bwMode="auto">
-          <a:xfrm>
-            <a:off x="615950" y="5029200"/>
-            <a:ext cx="11772900" cy="914400"/>
-          </a:xfrm>
-          <a:prstGeom prst="rect">
-            <a:avLst/>
-          </a:prstGeom>
-          <a:noFill/>
-          <a:ln w="12700" cap="flat">
-            <a:noFill/>
-            <a:miter lim="800000"/>
-            <a:headEnd/>
-            <a:tailEnd/>
-          </a:ln>
-        </p:spPr>
-      </p:pic>
-      <p:pic>
-        <p:nvPicPr>
-          <p:cNvPr id="31749" name="Picture 5"/>
-          <p:cNvPicPr>
-            <a:picLocks noChangeArrowheads="1"/>
-          </p:cNvPicPr>
-          <p:nvPr/>
-        </p:nvPicPr>
-        <p:blipFill>
-          <a:blip r:embed="rId4" cstate="print"/>
-          <a:srcRect/>
-          <a:stretch>
-            <a:fillRect/>
-          </a:stretch>
-        </p:blipFill>
-        <p:spPr bwMode="auto">
-          <a:xfrm>
-            <a:off x="615950" y="2286000"/>
-            <a:ext cx="11772900" cy="914400"/>
-          </a:xfrm>
-          <a:prstGeom prst="rect">
-            <a:avLst/>
-          </a:prstGeom>
-          <a:noFill/>
-          <a:ln w="12700" cap="flat">
-            <a:noFill/>
-            <a:miter lim="800000"/>
-            <a:headEnd/>
-            <a:tailEnd/>
-          </a:ln>
-        </p:spPr>
-      </p:pic>
-      <p:sp>
-        <p:nvSpPr>
-          <p:cNvPr id="7" name="Date Placeholder 6"/>
+        <p:spPr/>
+        <p:txBody>
+          <a:bodyPr>
+            <a:normAutofit fontScale="92500" lnSpcReduction="10000"/>
+          </a:bodyPr>
+          <a:lstStyle/>
+          <a:p>
+            <a:pPr fontAlgn="ctr"/>
+            <a:r>
+              <a:rPr lang="de-DE" sz="4000" dirty="0" smtClean="0"/>
+              <a:t>Coordinating information from advert service</a:t>
+            </a:r>
+          </a:p>
+          <a:p>
+            <a:pPr fontAlgn="ctr"/>
+            <a:r>
+              <a:rPr lang="de-DE" sz="4000" dirty="0" smtClean="0"/>
+              <a:t>Launch </a:t>
+            </a:r>
+            <a:r>
+              <a:rPr lang="de-DE" sz="4000" dirty="0" smtClean="0"/>
+              <a:t>a single job sequentially on a set of remote resources</a:t>
+            </a:r>
+            <a:endParaRPr lang="de-DE" sz="9600" dirty="0" smtClean="0"/>
+          </a:p>
+          <a:p>
+            <a:pPr lvl="1" fontAlgn="ctr"/>
+            <a:r>
+              <a:rPr lang="de-DE" sz="3600" dirty="0" smtClean="0"/>
+              <a:t>Simulating checkpointing/relaunching on different resource (migration)</a:t>
+            </a:r>
+            <a:endParaRPr lang="de-DE" sz="8800" dirty="0" smtClean="0"/>
+          </a:p>
+          <a:p>
+            <a:pPr fontAlgn="ctr"/>
+            <a:r>
+              <a:rPr lang="de-DE" sz="4000" dirty="0" smtClean="0"/>
+              <a:t>Maintain a single result value in advert service</a:t>
+            </a:r>
+            <a:endParaRPr lang="de-DE" sz="9600" dirty="0" smtClean="0"/>
+          </a:p>
+          <a:p>
+            <a:pPr lvl="1" fontAlgn="ctr"/>
+            <a:r>
+              <a:rPr lang="de-DE" sz="3600" dirty="0" smtClean="0"/>
+              <a:t>Gets written by one job, and read by the next</a:t>
+            </a:r>
+            <a:endParaRPr lang="de-DE" sz="8800" dirty="0" smtClean="0"/>
+          </a:p>
+          <a:p>
+            <a:pPr fontAlgn="ctr"/>
+            <a:r>
+              <a:rPr lang="de-DE" sz="4000" dirty="0" smtClean="0"/>
+              <a:t>Demonstrates </a:t>
+            </a:r>
+            <a:endParaRPr lang="de-DE" sz="9600" dirty="0" smtClean="0"/>
+          </a:p>
+          <a:p>
+            <a:pPr lvl="1" fontAlgn="ctr"/>
+            <a:r>
+              <a:rPr lang="de-DE" sz="3600" dirty="0" smtClean="0"/>
+              <a:t>How to launch remote job using SAGA job, while maintaining environment</a:t>
+            </a:r>
+            <a:endParaRPr lang="de-DE" sz="8800" dirty="0" smtClean="0"/>
+          </a:p>
+          <a:p>
+            <a:pPr lvl="1" fontAlgn="ctr"/>
+            <a:r>
+              <a:rPr lang="de-DE" sz="3600" dirty="0" smtClean="0"/>
+              <a:t>Assembling argument lists</a:t>
+            </a:r>
+            <a:endParaRPr lang="de-DE" sz="8800" dirty="0" smtClean="0"/>
+          </a:p>
+          <a:p>
+            <a:pPr fontAlgn="ctr"/>
+            <a:r>
+              <a:rPr lang="de-DE" sz="4000" dirty="0" smtClean="0"/>
+              <a:t>Result is left in advert service, but accessed afterwards</a:t>
+            </a:r>
+            <a:endParaRPr lang="de-DE" sz="9600" dirty="0" smtClean="0"/>
+          </a:p>
+          <a:p>
+            <a:endParaRPr lang="en-US" dirty="0"/>
+          </a:p>
+        </p:txBody>
+      </p:sp>
+      <p:sp>
+        <p:nvSpPr>
+          <p:cNvPr id="4" name="Date Placeholder 3"/>
           <p:cNvSpPr>
             <a:spLocks noGrp="1"/>
           </p:cNvSpPr>
@@ -14569,7 +14457,30 @@
       </p:sp>
       <p:sp>
         <p:nvSpPr>
-          <p:cNvPr id="8" name="Slide Number Placeholder 7"/>
+          <p:cNvPr id="5" name="Footer Placeholder 4"/>
+          <p:cNvSpPr>
+            <a:spLocks noGrp="1"/>
+          </p:cNvSpPr>
+          <p:nvPr>
+            <p:ph type="ftr" sz="quarter" idx="3"/>
+          </p:nvPr>
+        </p:nvSpPr>
+        <p:spPr/>
+        <p:txBody>
+          <a:bodyPr/>
+          <a:lstStyle/>
+          <a:p>
+            <a:r>
+              <a:rPr lang="en-US" smtClean="0"/>
+              <a:t>NeSC SAGA Tutorial</a:t>
+            </a:r>
+            <a:endParaRPr lang="en-US" dirty="0"/>
+          </a:p>
+        </p:txBody>
+      </p:sp>
+      <p:sp>
+        <p:nvSpPr>
+          <p:cNvPr id="6" name="Slide Number Placeholder 5"/>
           <p:cNvSpPr>
             <a:spLocks noGrp="1"/>
           </p:cNvSpPr>
@@ -14588,29 +14499,6 @@
               <a:t>36</a:t>
             </a:fld>
             <a:endParaRPr lang="en-US"/>
-          </a:p>
-        </p:txBody>
-      </p:sp>
-      <p:sp>
-        <p:nvSpPr>
-          <p:cNvPr id="9" name="Footer Placeholder 8"/>
-          <p:cNvSpPr>
-            <a:spLocks noGrp="1"/>
-          </p:cNvSpPr>
-          <p:nvPr>
-            <p:ph type="ftr" sz="quarter" idx="3"/>
-          </p:nvPr>
-        </p:nvSpPr>
-        <p:spPr/>
-        <p:txBody>
-          <a:bodyPr/>
-          <a:lstStyle/>
-          <a:p>
-            <a:r>
-              <a:rPr lang="en-US" smtClean="0"/>
-              <a:t>NeSC SAGA Tutorial</a:t>
-            </a:r>
-            <a:endParaRPr lang="en-US" dirty="0"/>
           </a:p>
         </p:txBody>
       </p:sp>
@@ -14619,7 +14507,6 @@
   <p:clrMapOvr>
     <a:masterClrMapping/>
   </p:clrMapOvr>
-  <p:transition/>
 </p:sld>
 </file>
 
@@ -14642,89 +14529,75 @@
       </p:grpSpPr>
       <p:sp>
         <p:nvSpPr>
-          <p:cNvPr id="32769" name="Rectangle 1"/>
-          <p:cNvSpPr>
-            <a:spLocks noGrp="1" noChangeArrowheads="1"/>
+          <p:cNvPr id="2" name="Title 1"/>
+          <p:cNvSpPr>
+            <a:spLocks noGrp="1"/>
           </p:cNvSpPr>
           <p:nvPr>
             <p:ph type="title"/>
           </p:nvPr>
         </p:nvSpPr>
-        <p:spPr>
-          <a:ln/>
-        </p:spPr>
-        <p:txBody>
-          <a:bodyPr/>
-          <a:lstStyle/>
-          <a:p>
-            <a:r>
-              <a:rPr lang="en-US"/>
-              <a:t>Conclusion</a:t>
-            </a:r>
-          </a:p>
-        </p:txBody>
-      </p:sp>
-      <p:sp>
-        <p:nvSpPr>
-          <p:cNvPr id="32770" name="Rectangle 2"/>
-          <p:cNvSpPr>
-            <a:spLocks noGrp="1" noChangeArrowheads="1"/>
+        <p:spPr/>
+        <p:txBody>
+          <a:bodyPr/>
+          <a:lstStyle/>
+          <a:p>
+            <a:r>
+              <a:rPr lang="en-US" dirty="0" smtClean="0"/>
+              <a:t>Exercise</a:t>
+            </a:r>
+            <a:endParaRPr lang="en-US" dirty="0"/>
+          </a:p>
+        </p:txBody>
+      </p:sp>
+      <p:sp>
+        <p:nvSpPr>
+          <p:cNvPr id="3" name="Content Placeholder 2"/>
+          <p:cNvSpPr>
+            <a:spLocks noGrp="1"/>
           </p:cNvSpPr>
           <p:nvPr>
             <p:ph sz="quarter" idx="1"/>
           </p:nvPr>
         </p:nvSpPr>
-        <p:spPr>
-          <a:ln/>
-        </p:spPr>
-        <p:txBody>
-          <a:bodyPr/>
-          <a:lstStyle/>
-          <a:p>
-            <a:r>
-              <a:rPr lang="en-US"/>
-              <a:t>We saw simple examples from three different API packages:</a:t>
-            </a:r>
-          </a:p>
-          <a:p>
-            <a:pPr marL="685800" lvl="1"/>
-            <a:r>
-              <a:rPr lang="en-US"/>
-              <a:t>advert package</a:t>
-            </a:r>
-          </a:p>
-          <a:p>
-            <a:pPr marL="685800" lvl="1"/>
-            <a:r>
-              <a:rPr lang="en-US"/>
-              <a:t>job package</a:t>
-            </a:r>
-          </a:p>
-          <a:p>
-            <a:pPr marL="685800" lvl="1"/>
-            <a:r>
-              <a:rPr lang="en-US"/>
-              <a:t>file package</a:t>
-            </a:r>
-          </a:p>
-          <a:p>
-            <a:r>
-              <a:rPr lang="en-US"/>
-              <a:t>All the example code was rather simple, but of course it can be used to develop applications of arbitrary complexity</a:t>
-            </a:r>
-          </a:p>
-          <a:p>
-            <a:r>
-              <a:rPr lang="en-US"/>
-              <a:t>More packages available:</a:t>
-            </a:r>
-          </a:p>
-          <a:p>
-            <a:pPr marL="685800" lvl="1"/>
-            <a:r>
-              <a:rPr lang="en-US"/>
-              <a:t>replica, service discovery, cpr, streams</a:t>
-            </a:r>
+        <p:spPr/>
+        <p:txBody>
+          <a:bodyPr/>
+          <a:lstStyle/>
+          <a:p>
+            <a:r>
+              <a:rPr lang="en-US" dirty="0" smtClean="0"/>
+              <a:t>Modify </a:t>
+            </a:r>
+            <a:r>
+              <a:rPr lang="en-US" dirty="0" err="1" smtClean="0"/>
+              <a:t>hello_world</a:t>
+            </a:r>
+            <a:r>
+              <a:rPr lang="en-US" dirty="0" smtClean="0"/>
+              <a:t> to produce consistent results</a:t>
+            </a:r>
+          </a:p>
+          <a:p>
+            <a:pPr lvl="1"/>
+            <a:r>
+              <a:rPr lang="en-US" dirty="0" smtClean="0"/>
+              <a:t>“Hello distributed world!”</a:t>
+            </a:r>
+          </a:p>
+          <a:p>
+            <a:r>
+              <a:rPr lang="en-US" dirty="0" smtClean="0"/>
+              <a:t>Coordinate execution sequence of multiple jobs</a:t>
+            </a:r>
+          </a:p>
+          <a:p>
+            <a:pPr lvl="1"/>
+            <a:r>
+              <a:rPr lang="en-US" dirty="0" smtClean="0"/>
+              <a:t>3 jobs are running, but wait for a flag in advert service to be set by previous job to continue</a:t>
+            </a:r>
+            <a:endParaRPr lang="en-US" dirty="0"/>
           </a:p>
         </p:txBody>
       </p:sp>
@@ -14753,7 +14626,30 @@
       </p:sp>
       <p:sp>
         <p:nvSpPr>
-          <p:cNvPr id="5" name="Slide Number Placeholder 4"/>
+          <p:cNvPr id="5" name="Footer Placeholder 4"/>
+          <p:cNvSpPr>
+            <a:spLocks noGrp="1"/>
+          </p:cNvSpPr>
+          <p:nvPr>
+            <p:ph type="ftr" sz="quarter" idx="3"/>
+          </p:nvPr>
+        </p:nvSpPr>
+        <p:spPr/>
+        <p:txBody>
+          <a:bodyPr/>
+          <a:lstStyle/>
+          <a:p>
+            <a:r>
+              <a:rPr lang="en-US" smtClean="0"/>
+              <a:t>NeSC SAGA Tutorial</a:t>
+            </a:r>
+            <a:endParaRPr lang="en-US" dirty="0"/>
+          </a:p>
+        </p:txBody>
+      </p:sp>
+      <p:sp>
+        <p:nvSpPr>
+          <p:cNvPr id="6" name="Slide Number Placeholder 5"/>
           <p:cNvSpPr>
             <a:spLocks noGrp="1"/>
           </p:cNvSpPr>
@@ -14772,29 +14668,6 @@
               <a:t>37</a:t>
             </a:fld>
             <a:endParaRPr lang="en-US"/>
-          </a:p>
-        </p:txBody>
-      </p:sp>
-      <p:sp>
-        <p:nvSpPr>
-          <p:cNvPr id="6" name="Footer Placeholder 5"/>
-          <p:cNvSpPr>
-            <a:spLocks noGrp="1"/>
-          </p:cNvSpPr>
-          <p:nvPr>
-            <p:ph type="ftr" sz="quarter" idx="3"/>
-          </p:nvPr>
-        </p:nvSpPr>
-        <p:spPr/>
-        <p:txBody>
-          <a:bodyPr/>
-          <a:lstStyle/>
-          <a:p>
-            <a:r>
-              <a:rPr lang="en-US" smtClean="0"/>
-              <a:t>NeSC SAGA Tutorial</a:t>
-            </a:r>
-            <a:endParaRPr lang="en-US" dirty="0"/>
           </a:p>
         </p:txBody>
       </p:sp>
@@ -14803,7 +14676,6 @@
   <p:clrMapOvr>
     <a:masterClrMapping/>
   </p:clrMapOvr>
-  <p:transition/>
 </p:sld>
 </file>
 
@@ -14826,6 +14698,190 @@
       </p:grpSpPr>
       <p:sp>
         <p:nvSpPr>
+          <p:cNvPr id="32769" name="Rectangle 1"/>
+          <p:cNvSpPr>
+            <a:spLocks noGrp="1" noChangeArrowheads="1"/>
+          </p:cNvSpPr>
+          <p:nvPr>
+            <p:ph type="title"/>
+          </p:nvPr>
+        </p:nvSpPr>
+        <p:spPr>
+          <a:ln/>
+        </p:spPr>
+        <p:txBody>
+          <a:bodyPr/>
+          <a:lstStyle/>
+          <a:p>
+            <a:r>
+              <a:rPr lang="en-US"/>
+              <a:t>Conclusion</a:t>
+            </a:r>
+          </a:p>
+        </p:txBody>
+      </p:sp>
+      <p:sp>
+        <p:nvSpPr>
+          <p:cNvPr id="32770" name="Rectangle 2"/>
+          <p:cNvSpPr>
+            <a:spLocks noGrp="1" noChangeArrowheads="1"/>
+          </p:cNvSpPr>
+          <p:nvPr>
+            <p:ph sz="quarter" idx="1"/>
+          </p:nvPr>
+        </p:nvSpPr>
+        <p:spPr>
+          <a:ln/>
+        </p:spPr>
+        <p:txBody>
+          <a:bodyPr/>
+          <a:lstStyle/>
+          <a:p>
+            <a:r>
+              <a:rPr lang="en-US"/>
+              <a:t>We saw simple examples from three different API packages:</a:t>
+            </a:r>
+          </a:p>
+          <a:p>
+            <a:pPr marL="685800" lvl="1"/>
+            <a:r>
+              <a:rPr lang="en-US"/>
+              <a:t>advert package</a:t>
+            </a:r>
+          </a:p>
+          <a:p>
+            <a:pPr marL="685800" lvl="1"/>
+            <a:r>
+              <a:rPr lang="en-US"/>
+              <a:t>job package</a:t>
+            </a:r>
+          </a:p>
+          <a:p>
+            <a:pPr marL="685800" lvl="1"/>
+            <a:r>
+              <a:rPr lang="en-US"/>
+              <a:t>file package</a:t>
+            </a:r>
+          </a:p>
+          <a:p>
+            <a:r>
+              <a:rPr lang="en-US"/>
+              <a:t>All the example code was rather simple, but of course it can be used to develop applications of arbitrary complexity</a:t>
+            </a:r>
+          </a:p>
+          <a:p>
+            <a:r>
+              <a:rPr lang="en-US"/>
+              <a:t>More packages available:</a:t>
+            </a:r>
+          </a:p>
+          <a:p>
+            <a:pPr marL="685800" lvl="1"/>
+            <a:r>
+              <a:rPr lang="en-US"/>
+              <a:t>replica, service discovery, cpr, streams</a:t>
+            </a:r>
+          </a:p>
+        </p:txBody>
+      </p:sp>
+      <p:sp>
+        <p:nvSpPr>
+          <p:cNvPr id="4" name="Date Placeholder 3"/>
+          <p:cNvSpPr>
+            <a:spLocks noGrp="1"/>
+          </p:cNvSpPr>
+          <p:nvPr>
+            <p:ph type="dt" sz="half" idx="2"/>
+          </p:nvPr>
+        </p:nvSpPr>
+        <p:spPr/>
+        <p:txBody>
+          <a:bodyPr/>
+          <a:lstStyle/>
+          <a:p>
+            <a:r>
+              <a:rPr lang="en-US" smtClean="0"/>
+              <a:t>September 3rd/4th, 2009</a:t>
+            </a:r>
+            <a:endParaRPr lang="en-US" dirty="0"/>
+          </a:p>
+        </p:txBody>
+      </p:sp>
+      <p:sp>
+        <p:nvSpPr>
+          <p:cNvPr id="5" name="Slide Number Placeholder 4"/>
+          <p:cNvSpPr>
+            <a:spLocks noGrp="1"/>
+          </p:cNvSpPr>
+          <p:nvPr>
+            <p:ph type="sldNum" sz="quarter" idx="4"/>
+          </p:nvPr>
+        </p:nvSpPr>
+        <p:spPr/>
+        <p:txBody>
+          <a:bodyPr/>
+          <a:lstStyle/>
+          <a:p>
+            <a:fld id="{7A426C1A-D210-4B4B-86AA-6AEDDDCCF5FF}" type="slidenum">
+              <a:rPr lang="en-US" smtClean="0"/>
+              <a:pPr/>
+              <a:t>38</a:t>
+            </a:fld>
+            <a:endParaRPr lang="en-US"/>
+          </a:p>
+        </p:txBody>
+      </p:sp>
+      <p:sp>
+        <p:nvSpPr>
+          <p:cNvPr id="6" name="Footer Placeholder 5"/>
+          <p:cNvSpPr>
+            <a:spLocks noGrp="1"/>
+          </p:cNvSpPr>
+          <p:nvPr>
+            <p:ph type="ftr" sz="quarter" idx="3"/>
+          </p:nvPr>
+        </p:nvSpPr>
+        <p:spPr/>
+        <p:txBody>
+          <a:bodyPr/>
+          <a:lstStyle/>
+          <a:p>
+            <a:r>
+              <a:rPr lang="en-US" smtClean="0"/>
+              <a:t>NeSC SAGA Tutorial</a:t>
+            </a:r>
+            <a:endParaRPr lang="en-US" dirty="0"/>
+          </a:p>
+        </p:txBody>
+      </p:sp>
+    </p:spTree>
+  </p:cSld>
+  <p:clrMapOvr>
+    <a:masterClrMapping/>
+  </p:clrMapOvr>
+  <p:transition/>
+</p:sld>
+</file>
+
+<file path=ppt/slides/slide39.xml><?xml version="1.0" encoding="utf-8"?>
+<p:sld xmlns:a="http://schemas.openxmlformats.org/drawingml/2006/main" xmlns:r="http://schemas.openxmlformats.org/officeDocument/2006/relationships" xmlns:p="http://schemas.openxmlformats.org/presentationml/2006/main">
+  <p:cSld>
+    <p:spTree>
+      <p:nvGrpSpPr>
+        <p:cNvPr id="1" name=""/>
+        <p:cNvGrpSpPr/>
+        <p:nvPr/>
+      </p:nvGrpSpPr>
+      <p:grpSpPr>
+        <a:xfrm>
+          <a:off x="0" y="0"/>
+          <a:ext cx="0" cy="0"/>
+          <a:chOff x="0" y="0"/>
+          <a:chExt cx="0" cy="0"/>
+        </a:xfrm>
+      </p:grpSpPr>
+      <p:sp>
+        <p:nvSpPr>
           <p:cNvPr id="33793" name="Rectangle 1"/>
           <p:cNvSpPr>
             <a:spLocks/>
@@ -14853,17 +14909,17 @@
           <a:lstStyle/>
           <a:p>
             <a:r>
-              <a:rPr lang="en-US" sz="7200">
+              <a:rPr lang="en-US" sz="7200" dirty="0">
                 <a:solidFill>
                   <a:schemeClr val="tx1"/>
                 </a:solidFill>
                 <a:ea typeface="Gill Sans Light" charset="0"/>
                 <a:cs typeface="Gill Sans Light" charset="0"/>
               </a:rPr>
-              <a:t>THANKS</a:t>
+              <a:t/>
             </a:r>
             <a:br>
-              <a:rPr lang="en-US" sz="7200">
+              <a:rPr lang="en-US" sz="7200" dirty="0">
                 <a:solidFill>
                   <a:schemeClr val="tx1"/>
                 </a:solidFill>
@@ -14871,7 +14927,7 @@
                 <a:cs typeface="Gill Sans Light" charset="0"/>
               </a:rPr>
             </a:br>
-            <a:endParaRPr lang="en-US" sz="7200">
+            <a:endParaRPr lang="en-US" sz="7200" dirty="0">
               <a:solidFill>
                 <a:schemeClr val="tx1"/>
               </a:solidFill>
@@ -14909,7 +14965,7 @@
           <a:bodyPr lIns="0" tIns="0" rIns="0" bIns="0"/>
           <a:lstStyle/>
           <a:p>
-            <a:endParaRPr lang="en-US" sz="3800">
+            <a:endParaRPr lang="en-US" sz="3800" dirty="0">
               <a:solidFill>
                 <a:srgbClr val="B70000"/>
               </a:solidFill>
@@ -14919,7 +14975,56 @@
           </a:p>
           <a:p>
             <a:r>
-              <a:rPr lang="en-US" sz="3800" u="sng">
+              <a:rPr lang="en-US" sz="3800" dirty="0" smtClean="0">
+                <a:solidFill>
+                  <a:srgbClr val="B70000"/>
+                </a:solidFill>
+                <a:ea typeface="Gill Sans Light" charset="0"/>
+                <a:cs typeface="Gill Sans Light" charset="0"/>
+              </a:rPr>
+              <a:t>Thanks</a:t>
+            </a:r>
+            <a:r>
+              <a:rPr lang="en-US" sz="3800" smtClean="0">
+                <a:solidFill>
+                  <a:srgbClr val="B70000"/>
+                </a:solidFill>
+                <a:ea typeface="Gill Sans Light" charset="0"/>
+                <a:cs typeface="Gill Sans Light" charset="0"/>
+              </a:rPr>
+              <a:t>! Questions</a:t>
+            </a:r>
+            <a:r>
+              <a:rPr lang="en-US" sz="3800" dirty="0" smtClean="0">
+                <a:solidFill>
+                  <a:srgbClr val="B70000"/>
+                </a:solidFill>
+                <a:ea typeface="Gill Sans Light" charset="0"/>
+                <a:cs typeface="Gill Sans Light" charset="0"/>
+              </a:rPr>
+              <a:t>?</a:t>
+            </a:r>
+            <a:br>
+              <a:rPr lang="en-US" sz="3800" dirty="0" smtClean="0">
+                <a:solidFill>
+                  <a:srgbClr val="B70000"/>
+                </a:solidFill>
+                <a:ea typeface="Gill Sans Light" charset="0"/>
+                <a:cs typeface="Gill Sans Light" charset="0"/>
+              </a:rPr>
+            </a:br>
+            <a:endParaRPr lang="en-US" sz="3800" dirty="0" smtClean="0">
+              <a:solidFill>
+                <a:srgbClr val="B70000"/>
+              </a:solidFill>
+              <a:ea typeface="Gill Sans Light" charset="0"/>
+              <a:cs typeface="Gill Sans Light" charset="0"/>
+              <a:hlinkClick r:id="rId2"/>
+            </a:endParaRPr>
+          </a:p>
+          <a:p>
+            <a:r>
+              <a:rPr lang="en-US" sz="3800" u="sng" dirty="0" smtClean="0">
                 <a:solidFill>
                   <a:srgbClr val="B70000"/>
                 </a:solidFill>
@@ -14927,9 +15032,20 @@
                 <a:cs typeface="Gill Sans Light" charset="0"/>
                 <a:hlinkClick r:id="rId2"/>
               </a:rPr>
-              <a:t>http://saga.cct.lsu.edu</a:t>
-            </a:r>
-            <a:endParaRPr lang="en-US" sz="3800" u="sng">
+              <a:t>http</a:t>
+            </a:r>
+            <a:r>
+              <a:rPr lang="en-US" sz="3800" u="sng" dirty="0">
+                <a:solidFill>
+                  <a:srgbClr val="B70000"/>
+                </a:solidFill>
+                <a:ea typeface="Gill Sans Light" charset="0"/>
+                <a:cs typeface="Gill Sans Light" charset="0"/>
+                <a:hlinkClick r:id="rId2"/>
+              </a:rPr>
+              <a:t>://saga.cct.lsu.edu</a:t>
+            </a:r>
+            <a:endParaRPr lang="en-US" sz="3800" u="sng" dirty="0">
               <a:solidFill>
                 <a:srgbClr val="B70000"/>
               </a:solidFill>
@@ -14964,6 +15080,29 @@
       </p:sp>
       <p:sp>
         <p:nvSpPr>
+          <p:cNvPr id="6" name="Footer Placeholder 5"/>
+          <p:cNvSpPr>
+            <a:spLocks noGrp="1"/>
+          </p:cNvSpPr>
+          <p:nvPr>
+            <p:ph type="ftr" sz="quarter" idx="3"/>
+          </p:nvPr>
+        </p:nvSpPr>
+        <p:spPr/>
+        <p:txBody>
+          <a:bodyPr/>
+          <a:lstStyle/>
+          <a:p>
+            <a:r>
+              <a:rPr lang="en-US" smtClean="0"/>
+              <a:t>NeSC SAGA Tutorial</a:t>
+            </a:r>
+            <a:endParaRPr lang="en-US" dirty="0"/>
+          </a:p>
+        </p:txBody>
+      </p:sp>
+      <p:sp>
+        <p:nvSpPr>
           <p:cNvPr id="5" name="Slide Number Placeholder 4"/>
           <p:cNvSpPr>
             <a:spLocks noGrp="1"/>
@@ -14980,32 +15119,9 @@
             <a:fld id="{7A426C1A-D210-4B4B-86AA-6AEDDDCCF5FF}" type="slidenum">
               <a:rPr lang="en-US" smtClean="0"/>
               <a:pPr/>
-              <a:t>38</a:t>
+              <a:t>39</a:t>
             </a:fld>
             <a:endParaRPr lang="en-US"/>
-          </a:p>
-        </p:txBody>
-      </p:sp>
-      <p:sp>
-        <p:nvSpPr>
-          <p:cNvPr id="6" name="Footer Placeholder 5"/>
-          <p:cNvSpPr>
-            <a:spLocks noGrp="1"/>
-          </p:cNvSpPr>
-          <p:nvPr>
-            <p:ph type="ftr" sz="quarter" idx="3"/>
-          </p:nvPr>
-        </p:nvSpPr>
-        <p:spPr/>
-        <p:txBody>
-          <a:bodyPr/>
-          <a:lstStyle/>
-          <a:p>
-            <a:r>
-              <a:rPr lang="en-US" smtClean="0"/>
-              <a:t>NeSC SAGA Tutorial</a:t>
-            </a:r>
-            <a:endParaRPr lang="en-US" dirty="0"/>
           </a:p>
         </p:txBody>
       </p:sp>
@@ -16169,11 +16285,7 @@
           <a:p>
             <a:r>
               <a:rPr lang="en-US" dirty="0" smtClean="0"/>
-              <a:t>‘Shell bindings</a:t>
-            </a:r>
-            <a:r>
-              <a:rPr lang="en-US" dirty="0" smtClean="0"/>
-              <a:t>’</a:t>
+              <a:t>‘Shell bindings’</a:t>
             </a:r>
           </a:p>
           <a:p>
@@ -16182,7 +16294,6 @@
               <a:rPr lang="en-US" dirty="0" smtClean="0"/>
               <a:t>Package specific (file, job, advert, replica)</a:t>
             </a:r>
-            <a:endParaRPr lang="en-US" dirty="0" smtClean="0"/>
           </a:p>
           <a:p>
             <a:r>

--- a/tutorial/NeSC-2009/NeSC09-Practical-PPT.pptx
+++ b/tutorial/NeSC-2009/NeSC09-Practical-PPT.pptx
@@ -38,14 +38,14 @@
     <p:sldId id="275" r:id="rId29"/>
     <p:sldId id="295" r:id="rId30"/>
     <p:sldId id="297" r:id="rId31"/>
-    <p:sldId id="257" r:id="rId32"/>
-    <p:sldId id="299" r:id="rId33"/>
-    <p:sldId id="300" r:id="rId34"/>
-    <p:sldId id="301" r:id="rId35"/>
-    <p:sldId id="302" r:id="rId36"/>
-    <p:sldId id="303" r:id="rId37"/>
-    <p:sldId id="304" r:id="rId38"/>
-    <p:sldId id="261" r:id="rId39"/>
+    <p:sldId id="307" r:id="rId32"/>
+    <p:sldId id="257" r:id="rId33"/>
+    <p:sldId id="299" r:id="rId34"/>
+    <p:sldId id="300" r:id="rId35"/>
+    <p:sldId id="301" r:id="rId36"/>
+    <p:sldId id="302" r:id="rId37"/>
+    <p:sldId id="306" r:id="rId38"/>
+    <p:sldId id="303" r:id="rId39"/>
     <p:sldId id="264" r:id="rId40"/>
   </p:sldIdLst>
   <p:sldSz cx="13004800" cy="9753600"/>
@@ -5513,13 +5513,8 @@
             <a:pPr lvl="1" fontAlgn="ctr"/>
             <a:r>
               <a:rPr lang="de-DE" sz="3200" dirty="0" smtClean="0"/>
-              <a:t>Also available: Hadoop H-Base, </a:t>
-            </a:r>
-            <a:r>
-              <a:rPr lang="de-DE" sz="3200" dirty="0" smtClean="0"/>
-              <a:t>Hypertable</a:t>
-            </a:r>
-            <a:endParaRPr lang="de-DE" sz="3200" dirty="0" smtClean="0"/>
+              <a:t>Also available: Hadoop H-Base, Hypertable</a:t>
+            </a:r>
           </a:p>
         </p:txBody>
       </p:sp>
@@ -8996,7 +8991,6 @@
               <a:rPr lang="en-US" dirty="0" smtClean="0"/>
               <a:t>)</a:t>
             </a:r>
-            <a:endParaRPr lang="en-US" dirty="0" smtClean="0"/>
           </a:p>
           <a:p>
             <a:pPr lvl="1"/>
@@ -12647,8 +12641,9 @@
             <a:pPr lvl="1" fontAlgn="ctr"/>
             <a:r>
               <a:rPr lang="en-US" sz="3600" dirty="0" smtClean="0"/>
-              <a:t>Stream</a:t>
-            </a:r>
+              <a:t>Stream (server/client)</a:t>
+            </a:r>
+            <a:endParaRPr lang="en-US" sz="3600" dirty="0" smtClean="0"/>
           </a:p>
           <a:p>
             <a:pPr>
@@ -13020,7 +13015,18 @@
             <a:pPr lvl="1" fontAlgn="ctr"/>
             <a:r>
               <a:rPr lang="en-US" sz="3600" dirty="0" smtClean="0"/>
-              <a:t>Packages: file, job, replica</a:t>
+              <a:t>Packages: file, job, </a:t>
+            </a:r>
+            <a:r>
+              <a:rPr lang="en-US" sz="3600" dirty="0" smtClean="0"/>
+              <a:t>replica</a:t>
+            </a:r>
+          </a:p>
+          <a:p>
+            <a:pPr lvl="1" fontAlgn="ctr"/>
+            <a:r>
+              <a:rPr lang="en-US" sz="3600" dirty="0" smtClean="0"/>
+              <a:t>Modify stream server/client (see next slide)</a:t>
             </a:r>
             <a:endParaRPr lang="en-US" sz="8800" dirty="0" smtClean="0"/>
           </a:p>
@@ -13126,32 +13132,22 @@
       </p:grpSpPr>
       <p:sp>
         <p:nvSpPr>
-          <p:cNvPr id="29697" name="Rectangle 1"/>
-          <p:cNvSpPr>
-            <a:spLocks noGrp="1" noChangeArrowheads="1"/>
+          <p:cNvPr id="2" name="Title 1"/>
+          <p:cNvSpPr>
+            <a:spLocks noGrp="1"/>
           </p:cNvSpPr>
           <p:nvPr>
             <p:ph type="title"/>
           </p:nvPr>
         </p:nvSpPr>
-        <p:spPr>
-          <a:ln/>
-        </p:spPr>
+        <p:spPr/>
         <p:txBody>
           <a:bodyPr/>
           <a:lstStyle/>
           <a:p>
             <a:r>
               <a:rPr lang="en-US" dirty="0" smtClean="0"/>
-              <a:t>Example </a:t>
-            </a:r>
-            <a:r>
-              <a:rPr lang="en-US" dirty="0"/>
-              <a:t>1: </a:t>
-            </a:r>
-            <a:r>
-              <a:rPr lang="en-US" dirty="0" err="1"/>
-              <a:t>hello_world</a:t>
+              <a:t>Hands on </a:t>
             </a:r>
             <a:endParaRPr lang="en-US" dirty="0"/>
           </a:p>
@@ -13159,105 +13155,66 @@
       </p:sp>
       <p:sp>
         <p:nvSpPr>
-          <p:cNvPr id="29698" name="Rectangle 2"/>
-          <p:cNvSpPr>
-            <a:spLocks noGrp="1" noChangeArrowheads="1"/>
+          <p:cNvPr id="3" name="Content Placeholder 2"/>
+          <p:cNvSpPr>
+            <a:spLocks noGrp="1"/>
           </p:cNvSpPr>
           <p:nvPr>
             <p:ph sz="quarter" idx="1"/>
           </p:nvPr>
         </p:nvSpPr>
-        <p:spPr>
-          <a:ln/>
-        </p:spPr>
-        <p:txBody>
-          <a:bodyPr>
-            <a:normAutofit/>
-          </a:bodyPr>
-          <a:lstStyle/>
-          <a:p>
-            <a:pPr fontAlgn="ctr"/>
-            <a:r>
-              <a:rPr lang="en-US" sz="4000" dirty="0" smtClean="0"/>
-              <a:t>Hello world</a:t>
-            </a:r>
-            <a:endParaRPr lang="en-US" sz="9600" dirty="0" smtClean="0"/>
-          </a:p>
-          <a:p>
-            <a:pPr lvl="1" fontAlgn="ctr"/>
-            <a:r>
-              <a:rPr lang="en-US" sz="3600" dirty="0" smtClean="0"/>
-              <a:t>Launch 3 jobs on different machines</a:t>
-            </a:r>
-          </a:p>
-          <a:p>
-            <a:pPr lvl="2" fontAlgn="ctr"/>
+        <p:spPr/>
+        <p:txBody>
+          <a:bodyPr/>
+          <a:lstStyle/>
+          <a:p>
             <a:r>
               <a:rPr lang="en-US" dirty="0" smtClean="0"/>
-              <a:t>Execute “/bin/echo”</a:t>
-            </a:r>
-          </a:p>
-          <a:p>
-            <a:pPr lvl="1" fontAlgn="ctr"/>
-            <a:r>
-              <a:rPr lang="en-US" sz="3600" dirty="0" smtClean="0"/>
-              <a:t>No job dependency</a:t>
-            </a:r>
-            <a:endParaRPr lang="en-US" sz="8800" dirty="0" smtClean="0"/>
-          </a:p>
-          <a:p>
-            <a:pPr lvl="1" fontAlgn="ctr"/>
-            <a:r>
-              <a:rPr lang="en-US" sz="3600" dirty="0" smtClean="0"/>
-              <a:t>Each job returns its passed input argument</a:t>
-            </a:r>
-            <a:endParaRPr lang="en-US" sz="8800" dirty="0" smtClean="0"/>
-          </a:p>
-          <a:p>
-            <a:pPr lvl="2" fontAlgn="ctr"/>
+              <a:t>Modify </a:t>
+            </a:r>
+            <a:r>
+              <a:rPr lang="en-US" dirty="0" err="1" smtClean="0"/>
+              <a:t>stream_server</a:t>
+            </a:r>
             <a:r>
               <a:rPr lang="en-US" dirty="0" smtClean="0"/>
-              <a:t>"Hello"</a:t>
-            </a:r>
-            <a:endParaRPr lang="en-US" sz="6000" dirty="0" smtClean="0"/>
-          </a:p>
-          <a:p>
-            <a:pPr lvl="2" fontAlgn="ctr"/>
+              <a:t> and </a:t>
+            </a:r>
+            <a:r>
+              <a:rPr lang="en-US" dirty="0" err="1" smtClean="0"/>
+              <a:t>stream_client</a:t>
+            </a:r>
             <a:r>
               <a:rPr lang="en-US" dirty="0" smtClean="0"/>
-              <a:t>"distributed"</a:t>
-            </a:r>
-            <a:endParaRPr lang="en-US" sz="6000" dirty="0" smtClean="0"/>
-          </a:p>
-          <a:p>
-            <a:pPr lvl="2" fontAlgn="ctr"/>
+              <a:t> to establish connection using advert service</a:t>
+            </a:r>
+          </a:p>
+          <a:p>
             <a:r>
               <a:rPr lang="en-US" dirty="0" smtClean="0"/>
-              <a:t>"world!"</a:t>
-            </a:r>
-            <a:endParaRPr lang="en-US" sz="6000" dirty="0" smtClean="0"/>
-          </a:p>
-          <a:p>
-            <a:pPr lvl="1" fontAlgn="ctr"/>
-            <a:r>
-              <a:rPr lang="en-US" sz="3600" dirty="0" smtClean="0"/>
-              <a:t>Jobs are launched in parallel (in separate threads)</a:t>
-            </a:r>
-            <a:endParaRPr lang="en-US" sz="8800" dirty="0" smtClean="0"/>
-          </a:p>
-          <a:p>
-            <a:pPr lvl="1" fontAlgn="ctr"/>
-            <a:r>
-              <a:rPr lang="en-US" sz="3600" dirty="0" smtClean="0"/>
-              <a:t>As soon as result is collected it's printed on local console</a:t>
-            </a:r>
-            <a:endParaRPr lang="en-US" sz="8800" dirty="0" smtClean="0"/>
-          </a:p>
-        </p:txBody>
-      </p:sp>
-      <p:sp>
-        <p:nvSpPr>
-          <p:cNvPr id="5" name="Date Placeholder 4"/>
+              <a:t>Server:</a:t>
+            </a:r>
+          </a:p>
+          <a:p>
+            <a:endParaRPr lang="en-US" dirty="0" smtClean="0"/>
+          </a:p>
+          <a:p>
+            <a:endParaRPr lang="en-US" dirty="0" smtClean="0"/>
+          </a:p>
+          <a:p>
+            <a:endParaRPr lang="en-US" dirty="0" smtClean="0"/>
+          </a:p>
+          <a:p>
+            <a:r>
+              <a:rPr lang="en-US" dirty="0" smtClean="0"/>
+              <a:t>Client:</a:t>
+            </a:r>
+          </a:p>
+        </p:txBody>
+      </p:sp>
+      <p:sp>
+        <p:nvSpPr>
+          <p:cNvPr id="4" name="Date Placeholder 3"/>
           <p:cNvSpPr>
             <a:spLocks noGrp="1"/>
           </p:cNvSpPr>
@@ -13273,6 +13230,29 @@
             <a:r>
               <a:rPr lang="en-US" smtClean="0"/>
               <a:t>September 3rd/4th, 2009</a:t>
+            </a:r>
+            <a:endParaRPr lang="en-US" dirty="0"/>
+          </a:p>
+        </p:txBody>
+      </p:sp>
+      <p:sp>
+        <p:nvSpPr>
+          <p:cNvPr id="5" name="Footer Placeholder 4"/>
+          <p:cNvSpPr>
+            <a:spLocks noGrp="1"/>
+          </p:cNvSpPr>
+          <p:nvPr>
+            <p:ph type="ftr" sz="quarter" idx="3"/>
+          </p:nvPr>
+        </p:nvSpPr>
+        <p:spPr/>
+        <p:txBody>
+          <a:bodyPr/>
+          <a:lstStyle/>
+          <a:p>
+            <a:r>
+              <a:rPr lang="en-US" smtClean="0"/>
+              <a:t>NeSC SAGA Tutorial</a:t>
             </a:r>
             <a:endParaRPr lang="en-US" dirty="0"/>
           </a:p>
@@ -13304,24 +13284,250 @@
       </p:sp>
       <p:sp>
         <p:nvSpPr>
-          <p:cNvPr id="7" name="Footer Placeholder 6"/>
-          <p:cNvSpPr>
-            <a:spLocks noGrp="1"/>
-          </p:cNvSpPr>
-          <p:nvPr>
-            <p:ph type="ftr" sz="quarter" idx="3"/>
-          </p:nvPr>
-        </p:nvSpPr>
-        <p:spPr/>
-        <p:txBody>
-          <a:bodyPr/>
-          <a:lstStyle/>
-          <a:p>
-            <a:r>
-              <a:rPr lang="en-US" smtClean="0"/>
-              <a:t>NeSC SAGA Tutorial</a:t>
-            </a:r>
-            <a:endParaRPr lang="en-US" dirty="0"/>
+          <p:cNvPr id="7" name="TextBox 6"/>
+          <p:cNvSpPr txBox="1"/>
+          <p:nvPr/>
+        </p:nvSpPr>
+        <p:spPr>
+          <a:xfrm>
+            <a:off x="863600" y="3626584"/>
+            <a:ext cx="11353800" cy="1631216"/>
+          </a:xfrm>
+          <a:prstGeom prst="rect">
+            <a:avLst/>
+          </a:prstGeom>
+          <a:solidFill>
+            <a:schemeClr val="accent1">
+              <a:lumMod val="40000"/>
+              <a:lumOff val="60000"/>
+            </a:schemeClr>
+          </a:solidFill>
+          <a:effectLst>
+            <a:outerShdw blurRad="50800" dist="38100" dir="2700000" algn="tl" rotWithShape="0">
+              <a:prstClr val="black">
+                <a:alpha val="40000"/>
+              </a:prstClr>
+            </a:outerShdw>
+          </a:effectLst>
+        </p:spPr>
+        <p:txBody>
+          <a:bodyPr wrap="square" rtlCol="0" anchor="t">
+            <a:spAutoFit/>
+          </a:bodyPr>
+          <a:lstStyle/>
+          <a:p>
+            <a:pPr marL="0" lvl="3" algn="l"/>
+            <a:r>
+              <a:rPr lang="en-US" sz="2000" dirty="0" smtClean="0">
+                <a:latin typeface="Consolas" pitchFamily="49" charset="0"/>
+                <a:cs typeface="Consolas" pitchFamily="49" charset="0"/>
+              </a:rPr>
+              <a:t>saga::stream::server </a:t>
+            </a:r>
+            <a:r>
+              <a:rPr lang="en-US" sz="2000" dirty="0" smtClean="0">
+                <a:latin typeface="Consolas" pitchFamily="49" charset="0"/>
+                <a:cs typeface="Consolas" pitchFamily="49" charset="0"/>
+              </a:rPr>
+              <a:t>s("tcp://tc17");</a:t>
+            </a:r>
+            <a:endParaRPr lang="en-US" sz="2000" dirty="0" smtClean="0">
+              <a:latin typeface="Consolas" pitchFamily="49" charset="0"/>
+              <a:cs typeface="Consolas" pitchFamily="49" charset="0"/>
+            </a:endParaRPr>
+          </a:p>
+          <a:p>
+            <a:pPr marL="0" lvl="3" algn="l"/>
+            <a:r>
+              <a:rPr lang="en-US" sz="2000" dirty="0" smtClean="0">
+                <a:latin typeface="Consolas" pitchFamily="49" charset="0"/>
+                <a:cs typeface="Consolas" pitchFamily="49" charset="0"/>
+              </a:rPr>
+              <a:t>saga::advert::entry e </a:t>
+            </a:r>
+          </a:p>
+          <a:p>
+            <a:pPr marL="0" lvl="3" algn="l"/>
+            <a:r>
+              <a:rPr lang="en-US" sz="2000" dirty="0" smtClean="0">
+                <a:latin typeface="Consolas" pitchFamily="49" charset="0"/>
+                <a:cs typeface="Consolas" pitchFamily="49" charset="0"/>
+              </a:rPr>
+              <a:t> </a:t>
+            </a:r>
+            <a:r>
+              <a:rPr lang="en-US" sz="2000" dirty="0" smtClean="0">
+                <a:latin typeface="Consolas" pitchFamily="49" charset="0"/>
+                <a:cs typeface="Consolas" pitchFamily="49" charset="0"/>
+              </a:rPr>
+              <a:t>   </a:t>
+            </a:r>
+            <a:r>
+              <a:rPr lang="en-US" sz="2000" dirty="0" smtClean="0">
+                <a:latin typeface="Consolas" pitchFamily="49" charset="0"/>
+                <a:cs typeface="Consolas" pitchFamily="49" charset="0"/>
+              </a:rPr>
+              <a:t>("advert://macpro01.cct.lsu.edu/NeSC2009/exercise_3/&lt;uid&gt;");</a:t>
+            </a:r>
+          </a:p>
+          <a:p>
+            <a:pPr marL="0" lvl="3" algn="l"/>
+            <a:r>
+              <a:rPr lang="en-US" sz="2000" dirty="0" err="1" smtClean="0">
+                <a:latin typeface="Consolas" pitchFamily="49" charset="0"/>
+                <a:cs typeface="Consolas" pitchFamily="49" charset="0"/>
+              </a:rPr>
+              <a:t>e.store_object</a:t>
+            </a:r>
+            <a:r>
+              <a:rPr lang="en-US" sz="2000" dirty="0" smtClean="0">
+                <a:latin typeface="Consolas" pitchFamily="49" charset="0"/>
+                <a:cs typeface="Consolas" pitchFamily="49" charset="0"/>
+              </a:rPr>
+              <a:t>(s);</a:t>
+            </a:r>
+          </a:p>
+          <a:p>
+            <a:pPr marL="0" lvl="3" algn="l"/>
+            <a:r>
+              <a:rPr lang="en-US" sz="2000" dirty="0" smtClean="0">
+                <a:latin typeface="Consolas" pitchFamily="49" charset="0"/>
+                <a:cs typeface="Consolas" pitchFamily="49" charset="0"/>
+              </a:rPr>
+              <a:t>...</a:t>
+            </a:r>
+            <a:endParaRPr lang="en-US" sz="2000" dirty="0" smtClean="0">
+              <a:latin typeface="Consolas" pitchFamily="49" charset="0"/>
+              <a:cs typeface="Consolas" pitchFamily="49" charset="0"/>
+            </a:endParaRPr>
+          </a:p>
+        </p:txBody>
+      </p:sp>
+      <p:sp>
+        <p:nvSpPr>
+          <p:cNvPr id="8" name="TextBox 7"/>
+          <p:cNvSpPr txBox="1"/>
+          <p:nvPr/>
+        </p:nvSpPr>
+        <p:spPr>
+          <a:xfrm>
+            <a:off x="863600" y="6477000"/>
+            <a:ext cx="11353800" cy="1631216"/>
+          </a:xfrm>
+          <a:prstGeom prst="rect">
+            <a:avLst/>
+          </a:prstGeom>
+          <a:solidFill>
+            <a:schemeClr val="accent1">
+              <a:lumMod val="40000"/>
+              <a:lumOff val="60000"/>
+            </a:schemeClr>
+          </a:solidFill>
+          <a:effectLst>
+            <a:outerShdw blurRad="50800" dist="38100" dir="2700000" algn="tl" rotWithShape="0">
+              <a:prstClr val="black">
+                <a:alpha val="40000"/>
+              </a:prstClr>
+            </a:outerShdw>
+          </a:effectLst>
+        </p:spPr>
+        <p:txBody>
+          <a:bodyPr wrap="square" rtlCol="0" anchor="t">
+            <a:spAutoFit/>
+          </a:bodyPr>
+          <a:lstStyle/>
+          <a:p>
+            <a:pPr marL="0" lvl="3" algn="l"/>
+            <a:r>
+              <a:rPr lang="en-US" sz="2000" dirty="0" smtClean="0">
+                <a:latin typeface="Consolas" pitchFamily="49" charset="0"/>
+                <a:cs typeface="Consolas" pitchFamily="49" charset="0"/>
+              </a:rPr>
+              <a:t>saga::advert::entry e </a:t>
+            </a:r>
+          </a:p>
+          <a:p>
+            <a:pPr marL="0" lvl="3" algn="l"/>
+            <a:r>
+              <a:rPr lang="en-US" sz="2000" dirty="0" smtClean="0">
+                <a:latin typeface="Consolas" pitchFamily="49" charset="0"/>
+                <a:cs typeface="Consolas" pitchFamily="49" charset="0"/>
+              </a:rPr>
+              <a:t> </a:t>
+            </a:r>
+            <a:r>
+              <a:rPr lang="en-US" sz="2000" dirty="0" smtClean="0">
+                <a:latin typeface="Consolas" pitchFamily="49" charset="0"/>
+                <a:cs typeface="Consolas" pitchFamily="49" charset="0"/>
+              </a:rPr>
+              <a:t>   </a:t>
+            </a:r>
+            <a:r>
+              <a:rPr lang="en-US" sz="2000" dirty="0" smtClean="0">
+                <a:latin typeface="Consolas" pitchFamily="49" charset="0"/>
+                <a:cs typeface="Consolas" pitchFamily="49" charset="0"/>
+              </a:rPr>
+              <a:t>("advert://macpro01.cct.lsu.edu/NeSC2009/exercise_3/&lt;uid&gt;");</a:t>
+            </a:r>
+          </a:p>
+          <a:p>
+            <a:pPr marL="0" lvl="3" algn="l"/>
+            <a:r>
+              <a:rPr lang="en-US" sz="2000" dirty="0" smtClean="0">
+                <a:latin typeface="Consolas" pitchFamily="49" charset="0"/>
+                <a:cs typeface="Consolas" pitchFamily="49" charset="0"/>
+              </a:rPr>
+              <a:t>saga::stream::stream c (</a:t>
+            </a:r>
+            <a:r>
+              <a:rPr lang="en-US" sz="2000" dirty="0" err="1" smtClean="0">
+                <a:latin typeface="Consolas" pitchFamily="49" charset="0"/>
+                <a:cs typeface="Consolas" pitchFamily="49" charset="0"/>
+              </a:rPr>
+              <a:t>e.retrieve_object</a:t>
+            </a:r>
+            <a:r>
+              <a:rPr lang="en-US" sz="2000" dirty="0" smtClean="0">
+                <a:latin typeface="Consolas" pitchFamily="49" charset="0"/>
+                <a:cs typeface="Consolas" pitchFamily="49" charset="0"/>
+              </a:rPr>
+              <a:t>());</a:t>
+            </a:r>
+          </a:p>
+          <a:p>
+            <a:pPr marL="0" lvl="3" algn="l"/>
+            <a:r>
+              <a:rPr lang="en-US" sz="2000" dirty="0" err="1" smtClean="0">
+                <a:latin typeface="Consolas" pitchFamily="49" charset="0"/>
+                <a:cs typeface="Consolas" pitchFamily="49" charset="0"/>
+              </a:rPr>
+              <a:t>c.connect</a:t>
+            </a:r>
+            <a:r>
+              <a:rPr lang="en-US" sz="2000" dirty="0" smtClean="0">
+                <a:latin typeface="Consolas" pitchFamily="49" charset="0"/>
+                <a:cs typeface="Consolas" pitchFamily="49" charset="0"/>
+              </a:rPr>
+              <a:t>();</a:t>
+            </a:r>
+            <a:endParaRPr lang="en-US" sz="2000" dirty="0" smtClean="0">
+              <a:latin typeface="Consolas" pitchFamily="49" charset="0"/>
+              <a:cs typeface="Consolas" pitchFamily="49" charset="0"/>
+            </a:endParaRPr>
+          </a:p>
+          <a:p>
+            <a:pPr marL="0" lvl="3" algn="l"/>
+            <a:r>
+              <a:rPr lang="en-US" sz="2000" dirty="0" smtClean="0">
+                <a:latin typeface="Consolas" pitchFamily="49" charset="0"/>
+                <a:cs typeface="Consolas" pitchFamily="49" charset="0"/>
+              </a:rPr>
+              <a:t>...</a:t>
+            </a:r>
+            <a:endParaRPr lang="en-US" sz="2000" dirty="0" smtClean="0">
+              <a:latin typeface="Consolas" pitchFamily="49" charset="0"/>
+              <a:cs typeface="Consolas" pitchFamily="49" charset="0"/>
+            </a:endParaRPr>
           </a:p>
         </p:txBody>
       </p:sp>
@@ -13330,7 +13536,6 @@
   <p:clrMapOvr>
     <a:masterClrMapping/>
   </p:clrMapOvr>
-  <p:transition/>
 </p:sld>
 </file>
 
@@ -13399,7 +13604,7 @@
         </p:spPr>
         <p:txBody>
           <a:bodyPr>
-            <a:normAutofit lnSpcReduction="10000"/>
+            <a:normAutofit/>
           </a:bodyPr>
           <a:lstStyle/>
           <a:p>
@@ -13414,119 +13619,71 @@
             <a:pPr lvl="1" fontAlgn="ctr"/>
             <a:r>
               <a:rPr lang="en-US" sz="3600" dirty="0" smtClean="0"/>
-              <a:t>Arbitrary sequence of results</a:t>
+              <a:t>Launch 3 jobs on different machines</a:t>
+            </a:r>
+          </a:p>
+          <a:p>
+            <a:pPr lvl="2" fontAlgn="ctr"/>
+            <a:r>
+              <a:rPr lang="en-US" dirty="0" smtClean="0"/>
+              <a:t>Execute “/bin/echo”</a:t>
+            </a:r>
+          </a:p>
+          <a:p>
+            <a:pPr lvl="1" fontAlgn="ctr"/>
+            <a:r>
+              <a:rPr lang="en-US" sz="3600" dirty="0" smtClean="0"/>
+              <a:t>No job dependency</a:t>
             </a:r>
             <a:endParaRPr lang="en-US" sz="8800" dirty="0" smtClean="0"/>
           </a:p>
           <a:p>
+            <a:pPr lvl="1" fontAlgn="ctr"/>
+            <a:r>
+              <a:rPr lang="en-US" sz="3600" dirty="0" smtClean="0"/>
+              <a:t>Each job returns its passed input argument</a:t>
+            </a:r>
+            <a:endParaRPr lang="en-US" sz="8800" dirty="0" smtClean="0"/>
+          </a:p>
+          <a:p>
             <a:pPr lvl="2" fontAlgn="ctr"/>
             <a:r>
               <a:rPr lang="en-US" dirty="0" smtClean="0"/>
-              <a:t>Optimally: "Hello distributed world!"</a:t>
+              <a:t>"Hello"</a:t>
             </a:r>
             <a:endParaRPr lang="en-US" sz="6000" dirty="0" smtClean="0"/>
           </a:p>
           <a:p>
+            <a:pPr lvl="2" fontAlgn="ctr"/>
+            <a:r>
+              <a:rPr lang="en-US" dirty="0" smtClean="0"/>
+              <a:t>"distributed"</a:t>
+            </a:r>
+            <a:endParaRPr lang="en-US" sz="6000" dirty="0" smtClean="0"/>
+          </a:p>
+          <a:p>
+            <a:pPr lvl="2" fontAlgn="ctr"/>
+            <a:r>
+              <a:rPr lang="en-US" dirty="0" smtClean="0"/>
+              <a:t>"world!"</a:t>
+            </a:r>
+            <a:endParaRPr lang="en-US" sz="6000" dirty="0" smtClean="0"/>
+          </a:p>
+          <a:p>
             <a:pPr lvl="1" fontAlgn="ctr"/>
             <a:r>
               <a:rPr lang="en-US" sz="3600" dirty="0" smtClean="0"/>
-              <a:t>Demonstrates</a:t>
+              <a:t>Jobs are launched in parallel (in separate threads)</a:t>
             </a:r>
             <a:endParaRPr lang="en-US" sz="8800" dirty="0" smtClean="0"/>
           </a:p>
           <a:p>
-            <a:pPr lvl="2" fontAlgn="ctr"/>
-            <a:r>
-              <a:rPr lang="en-US" dirty="0" smtClean="0"/>
-              <a:t>How to launch a remote job using SAGA </a:t>
-            </a:r>
-            <a:r>
-              <a:rPr lang="en-US" dirty="0" err="1" smtClean="0"/>
-              <a:t>job_service</a:t>
-            </a:r>
-            <a:endParaRPr lang="en-US" sz="6000" dirty="0" smtClean="0"/>
-          </a:p>
-          <a:p>
-            <a:pPr lvl="2" fontAlgn="ctr"/>
-            <a:r>
-              <a:rPr lang="en-US" dirty="0" smtClean="0"/>
-              <a:t>Pass arguments using the command line</a:t>
-            </a:r>
-            <a:endParaRPr lang="en-US" sz="6000" dirty="0" smtClean="0"/>
-          </a:p>
-          <a:p>
-            <a:pPr lvl="2" fontAlgn="ctr"/>
-            <a:r>
-              <a:rPr lang="en-US" dirty="0" smtClean="0"/>
-              <a:t>Collect result by output redirection</a:t>
-            </a:r>
-            <a:endParaRPr lang="en-US" sz="6000" dirty="0" smtClean="0"/>
-          </a:p>
-          <a:p>
-            <a:r>
-              <a:rPr lang="en-US" dirty="0" smtClean="0"/>
-              <a:t>The source code can be found here (see ‘Example1’):</a:t>
-            </a:r>
-          </a:p>
-          <a:p>
-            <a:pPr lvl="1"/>
-            <a:r>
-              <a:rPr lang="en-US" dirty="0" smtClean="0">
-                <a:hlinkClick r:id="rId2"/>
-              </a:rPr>
-              <a:t>http://faust.cct.lsu.edu/trac/saga/wiki/NeSC2009</a:t>
-            </a:r>
-          </a:p>
-          <a:p>
             <a:pPr lvl="1" fontAlgn="ctr"/>
             <a:r>
               <a:rPr lang="en-US" sz="3600" dirty="0" smtClean="0"/>
-              <a:t>The example uses </a:t>
-            </a:r>
-            <a:r>
-              <a:rPr lang="en-US" sz="3600" dirty="0" err="1" smtClean="0"/>
-              <a:t>localhost</a:t>
-            </a:r>
-            <a:r>
-              <a:rPr lang="en-US" sz="3600" dirty="0" smtClean="0"/>
-              <a:t> to spawn </a:t>
-            </a:r>
-            <a:r>
-              <a:rPr lang="en-US" sz="3600" dirty="0" err="1" smtClean="0"/>
-              <a:t>childs</a:t>
+              <a:t>As soon as result is collected it's printed on local console</a:t>
             </a:r>
             <a:endParaRPr lang="en-US" sz="8800" dirty="0" smtClean="0"/>
-          </a:p>
-          <a:p>
-            <a:pPr lvl="1" fontAlgn="ctr"/>
-            <a:r>
-              <a:rPr lang="en-US" dirty="0" smtClean="0"/>
-              <a:t>For remote execution change HOST1, HOST2, HOST3 from "</a:t>
-            </a:r>
-            <a:r>
-              <a:rPr lang="en-US" dirty="0" err="1" smtClean="0"/>
-              <a:t>localhost</a:t>
-            </a:r>
-            <a:r>
-              <a:rPr lang="en-US" dirty="0" smtClean="0"/>
-              <a:t>" to "</a:t>
-            </a:r>
-            <a:r>
-              <a:rPr lang="de-DE" dirty="0" smtClean="0"/>
-              <a:t>[</a:t>
-            </a:r>
-            <a:r>
-              <a:rPr lang="en-US" dirty="0" smtClean="0"/>
-              <a:t>tc11, tc15, tc16, or tc17].</a:t>
-            </a:r>
-            <a:r>
-              <a:rPr lang="en-US" dirty="0" err="1" smtClean="0"/>
-              <a:t>nesc.ed.ac.uk</a:t>
-            </a:r>
-            <a:r>
-              <a:rPr lang="en-US" dirty="0" smtClean="0"/>
-              <a:t>"</a:t>
-            </a:r>
           </a:p>
         </p:txBody>
       </p:sp>
@@ -13628,120 +13785,201 @@
       </p:grpSpPr>
       <p:sp>
         <p:nvSpPr>
-          <p:cNvPr id="2" name="Title 1"/>
-          <p:cNvSpPr>
-            <a:spLocks noGrp="1"/>
+          <p:cNvPr id="29697" name="Rectangle 1"/>
+          <p:cNvSpPr>
+            <a:spLocks noGrp="1" noChangeArrowheads="1"/>
           </p:cNvSpPr>
           <p:nvPr>
             <p:ph type="title"/>
           </p:nvPr>
         </p:nvSpPr>
+        <p:spPr>
+          <a:ln/>
+        </p:spPr>
+        <p:txBody>
+          <a:bodyPr/>
+          <a:lstStyle/>
+          <a:p>
+            <a:r>
+              <a:rPr lang="en-US" dirty="0" smtClean="0"/>
+              <a:t>Example </a:t>
+            </a:r>
+            <a:r>
+              <a:rPr lang="en-US" dirty="0"/>
+              <a:t>1: </a:t>
+            </a:r>
+            <a:r>
+              <a:rPr lang="en-US" dirty="0" err="1"/>
+              <a:t>hello_world</a:t>
+            </a:r>
+            <a:endParaRPr lang="en-US" dirty="0"/>
+          </a:p>
+        </p:txBody>
+      </p:sp>
+      <p:sp>
+        <p:nvSpPr>
+          <p:cNvPr id="29698" name="Rectangle 2"/>
+          <p:cNvSpPr>
+            <a:spLocks noGrp="1" noChangeArrowheads="1"/>
+          </p:cNvSpPr>
+          <p:nvPr>
+            <p:ph sz="quarter" idx="1"/>
+          </p:nvPr>
+        </p:nvSpPr>
+        <p:spPr>
+          <a:ln/>
+        </p:spPr>
+        <p:txBody>
+          <a:bodyPr>
+            <a:normAutofit lnSpcReduction="10000"/>
+          </a:bodyPr>
+          <a:lstStyle/>
+          <a:p>
+            <a:pPr fontAlgn="ctr"/>
+            <a:r>
+              <a:rPr lang="en-US" sz="4000" dirty="0" smtClean="0"/>
+              <a:t>Hello world</a:t>
+            </a:r>
+            <a:endParaRPr lang="en-US" sz="9600" dirty="0" smtClean="0"/>
+          </a:p>
+          <a:p>
+            <a:pPr lvl="1" fontAlgn="ctr"/>
+            <a:r>
+              <a:rPr lang="en-US" sz="3600" dirty="0" smtClean="0"/>
+              <a:t>Arbitrary sequence of results</a:t>
+            </a:r>
+            <a:endParaRPr lang="en-US" sz="8800" dirty="0" smtClean="0"/>
+          </a:p>
+          <a:p>
+            <a:pPr lvl="2" fontAlgn="ctr"/>
+            <a:r>
+              <a:rPr lang="en-US" dirty="0" smtClean="0"/>
+              <a:t>Optimally: "Hello distributed world!"</a:t>
+            </a:r>
+            <a:endParaRPr lang="en-US" sz="6000" dirty="0" smtClean="0"/>
+          </a:p>
+          <a:p>
+            <a:pPr lvl="1" fontAlgn="ctr"/>
+            <a:r>
+              <a:rPr lang="en-US" sz="3600" dirty="0" smtClean="0"/>
+              <a:t>Demonstrates</a:t>
+            </a:r>
+            <a:endParaRPr lang="en-US" sz="8800" dirty="0" smtClean="0"/>
+          </a:p>
+          <a:p>
+            <a:pPr lvl="2" fontAlgn="ctr"/>
+            <a:r>
+              <a:rPr lang="en-US" dirty="0" smtClean="0"/>
+              <a:t>How to launch a remote job using SAGA </a:t>
+            </a:r>
+            <a:r>
+              <a:rPr lang="en-US" dirty="0" err="1" smtClean="0"/>
+              <a:t>job_service</a:t>
+            </a:r>
+            <a:endParaRPr lang="en-US" sz="6000" dirty="0" smtClean="0"/>
+          </a:p>
+          <a:p>
+            <a:pPr lvl="2" fontAlgn="ctr"/>
+            <a:r>
+              <a:rPr lang="en-US" dirty="0" smtClean="0"/>
+              <a:t>Pass arguments using the command line</a:t>
+            </a:r>
+            <a:endParaRPr lang="en-US" sz="6000" dirty="0" smtClean="0"/>
+          </a:p>
+          <a:p>
+            <a:pPr lvl="2" fontAlgn="ctr"/>
+            <a:r>
+              <a:rPr lang="en-US" dirty="0" smtClean="0"/>
+              <a:t>Collect result by output redirection</a:t>
+            </a:r>
+            <a:endParaRPr lang="en-US" sz="6000" dirty="0" smtClean="0"/>
+          </a:p>
+          <a:p>
+            <a:r>
+              <a:rPr lang="en-US" dirty="0" smtClean="0"/>
+              <a:t>The source code can be found here (see ‘Example1’):</a:t>
+            </a:r>
+          </a:p>
+          <a:p>
+            <a:pPr lvl="1"/>
+            <a:r>
+              <a:rPr lang="en-US" dirty="0" smtClean="0">
+                <a:hlinkClick r:id="rId2"/>
+              </a:rPr>
+              <a:t>http://faust.cct.lsu.edu/trac/saga/wiki/NeSC2009</a:t>
+            </a:r>
+          </a:p>
+          <a:p>
+            <a:pPr lvl="1" fontAlgn="ctr"/>
+            <a:r>
+              <a:rPr lang="en-US" sz="3600" dirty="0" smtClean="0"/>
+              <a:t>The example uses </a:t>
+            </a:r>
+            <a:r>
+              <a:rPr lang="en-US" sz="3600" dirty="0" err="1" smtClean="0"/>
+              <a:t>localhost</a:t>
+            </a:r>
+            <a:r>
+              <a:rPr lang="en-US" sz="3600" dirty="0" smtClean="0"/>
+              <a:t> to spawn </a:t>
+            </a:r>
+            <a:r>
+              <a:rPr lang="en-US" sz="3600" dirty="0" err="1" smtClean="0"/>
+              <a:t>childs</a:t>
+            </a:r>
+            <a:endParaRPr lang="en-US" sz="8800" dirty="0" smtClean="0"/>
+          </a:p>
+          <a:p>
+            <a:pPr lvl="1" fontAlgn="ctr"/>
+            <a:r>
+              <a:rPr lang="en-US" dirty="0" smtClean="0"/>
+              <a:t>For remote execution change HOST1, HOST2, HOST3 from "</a:t>
+            </a:r>
+            <a:r>
+              <a:rPr lang="en-US" dirty="0" err="1" smtClean="0"/>
+              <a:t>localhost</a:t>
+            </a:r>
+            <a:r>
+              <a:rPr lang="en-US" dirty="0" smtClean="0"/>
+              <a:t>" to "</a:t>
+            </a:r>
+            <a:r>
+              <a:rPr lang="de-DE" dirty="0" smtClean="0"/>
+              <a:t>[</a:t>
+            </a:r>
+            <a:r>
+              <a:rPr lang="en-US" dirty="0" smtClean="0"/>
+              <a:t>tc11, tc15, tc16, or tc17].</a:t>
+            </a:r>
+            <a:r>
+              <a:rPr lang="en-US" dirty="0" err="1" smtClean="0"/>
+              <a:t>nesc.ed.ac.uk</a:t>
+            </a:r>
+            <a:r>
+              <a:rPr lang="en-US" dirty="0" smtClean="0"/>
+              <a:t>"</a:t>
+            </a:r>
+          </a:p>
+        </p:txBody>
+      </p:sp>
+      <p:sp>
+        <p:nvSpPr>
+          <p:cNvPr id="5" name="Date Placeholder 4"/>
+          <p:cNvSpPr>
+            <a:spLocks noGrp="1"/>
+          </p:cNvSpPr>
+          <p:nvPr>
+            <p:ph type="dt" sz="half" idx="2"/>
+          </p:nvPr>
+        </p:nvSpPr>
         <p:spPr/>
         <p:txBody>
           <a:bodyPr/>
           <a:lstStyle/>
           <a:p>
             <a:r>
-              <a:rPr lang="en-US" dirty="0" smtClean="0"/>
-              <a:t>Hands on</a:t>
-            </a:r>
-            <a:endParaRPr lang="en-US" dirty="0"/>
-          </a:p>
-        </p:txBody>
-      </p:sp>
-      <p:sp>
-        <p:nvSpPr>
-          <p:cNvPr id="3" name="Content Placeholder 2"/>
-          <p:cNvSpPr>
-            <a:spLocks noGrp="1"/>
-          </p:cNvSpPr>
-          <p:nvPr>
-            <p:ph sz="quarter" idx="1"/>
-          </p:nvPr>
-        </p:nvSpPr>
-        <p:spPr/>
-        <p:txBody>
-          <a:bodyPr/>
-          <a:lstStyle/>
-          <a:p>
-            <a:r>
-              <a:rPr lang="en-US" dirty="0" smtClean="0"/>
-              <a:t>Compile and run example locally</a:t>
-            </a:r>
-          </a:p>
-          <a:p>
-            <a:r>
-              <a:rPr lang="en-US" dirty="0" smtClean="0"/>
-              <a:t>Modify the code to run it remotely</a:t>
-            </a:r>
-          </a:p>
-          <a:p>
-            <a:r>
-              <a:rPr lang="en-US" dirty="0" smtClean="0"/>
-              <a:t>Compile and run example remotely</a:t>
-            </a:r>
-          </a:p>
-          <a:p>
-            <a:r>
-              <a:rPr lang="en-US" dirty="0" smtClean="0"/>
-              <a:t>Run other remote executables</a:t>
-            </a:r>
-          </a:p>
-          <a:p>
-            <a:r>
-              <a:rPr lang="en-US" dirty="0" smtClean="0"/>
-              <a:t>…</a:t>
-            </a:r>
-          </a:p>
-          <a:p>
-            <a:endParaRPr lang="en-US" dirty="0" smtClean="0"/>
-          </a:p>
-          <a:p>
-            <a:endParaRPr lang="en-US" dirty="0"/>
-          </a:p>
-        </p:txBody>
-      </p:sp>
-      <p:sp>
-        <p:nvSpPr>
-          <p:cNvPr id="4" name="Date Placeholder 3"/>
-          <p:cNvSpPr>
-            <a:spLocks noGrp="1"/>
-          </p:cNvSpPr>
-          <p:nvPr>
-            <p:ph type="dt" sz="half" idx="2"/>
-          </p:nvPr>
-        </p:nvSpPr>
-        <p:spPr/>
-        <p:txBody>
-          <a:bodyPr/>
-          <a:lstStyle/>
-          <a:p>
-            <a:r>
               <a:rPr lang="en-US" smtClean="0"/>
               <a:t>September 3rd/4th, 2009</a:t>
-            </a:r>
-            <a:endParaRPr lang="en-US" dirty="0"/>
-          </a:p>
-        </p:txBody>
-      </p:sp>
-      <p:sp>
-        <p:nvSpPr>
-          <p:cNvPr id="5" name="Footer Placeholder 4"/>
-          <p:cNvSpPr>
-            <a:spLocks noGrp="1"/>
-          </p:cNvSpPr>
-          <p:nvPr>
-            <p:ph type="ftr" sz="quarter" idx="3"/>
-          </p:nvPr>
-        </p:nvSpPr>
-        <p:spPr/>
-        <p:txBody>
-          <a:bodyPr/>
-          <a:lstStyle/>
-          <a:p>
-            <a:r>
-              <a:rPr lang="en-US" smtClean="0"/>
-              <a:t>NeSC SAGA Tutorial</a:t>
             </a:r>
             <a:endParaRPr lang="en-US" dirty="0"/>
           </a:p>
@@ -13768,6 +14006,29 @@
               <a:t>33</a:t>
             </a:fld>
             <a:endParaRPr lang="en-US"/>
+          </a:p>
+        </p:txBody>
+      </p:sp>
+      <p:sp>
+        <p:nvSpPr>
+          <p:cNvPr id="7" name="Footer Placeholder 6"/>
+          <p:cNvSpPr>
+            <a:spLocks noGrp="1"/>
+          </p:cNvSpPr>
+          <p:nvPr>
+            <p:ph type="ftr" sz="quarter" idx="3"/>
+          </p:nvPr>
+        </p:nvSpPr>
+        <p:spPr/>
+        <p:txBody>
+          <a:bodyPr/>
+          <a:lstStyle/>
+          <a:p>
+            <a:r>
+              <a:rPr lang="en-US" smtClean="0"/>
+              <a:t>NeSC SAGA Tutorial</a:t>
+            </a:r>
+            <a:endParaRPr lang="en-US" dirty="0"/>
           </a:p>
         </p:txBody>
       </p:sp>
@@ -13776,6 +14037,7 @@
   <p:clrMapOvr>
     <a:masterClrMapping/>
   </p:clrMapOvr>
+  <p:transition/>
 </p:sld>
 </file>
 
@@ -13813,138 +14075,84 @@
           <a:p>
             <a:r>
               <a:rPr lang="en-US" dirty="0" smtClean="0"/>
-              <a:t>Example 2: </a:t>
+              <a:t>Hands on</a:t>
+            </a:r>
+            <a:endParaRPr lang="en-US" dirty="0"/>
+          </a:p>
+        </p:txBody>
+      </p:sp>
+      <p:sp>
+        <p:nvSpPr>
+          <p:cNvPr id="3" name="Content Placeholder 2"/>
+          <p:cNvSpPr>
+            <a:spLocks noGrp="1"/>
+          </p:cNvSpPr>
+          <p:nvPr>
+            <p:ph sz="quarter" idx="1"/>
+          </p:nvPr>
+        </p:nvSpPr>
+        <p:spPr/>
+        <p:txBody>
+          <a:bodyPr/>
+          <a:lstStyle/>
+          <a:p>
+            <a:r>
+              <a:rPr lang="en-US" dirty="0" smtClean="0"/>
+              <a:t>Compile and run example locally</a:t>
+            </a:r>
+          </a:p>
+          <a:p>
+            <a:r>
+              <a:rPr lang="en-US" dirty="0" smtClean="0"/>
+              <a:t>Modify the code to run it remotely</a:t>
+            </a:r>
+          </a:p>
+          <a:p>
+            <a:r>
+              <a:rPr lang="en-US" dirty="0" smtClean="0"/>
+              <a:t>Compile and run example remotely</a:t>
+            </a:r>
+          </a:p>
+          <a:p>
+            <a:r>
+              <a:rPr lang="en-US" dirty="0" smtClean="0"/>
+              <a:t>Run other remote </a:t>
+            </a:r>
+            <a:r>
+              <a:rPr lang="en-US" dirty="0" smtClean="0"/>
+              <a:t>executables</a:t>
+            </a:r>
+          </a:p>
+          <a:p>
+            <a:r>
+              <a:rPr lang="en-US" dirty="0" smtClean="0"/>
+              <a:t>Modify </a:t>
             </a:r>
             <a:r>
               <a:rPr lang="en-US" dirty="0" err="1" smtClean="0"/>
-              <a:t>chaining_jobs</a:t>
-            </a:r>
-            <a:endParaRPr lang="en-US" dirty="0"/>
-          </a:p>
-        </p:txBody>
-      </p:sp>
-      <p:sp>
-        <p:nvSpPr>
-          <p:cNvPr id="3" name="Content Placeholder 2"/>
-          <p:cNvSpPr>
-            <a:spLocks noGrp="1"/>
-          </p:cNvSpPr>
-          <p:nvPr>
-            <p:ph sz="quarter" idx="1"/>
-          </p:nvPr>
-        </p:nvSpPr>
-        <p:spPr/>
-        <p:txBody>
-          <a:bodyPr>
-            <a:normAutofit/>
-          </a:bodyPr>
-          <a:lstStyle/>
-          <a:p>
-            <a:pPr fontAlgn="ctr"/>
-            <a:r>
-              <a:rPr lang="en-US" sz="4000" dirty="0" smtClean="0"/>
-              <a:t>Launch 3 jobs on 3 different machines</a:t>
-            </a:r>
-            <a:endParaRPr lang="en-US" sz="9600" dirty="0" smtClean="0"/>
-          </a:p>
-          <a:p>
-            <a:pPr fontAlgn="ctr"/>
-            <a:r>
-              <a:rPr lang="en-US" sz="4000" dirty="0" smtClean="0"/>
-              <a:t>Output of previous job is needed to launch next job</a:t>
-            </a:r>
-            <a:endParaRPr lang="en-US" sz="9600" dirty="0" smtClean="0"/>
-          </a:p>
-          <a:p>
-            <a:pPr fontAlgn="ctr"/>
-            <a:r>
-              <a:rPr lang="en-US" sz="4000" dirty="0" smtClean="0"/>
-              <a:t>Simple sequential execution, but SAGA style</a:t>
-            </a:r>
-            <a:endParaRPr lang="en-US" sz="9600" dirty="0" smtClean="0"/>
-          </a:p>
-          <a:p>
-            <a:pPr fontAlgn="ctr"/>
-            <a:r>
-              <a:rPr lang="en-US" sz="4000" dirty="0" smtClean="0"/>
-              <a:t>Demonstrates</a:t>
-            </a:r>
-            <a:endParaRPr lang="en-US" sz="9600" dirty="0" smtClean="0"/>
-          </a:p>
-          <a:p>
-            <a:pPr lvl="1" fontAlgn="ctr"/>
-            <a:r>
-              <a:rPr lang="en-US" sz="3600" dirty="0" smtClean="0"/>
-              <a:t>How to launch a job using SAGA </a:t>
-            </a:r>
-            <a:r>
-              <a:rPr lang="en-US" sz="3600" dirty="0" err="1" smtClean="0"/>
-              <a:t>job_service</a:t>
-            </a:r>
-            <a:endParaRPr lang="en-US" sz="8800" dirty="0" smtClean="0"/>
-          </a:p>
-          <a:p>
-            <a:pPr lvl="1" fontAlgn="ctr"/>
-            <a:r>
-              <a:rPr lang="en-US" sz="3600" dirty="0" smtClean="0"/>
-              <a:t>How to feed input to launched job</a:t>
-            </a:r>
-            <a:endParaRPr lang="en-US" sz="8800" dirty="0" smtClean="0"/>
-          </a:p>
-          <a:p>
-            <a:pPr lvl="1" fontAlgn="ctr"/>
-            <a:r>
-              <a:rPr lang="en-US" sz="3600" dirty="0" smtClean="0"/>
-              <a:t>How to collect output</a:t>
-            </a:r>
-            <a:endParaRPr lang="en-US" sz="8800" dirty="0" smtClean="0"/>
-          </a:p>
-          <a:p>
-            <a:pPr fontAlgn="ctr"/>
-            <a:r>
-              <a:rPr lang="en-US" sz="4000" dirty="0" smtClean="0"/>
-              <a:t>Launched job: </a:t>
-            </a:r>
-            <a:r>
-              <a:rPr lang="en-US" sz="4000" dirty="0" smtClean="0"/>
-              <a:t>/</a:t>
-            </a:r>
-            <a:r>
-              <a:rPr lang="en-US" sz="4000" dirty="0" err="1" smtClean="0"/>
-              <a:t>usr</a:t>
-            </a:r>
-            <a:r>
-              <a:rPr lang="en-US" sz="4000" dirty="0" smtClean="0"/>
-              <a:t>/bin/</a:t>
-            </a:r>
-            <a:r>
-              <a:rPr lang="en-US" sz="4000" dirty="0" err="1" smtClean="0"/>
-              <a:t>bc</a:t>
-            </a:r>
-            <a:r>
-              <a:rPr lang="en-US" sz="4000" dirty="0" smtClean="0"/>
-              <a:t> </a:t>
-            </a:r>
-          </a:p>
-          <a:p>
-            <a:pPr fontAlgn="ctr"/>
-            <a:r>
-              <a:rPr lang="de-DE" sz="3600" dirty="0" smtClean="0"/>
-              <a:t>Increment </a:t>
-            </a:r>
-            <a:r>
-              <a:rPr lang="de-DE" sz="3600" dirty="0" smtClean="0"/>
-              <a:t>the number passed as the argument</a:t>
-            </a:r>
-            <a:endParaRPr lang="de-DE" sz="8800" dirty="0" smtClean="0"/>
-          </a:p>
-          <a:p>
-            <a:pPr lvl="1" fontAlgn="ctr"/>
-            <a:r>
-              <a:rPr lang="de-DE" sz="3600" dirty="0" smtClean="0"/>
-              <a:t>Pass returned incremented number to next job</a:t>
-            </a:r>
-            <a:endParaRPr lang="de-DE" sz="8800" dirty="0" smtClean="0"/>
+              <a:t>hello_world</a:t>
+            </a:r>
+            <a:r>
+              <a:rPr lang="en-US" dirty="0" smtClean="0"/>
+              <a:t> to produce consistent results</a:t>
+            </a:r>
+          </a:p>
+          <a:p>
+            <a:pPr lvl="1"/>
+            <a:r>
+              <a:rPr lang="en-US" dirty="0" smtClean="0"/>
+              <a:t>“Hello distributed world!”</a:t>
+            </a:r>
+          </a:p>
+          <a:p>
+            <a:r>
+              <a:rPr lang="en-US" dirty="0" smtClean="0"/>
+              <a:t>…</a:t>
+            </a:r>
+            <a:endParaRPr lang="en-US" dirty="0" smtClean="0"/>
+          </a:p>
+          <a:p>
+            <a:endParaRPr lang="en-US" dirty="0" smtClean="0"/>
           </a:p>
           <a:p>
             <a:endParaRPr lang="en-US" dirty="0"/>
@@ -14086,22 +14294,97 @@
         <p:spPr/>
         <p:txBody>
           <a:bodyPr>
-            <a:normAutofit fontScale="85000" lnSpcReduction="20000"/>
+            <a:normAutofit/>
           </a:bodyPr>
           <a:lstStyle/>
           <a:p>
             <a:pPr fontAlgn="ctr"/>
             <a:r>
-              <a:rPr lang="de-DE" sz="4000" dirty="0" smtClean="0"/>
-              <a:t>Pass input</a:t>
-            </a:r>
-            <a:endParaRPr lang="de-DE" sz="9600" dirty="0" smtClean="0"/>
+              <a:rPr lang="en-US" sz="4000" dirty="0" smtClean="0"/>
+              <a:t>Launch 3 jobs on 3 different machines</a:t>
+            </a:r>
+            <a:endParaRPr lang="en-US" sz="9600" dirty="0" smtClean="0"/>
+          </a:p>
+          <a:p>
+            <a:pPr fontAlgn="ctr"/>
+            <a:r>
+              <a:rPr lang="en-US" sz="4000" dirty="0" smtClean="0"/>
+              <a:t>Output of previous job is needed to launch next job</a:t>
+            </a:r>
+            <a:endParaRPr lang="en-US" sz="9600" dirty="0" smtClean="0"/>
+          </a:p>
+          <a:p>
+            <a:pPr fontAlgn="ctr"/>
+            <a:r>
+              <a:rPr lang="en-US" sz="4000" dirty="0" smtClean="0"/>
+              <a:t>Simple sequential execution, but SAGA style</a:t>
+            </a:r>
+            <a:endParaRPr lang="en-US" sz="9600" dirty="0" smtClean="0"/>
+          </a:p>
+          <a:p>
+            <a:pPr fontAlgn="ctr"/>
+            <a:r>
+              <a:rPr lang="en-US" sz="4000" dirty="0" smtClean="0"/>
+              <a:t>Demonstrates</a:t>
+            </a:r>
+            <a:endParaRPr lang="en-US" sz="9600" dirty="0" smtClean="0"/>
           </a:p>
           <a:p>
             <a:pPr lvl="1" fontAlgn="ctr"/>
             <a:r>
+              <a:rPr lang="en-US" sz="3600" dirty="0" smtClean="0"/>
+              <a:t>How to launch a job using SAGA </a:t>
+            </a:r>
+            <a:r>
+              <a:rPr lang="en-US" sz="3600" dirty="0" err="1" smtClean="0"/>
+              <a:t>job_service</a:t>
+            </a:r>
+            <a:endParaRPr lang="en-US" sz="8800" dirty="0" smtClean="0"/>
+          </a:p>
+          <a:p>
+            <a:pPr lvl="1" fontAlgn="ctr"/>
+            <a:r>
+              <a:rPr lang="en-US" sz="3600" dirty="0" smtClean="0"/>
+              <a:t>How to feed input to launched job</a:t>
+            </a:r>
+            <a:endParaRPr lang="en-US" sz="8800" dirty="0" smtClean="0"/>
+          </a:p>
+          <a:p>
+            <a:pPr lvl="1" fontAlgn="ctr"/>
+            <a:r>
+              <a:rPr lang="en-US" sz="3600" dirty="0" smtClean="0"/>
+              <a:t>How to collect output</a:t>
+            </a:r>
+            <a:endParaRPr lang="en-US" sz="8800" dirty="0" smtClean="0"/>
+          </a:p>
+          <a:p>
+            <a:pPr fontAlgn="ctr"/>
+            <a:r>
+              <a:rPr lang="en-US" sz="4000" dirty="0" smtClean="0"/>
+              <a:t>Launched job: /</a:t>
+            </a:r>
+            <a:r>
+              <a:rPr lang="en-US" sz="4000" dirty="0" err="1" smtClean="0"/>
+              <a:t>usr</a:t>
+            </a:r>
+            <a:r>
+              <a:rPr lang="en-US" sz="4000" dirty="0" smtClean="0"/>
+              <a:t>/bin/</a:t>
+            </a:r>
+            <a:r>
+              <a:rPr lang="en-US" sz="4000" dirty="0" err="1" smtClean="0"/>
+              <a:t>bc</a:t>
+            </a:r>
+            <a:r>
+              <a:rPr lang="en-US" sz="4000" dirty="0" smtClean="0"/>
+              <a:t> </a:t>
+            </a:r>
+          </a:p>
+          <a:p>
+            <a:pPr fontAlgn="ctr"/>
+            <a:r>
               <a:rPr lang="de-DE" sz="3600" dirty="0" smtClean="0"/>
-              <a:t>Command line (same as before)</a:t>
+              <a:t>Increment the number passed as the argument</a:t>
             </a:r>
             <a:endParaRPr lang="de-DE" sz="8800" dirty="0" smtClean="0"/>
           </a:p>
@@ -14109,103 +14392,7 @@
             <a:pPr lvl="1" fontAlgn="ctr"/>
             <a:r>
               <a:rPr lang="de-DE" sz="3600" dirty="0" smtClean="0"/>
-              <a:t>Stage in of input files</a:t>
-            </a:r>
-            <a:endParaRPr lang="de-DE" sz="8800" dirty="0" smtClean="0"/>
-          </a:p>
-          <a:p>
-            <a:pPr lvl="2" fontAlgn="ctr"/>
-            <a:r>
-              <a:rPr lang="de-DE" dirty="0" smtClean="0"/>
-              <a:t>Using job package API</a:t>
-            </a:r>
-            <a:endParaRPr lang="de-DE" sz="6000" dirty="0" smtClean="0"/>
-          </a:p>
-          <a:p>
-            <a:pPr lvl="2" fontAlgn="ctr"/>
-            <a:r>
-              <a:rPr lang="de-DE" dirty="0" smtClean="0"/>
-              <a:t>Using file package API</a:t>
-            </a:r>
-            <a:endParaRPr lang="de-DE" sz="6000" dirty="0" smtClean="0"/>
-          </a:p>
-          <a:p>
-            <a:pPr lvl="1" fontAlgn="ctr"/>
-            <a:r>
-              <a:rPr lang="de-DE" sz="3600" dirty="0" smtClean="0"/>
-              <a:t>Input redirection</a:t>
-            </a:r>
-            <a:endParaRPr lang="de-DE" sz="8800" dirty="0" smtClean="0"/>
-          </a:p>
-          <a:p>
-            <a:pPr lvl="1" fontAlgn="ctr"/>
-            <a:r>
-              <a:rPr lang="de-DE" sz="3600" dirty="0" smtClean="0"/>
-              <a:t>Using Stream API </a:t>
-            </a:r>
-            <a:endParaRPr lang="de-DE" sz="8800" dirty="0" smtClean="0"/>
-          </a:p>
-          <a:p>
-            <a:pPr lvl="1" fontAlgn="ctr"/>
-            <a:r>
-              <a:rPr lang="de-DE" sz="3600" dirty="0" smtClean="0"/>
-              <a:t>Using Advert service</a:t>
-            </a:r>
-            <a:endParaRPr lang="de-DE" sz="8800" dirty="0" smtClean="0"/>
-          </a:p>
-          <a:p>
-            <a:pPr fontAlgn="ctr"/>
-            <a:r>
-              <a:rPr lang="de-DE" sz="4000" dirty="0" smtClean="0"/>
-              <a:t>Collect output</a:t>
-            </a:r>
-            <a:endParaRPr lang="de-DE" sz="9600" dirty="0" smtClean="0"/>
-          </a:p>
-          <a:p>
-            <a:pPr lvl="1" fontAlgn="ctr"/>
-            <a:r>
-              <a:rPr lang="de-DE" sz="3600" dirty="0" smtClean="0"/>
-              <a:t>Output redirection</a:t>
-            </a:r>
-            <a:endParaRPr lang="de-DE" sz="8800" dirty="0" smtClean="0"/>
-          </a:p>
-          <a:p>
-            <a:pPr lvl="1" fontAlgn="ctr"/>
-            <a:r>
-              <a:rPr lang="de-DE" sz="3600" dirty="0" smtClean="0"/>
-              <a:t>Stage out of output files</a:t>
-            </a:r>
-            <a:endParaRPr lang="de-DE" sz="8800" dirty="0" smtClean="0"/>
-          </a:p>
-          <a:p>
-            <a:pPr lvl="2" fontAlgn="ctr"/>
-            <a:r>
-              <a:rPr lang="de-DE" dirty="0" smtClean="0"/>
-              <a:t>Using job package API</a:t>
-            </a:r>
-            <a:endParaRPr lang="de-DE" sz="6000" dirty="0" smtClean="0"/>
-          </a:p>
-          <a:p>
-            <a:pPr lvl="2" fontAlgn="ctr"/>
-            <a:r>
-              <a:rPr lang="de-DE" dirty="0" smtClean="0"/>
-              <a:t>Using file package API</a:t>
-            </a:r>
-            <a:endParaRPr lang="de-DE" sz="6000" dirty="0" smtClean="0"/>
-          </a:p>
-          <a:p>
-            <a:pPr lvl="1" fontAlgn="ctr"/>
-            <a:r>
-              <a:rPr lang="de-DE" sz="3600" dirty="0" smtClean="0"/>
-              <a:t>Using Stream API</a:t>
-            </a:r>
-            <a:endParaRPr lang="de-DE" sz="8800" dirty="0" smtClean="0"/>
-          </a:p>
-          <a:p>
-            <a:pPr lvl="1" fontAlgn="ctr"/>
-            <a:r>
-              <a:rPr lang="de-DE" sz="3600" dirty="0" smtClean="0"/>
-              <a:t>Using Advert service</a:t>
+              <a:t>Pass returned incremented number to next job</a:t>
             </a:r>
             <a:endParaRPr lang="de-DE" sz="8800" dirty="0" smtClean="0"/>
           </a:p>
@@ -14326,11 +14513,11 @@
           <a:p>
             <a:r>
               <a:rPr lang="en-US" dirty="0" smtClean="0"/>
-              <a:t>Example 3: </a:t>
+              <a:t>Example 2: </a:t>
             </a:r>
             <a:r>
               <a:rPr lang="en-US" dirty="0" err="1" smtClean="0"/>
-              <a:t>depending_jobs</a:t>
+              <a:t>chaining_jobs</a:t>
             </a:r>
             <a:endParaRPr lang="en-US" dirty="0"/>
           </a:p>
@@ -14349,25 +14536,78 @@
         <p:spPr/>
         <p:txBody>
           <a:bodyPr>
-            <a:normAutofit fontScale="92500" lnSpcReduction="10000"/>
+            <a:normAutofit fontScale="85000" lnSpcReduction="20000"/>
           </a:bodyPr>
           <a:lstStyle/>
           <a:p>
             <a:pPr fontAlgn="ctr"/>
             <a:r>
               <a:rPr lang="de-DE" sz="4000" dirty="0" smtClean="0"/>
-              <a:t>Coordinating information from advert service</a:t>
-            </a:r>
+              <a:t>Pass input</a:t>
+            </a:r>
+            <a:endParaRPr lang="de-DE" sz="9600" dirty="0" smtClean="0"/>
+          </a:p>
+          <a:p>
+            <a:pPr lvl="1" fontAlgn="ctr"/>
+            <a:r>
+              <a:rPr lang="de-DE" sz="3600" dirty="0" smtClean="0"/>
+              <a:t>Command line (same as before)</a:t>
+            </a:r>
+            <a:endParaRPr lang="de-DE" sz="8800" dirty="0" smtClean="0"/>
+          </a:p>
+          <a:p>
+            <a:pPr lvl="1" fontAlgn="ctr"/>
+            <a:r>
+              <a:rPr lang="de-DE" sz="3600" dirty="0" smtClean="0"/>
+              <a:t>Stage in of input files</a:t>
+            </a:r>
+            <a:endParaRPr lang="de-DE" sz="8800" dirty="0" smtClean="0"/>
+          </a:p>
+          <a:p>
+            <a:pPr lvl="2" fontAlgn="ctr"/>
+            <a:r>
+              <a:rPr lang="de-DE" dirty="0" smtClean="0"/>
+              <a:t>Using job package API</a:t>
+            </a:r>
+            <a:endParaRPr lang="de-DE" sz="6000" dirty="0" smtClean="0"/>
+          </a:p>
+          <a:p>
+            <a:pPr lvl="2" fontAlgn="ctr"/>
+            <a:r>
+              <a:rPr lang="de-DE" dirty="0" smtClean="0"/>
+              <a:t>Using file package API</a:t>
+            </a:r>
+            <a:endParaRPr lang="de-DE" sz="6000" dirty="0" smtClean="0"/>
+          </a:p>
+          <a:p>
+            <a:pPr lvl="1" fontAlgn="ctr"/>
+            <a:r>
+              <a:rPr lang="de-DE" sz="3600" dirty="0" smtClean="0"/>
+              <a:t>Input redirection</a:t>
+            </a:r>
+            <a:endParaRPr lang="de-DE" sz="8800" dirty="0" smtClean="0"/>
+          </a:p>
+          <a:p>
+            <a:pPr lvl="1" fontAlgn="ctr"/>
+            <a:r>
+              <a:rPr lang="de-DE" sz="3600" dirty="0" smtClean="0"/>
+              <a:t>Using Stream API </a:t>
+            </a:r>
+            <a:endParaRPr lang="de-DE" sz="8800" dirty="0" smtClean="0"/>
+          </a:p>
+          <a:p>
+            <a:pPr lvl="1" fontAlgn="ctr"/>
+            <a:r>
+              <a:rPr lang="de-DE" sz="3600" dirty="0" smtClean="0"/>
+              <a:t>Using Advert service</a:t>
+            </a:r>
+            <a:endParaRPr lang="de-DE" sz="8800" dirty="0" smtClean="0"/>
           </a:p>
           <a:p>
             <a:pPr fontAlgn="ctr"/>
             <a:r>
               <a:rPr lang="de-DE" sz="4000" dirty="0" smtClean="0"/>
-              <a:t>Launch </a:t>
-            </a:r>
-            <a:r>
-              <a:rPr lang="de-DE" sz="4000" dirty="0" smtClean="0"/>
-              <a:t>a single job sequentially on a set of remote resources</a:t>
+              <a:t>Collect output</a:t>
             </a:r>
             <a:endParaRPr lang="de-DE" sz="9600" dirty="0" smtClean="0"/>
           </a:p>
@@ -14375,39 +14615,39 @@
             <a:pPr lvl="1" fontAlgn="ctr"/>
             <a:r>
               <a:rPr lang="de-DE" sz="3600" dirty="0" smtClean="0"/>
-              <a:t>Simulating checkpointing/relaunching on different resource (migration)</a:t>
+              <a:t>Output redirection</a:t>
             </a:r>
             <a:endParaRPr lang="de-DE" sz="8800" dirty="0" smtClean="0"/>
           </a:p>
           <a:p>
-            <a:pPr fontAlgn="ctr"/>
-            <a:r>
-              <a:rPr lang="de-DE" sz="4000" dirty="0" smtClean="0"/>
-              <a:t>Maintain a single result value in advert service</a:t>
-            </a:r>
-            <a:endParaRPr lang="de-DE" sz="9600" dirty="0" smtClean="0"/>
-          </a:p>
-          <a:p>
             <a:pPr lvl="1" fontAlgn="ctr"/>
             <a:r>
               <a:rPr lang="de-DE" sz="3600" dirty="0" smtClean="0"/>
-              <a:t>Gets written by one job, and read by the next</a:t>
+              <a:t>Stage out of output files</a:t>
             </a:r>
             <a:endParaRPr lang="de-DE" sz="8800" dirty="0" smtClean="0"/>
           </a:p>
           <a:p>
-            <a:pPr fontAlgn="ctr"/>
-            <a:r>
-              <a:rPr lang="de-DE" sz="4000" dirty="0" smtClean="0"/>
-              <a:t>Demonstrates </a:t>
-            </a:r>
-            <a:endParaRPr lang="de-DE" sz="9600" dirty="0" smtClean="0"/>
+            <a:pPr lvl="2" fontAlgn="ctr"/>
+            <a:r>
+              <a:rPr lang="de-DE" dirty="0" smtClean="0"/>
+              <a:t>Using job package API</a:t>
+            </a:r>
+            <a:endParaRPr lang="de-DE" sz="6000" dirty="0" smtClean="0"/>
+          </a:p>
+          <a:p>
+            <a:pPr lvl="2" fontAlgn="ctr"/>
+            <a:r>
+              <a:rPr lang="de-DE" dirty="0" smtClean="0"/>
+              <a:t>Using file package API</a:t>
+            </a:r>
+            <a:endParaRPr lang="de-DE" sz="6000" dirty="0" smtClean="0"/>
           </a:p>
           <a:p>
             <a:pPr lvl="1" fontAlgn="ctr"/>
             <a:r>
               <a:rPr lang="de-DE" sz="3600" dirty="0" smtClean="0"/>
-              <a:t>How to launch remote job using SAGA job, while maintaining environment</a:t>
+              <a:t>Using Stream API</a:t>
             </a:r>
             <a:endParaRPr lang="de-DE" sz="8800" dirty="0" smtClean="0"/>
           </a:p>
@@ -14415,17 +14655,9 @@
             <a:pPr lvl="1" fontAlgn="ctr"/>
             <a:r>
               <a:rPr lang="de-DE" sz="3600" dirty="0" smtClean="0"/>
-              <a:t>Assembling argument lists</a:t>
+              <a:t>Using Advert service</a:t>
             </a:r>
             <a:endParaRPr lang="de-DE" sz="8800" dirty="0" smtClean="0"/>
-          </a:p>
-          <a:p>
-            <a:pPr fontAlgn="ctr"/>
-            <a:r>
-              <a:rPr lang="de-DE" sz="4000" dirty="0" smtClean="0"/>
-              <a:t>Result is left in advert service, but accessed afterwards</a:t>
-            </a:r>
-            <a:endParaRPr lang="de-DE" sz="9600" dirty="0" smtClean="0"/>
           </a:p>
           <a:p>
             <a:endParaRPr lang="en-US" dirty="0"/>
@@ -14544,7 +14776,7 @@
           <a:p>
             <a:r>
               <a:rPr lang="en-US" dirty="0" smtClean="0"/>
-              <a:t>Exercise</a:t>
+              <a:t>Hands on</a:t>
             </a:r>
             <a:endParaRPr lang="en-US" dirty="0"/>
           </a:p>
@@ -14567,37 +14799,23 @@
           <a:p>
             <a:r>
               <a:rPr lang="en-US" dirty="0" smtClean="0"/>
-              <a:t>Modify </a:t>
-            </a:r>
-            <a:r>
-              <a:rPr lang="en-US" dirty="0" err="1" smtClean="0"/>
-              <a:t>hello_world</a:t>
+              <a:t>Coordinate </a:t>
             </a:r>
             <a:r>
               <a:rPr lang="en-US" dirty="0" smtClean="0"/>
-              <a:t> to produce consistent results</a:t>
+              <a:t>execution sequence of multiple jobs</a:t>
             </a:r>
           </a:p>
           <a:p>
             <a:pPr lvl="1"/>
             <a:r>
               <a:rPr lang="en-US" dirty="0" smtClean="0"/>
-              <a:t>“Hello distributed world!”</a:t>
-            </a:r>
-          </a:p>
-          <a:p>
+              <a:t>3 jobs are running, but wait for a flag in advert service to be set by previous job to </a:t>
+            </a:r>
             <a:r>
               <a:rPr lang="en-US" dirty="0" smtClean="0"/>
-              <a:t>Coordinate execution sequence of multiple jobs</a:t>
-            </a:r>
-          </a:p>
-          <a:p>
-            <a:pPr lvl="1"/>
-            <a:r>
-              <a:rPr lang="en-US" dirty="0" smtClean="0"/>
-              <a:t>3 jobs are running, but wait for a flag in advert service to be set by previous job to continue</a:t>
-            </a:r>
-            <a:endParaRPr lang="en-US" dirty="0"/>
+              <a:t>continue</a:t>
+            </a:r>
           </a:p>
         </p:txBody>
       </p:sp>
@@ -14698,89 +14916,120 @@
       </p:grpSpPr>
       <p:sp>
         <p:nvSpPr>
-          <p:cNvPr id="32769" name="Rectangle 1"/>
-          <p:cNvSpPr>
-            <a:spLocks noGrp="1" noChangeArrowheads="1"/>
+          <p:cNvPr id="2" name="Title 1"/>
+          <p:cNvSpPr>
+            <a:spLocks noGrp="1"/>
           </p:cNvSpPr>
           <p:nvPr>
             <p:ph type="title"/>
           </p:nvPr>
         </p:nvSpPr>
-        <p:spPr>
-          <a:ln/>
-        </p:spPr>
-        <p:txBody>
-          <a:bodyPr/>
-          <a:lstStyle/>
-          <a:p>
-            <a:r>
-              <a:rPr lang="en-US"/>
-              <a:t>Conclusion</a:t>
-            </a:r>
-          </a:p>
-        </p:txBody>
-      </p:sp>
-      <p:sp>
-        <p:nvSpPr>
-          <p:cNvPr id="32770" name="Rectangle 2"/>
-          <p:cNvSpPr>
-            <a:spLocks noGrp="1" noChangeArrowheads="1"/>
+        <p:spPr/>
+        <p:txBody>
+          <a:bodyPr/>
+          <a:lstStyle/>
+          <a:p>
+            <a:r>
+              <a:rPr lang="en-US" dirty="0" smtClean="0"/>
+              <a:t>Example 3: </a:t>
+            </a:r>
+            <a:r>
+              <a:rPr lang="en-US" dirty="0" err="1" smtClean="0"/>
+              <a:t>depending_jobs</a:t>
+            </a:r>
+            <a:endParaRPr lang="en-US" dirty="0"/>
+          </a:p>
+        </p:txBody>
+      </p:sp>
+      <p:sp>
+        <p:nvSpPr>
+          <p:cNvPr id="3" name="Content Placeholder 2"/>
+          <p:cNvSpPr>
+            <a:spLocks noGrp="1"/>
           </p:cNvSpPr>
           <p:nvPr>
             <p:ph sz="quarter" idx="1"/>
           </p:nvPr>
         </p:nvSpPr>
-        <p:spPr>
-          <a:ln/>
-        </p:spPr>
-        <p:txBody>
-          <a:bodyPr/>
-          <a:lstStyle/>
-          <a:p>
-            <a:r>
-              <a:rPr lang="en-US"/>
-              <a:t>We saw simple examples from three different API packages:</a:t>
-            </a:r>
-          </a:p>
-          <a:p>
-            <a:pPr marL="685800" lvl="1"/>
-            <a:r>
-              <a:rPr lang="en-US"/>
-              <a:t>advert package</a:t>
-            </a:r>
-          </a:p>
-          <a:p>
-            <a:pPr marL="685800" lvl="1"/>
-            <a:r>
-              <a:rPr lang="en-US"/>
-              <a:t>job package</a:t>
-            </a:r>
-          </a:p>
-          <a:p>
-            <a:pPr marL="685800" lvl="1"/>
-            <a:r>
-              <a:rPr lang="en-US"/>
-              <a:t>file package</a:t>
-            </a:r>
-          </a:p>
-          <a:p>
-            <a:r>
-              <a:rPr lang="en-US"/>
-              <a:t>All the example code was rather simple, but of course it can be used to develop applications of arbitrary complexity</a:t>
-            </a:r>
-          </a:p>
-          <a:p>
-            <a:r>
-              <a:rPr lang="en-US"/>
-              <a:t>More packages available:</a:t>
-            </a:r>
-          </a:p>
-          <a:p>
-            <a:pPr marL="685800" lvl="1"/>
-            <a:r>
-              <a:rPr lang="en-US"/>
-              <a:t>replica, service discovery, cpr, streams</a:t>
-            </a:r>
+        <p:spPr/>
+        <p:txBody>
+          <a:bodyPr>
+            <a:normAutofit fontScale="92500" lnSpcReduction="10000"/>
+          </a:bodyPr>
+          <a:lstStyle/>
+          <a:p>
+            <a:pPr fontAlgn="ctr"/>
+            <a:r>
+              <a:rPr lang="de-DE" sz="4000" dirty="0" smtClean="0"/>
+              <a:t>Coordinating information from advert service</a:t>
+            </a:r>
+          </a:p>
+          <a:p>
+            <a:pPr fontAlgn="ctr"/>
+            <a:r>
+              <a:rPr lang="de-DE" sz="4000" dirty="0" smtClean="0"/>
+              <a:t>Launch a single job sequentially on a set of remote resources</a:t>
+            </a:r>
+            <a:endParaRPr lang="de-DE" sz="9600" dirty="0" smtClean="0"/>
+          </a:p>
+          <a:p>
+            <a:pPr lvl="1" fontAlgn="ctr"/>
+            <a:r>
+              <a:rPr lang="de-DE" sz="3600" dirty="0" smtClean="0"/>
+              <a:t>Simulating checkpointing/relaunching on different resource (migration)</a:t>
+            </a:r>
+            <a:endParaRPr lang="de-DE" sz="8800" dirty="0" smtClean="0"/>
+          </a:p>
+          <a:p>
+            <a:pPr fontAlgn="ctr"/>
+            <a:r>
+              <a:rPr lang="de-DE" sz="4000" dirty="0" smtClean="0"/>
+              <a:t>Maintain a single result value in advert service</a:t>
+            </a:r>
+            <a:endParaRPr lang="de-DE" sz="9600" dirty="0" smtClean="0"/>
+          </a:p>
+          <a:p>
+            <a:pPr lvl="1" fontAlgn="ctr"/>
+            <a:r>
+              <a:rPr lang="de-DE" sz="3600" dirty="0" smtClean="0"/>
+              <a:t>Gets written by one job, and read by the next</a:t>
+            </a:r>
+            <a:endParaRPr lang="de-DE" sz="8800" dirty="0" smtClean="0"/>
+          </a:p>
+          <a:p>
+            <a:pPr fontAlgn="ctr"/>
+            <a:r>
+              <a:rPr lang="de-DE" sz="4000" dirty="0" smtClean="0"/>
+              <a:t>Demonstrates </a:t>
+            </a:r>
+            <a:endParaRPr lang="de-DE" sz="9600" dirty="0" smtClean="0"/>
+          </a:p>
+          <a:p>
+            <a:pPr lvl="1" fontAlgn="ctr"/>
+            <a:r>
+              <a:rPr lang="de-DE" sz="3600" dirty="0" smtClean="0"/>
+              <a:t>How to launch remote job using SAGA job, while maintaining environment</a:t>
+            </a:r>
+            <a:endParaRPr lang="de-DE" sz="8800" dirty="0" smtClean="0"/>
+          </a:p>
+          <a:p>
+            <a:pPr lvl="1" fontAlgn="ctr"/>
+            <a:r>
+              <a:rPr lang="de-DE" sz="3600" dirty="0" smtClean="0"/>
+              <a:t>Assembling argument lists</a:t>
+            </a:r>
+            <a:endParaRPr lang="de-DE" sz="8800" dirty="0" smtClean="0"/>
+          </a:p>
+          <a:p>
+            <a:pPr fontAlgn="ctr"/>
+            <a:r>
+              <a:rPr lang="de-DE" sz="4000" dirty="0" smtClean="0"/>
+              <a:t>Result is left in advert service, but accessed afterwards</a:t>
+            </a:r>
+            <a:endParaRPr lang="de-DE" sz="9600" dirty="0" smtClean="0"/>
+          </a:p>
+          <a:p>
+            <a:endParaRPr lang="en-US" dirty="0"/>
           </a:p>
         </p:txBody>
       </p:sp>
@@ -14809,7 +15058,30 @@
       </p:sp>
       <p:sp>
         <p:nvSpPr>
-          <p:cNvPr id="5" name="Slide Number Placeholder 4"/>
+          <p:cNvPr id="5" name="Footer Placeholder 4"/>
+          <p:cNvSpPr>
+            <a:spLocks noGrp="1"/>
+          </p:cNvSpPr>
+          <p:nvPr>
+            <p:ph type="ftr" sz="quarter" idx="3"/>
+          </p:nvPr>
+        </p:nvSpPr>
+        <p:spPr/>
+        <p:txBody>
+          <a:bodyPr/>
+          <a:lstStyle/>
+          <a:p>
+            <a:r>
+              <a:rPr lang="en-US" smtClean="0"/>
+              <a:t>NeSC SAGA Tutorial</a:t>
+            </a:r>
+            <a:endParaRPr lang="en-US" dirty="0"/>
+          </a:p>
+        </p:txBody>
+      </p:sp>
+      <p:sp>
+        <p:nvSpPr>
+          <p:cNvPr id="6" name="Slide Number Placeholder 5"/>
           <p:cNvSpPr>
             <a:spLocks noGrp="1"/>
           </p:cNvSpPr>
@@ -14828,29 +15100,6 @@
               <a:t>38</a:t>
             </a:fld>
             <a:endParaRPr lang="en-US"/>
-          </a:p>
-        </p:txBody>
-      </p:sp>
-      <p:sp>
-        <p:nvSpPr>
-          <p:cNvPr id="6" name="Footer Placeholder 5"/>
-          <p:cNvSpPr>
-            <a:spLocks noGrp="1"/>
-          </p:cNvSpPr>
-          <p:nvPr>
-            <p:ph type="ftr" sz="quarter" idx="3"/>
-          </p:nvPr>
-        </p:nvSpPr>
-        <p:spPr/>
-        <p:txBody>
-          <a:bodyPr/>
-          <a:lstStyle/>
-          <a:p>
-            <a:r>
-              <a:rPr lang="en-US" smtClean="0"/>
-              <a:t>NeSC SAGA Tutorial</a:t>
-            </a:r>
-            <a:endParaRPr lang="en-US" dirty="0"/>
           </a:p>
         </p:txBody>
       </p:sp>
@@ -14859,7 +15108,6 @@
   <p:clrMapOvr>
     <a:masterClrMapping/>
   </p:clrMapOvr>
-  <p:transition/>
 </p:sld>
 </file>
 

--- a/tutorial/NeSC-2009/NeSC09-Practical-PPT.pptx
+++ b/tutorial/NeSC-2009/NeSC09-Practical-PPT.pptx
@@ -271,7 +271,7 @@
             <a:fld id="{FD89E5DE-5FFC-4DBE-9A7F-2C9F568D0D45}" type="datetimeFigureOut">
               <a:rPr lang="en-US" smtClean="0"/>
               <a:pPr/>
-              <a:t>9/3/2009</a:t>
+              <a:t>9/4/2009</a:t>
             </a:fld>
             <a:endParaRPr lang="en-US"/>
           </a:p>
@@ -4851,7 +4851,15 @@
           <a:p>
             <a:r>
               <a:rPr lang="en-US" dirty="0" smtClean="0"/>
-              <a:t>SAGA: Simple Examples, Programming Manual SAGA-Shell, Example Applications</a:t>
+              <a:t>SAGA: Simple Examples, Programming </a:t>
+            </a:r>
+            <a:r>
+              <a:rPr lang="en-US" dirty="0" smtClean="0"/>
+              <a:t>Manual, </a:t>
+            </a:r>
+            <a:r>
+              <a:rPr lang="en-US" dirty="0" smtClean="0"/>
+              <a:t>SAGA-Shell, Example Applications</a:t>
             </a:r>
             <a:br>
               <a:rPr lang="en-US" dirty="0" smtClean="0"/>
@@ -4903,6 +4911,13 @@
     <a:masterClrMapping/>
   </p:clrMapOvr>
   <p:transition/>
+  <p:timing>
+    <p:tnLst>
+      <p:par>
+        <p:cTn id="1" dur="indefinite" restart="never" nodeType="tmRoot"/>
+      </p:par>
+    </p:tnLst>
+  </p:timing>
 </p:sld>
 </file>
 
@@ -9330,6 +9345,13 @@
   <p:clrMapOvr>
     <a:masterClrMapping/>
   </p:clrMapOvr>
+  <p:timing>
+    <p:tnLst>
+      <p:par>
+        <p:cTn id="1" dur="indefinite" restart="never" nodeType="tmRoot"/>
+      </p:par>
+    </p:tnLst>
+  </p:timing>
 </p:sld>
 </file>
 
@@ -13331,6 +13353,13 @@
     <a:masterClrMapping/>
   </p:clrMapOvr>
   <p:transition/>
+  <p:timing>
+    <p:tnLst>
+      <p:par>
+        <p:cTn id="1" dur="indefinite" restart="never" nodeType="tmRoot"/>
+      </p:par>
+    </p:tnLst>
+  </p:timing>
 </p:sld>
 </file>
 
@@ -13891,7 +13920,7 @@
         <p:spPr>
           <a:xfrm>
             <a:off x="863600" y="3626584"/>
-            <a:ext cx="11353800" cy="1631216"/>
+            <a:ext cx="11353800" cy="1938992"/>
           </a:xfrm>
           <a:prstGeom prst="rect">
             <a:avLst/>
@@ -13922,8 +13951,19 @@
                 <a:latin typeface="Consolas" pitchFamily="49" charset="0"/>
                 <a:cs typeface="Consolas" pitchFamily="49" charset="0"/>
               </a:rPr>
-              <a:t>saga::stream::server s("tcp://tc17");</a:t>
-            </a:r>
+              <a:t>saga::stream::server s("tcp://</a:t>
+            </a:r>
+            <a:r>
+              <a:rPr lang="en-US" sz="2000" dirty="0" smtClean="0">
+                <a:latin typeface="Consolas" pitchFamily="49" charset="0"/>
+                <a:cs typeface="Consolas" pitchFamily="49" charset="0"/>
+              </a:rPr>
+              <a:t>tc17:&lt;port&gt;");</a:t>
+            </a:r>
+            <a:endParaRPr lang="en-US" sz="2000" dirty="0" smtClean="0">
+              <a:latin typeface="Consolas" pitchFamily="49" charset="0"/>
+              <a:cs typeface="Consolas" pitchFamily="49" charset="0"/>
+            </a:endParaRPr>
           </a:p>
           <a:p>
             <a:pPr marL="0" lvl="3" algn="l"/>
@@ -13942,8 +13982,50 @@
                 <a:latin typeface="Consolas" pitchFamily="49" charset="0"/>
                 <a:cs typeface="Consolas" pitchFamily="49" charset="0"/>
               </a:rPr>
-              <a:t>    ("advert://macpro01.cct.lsu.edu/NeSC2009/exercise_3/&lt;uid&gt;");</a:t>
-            </a:r>
+              <a:t>    ("advert://macpro01.cct.lsu.edu/NeSC2009/exercise_3/&lt;uid</a:t>
+            </a:r>
+            <a:r>
+              <a:rPr lang="en-US" sz="2000" dirty="0" smtClean="0">
+                <a:latin typeface="Consolas" pitchFamily="49" charset="0"/>
+                <a:cs typeface="Consolas" pitchFamily="49" charset="0"/>
+              </a:rPr>
+              <a:t>&gt;“,</a:t>
+            </a:r>
+          </a:p>
+          <a:p>
+            <a:pPr marL="0" lvl="3" algn="l"/>
+            <a:r>
+              <a:rPr lang="en-US" sz="2000" dirty="0" smtClean="0">
+                <a:latin typeface="Consolas" pitchFamily="49" charset="0"/>
+                <a:cs typeface="Consolas" pitchFamily="49" charset="0"/>
+              </a:rPr>
+              <a:t> </a:t>
+            </a:r>
+            <a:r>
+              <a:rPr lang="en-US" sz="2000" dirty="0" smtClean="0">
+                <a:latin typeface="Consolas" pitchFamily="49" charset="0"/>
+                <a:cs typeface="Consolas" pitchFamily="49" charset="0"/>
+              </a:rPr>
+              <a:t>    saga::advert::</a:t>
+            </a:r>
+            <a:r>
+              <a:rPr lang="en-US" sz="2000" dirty="0" err="1" smtClean="0">
+                <a:latin typeface="Consolas" pitchFamily="49" charset="0"/>
+                <a:cs typeface="Consolas" pitchFamily="49" charset="0"/>
+              </a:rPr>
+              <a:t>CreateParents</a:t>
+            </a:r>
+            <a:r>
+              <a:rPr lang="en-US" sz="2000" dirty="0" smtClean="0">
+                <a:latin typeface="Consolas" pitchFamily="49" charset="0"/>
+                <a:cs typeface="Consolas" pitchFamily="49" charset="0"/>
+              </a:rPr>
+              <a:t>);</a:t>
+            </a:r>
+            <a:endParaRPr lang="en-US" sz="2000" dirty="0" smtClean="0">
+              <a:latin typeface="Consolas" pitchFamily="49" charset="0"/>
+              <a:cs typeface="Consolas" pitchFamily="49" charset="0"/>
+            </a:endParaRPr>
           </a:p>
           <a:p>
             <a:pPr marL="0" lvl="3" algn="l"/>
@@ -14034,7 +14116,21 @@
                 <a:latin typeface="Consolas" pitchFamily="49" charset="0"/>
                 <a:cs typeface="Consolas" pitchFamily="49" charset="0"/>
               </a:rPr>
-              <a:t>saga::stream::stream c (</a:t>
+              <a:t>saga::stream</a:t>
+            </a:r>
+            <a:r>
+              <a:rPr lang="en-US" sz="2000" dirty="0" smtClean="0">
+                <a:latin typeface="Consolas" pitchFamily="49" charset="0"/>
+                <a:cs typeface="Consolas" pitchFamily="49" charset="0"/>
+              </a:rPr>
+              <a:t>::server s </a:t>
+            </a:r>
+            <a:r>
+              <a:rPr lang="en-US" sz="2000" dirty="0" smtClean="0">
+                <a:latin typeface="Consolas" pitchFamily="49" charset="0"/>
+                <a:cs typeface="Consolas" pitchFamily="49" charset="0"/>
+              </a:rPr>
+              <a:t>(</a:t>
             </a:r>
             <a:r>
               <a:rPr lang="en-US" sz="2000" dirty="0" err="1" smtClean="0">
@@ -14054,19 +14150,44 @@
           <a:p>
             <a:pPr marL="0" lvl="3" algn="l"/>
             <a:r>
+              <a:rPr lang="en-US" sz="2000" dirty="0" smtClean="0">
+                <a:latin typeface="Consolas" pitchFamily="49" charset="0"/>
+                <a:cs typeface="Consolas" pitchFamily="49" charset="0"/>
+              </a:rPr>
+              <a:t>saga::stream</a:t>
+            </a:r>
+            <a:r>
+              <a:rPr lang="en-US" sz="2000" smtClean="0">
+                <a:latin typeface="Consolas" pitchFamily="49" charset="0"/>
+                <a:cs typeface="Consolas" pitchFamily="49" charset="0"/>
+              </a:rPr>
+              <a:t>::stream c </a:t>
+            </a:r>
+            <a:r>
+              <a:rPr lang="en-US" sz="2000" dirty="0" smtClean="0">
+                <a:latin typeface="Consolas" pitchFamily="49" charset="0"/>
+                <a:cs typeface="Consolas" pitchFamily="49" charset="0"/>
+              </a:rPr>
+              <a:t>(</a:t>
+            </a:r>
+            <a:r>
               <a:rPr lang="en-US" sz="2000" dirty="0" err="1" smtClean="0">
                 <a:latin typeface="Consolas" pitchFamily="49" charset="0"/>
                 <a:cs typeface="Consolas" pitchFamily="49" charset="0"/>
               </a:rPr>
-              <a:t>c.connect</a:t>
+              <a:t>s.get_url</a:t>
             </a:r>
             <a:r>
               <a:rPr lang="en-US" sz="2000" dirty="0" smtClean="0">
                 <a:latin typeface="Consolas" pitchFamily="49" charset="0"/>
                 <a:cs typeface="Consolas" pitchFamily="49" charset="0"/>
               </a:rPr>
-              <a:t>();</a:t>
-            </a:r>
+              <a:t>());</a:t>
+            </a:r>
+            <a:endParaRPr lang="en-US" sz="2000" dirty="0" smtClean="0">
+              <a:latin typeface="Consolas" pitchFamily="49" charset="0"/>
+              <a:cs typeface="Consolas" pitchFamily="49" charset="0"/>
+            </a:endParaRPr>
           </a:p>
           <a:p>
             <a:pPr marL="0" lvl="3" algn="l"/>
@@ -15792,11 +15913,7 @@
           <a:p>
             <a:r>
               <a:rPr lang="en-US" dirty="0" smtClean="0"/>
-              <a:t>Credentials: </a:t>
-            </a:r>
-            <a:r>
-              <a:rPr lang="en-US" dirty="0" smtClean="0"/>
-              <a:t> </a:t>
+              <a:t>Credentials:  </a:t>
             </a:r>
           </a:p>
           <a:p>
@@ -15807,7 +15924,6 @@
               <a:rPr lang="en-US" sz="3600" dirty="0" smtClean="0"/>
               <a:t>		   course01, course02,…, course12</a:t>
             </a:r>
-            <a:endParaRPr lang="en-US" sz="3600" dirty="0" smtClean="0"/>
           </a:p>
           <a:p>
             <a:endParaRPr lang="en-US" dirty="0"/>
@@ -15890,6 +16006,13 @@
     <a:masterClrMapping/>
   </p:clrMapOvr>
   <p:transition/>
+  <p:timing>
+    <p:tnLst>
+      <p:par>
+        <p:cTn id="1" dur="indefinite" restart="never" nodeType="tmRoot"/>
+      </p:par>
+    </p:tnLst>
+  </p:timing>
 </p:sld>
 </file>
 
@@ -17065,11 +17188,15 @@
             </a:r>
             <a:r>
               <a:rPr lang="en-US" dirty="0" smtClean="0"/>
-              <a:t>	$SAGA_ROOT/saga/tools/</a:t>
+              <a:t>	$</a:t>
+            </a:r>
+            <a:r>
+              <a:rPr lang="en-US" dirty="0" smtClean="0"/>
+              <a:t>SAGA_ROOT/saga/tools/</a:t>
             </a:r>
             <a:r>
               <a:rPr lang="en-US" dirty="0" err="1" smtClean="0"/>
-              <a:t>cltools</a:t>
+              <a:t>clutils</a:t>
             </a:r>
             <a:r>
               <a:rPr lang="en-US" dirty="0" smtClean="0"/>
@@ -17088,11 +17215,15 @@
             </a:pPr>
             <a:r>
               <a:rPr lang="en-US" dirty="0" smtClean="0"/>
-              <a:t>saga-job 	$SAGA_ROOT/saga/tools/</a:t>
+              <a:t>saga-job 	$</a:t>
+            </a:r>
+            <a:r>
+              <a:rPr lang="en-US" dirty="0" smtClean="0"/>
+              <a:t>SAGA_ROOT/saga/tools/</a:t>
             </a:r>
             <a:r>
               <a:rPr lang="en-US" dirty="0" err="1" smtClean="0"/>
-              <a:t>cltools</a:t>
+              <a:t>clutils</a:t>
             </a:r>
             <a:r>
               <a:rPr lang="en-US" dirty="0" smtClean="0"/>
@@ -17115,11 +17246,15 @@
             </a:r>
             <a:r>
               <a:rPr lang="en-US" dirty="0" smtClean="0"/>
-              <a:t>	$SAGA_ROOT/saga/tools/</a:t>
+              <a:t>	$</a:t>
+            </a:r>
+            <a:r>
+              <a:rPr lang="en-US" dirty="0" smtClean="0"/>
+              <a:t>SAGA_ROOT/saga/tools/</a:t>
             </a:r>
             <a:r>
               <a:rPr lang="en-US" dirty="0" err="1" smtClean="0"/>
-              <a:t>cltools</a:t>
+              <a:t>clutils</a:t>
             </a:r>
             <a:r>
               <a:rPr lang="en-US" dirty="0" smtClean="0"/>
@@ -17142,15 +17277,23 @@
             </a:r>
             <a:r>
               <a:rPr lang="en-US" dirty="0" smtClean="0"/>
-              <a:t>	$SAGA_ROOT/saga/tools/</a:t>
+              <a:t>	$</a:t>
+            </a:r>
+            <a:r>
+              <a:rPr lang="en-US" dirty="0" smtClean="0"/>
+              <a:t>SAGA_ROOT/saga/tools/</a:t>
             </a:r>
             <a:r>
               <a:rPr lang="en-US" dirty="0" err="1" smtClean="0"/>
-              <a:t>cltools</a:t>
+              <a:t>clutils</a:t>
             </a:r>
             <a:r>
               <a:rPr lang="en-US" dirty="0" smtClean="0"/>
-              <a:t>/replica/</a:t>
+              <a:t>/replica</a:t>
+            </a:r>
+            <a:r>
+              <a:rPr lang="en-US" dirty="0" smtClean="0"/>
+              <a:t>/</a:t>
             </a:r>
           </a:p>
           <a:p>
